--- a/doc/konsept/Fant-.pptx
+++ b/doc/konsept/Fant-.pptx
@@ -21,9 +21,9 @@
     <p:sldId id="268" r:id="rId12"/>
     <p:sldId id="269" r:id="rId13"/>
     <p:sldId id="271" r:id="rId14"/>
-    <p:sldId id="272" r:id="rId15"/>
-    <p:sldId id="273" r:id="rId16"/>
-    <p:sldId id="274" r:id="rId17"/>
+    <p:sldId id="273" r:id="rId15"/>
+    <p:sldId id="274" r:id="rId16"/>
+    <p:sldId id="272" r:id="rId17"/>
     <p:sldId id="270" r:id="rId18"/>
   </p:sldIdLst>
   <p:sldSz cx="12192000" cy="6858000"/>
@@ -473,6 +473,93 @@
     </a:lvl9pPr>
   </p:notesStyle>
 </p:notesMaster>
+</file>
+
+<file path=ppt/notesSlides/notesSlide1.xml><?xml version="1.0" encoding="utf-8"?>
+<p:notes xmlns:a="http://schemas.openxmlformats.org/drawingml/2006/main" xmlns:r="http://schemas.openxmlformats.org/officeDocument/2006/relationships" xmlns:p="http://schemas.openxmlformats.org/presentationml/2006/main">
+  <p:cSld>
+    <p:spTree>
+      <p:nvGrpSpPr>
+        <p:cNvPr id="1" name=""/>
+        <p:cNvGrpSpPr/>
+        <p:nvPr/>
+      </p:nvGrpSpPr>
+      <p:grpSpPr>
+        <a:xfrm>
+          <a:off x="0" y="0"/>
+          <a:ext cx="0" cy="0"/>
+          <a:chOff x="0" y="0"/>
+          <a:chExt cx="0" cy="0"/>
+        </a:xfrm>
+      </p:grpSpPr>
+      <p:sp>
+        <p:nvSpPr>
+          <p:cNvPr id="2" name="Plassholder for lysbilde 1"/>
+          <p:cNvSpPr>
+            <a:spLocks noGrp="1" noRot="1" noChangeAspect="1"/>
+          </p:cNvSpPr>
+          <p:nvPr>
+            <p:ph type="sldImg"/>
+          </p:nvPr>
+        </p:nvSpPr>
+        <p:spPr/>
+      </p:sp>
+      <p:sp>
+        <p:nvSpPr>
+          <p:cNvPr id="3" name="Plassholder for notater 2"/>
+          <p:cNvSpPr>
+            <a:spLocks noGrp="1"/>
+          </p:cNvSpPr>
+          <p:nvPr>
+            <p:ph type="body" idx="1"/>
+          </p:nvPr>
+        </p:nvSpPr>
+        <p:spPr/>
+        <p:txBody>
+          <a:bodyPr/>
+          <a:lstStyle/>
+          <a:p>
+            <a:r>
+              <a:rPr lang="nb-NO" dirty="0"/>
+              <a:t>WCAG-standard. Stemmestyring, svaksynte</a:t>
+            </a:r>
+          </a:p>
+        </p:txBody>
+      </p:sp>
+      <p:sp>
+        <p:nvSpPr>
+          <p:cNvPr id="4" name="Plassholder for lysbildenummer 3"/>
+          <p:cNvSpPr>
+            <a:spLocks noGrp="1"/>
+          </p:cNvSpPr>
+          <p:nvPr>
+            <p:ph type="sldNum" sz="quarter" idx="5"/>
+          </p:nvPr>
+        </p:nvSpPr>
+        <p:spPr/>
+        <p:txBody>
+          <a:bodyPr/>
+          <a:lstStyle/>
+          <a:p>
+            <a:fld id="{406A5360-5D30-4E31-8969-9BE697D8F1A1}" type="slidenum">
+              <a:rPr lang="nb-NO" smtClean="0"/>
+              <a:t>14</a:t>
+            </a:fld>
+            <a:endParaRPr lang="nb-NO"/>
+          </a:p>
+        </p:txBody>
+      </p:sp>
+    </p:spTree>
+    <p:extLst>
+      <p:ext uri="{BB962C8B-B14F-4D97-AF65-F5344CB8AC3E}">
+        <p14:creationId xmlns:p14="http://schemas.microsoft.com/office/powerpoint/2010/main" val="1232942409"/>
+      </p:ext>
+    </p:extLst>
+  </p:cSld>
+  <p:clrMapOvr>
+    <a:masterClrMapping/>
+  </p:clrMapOvr>
+</p:notes>
 </file>
 
 <file path=ppt/slideLayouts/slideLayout1.xml><?xml version="1.0" encoding="utf-8"?>
@@ -4461,10 +4548,10 @@
       </p:grpSpPr>
       <p:pic>
         <p:nvPicPr>
-          <p:cNvPr id="3" name="Grafikk 2" descr="Wi-Fi">
+          <p:cNvPr id="42" name="Grafikk 41" descr="By">
             <a:extLst>
               <a:ext uri="{FF2B5EF4-FFF2-40B4-BE49-F238E27FC236}">
-                <a16:creationId xmlns:a16="http://schemas.microsoft.com/office/drawing/2014/main" id="{D6D908F3-2D19-4B36-A788-BFF1FD6E458A}"/>
+                <a16:creationId xmlns:a16="http://schemas.microsoft.com/office/drawing/2014/main" id="{7A965CF5-9B34-4CE9-97DF-1A844E853889}"/>
               </a:ext>
             </a:extLst>
           </p:cNvPr>
@@ -4474,824 +4561,10 @@
           <p:nvPr/>
         </p:nvPicPr>
         <p:blipFill>
-          <a:blip r:embed="rId2">
+          <a:blip r:embed="rId3">
             <a:extLst>
               <a:ext uri="{96DAC541-7B7A-43D3-8B79-37D633B846F1}">
-                <asvg:svgBlip xmlns:asvg="http://schemas.microsoft.com/office/drawing/2016/SVG/main" r:embed="rId3"/>
-              </a:ext>
-            </a:extLst>
-          </a:blip>
-          <a:stretch>
-            <a:fillRect/>
-          </a:stretch>
-        </p:blipFill>
-        <p:spPr>
-          <a:xfrm>
-            <a:off x="3488383" y="941201"/>
-            <a:ext cx="914400" cy="914400"/>
-          </a:xfrm>
-          <a:prstGeom prst="rect">
-            <a:avLst/>
-          </a:prstGeom>
-        </p:spPr>
-      </p:pic>
-      <p:pic>
-        <p:nvPicPr>
-          <p:cNvPr id="5" name="Grafikk 4" descr="Volum">
-            <a:extLst>
-              <a:ext uri="{FF2B5EF4-FFF2-40B4-BE49-F238E27FC236}">
-                <a16:creationId xmlns:a16="http://schemas.microsoft.com/office/drawing/2014/main" id="{46C00A3D-EFD4-4E38-A0A4-9134374AF8EB}"/>
-              </a:ext>
-            </a:extLst>
-          </p:cNvPr>
-          <p:cNvPicPr>
-            <a:picLocks noChangeAspect="1"/>
-          </p:cNvPicPr>
-          <p:nvPr/>
-        </p:nvPicPr>
-        <p:blipFill>
-          <a:blip r:embed="rId4">
-            <a:extLst>
-              <a:ext uri="{96DAC541-7B7A-43D3-8B79-37D633B846F1}">
-                <asvg:svgBlip xmlns:asvg="http://schemas.microsoft.com/office/drawing/2016/SVG/main" r:embed="rId5"/>
-              </a:ext>
-            </a:extLst>
-          </a:blip>
-          <a:stretch>
-            <a:fillRect/>
-          </a:stretch>
-        </p:blipFill>
-        <p:spPr>
-          <a:xfrm>
-            <a:off x="2869026" y="4179000"/>
-            <a:ext cx="914400" cy="914400"/>
-          </a:xfrm>
-          <a:prstGeom prst="rect">
-            <a:avLst/>
-          </a:prstGeom>
-        </p:spPr>
-      </p:pic>
-      <p:pic>
-        <p:nvPicPr>
-          <p:cNvPr id="7" name="Grafikk 6" descr="Advarsel">
-            <a:extLst>
-              <a:ext uri="{FF2B5EF4-FFF2-40B4-BE49-F238E27FC236}">
-                <a16:creationId xmlns:a16="http://schemas.microsoft.com/office/drawing/2014/main" id="{E57FEFF8-B2A2-4FAD-8A08-CB8E95E73AF9}"/>
-              </a:ext>
-            </a:extLst>
-          </p:cNvPr>
-          <p:cNvPicPr>
-            <a:picLocks noChangeAspect="1"/>
-          </p:cNvPicPr>
-          <p:nvPr/>
-        </p:nvPicPr>
-        <p:blipFill>
-          <a:blip r:embed="rId6">
-            <a:extLst>
-              <a:ext uri="{96DAC541-7B7A-43D3-8B79-37D633B846F1}">
-                <asvg:svgBlip xmlns:asvg="http://schemas.microsoft.com/office/drawing/2016/SVG/main" r:embed="rId7"/>
-              </a:ext>
-            </a:extLst>
-          </a:blip>
-          <a:stretch>
-            <a:fillRect/>
-          </a:stretch>
-        </p:blipFill>
-        <p:spPr>
-          <a:xfrm>
-            <a:off x="1726254" y="3038471"/>
-            <a:ext cx="914400" cy="914400"/>
-          </a:xfrm>
-          <a:prstGeom prst="rect">
-            <a:avLst/>
-          </a:prstGeom>
-        </p:spPr>
-      </p:pic>
-      <p:pic>
-        <p:nvPicPr>
-          <p:cNvPr id="9" name="Grafikk 8" descr="Klokke">
-            <a:extLst>
-              <a:ext uri="{FF2B5EF4-FFF2-40B4-BE49-F238E27FC236}">
-                <a16:creationId xmlns:a16="http://schemas.microsoft.com/office/drawing/2014/main" id="{B499E961-D14F-4737-931C-34D614F3BD7C}"/>
-              </a:ext>
-            </a:extLst>
-          </p:cNvPr>
-          <p:cNvPicPr>
-            <a:picLocks noChangeAspect="1"/>
-          </p:cNvPicPr>
-          <p:nvPr/>
-        </p:nvPicPr>
-        <p:blipFill>
-          <a:blip r:embed="rId8">
-            <a:extLst>
-              <a:ext uri="{96DAC541-7B7A-43D3-8B79-37D633B846F1}">
-                <asvg:svgBlip xmlns:asvg="http://schemas.microsoft.com/office/drawing/2016/SVG/main" r:embed="rId9"/>
-              </a:ext>
-            </a:extLst>
-          </a:blip>
-          <a:stretch>
-            <a:fillRect/>
-          </a:stretch>
-        </p:blipFill>
-        <p:spPr>
-          <a:xfrm>
-            <a:off x="2355526" y="1769574"/>
-            <a:ext cx="914400" cy="914400"/>
-          </a:xfrm>
-          <a:prstGeom prst="rect">
-            <a:avLst/>
-          </a:prstGeom>
-        </p:spPr>
-      </p:pic>
-      <p:pic>
-        <p:nvPicPr>
-          <p:cNvPr id="11" name="Grafikk 10" descr="Bjelle">
-            <a:extLst>
-              <a:ext uri="{FF2B5EF4-FFF2-40B4-BE49-F238E27FC236}">
-                <a16:creationId xmlns:a16="http://schemas.microsoft.com/office/drawing/2014/main" id="{4CF87D3A-5AAA-48B4-A977-6E3E587A2C20}"/>
-              </a:ext>
-            </a:extLst>
-          </p:cNvPr>
-          <p:cNvPicPr>
-            <a:picLocks noChangeAspect="1"/>
-          </p:cNvPicPr>
-          <p:nvPr/>
-        </p:nvPicPr>
-        <p:blipFill>
-          <a:blip r:embed="rId10">
-            <a:extLst>
-              <a:ext uri="{96DAC541-7B7A-43D3-8B79-37D633B846F1}">
-                <asvg:svgBlip xmlns:asvg="http://schemas.microsoft.com/office/drawing/2016/SVG/main" r:embed="rId11"/>
-              </a:ext>
-            </a:extLst>
-          </a:blip>
-          <a:stretch>
-            <a:fillRect/>
-          </a:stretch>
-        </p:blipFill>
-        <p:spPr>
-          <a:xfrm>
-            <a:off x="8799119" y="1343905"/>
-            <a:ext cx="916887" cy="916887"/>
-          </a:xfrm>
-          <a:prstGeom prst="rect">
-            <a:avLst/>
-          </a:prstGeom>
-        </p:spPr>
-      </p:pic>
-      <p:pic>
-        <p:nvPicPr>
-          <p:cNvPr id="13" name="Grafikk 12" descr="Nettsky">
-            <a:extLst>
-              <a:ext uri="{FF2B5EF4-FFF2-40B4-BE49-F238E27FC236}">
-                <a16:creationId xmlns:a16="http://schemas.microsoft.com/office/drawing/2014/main" id="{2B808870-3A4C-47BF-BD90-C189ECB723F0}"/>
-              </a:ext>
-            </a:extLst>
-          </p:cNvPr>
-          <p:cNvPicPr>
-            <a:picLocks noChangeAspect="1"/>
-          </p:cNvPicPr>
-          <p:nvPr/>
-        </p:nvPicPr>
-        <p:blipFill>
-          <a:blip r:embed="rId12">
-            <a:extLst>
-              <a:ext uri="{96DAC541-7B7A-43D3-8B79-37D633B846F1}">
-                <asvg:svgBlip xmlns:asvg="http://schemas.microsoft.com/office/drawing/2016/SVG/main" r:embed="rId13"/>
-              </a:ext>
-            </a:extLst>
-          </a:blip>
-          <a:stretch>
-            <a:fillRect/>
-          </a:stretch>
-        </p:blipFill>
-        <p:spPr>
-          <a:xfrm>
-            <a:off x="4818555" y="1312374"/>
-            <a:ext cx="914400" cy="914400"/>
-          </a:xfrm>
-          <a:prstGeom prst="rect">
-            <a:avLst/>
-          </a:prstGeom>
-        </p:spPr>
-      </p:pic>
-      <p:pic>
-        <p:nvPicPr>
-          <p:cNvPr id="15" name="Grafikk 14" descr="Bluetooth">
-            <a:extLst>
-              <a:ext uri="{FF2B5EF4-FFF2-40B4-BE49-F238E27FC236}">
-                <a16:creationId xmlns:a16="http://schemas.microsoft.com/office/drawing/2014/main" id="{265CF4DC-A199-4675-8069-481136C3E2C4}"/>
-              </a:ext>
-            </a:extLst>
-          </p:cNvPr>
-          <p:cNvPicPr>
-            <a:picLocks noChangeAspect="1"/>
-          </p:cNvPicPr>
-          <p:nvPr/>
-        </p:nvPicPr>
-        <p:blipFill>
-          <a:blip r:embed="rId14">
-            <a:extLst>
-              <a:ext uri="{96DAC541-7B7A-43D3-8B79-37D633B846F1}">
-                <asvg:svgBlip xmlns:asvg="http://schemas.microsoft.com/office/drawing/2016/SVG/main" r:embed="rId15"/>
-              </a:ext>
-            </a:extLst>
-          </a:blip>
-          <a:stretch>
-            <a:fillRect/>
-          </a:stretch>
-        </p:blipFill>
-        <p:spPr>
-          <a:xfrm>
-            <a:off x="3713619" y="2245482"/>
-            <a:ext cx="914400" cy="914400"/>
-          </a:xfrm>
-          <a:prstGeom prst="rect">
-            <a:avLst/>
-          </a:prstGeom>
-        </p:spPr>
-      </p:pic>
-      <p:pic>
-        <p:nvPicPr>
-          <p:cNvPr id="17" name="Grafikk 16" descr="Kompass">
-            <a:extLst>
-              <a:ext uri="{FF2B5EF4-FFF2-40B4-BE49-F238E27FC236}">
-                <a16:creationId xmlns:a16="http://schemas.microsoft.com/office/drawing/2014/main" id="{C269ECD4-D6B6-4C4F-9692-46674C2FDEA0}"/>
-              </a:ext>
-            </a:extLst>
-          </p:cNvPr>
-          <p:cNvPicPr>
-            <a:picLocks noChangeAspect="1"/>
-          </p:cNvPicPr>
-          <p:nvPr/>
-        </p:nvPicPr>
-        <p:blipFill>
-          <a:blip r:embed="rId16">
-            <a:extLst>
-              <a:ext uri="{96DAC541-7B7A-43D3-8B79-37D633B846F1}">
-                <asvg:svgBlip xmlns:asvg="http://schemas.microsoft.com/office/drawing/2016/SVG/main" r:embed="rId17"/>
-              </a:ext>
-            </a:extLst>
-          </a:blip>
-          <a:stretch>
-            <a:fillRect/>
-          </a:stretch>
-        </p:blipFill>
-        <p:spPr>
-          <a:xfrm>
-            <a:off x="4253913" y="4308067"/>
-            <a:ext cx="914400" cy="914400"/>
-          </a:xfrm>
-          <a:prstGeom prst="rect">
-            <a:avLst/>
-          </a:prstGeom>
-        </p:spPr>
-      </p:pic>
-      <p:pic>
-        <p:nvPicPr>
-          <p:cNvPr id="19" name="Grafikk 18" descr="Ulåst">
-            <a:extLst>
-              <a:ext uri="{FF2B5EF4-FFF2-40B4-BE49-F238E27FC236}">
-                <a16:creationId xmlns:a16="http://schemas.microsoft.com/office/drawing/2014/main" id="{F991E882-9BD0-4831-B1F3-2EF18D0C646E}"/>
-              </a:ext>
-            </a:extLst>
-          </p:cNvPr>
-          <p:cNvPicPr>
-            <a:picLocks noChangeAspect="1"/>
-          </p:cNvPicPr>
-          <p:nvPr/>
-        </p:nvPicPr>
-        <p:blipFill>
-          <a:blip r:embed="rId18">
-            <a:extLst>
-              <a:ext uri="{96DAC541-7B7A-43D3-8B79-37D633B846F1}">
-                <asvg:svgBlip xmlns:asvg="http://schemas.microsoft.com/office/drawing/2016/SVG/main" r:embed="rId19"/>
-              </a:ext>
-            </a:extLst>
-          </a:blip>
-          <a:stretch>
-            <a:fillRect/>
-          </a:stretch>
-        </p:blipFill>
-        <p:spPr>
-          <a:xfrm>
-            <a:off x="7332019" y="941201"/>
-            <a:ext cx="914400" cy="914400"/>
-          </a:xfrm>
-          <a:prstGeom prst="rect">
-            <a:avLst/>
-          </a:prstGeom>
-        </p:spPr>
-      </p:pic>
-      <p:pic>
-        <p:nvPicPr>
-          <p:cNvPr id="21" name="Grafikk 20" descr="Låst">
-            <a:extLst>
-              <a:ext uri="{FF2B5EF4-FFF2-40B4-BE49-F238E27FC236}">
-                <a16:creationId xmlns:a16="http://schemas.microsoft.com/office/drawing/2014/main" id="{21D73433-E66A-4453-8297-7F29F4E96FDC}"/>
-              </a:ext>
-            </a:extLst>
-          </p:cNvPr>
-          <p:cNvPicPr>
-            <a:picLocks noChangeAspect="1"/>
-          </p:cNvPicPr>
-          <p:nvPr/>
-        </p:nvPicPr>
-        <p:blipFill>
-          <a:blip r:embed="rId20">
-            <a:extLst>
-              <a:ext uri="{96DAC541-7B7A-43D3-8B79-37D633B846F1}">
-                <asvg:svgBlip xmlns:asvg="http://schemas.microsoft.com/office/drawing/2016/SVG/main" r:embed="rId21"/>
-              </a:ext>
-            </a:extLst>
-          </a:blip>
-          <a:stretch>
-            <a:fillRect/>
-          </a:stretch>
-        </p:blipFill>
-        <p:spPr>
-          <a:xfrm>
-            <a:off x="6459047" y="1673193"/>
-            <a:ext cx="914400" cy="914400"/>
-          </a:xfrm>
-          <a:prstGeom prst="rect">
-            <a:avLst/>
-          </a:prstGeom>
-        </p:spPr>
-      </p:pic>
-      <p:pic>
-        <p:nvPicPr>
-          <p:cNvPr id="23" name="Grafikk 22" descr="Tankeboble">
-            <a:extLst>
-              <a:ext uri="{FF2B5EF4-FFF2-40B4-BE49-F238E27FC236}">
-                <a16:creationId xmlns:a16="http://schemas.microsoft.com/office/drawing/2014/main" id="{59A0C625-3B7B-4A50-B466-783D76886AB9}"/>
-              </a:ext>
-            </a:extLst>
-          </p:cNvPr>
-          <p:cNvPicPr>
-            <a:picLocks noChangeAspect="1"/>
-          </p:cNvPicPr>
-          <p:nvPr/>
-        </p:nvPicPr>
-        <p:blipFill>
-          <a:blip r:embed="rId22">
-            <a:extLst>
-              <a:ext uri="{96DAC541-7B7A-43D3-8B79-37D633B846F1}">
-                <asvg:svgBlip xmlns:asvg="http://schemas.microsoft.com/office/drawing/2016/SVG/main" r:embed="rId23"/>
-              </a:ext>
-            </a:extLst>
-          </a:blip>
-          <a:stretch>
-            <a:fillRect/>
-          </a:stretch>
-        </p:blipFill>
-        <p:spPr>
-          <a:xfrm>
-            <a:off x="5638800" y="2971800"/>
-            <a:ext cx="914400" cy="914400"/>
-          </a:xfrm>
-          <a:prstGeom prst="rect">
-            <a:avLst/>
-          </a:prstGeom>
-        </p:spPr>
-      </p:pic>
-      <p:pic>
-        <p:nvPicPr>
-          <p:cNvPr id="25" name="Grafikk 24" descr="Kamera">
-            <a:extLst>
-              <a:ext uri="{FF2B5EF4-FFF2-40B4-BE49-F238E27FC236}">
-                <a16:creationId xmlns:a16="http://schemas.microsoft.com/office/drawing/2014/main" id="{85F0FEF5-ACE9-4841-AB93-582A666C0C72}"/>
-              </a:ext>
-            </a:extLst>
-          </p:cNvPr>
-          <p:cNvPicPr>
-            <a:picLocks noChangeAspect="1"/>
-          </p:cNvPicPr>
-          <p:nvPr/>
-        </p:nvPicPr>
-        <p:blipFill>
-          <a:blip r:embed="rId24">
-            <a:extLst>
-              <a:ext uri="{96DAC541-7B7A-43D3-8B79-37D633B846F1}">
-                <asvg:svgBlip xmlns:asvg="http://schemas.microsoft.com/office/drawing/2016/SVG/main" r:embed="rId25"/>
-              </a:ext>
-            </a:extLst>
-          </a:blip>
-          <a:stretch>
-            <a:fillRect/>
-          </a:stretch>
-        </p:blipFill>
-        <p:spPr>
-          <a:xfrm>
-            <a:off x="5985233" y="5093400"/>
-            <a:ext cx="914400" cy="914400"/>
-          </a:xfrm>
-          <a:prstGeom prst="rect">
-            <a:avLst/>
-          </a:prstGeom>
-        </p:spPr>
-      </p:pic>
-      <p:pic>
-        <p:nvPicPr>
-          <p:cNvPr id="27" name="Grafikk 26" descr="Webkamera">
-            <a:extLst>
-              <a:ext uri="{FF2B5EF4-FFF2-40B4-BE49-F238E27FC236}">
-                <a16:creationId xmlns:a16="http://schemas.microsoft.com/office/drawing/2014/main" id="{F7986C00-F983-48C9-A936-114471265284}"/>
-              </a:ext>
-            </a:extLst>
-          </p:cNvPr>
-          <p:cNvPicPr>
-            <a:picLocks noChangeAspect="1"/>
-          </p:cNvPicPr>
-          <p:nvPr/>
-        </p:nvPicPr>
-        <p:blipFill>
-          <a:blip r:embed="rId26">
-            <a:extLst>
-              <a:ext uri="{96DAC541-7B7A-43D3-8B79-37D633B846F1}">
-                <asvg:svgBlip xmlns:asvg="http://schemas.microsoft.com/office/drawing/2016/SVG/main" r:embed="rId27"/>
-              </a:ext>
-            </a:extLst>
-          </a:blip>
-          <a:stretch>
-            <a:fillRect/>
-          </a:stretch>
-        </p:blipFill>
-        <p:spPr>
-          <a:xfrm>
-            <a:off x="7751615" y="4636200"/>
-            <a:ext cx="914400" cy="914400"/>
-          </a:xfrm>
-          <a:prstGeom prst="rect">
-            <a:avLst/>
-          </a:prstGeom>
-        </p:spPr>
-      </p:pic>
-      <p:pic>
-        <p:nvPicPr>
-          <p:cNvPr id="29" name="Grafikk 28" descr="Nettbrett">
-            <a:extLst>
-              <a:ext uri="{FF2B5EF4-FFF2-40B4-BE49-F238E27FC236}">
-                <a16:creationId xmlns:a16="http://schemas.microsoft.com/office/drawing/2014/main" id="{02F6657E-08C0-4AB8-8CF5-B6532573C754}"/>
-              </a:ext>
-            </a:extLst>
-          </p:cNvPr>
-          <p:cNvPicPr>
-            <a:picLocks noChangeAspect="1"/>
-          </p:cNvPicPr>
-          <p:nvPr/>
-        </p:nvPicPr>
-        <p:blipFill>
-          <a:blip r:embed="rId28">
-            <a:extLst>
-              <a:ext uri="{96DAC541-7B7A-43D3-8B79-37D633B846F1}">
-                <asvg:svgBlip xmlns:asvg="http://schemas.microsoft.com/office/drawing/2016/SVG/main" r:embed="rId29"/>
-              </a:ext>
-            </a:extLst>
-          </a:blip>
-          <a:stretch>
-            <a:fillRect/>
-          </a:stretch>
-        </p:blipFill>
-        <p:spPr>
-          <a:xfrm>
-            <a:off x="8094174" y="3271800"/>
-            <a:ext cx="914400" cy="914400"/>
-          </a:xfrm>
-          <a:prstGeom prst="rect">
-            <a:avLst/>
-          </a:prstGeom>
-        </p:spPr>
-      </p:pic>
-      <p:pic>
-        <p:nvPicPr>
-          <p:cNvPr id="31" name="Grafikk 30" descr="Smarttelefon">
-            <a:extLst>
-              <a:ext uri="{FF2B5EF4-FFF2-40B4-BE49-F238E27FC236}">
-                <a16:creationId xmlns:a16="http://schemas.microsoft.com/office/drawing/2014/main" id="{519D97BB-C577-443E-9534-8330E51670AB}"/>
-              </a:ext>
-            </a:extLst>
-          </p:cNvPr>
-          <p:cNvPicPr>
-            <a:picLocks noChangeAspect="1"/>
-          </p:cNvPicPr>
-          <p:nvPr/>
-        </p:nvPicPr>
-        <p:blipFill>
-          <a:blip r:embed="rId30">
-            <a:extLst>
-              <a:ext uri="{96DAC541-7B7A-43D3-8B79-37D633B846F1}">
-                <asvg:svgBlip xmlns:asvg="http://schemas.microsoft.com/office/drawing/2016/SVG/main" r:embed="rId31"/>
-              </a:ext>
-            </a:extLst>
-          </a:blip>
-          <a:stretch>
-            <a:fillRect/>
-          </a:stretch>
-        </p:blipFill>
-        <p:spPr>
-          <a:xfrm>
-            <a:off x="9593702" y="4479894"/>
-            <a:ext cx="914400" cy="914400"/>
-          </a:xfrm>
-          <a:prstGeom prst="rect">
-            <a:avLst/>
-          </a:prstGeom>
-        </p:spPr>
-      </p:pic>
-      <p:pic>
-        <p:nvPicPr>
-          <p:cNvPr id="33" name="Grafikk 32" descr="Bærbar datamaskin">
-            <a:extLst>
-              <a:ext uri="{FF2B5EF4-FFF2-40B4-BE49-F238E27FC236}">
-                <a16:creationId xmlns:a16="http://schemas.microsoft.com/office/drawing/2014/main" id="{FB948175-DE0A-4A39-B7C7-03724CF9D19F}"/>
-              </a:ext>
-            </a:extLst>
-          </p:cNvPr>
-          <p:cNvPicPr>
-            <a:picLocks noChangeAspect="1"/>
-          </p:cNvPicPr>
-          <p:nvPr/>
-        </p:nvPicPr>
-        <p:blipFill>
-          <a:blip r:embed="rId32">
-            <a:extLst>
-              <a:ext uri="{96DAC541-7B7A-43D3-8B79-37D633B846F1}">
-                <asvg:svgBlip xmlns:asvg="http://schemas.microsoft.com/office/drawing/2016/SVG/main" r:embed="rId33"/>
-              </a:ext>
-            </a:extLst>
-          </a:blip>
-          <a:stretch>
-            <a:fillRect/>
-          </a:stretch>
-        </p:blipFill>
-        <p:spPr>
-          <a:xfrm>
-            <a:off x="9466228" y="3244560"/>
-            <a:ext cx="914400" cy="914400"/>
-          </a:xfrm>
-          <a:prstGeom prst="rect">
-            <a:avLst/>
-          </a:prstGeom>
-        </p:spPr>
-      </p:pic>
-      <p:pic>
-        <p:nvPicPr>
-          <p:cNvPr id="34" name="Bilde 33">
-            <a:extLst>
-              <a:ext uri="{FF2B5EF4-FFF2-40B4-BE49-F238E27FC236}">
-                <a16:creationId xmlns:a16="http://schemas.microsoft.com/office/drawing/2014/main" id="{8EF520D1-AA29-4B06-A908-393D2A9B2200}"/>
-              </a:ext>
-            </a:extLst>
-          </p:cNvPr>
-          <p:cNvPicPr>
-            <a:picLocks noChangeAspect="1"/>
-          </p:cNvPicPr>
-          <p:nvPr/>
-        </p:nvPicPr>
-        <p:blipFill>
-          <a:blip r:embed="rId34"/>
-          <a:stretch>
-            <a:fillRect/>
-          </a:stretch>
-        </p:blipFill>
-        <p:spPr>
-          <a:xfrm>
-            <a:off x="497501" y="234282"/>
-            <a:ext cx="2069126" cy="1606155"/>
-          </a:xfrm>
-          <a:prstGeom prst="rect">
-            <a:avLst/>
-          </a:prstGeom>
-        </p:spPr>
-      </p:pic>
-      <p:pic>
-        <p:nvPicPr>
-          <p:cNvPr id="36" name="Bilde 35">
-            <a:extLst>
-              <a:ext uri="{FF2B5EF4-FFF2-40B4-BE49-F238E27FC236}">
-                <a16:creationId xmlns:a16="http://schemas.microsoft.com/office/drawing/2014/main" id="{62E4C73E-03F6-4F9C-8994-30F21F5BB07C}"/>
-              </a:ext>
-            </a:extLst>
-          </p:cNvPr>
-          <p:cNvPicPr>
-            <a:picLocks noChangeAspect="1"/>
-          </p:cNvPicPr>
-          <p:nvPr/>
-        </p:nvPicPr>
-        <p:blipFill rotWithShape="1">
-          <a:blip r:embed="rId35">
-            <a:extLst>
-              <a:ext uri="{BEBA8EAE-BF5A-486C-A8C5-ECC9F3942E4B}">
-                <a14:imgProps xmlns:a14="http://schemas.microsoft.com/office/drawing/2010/main">
-                  <a14:imgLayer r:embed="rId36">
-                    <a14:imgEffect>
-                      <a14:backgroundRemoval t="38756" b="76444" l="25711" r="50948">
-                        <a14:foregroundMark x1="35545" y1="70400" x2="35545" y2="70400"/>
-                        <a14:foregroundMark x1="33175" y1="69244" x2="33175" y2="69244"/>
-                        <a14:foregroundMark x1="46090" y1="64533" x2="34597" y2="64000"/>
-                        <a14:foregroundMark x1="34597" y1="64000" x2="30095" y2="62133"/>
-                        <a14:foregroundMark x1="26540" y1="72089" x2="38981" y2="43556"/>
-                        <a14:foregroundMark x1="47986" y1="68978" x2="42062" y2="63200"/>
-                        <a14:foregroundMark x1="42062" y1="63200" x2="36493" y2="43733"/>
-                        <a14:foregroundMark x1="44194" y1="60356" x2="33886" y2="63644"/>
-                        <a14:foregroundMark x1="33886" y1="63644" x2="27488" y2="69244"/>
-                        <a14:foregroundMark x1="27488" y1="69244" x2="25829" y2="72089"/>
-                        <a14:foregroundMark x1="31398" y1="75022" x2="30213" y2="61778"/>
-                        <a14:foregroundMark x1="40995" y1="73867" x2="39336" y2="66133"/>
-                        <a14:foregroundMark x1="39336" y1="66133" x2="39573" y2="65156"/>
-                        <a14:foregroundMark x1="50948" y1="68889" x2="41469" y2="66044"/>
-                        <a14:foregroundMark x1="42536" y1="70311" x2="28199" y2="67911"/>
-                        <a14:foregroundMark x1="33886" y1="38844" x2="41114" y2="53067"/>
-                        <a14:foregroundMark x1="41114" y1="53067" x2="41943" y2="59200"/>
-                        <a14:foregroundMark x1="26896" y1="75200" x2="29621" y2="55733"/>
-                        <a14:foregroundMark x1="27962" y1="75733" x2="45379" y2="61156"/>
-                        <a14:foregroundMark x1="44076" y1="76444" x2="34242" y2="64444"/>
-                        <a14:foregroundMark x1="34242" y1="64444" x2="33057" y2="61956"/>
-                        <a14:foregroundMark x1="41706" y1="43467" x2="38507" y2="40711"/>
-                        <a14:foregroundMark x1="42299" y1="40089" x2="39100" y2="40711"/>
-                        <a14:backgroundMark x1="47986" y1="44178" x2="47986" y2="44178"/>
-                        <a14:backgroundMark x1="47986" y1="44178" x2="47986" y2="44178"/>
-                        <a14:backgroundMark x1="28910" y1="44000" x2="25474" y2="37156"/>
-                        <a14:backgroundMark x1="25474" y1="37156" x2="25474" y2="36711"/>
-                        <a14:backgroundMark x1="51185" y1="45422" x2="44550" y2="45156"/>
-                      </a14:backgroundRemoval>
-                    </a14:imgEffect>
-                  </a14:imgLayer>
-                </a14:imgProps>
-              </a:ext>
-            </a:extLst>
-          </a:blip>
-          <a:srcRect l="23835" t="35555" r="47655" b="20556"/>
-          <a:stretch/>
-        </p:blipFill>
-        <p:spPr>
-          <a:xfrm>
-            <a:off x="1037020" y="4544371"/>
-            <a:ext cx="310310" cy="441791"/>
-          </a:xfrm>
-          <a:prstGeom prst="rect">
-            <a:avLst/>
-          </a:prstGeom>
-        </p:spPr>
-      </p:pic>
-      <p:pic>
-        <p:nvPicPr>
-          <p:cNvPr id="37" name="Grafikk 36" descr="Bygning">
-            <a:extLst>
-              <a:ext uri="{FF2B5EF4-FFF2-40B4-BE49-F238E27FC236}">
-                <a16:creationId xmlns:a16="http://schemas.microsoft.com/office/drawing/2014/main" id="{1A26BDAD-F8A3-463C-BC7F-CF7CB5FB298D}"/>
-              </a:ext>
-            </a:extLst>
-          </p:cNvPr>
-          <p:cNvPicPr>
-            <a:picLocks noChangeAspect="1"/>
-          </p:cNvPicPr>
-          <p:nvPr/>
-        </p:nvPicPr>
-        <p:blipFill>
-          <a:blip r:embed="rId37">
-            <a:extLst>
-              <a:ext uri="{96DAC541-7B7A-43D3-8B79-37D633B846F1}">
-                <asvg:svgBlip xmlns:asvg="http://schemas.microsoft.com/office/drawing/2016/SVG/main" r:embed="rId38"/>
-              </a:ext>
-            </a:extLst>
-          </a:blip>
-          <a:stretch>
-            <a:fillRect/>
-          </a:stretch>
-        </p:blipFill>
-        <p:spPr>
-          <a:xfrm>
-            <a:off x="4299037" y="2089386"/>
-            <a:ext cx="914400" cy="914400"/>
-          </a:xfrm>
-          <a:prstGeom prst="rect">
-            <a:avLst/>
-          </a:prstGeom>
-        </p:spPr>
-      </p:pic>
-      <p:pic>
-        <p:nvPicPr>
-          <p:cNvPr id="38" name="Grafikk 37" descr="Hjem">
-            <a:extLst>
-              <a:ext uri="{FF2B5EF4-FFF2-40B4-BE49-F238E27FC236}">
-                <a16:creationId xmlns:a16="http://schemas.microsoft.com/office/drawing/2014/main" id="{AF8E5EF6-A292-4D83-A032-144780947562}"/>
-              </a:ext>
-            </a:extLst>
-          </p:cNvPr>
-          <p:cNvPicPr>
-            <a:picLocks noChangeAspect="1"/>
-          </p:cNvPicPr>
-          <p:nvPr/>
-        </p:nvPicPr>
-        <p:blipFill>
-          <a:blip r:embed="rId39">
-            <a:extLst>
-              <a:ext uri="{96DAC541-7B7A-43D3-8B79-37D633B846F1}">
-                <asvg:svgBlip xmlns:asvg="http://schemas.microsoft.com/office/drawing/2016/SVG/main" r:embed="rId40"/>
-              </a:ext>
-            </a:extLst>
-          </a:blip>
-          <a:stretch>
-            <a:fillRect/>
-          </a:stretch>
-        </p:blipFill>
-        <p:spPr>
-          <a:xfrm>
-            <a:off x="2819116" y="3003786"/>
-            <a:ext cx="914400" cy="914400"/>
-          </a:xfrm>
-          <a:prstGeom prst="rect">
-            <a:avLst/>
-          </a:prstGeom>
-        </p:spPr>
-      </p:pic>
-      <p:pic>
-        <p:nvPicPr>
-          <p:cNvPr id="39" name="Grafikk 38" descr="Skolebygning">
-            <a:extLst>
-              <a:ext uri="{FF2B5EF4-FFF2-40B4-BE49-F238E27FC236}">
-                <a16:creationId xmlns:a16="http://schemas.microsoft.com/office/drawing/2014/main" id="{62499267-5D53-4CF8-A12F-2CE9347122FF}"/>
-              </a:ext>
-            </a:extLst>
-          </p:cNvPr>
-          <p:cNvPicPr>
-            <a:picLocks noChangeAspect="1"/>
-          </p:cNvPicPr>
-          <p:nvPr/>
-        </p:nvPicPr>
-        <p:blipFill>
-          <a:blip r:embed="rId41">
-            <a:extLst>
-              <a:ext uri="{96DAC541-7B7A-43D3-8B79-37D633B846F1}">
-                <asvg:svgBlip xmlns:asvg="http://schemas.microsoft.com/office/drawing/2016/SVG/main" r:embed="rId42"/>
-              </a:ext>
-            </a:extLst>
-          </a:blip>
-          <a:stretch>
-            <a:fillRect/>
-          </a:stretch>
-        </p:blipFill>
-        <p:spPr>
-          <a:xfrm>
-            <a:off x="7176997" y="3256241"/>
-            <a:ext cx="914400" cy="914400"/>
-          </a:xfrm>
-          <a:prstGeom prst="rect">
-            <a:avLst/>
-          </a:prstGeom>
-        </p:spPr>
-      </p:pic>
-    </p:spTree>
-    <p:extLst>
-      <p:ext uri="{BB962C8B-B14F-4D97-AF65-F5344CB8AC3E}">
-        <p14:creationId xmlns:p14="http://schemas.microsoft.com/office/powerpoint/2010/main" val="3462617495"/>
-      </p:ext>
-    </p:extLst>
-  </p:cSld>
-  <p:clrMapOvr>
-    <a:masterClrMapping/>
-  </p:clrMapOvr>
-</p:sld>
-</file>
-
-<file path=ppt/slides/slide15.xml><?xml version="1.0" encoding="utf-8"?>
-<p:sld xmlns:a="http://schemas.openxmlformats.org/drawingml/2006/main" xmlns:r="http://schemas.openxmlformats.org/officeDocument/2006/relationships" xmlns:p="http://schemas.openxmlformats.org/presentationml/2006/main">
-  <p:cSld>
-    <p:spTree>
-      <p:nvGrpSpPr>
-        <p:cNvPr id="1" name=""/>
-        <p:cNvGrpSpPr/>
-        <p:nvPr/>
-      </p:nvGrpSpPr>
-      <p:grpSpPr>
-        <a:xfrm>
-          <a:off x="0" y="0"/>
-          <a:ext cx="0" cy="0"/>
-          <a:chOff x="0" y="0"/>
-          <a:chExt cx="0" cy="0"/>
-        </a:xfrm>
-      </p:grpSpPr>
-      <p:pic>
-        <p:nvPicPr>
-          <p:cNvPr id="42" name="Grafikk 41" descr="By">
-            <a:extLst>
-              <a:ext uri="{FF2B5EF4-FFF2-40B4-BE49-F238E27FC236}">
-                <a16:creationId xmlns:a16="http://schemas.microsoft.com/office/drawing/2014/main" id="{7A965CF5-9B34-4CE9-97DF-1A844E853889}"/>
-              </a:ext>
-            </a:extLst>
-          </p:cNvPr>
-          <p:cNvPicPr>
-            <a:picLocks noChangeAspect="1"/>
-          </p:cNvPicPr>
-          <p:nvPr/>
-        </p:nvPicPr>
-        <p:blipFill>
-          <a:blip r:embed="rId2">
-            <a:extLst>
-              <a:ext uri="{96DAC541-7B7A-43D3-8B79-37D633B846F1}">
-                <asvg:svgBlip xmlns:asvg="http://schemas.microsoft.com/office/drawing/2016/SVG/main" r:embed="rId3"/>
+                <asvg:svgBlip xmlns:asvg="http://schemas.microsoft.com/office/drawing/2016/SVG/main" r:embed="rId4"/>
               </a:ext>
             </a:extLst>
           </a:blip>
@@ -5364,10 +4637,10 @@
               <p:nvPr/>
             </p:nvPicPr>
             <p:blipFill>
-              <a:blip r:embed="rId4">
+              <a:blip r:embed="rId5">
                 <a:extLst>
                   <a:ext uri="{96DAC541-7B7A-43D3-8B79-37D633B846F1}">
-                    <asvg:svgBlip xmlns:asvg="http://schemas.microsoft.com/office/drawing/2016/SVG/main" r:embed="rId5"/>
+                    <asvg:svgBlip xmlns:asvg="http://schemas.microsoft.com/office/drawing/2016/SVG/main" r:embed="rId6"/>
                   </a:ext>
                 </a:extLst>
               </a:blip>
@@ -5406,7 +4679,7 @@
                 <a:avLst/>
               </a:prstGeom>
               <a:noFill/>
-              <a:ln w="38100" cap="flat" cmpd="sng" algn="ctr">
+              <a:ln w="9525" cap="flat" cmpd="sng" algn="ctr">
                 <a:solidFill>
                   <a:schemeClr val="dk1"/>
                 </a:solidFill>
@@ -5480,32 +4753,29 @@
               <a:prstGeom prst="roundRect">
                 <a:avLst/>
               </a:prstGeom>
-              <a:solidFill>
-                <a:schemeClr val="accent1">
-                  <a:lumMod val="20000"/>
-                  <a:lumOff val="80000"/>
-                </a:schemeClr>
-              </a:solidFill>
-              <a:ln>
+              <a:noFill/>
+              <a:ln w="9525" cap="flat" cmpd="sng" algn="ctr">
                 <a:solidFill>
-                  <a:schemeClr val="tx1"/>
+                  <a:schemeClr val="dk1"/>
                 </a:solidFill>
+                <a:prstDash val="solid"/>
+                <a:round/>
+                <a:headEnd type="none" w="med" len="med"/>
+                <a:tailEnd type="none" w="med" len="med"/>
               </a:ln>
             </p:spPr>
             <p:style>
-              <a:lnRef idx="2">
-                <a:schemeClr val="accent1">
-                  <a:shade val="50000"/>
-                </a:schemeClr>
+              <a:lnRef idx="0">
+                <a:scrgbClr r="0" g="0" b="0"/>
               </a:lnRef>
-              <a:fillRef idx="1">
-                <a:schemeClr val="accent1"/>
+              <a:fillRef idx="0">
+                <a:scrgbClr r="0" g="0" b="0"/>
               </a:fillRef>
               <a:effectRef idx="0">
-                <a:schemeClr val="accent1"/>
+                <a:scrgbClr r="0" g="0" b="0"/>
               </a:effectRef>
               <a:fontRef idx="minor">
-                <a:schemeClr val="lt1"/>
+                <a:schemeClr val="dk1"/>
               </a:fontRef>
             </p:style>
             <p:txBody>
@@ -5532,11 +4802,11 @@
               <p:nvPr/>
             </p:nvPicPr>
             <p:blipFill rotWithShape="1">
-              <a:blip r:embed="rId6">
+              <a:blip r:embed="rId7">
                 <a:extLst>
                   <a:ext uri="{BEBA8EAE-BF5A-486C-A8C5-ECC9F3942E4B}">
                     <a14:imgProps xmlns:a14="http://schemas.microsoft.com/office/drawing/2010/main">
-                      <a14:imgLayer r:embed="rId7">
+                      <a14:imgLayer r:embed="rId8">
                         <a14:imgEffect>
                           <a14:backgroundRemoval t="38756" b="76444" l="25711" r="50948">
                             <a14:foregroundMark x1="35545" y1="70400" x2="35545" y2="70400"/>
@@ -5585,7 +4855,29 @@
               <a:prstGeom prst="rect">
                 <a:avLst/>
               </a:prstGeom>
+              <a:noFill/>
+              <a:ln w="9525" cap="flat" cmpd="sng" algn="ctr">
+                <a:noFill/>
+                <a:prstDash val="solid"/>
+                <a:round/>
+                <a:headEnd type="none" w="med" len="med"/>
+                <a:tailEnd type="none" w="med" len="med"/>
+              </a:ln>
             </p:spPr>
+            <p:style>
+              <a:lnRef idx="0">
+                <a:scrgbClr r="0" g="0" b="0"/>
+              </a:lnRef>
+              <a:fillRef idx="0">
+                <a:scrgbClr r="0" g="0" b="0"/>
+              </a:fillRef>
+              <a:effectRef idx="0">
+                <a:scrgbClr r="0" g="0" b="0"/>
+              </a:effectRef>
+              <a:fontRef idx="minor">
+                <a:schemeClr val="dk1"/>
+              </a:fontRef>
+            </p:style>
           </p:pic>
         </p:grpSp>
         <p:sp>
@@ -5609,26 +4901,28 @@
               <a:avLst/>
             </a:prstGeom>
             <a:noFill/>
-            <a:ln>
+            <a:ln w="9525" cap="flat" cmpd="sng" algn="ctr">
               <a:solidFill>
-                <a:schemeClr val="tx1"/>
+                <a:schemeClr val="dk1"/>
               </a:solidFill>
+              <a:prstDash val="solid"/>
+              <a:round/>
+              <a:headEnd type="none" w="med" len="med"/>
+              <a:tailEnd type="none" w="med" len="med"/>
             </a:ln>
           </p:spPr>
           <p:style>
-            <a:lnRef idx="2">
-              <a:schemeClr val="accent1">
-                <a:shade val="50000"/>
-              </a:schemeClr>
+            <a:lnRef idx="0">
+              <a:scrgbClr r="0" g="0" b="0"/>
             </a:lnRef>
-            <a:fillRef idx="1">
-              <a:schemeClr val="accent1"/>
+            <a:fillRef idx="0">
+              <a:scrgbClr r="0" g="0" b="0"/>
             </a:fillRef>
             <a:effectRef idx="0">
-              <a:schemeClr val="accent1"/>
+              <a:scrgbClr r="0" g="0" b="0"/>
             </a:effectRef>
             <a:fontRef idx="minor">
-              <a:schemeClr val="lt1"/>
+              <a:schemeClr val="dk1"/>
             </a:fontRef>
           </p:style>
           <p:txBody>
@@ -5661,26 +4955,28 @@
               <a:avLst/>
             </a:prstGeom>
             <a:noFill/>
-            <a:ln>
+            <a:ln w="9525" cap="flat" cmpd="sng" algn="ctr">
               <a:solidFill>
-                <a:schemeClr val="tx1"/>
+                <a:schemeClr val="dk1"/>
               </a:solidFill>
+              <a:prstDash val="solid"/>
+              <a:round/>
+              <a:headEnd type="none" w="med" len="med"/>
+              <a:tailEnd type="none" w="med" len="med"/>
             </a:ln>
           </p:spPr>
           <p:style>
-            <a:lnRef idx="2">
-              <a:schemeClr val="accent1">
-                <a:shade val="50000"/>
-              </a:schemeClr>
+            <a:lnRef idx="0">
+              <a:scrgbClr r="0" g="0" b="0"/>
             </a:lnRef>
-            <a:fillRef idx="1">
-              <a:schemeClr val="accent1"/>
+            <a:fillRef idx="0">
+              <a:scrgbClr r="0" g="0" b="0"/>
             </a:fillRef>
             <a:effectRef idx="0">
-              <a:schemeClr val="accent1"/>
+              <a:scrgbClr r="0" g="0" b="0"/>
             </a:effectRef>
             <a:fontRef idx="minor">
-              <a:schemeClr val="lt1"/>
+              <a:schemeClr val="dk1"/>
             </a:fontRef>
           </p:style>
           <p:txBody>
@@ -5713,26 +5009,28 @@
               <a:avLst/>
             </a:prstGeom>
             <a:noFill/>
-            <a:ln>
+            <a:ln w="9525" cap="flat" cmpd="sng" algn="ctr">
               <a:solidFill>
-                <a:schemeClr val="tx1"/>
+                <a:schemeClr val="dk1"/>
               </a:solidFill>
+              <a:prstDash val="solid"/>
+              <a:round/>
+              <a:headEnd type="none" w="med" len="med"/>
+              <a:tailEnd type="none" w="med" len="med"/>
             </a:ln>
           </p:spPr>
           <p:style>
-            <a:lnRef idx="2">
-              <a:schemeClr val="accent1">
-                <a:shade val="50000"/>
-              </a:schemeClr>
+            <a:lnRef idx="0">
+              <a:scrgbClr r="0" g="0" b="0"/>
             </a:lnRef>
-            <a:fillRef idx="1">
-              <a:schemeClr val="accent1"/>
+            <a:fillRef idx="0">
+              <a:scrgbClr r="0" g="0" b="0"/>
             </a:fillRef>
             <a:effectRef idx="0">
-              <a:schemeClr val="accent1"/>
+              <a:scrgbClr r="0" g="0" b="0"/>
             </a:effectRef>
             <a:fontRef idx="minor">
-              <a:schemeClr val="lt1"/>
+              <a:schemeClr val="dk1"/>
             </a:fontRef>
           </p:style>
           <p:txBody>
@@ -5765,26 +5063,28 @@
               <a:avLst/>
             </a:prstGeom>
             <a:noFill/>
-            <a:ln>
+            <a:ln w="9525" cap="flat" cmpd="sng" algn="ctr">
               <a:solidFill>
-                <a:schemeClr val="tx1"/>
+                <a:schemeClr val="dk1"/>
               </a:solidFill>
+              <a:prstDash val="solid"/>
+              <a:round/>
+              <a:headEnd type="none" w="med" len="med"/>
+              <a:tailEnd type="none" w="med" len="med"/>
             </a:ln>
           </p:spPr>
           <p:style>
-            <a:lnRef idx="2">
-              <a:schemeClr val="accent1">
-                <a:shade val="50000"/>
-              </a:schemeClr>
+            <a:lnRef idx="0">
+              <a:scrgbClr r="0" g="0" b="0"/>
             </a:lnRef>
-            <a:fillRef idx="1">
-              <a:schemeClr val="accent1"/>
+            <a:fillRef idx="0">
+              <a:scrgbClr r="0" g="0" b="0"/>
             </a:fillRef>
             <a:effectRef idx="0">
-              <a:schemeClr val="accent1"/>
+              <a:scrgbClr r="0" g="0" b="0"/>
             </a:effectRef>
             <a:fontRef idx="minor">
-              <a:schemeClr val="lt1"/>
+              <a:schemeClr val="dk1"/>
             </a:fontRef>
           </p:style>
           <p:txBody>
@@ -5817,26 +5117,28 @@
               <a:avLst/>
             </a:prstGeom>
             <a:noFill/>
-            <a:ln>
+            <a:ln w="9525" cap="flat" cmpd="sng" algn="ctr">
               <a:solidFill>
-                <a:schemeClr val="tx1"/>
+                <a:schemeClr val="dk1"/>
               </a:solidFill>
+              <a:prstDash val="solid"/>
+              <a:round/>
+              <a:headEnd type="none" w="med" len="med"/>
+              <a:tailEnd type="none" w="med" len="med"/>
             </a:ln>
           </p:spPr>
           <p:style>
-            <a:lnRef idx="2">
-              <a:schemeClr val="accent1">
-                <a:shade val="50000"/>
-              </a:schemeClr>
+            <a:lnRef idx="0">
+              <a:scrgbClr r="0" g="0" b="0"/>
             </a:lnRef>
-            <a:fillRef idx="1">
-              <a:schemeClr val="accent1"/>
+            <a:fillRef idx="0">
+              <a:scrgbClr r="0" g="0" b="0"/>
             </a:fillRef>
             <a:effectRef idx="0">
-              <a:schemeClr val="accent1"/>
+              <a:scrgbClr r="0" g="0" b="0"/>
             </a:effectRef>
             <a:fontRef idx="minor">
-              <a:schemeClr val="lt1"/>
+              <a:schemeClr val="dk1"/>
             </a:fontRef>
           </p:style>
           <p:txBody>
@@ -5884,10 +5186,10 @@
             <p:nvPr/>
           </p:nvPicPr>
           <p:blipFill>
-            <a:blip r:embed="rId8">
+            <a:blip r:embed="rId9">
               <a:extLst>
                 <a:ext uri="{96DAC541-7B7A-43D3-8B79-37D633B846F1}">
-                  <asvg:svgBlip xmlns:asvg="http://schemas.microsoft.com/office/drawing/2016/SVG/main" r:embed="rId9"/>
+                  <asvg:svgBlip xmlns:asvg="http://schemas.microsoft.com/office/drawing/2016/SVG/main" r:embed="rId10"/>
                 </a:ext>
               </a:extLst>
             </a:blip>
@@ -5920,7 +5222,7 @@
             <p:nvPr/>
           </p:nvPicPr>
           <p:blipFill>
-            <a:blip r:embed="rId10"/>
+            <a:blip r:embed="rId11"/>
             <a:stretch>
               <a:fillRect/>
             </a:stretch>
@@ -5933,7 +5235,29 @@
             <a:prstGeom prst="rect">
               <a:avLst/>
             </a:prstGeom>
+            <a:noFill/>
+            <a:ln w="9525" cap="flat" cmpd="sng" algn="ctr">
+              <a:noFill/>
+              <a:prstDash val="solid"/>
+              <a:round/>
+              <a:headEnd type="none" w="med" len="med"/>
+              <a:tailEnd type="none" w="med" len="med"/>
+            </a:ln>
           </p:spPr>
+          <p:style>
+            <a:lnRef idx="0">
+              <a:scrgbClr r="0" g="0" b="0"/>
+            </a:lnRef>
+            <a:fillRef idx="0">
+              <a:scrgbClr r="0" g="0" b="0"/>
+            </a:fillRef>
+            <a:effectRef idx="0">
+              <a:scrgbClr r="0" g="0" b="0"/>
+            </a:effectRef>
+            <a:fontRef idx="minor">
+              <a:schemeClr val="dk1"/>
+            </a:fontRef>
+          </p:style>
         </p:pic>
       </p:grpSp>
       <p:pic>
@@ -5951,7 +5275,7 @@
           <p:nvPr/>
         </p:nvPicPr>
         <p:blipFill>
-          <a:blip r:embed="rId11"/>
+          <a:blip r:embed="rId12"/>
           <a:stretch>
             <a:fillRect/>
           </a:stretch>
@@ -5981,10 +5305,10 @@
           <p:nvPr/>
         </p:nvPicPr>
         <p:blipFill>
-          <a:blip r:embed="rId12">
+          <a:blip r:embed="rId13">
             <a:extLst>
               <a:ext uri="{96DAC541-7B7A-43D3-8B79-37D633B846F1}">
-                <asvg:svgBlip xmlns:asvg="http://schemas.microsoft.com/office/drawing/2016/SVG/main" r:embed="rId13"/>
+                <asvg:svgBlip xmlns:asvg="http://schemas.microsoft.com/office/drawing/2016/SVG/main" r:embed="rId14"/>
               </a:ext>
             </a:extLst>
           </a:blip>
@@ -6017,7 +5341,7 @@
           <p:nvPr/>
         </p:nvPicPr>
         <p:blipFill>
-          <a:blip r:embed="rId14"/>
+          <a:blip r:embed="rId15"/>
           <a:stretch>
             <a:fillRect/>
           </a:stretch>
@@ -6032,10 +5356,828 @@
           </a:prstGeom>
         </p:spPr>
       </p:pic>
+      <p:pic>
+        <p:nvPicPr>
+          <p:cNvPr id="51" name="Bilde 50">
+            <a:extLst>
+              <a:ext uri="{FF2B5EF4-FFF2-40B4-BE49-F238E27FC236}">
+                <a16:creationId xmlns:a16="http://schemas.microsoft.com/office/drawing/2014/main" id="{4C4AD71A-5CAF-4CA3-811A-1B4A3DB2B260}"/>
+              </a:ext>
+            </a:extLst>
+          </p:cNvPr>
+          <p:cNvPicPr>
+            <a:picLocks noChangeAspect="1"/>
+          </p:cNvPicPr>
+          <p:nvPr/>
+        </p:nvPicPr>
+        <p:blipFill>
+          <a:blip r:embed="rId16"/>
+          <a:stretch>
+            <a:fillRect/>
+          </a:stretch>
+        </p:blipFill>
+        <p:spPr>
+          <a:xfrm flipH="1">
+            <a:off x="6542405" y="3130233"/>
+            <a:ext cx="1514475" cy="1157288"/>
+          </a:xfrm>
+          <a:prstGeom prst="rect">
+            <a:avLst/>
+          </a:prstGeom>
+        </p:spPr>
+      </p:pic>
     </p:spTree>
     <p:extLst>
       <p:ext uri="{BB962C8B-B14F-4D97-AF65-F5344CB8AC3E}">
         <p14:creationId xmlns:p14="http://schemas.microsoft.com/office/powerpoint/2010/main" val="4155801393"/>
+      </p:ext>
+    </p:extLst>
+  </p:cSld>
+  <p:clrMapOvr>
+    <a:masterClrMapping/>
+  </p:clrMapOvr>
+</p:sld>
+</file>
+
+<file path=ppt/slides/slide15.xml><?xml version="1.0" encoding="utf-8"?>
+<p:sld xmlns:a="http://schemas.openxmlformats.org/drawingml/2006/main" xmlns:r="http://schemas.openxmlformats.org/officeDocument/2006/relationships" xmlns:p="http://schemas.openxmlformats.org/presentationml/2006/main">
+  <p:cSld>
+    <p:spTree>
+      <p:nvGrpSpPr>
+        <p:cNvPr id="1" name=""/>
+        <p:cNvGrpSpPr/>
+        <p:nvPr/>
+      </p:nvGrpSpPr>
+      <p:grpSpPr>
+        <a:xfrm>
+          <a:off x="0" y="0"/>
+          <a:ext cx="0" cy="0"/>
+          <a:chOff x="0" y="0"/>
+          <a:chExt cx="0" cy="0"/>
+        </a:xfrm>
+      </p:grpSpPr>
+      <p:pic>
+        <p:nvPicPr>
+          <p:cNvPr id="3" name="Grafikk 2" descr="Nettbrett">
+            <a:extLst>
+              <a:ext uri="{FF2B5EF4-FFF2-40B4-BE49-F238E27FC236}">
+                <a16:creationId xmlns:a16="http://schemas.microsoft.com/office/drawing/2014/main" id="{5B7C464D-3132-40DB-B7E0-4EA0709DBE31}"/>
+              </a:ext>
+            </a:extLst>
+          </p:cNvPr>
+          <p:cNvPicPr>
+            <a:picLocks noChangeAspect="1"/>
+          </p:cNvPicPr>
+          <p:nvPr/>
+        </p:nvPicPr>
+        <p:blipFill>
+          <a:blip r:embed="rId2">
+            <a:extLst>
+              <a:ext uri="{96DAC541-7B7A-43D3-8B79-37D633B846F1}">
+                <asvg:svgBlip xmlns:asvg="http://schemas.microsoft.com/office/drawing/2016/SVG/main" r:embed="rId3"/>
+              </a:ext>
+            </a:extLst>
+          </a:blip>
+          <a:stretch>
+            <a:fillRect/>
+          </a:stretch>
+        </p:blipFill>
+        <p:spPr>
+          <a:xfrm>
+            <a:off x="1350694" y="2500927"/>
+            <a:ext cx="2739872" cy="2216115"/>
+          </a:xfrm>
+          <a:prstGeom prst="rect">
+            <a:avLst/>
+          </a:prstGeom>
+        </p:spPr>
+      </p:pic>
+      <p:pic>
+        <p:nvPicPr>
+          <p:cNvPr id="6" name="Grafikk 5" descr="Webkamera">
+            <a:extLst>
+              <a:ext uri="{FF2B5EF4-FFF2-40B4-BE49-F238E27FC236}">
+                <a16:creationId xmlns:a16="http://schemas.microsoft.com/office/drawing/2014/main" id="{CAC7FBD0-A100-4CB2-846C-B5465F5FF5ED}"/>
+              </a:ext>
+            </a:extLst>
+          </p:cNvPr>
+          <p:cNvPicPr>
+            <a:picLocks noChangeAspect="1"/>
+          </p:cNvPicPr>
+          <p:nvPr/>
+        </p:nvPicPr>
+        <p:blipFill>
+          <a:blip r:embed="rId4">
+            <a:extLst>
+              <a:ext uri="{96DAC541-7B7A-43D3-8B79-37D633B846F1}">
+                <asvg:svgBlip xmlns:asvg="http://schemas.microsoft.com/office/drawing/2016/SVG/main" r:embed="rId5"/>
+              </a:ext>
+            </a:extLst>
+          </a:blip>
+          <a:stretch>
+            <a:fillRect/>
+          </a:stretch>
+        </p:blipFill>
+        <p:spPr>
+          <a:xfrm>
+            <a:off x="3902457" y="3225932"/>
+            <a:ext cx="518400" cy="518400"/>
+          </a:xfrm>
+          <a:prstGeom prst="rect">
+            <a:avLst/>
+          </a:prstGeom>
+        </p:spPr>
+      </p:pic>
+      <p:pic>
+        <p:nvPicPr>
+          <p:cNvPr id="7" name="Bilde 6">
+            <a:extLst>
+              <a:ext uri="{FF2B5EF4-FFF2-40B4-BE49-F238E27FC236}">
+                <a16:creationId xmlns:a16="http://schemas.microsoft.com/office/drawing/2014/main" id="{07B6EF2D-794C-464E-8056-6B607A9A2356}"/>
+              </a:ext>
+            </a:extLst>
+          </p:cNvPr>
+          <p:cNvPicPr>
+            <a:picLocks noChangeAspect="1"/>
+          </p:cNvPicPr>
+          <p:nvPr/>
+        </p:nvPicPr>
+        <p:blipFill>
+          <a:blip r:embed="rId6"/>
+          <a:stretch>
+            <a:fillRect/>
+          </a:stretch>
+        </p:blipFill>
+        <p:spPr>
+          <a:xfrm>
+            <a:off x="1912916" y="3198995"/>
+            <a:ext cx="1615426" cy="754964"/>
+          </a:xfrm>
+          <a:prstGeom prst="rect">
+            <a:avLst/>
+          </a:prstGeom>
+        </p:spPr>
+      </p:pic>
+      <p:pic>
+        <p:nvPicPr>
+          <p:cNvPr id="8" name="Grafikk 7" descr="Kompass">
+            <a:extLst>
+              <a:ext uri="{FF2B5EF4-FFF2-40B4-BE49-F238E27FC236}">
+                <a16:creationId xmlns:a16="http://schemas.microsoft.com/office/drawing/2014/main" id="{AC780703-2A1F-463E-8F93-574783C1DAB1}"/>
+              </a:ext>
+            </a:extLst>
+          </p:cNvPr>
+          <p:cNvPicPr>
+            <a:picLocks noChangeAspect="1"/>
+          </p:cNvPicPr>
+          <p:nvPr/>
+        </p:nvPicPr>
+        <p:blipFill>
+          <a:blip r:embed="rId7">
+            <a:extLst>
+              <a:ext uri="{96DAC541-7B7A-43D3-8B79-37D633B846F1}">
+                <asvg:svgBlip xmlns:asvg="http://schemas.microsoft.com/office/drawing/2016/SVG/main" r:embed="rId8"/>
+              </a:ext>
+            </a:extLst>
+          </a:blip>
+          <a:stretch>
+            <a:fillRect/>
+          </a:stretch>
+        </p:blipFill>
+        <p:spPr>
+          <a:xfrm>
+            <a:off x="4498638" y="3867909"/>
+            <a:ext cx="518400" cy="518400"/>
+          </a:xfrm>
+          <a:prstGeom prst="rect">
+            <a:avLst/>
+          </a:prstGeom>
+        </p:spPr>
+      </p:pic>
+      <p:pic>
+        <p:nvPicPr>
+          <p:cNvPr id="10" name="Grafikk 9" descr="Wi-Fi">
+            <a:extLst>
+              <a:ext uri="{FF2B5EF4-FFF2-40B4-BE49-F238E27FC236}">
+                <a16:creationId xmlns:a16="http://schemas.microsoft.com/office/drawing/2014/main" id="{D25763CD-2A16-4C1B-8861-3BCA30116EC8}"/>
+              </a:ext>
+            </a:extLst>
+          </p:cNvPr>
+          <p:cNvPicPr>
+            <a:picLocks noChangeAspect="1"/>
+          </p:cNvPicPr>
+          <p:nvPr/>
+        </p:nvPicPr>
+        <p:blipFill>
+          <a:blip r:embed="rId9">
+            <a:extLst>
+              <a:ext uri="{96DAC541-7B7A-43D3-8B79-37D633B846F1}">
+                <asvg:svgBlip xmlns:asvg="http://schemas.microsoft.com/office/drawing/2016/SVG/main" r:embed="rId10"/>
+              </a:ext>
+            </a:extLst>
+          </a:blip>
+          <a:stretch>
+            <a:fillRect/>
+          </a:stretch>
+        </p:blipFill>
+        <p:spPr>
+          <a:xfrm>
+            <a:off x="3907685" y="2705325"/>
+            <a:ext cx="518400" cy="518400"/>
+          </a:xfrm>
+          <a:prstGeom prst="rect">
+            <a:avLst/>
+          </a:prstGeom>
+        </p:spPr>
+      </p:pic>
+      <p:pic>
+        <p:nvPicPr>
+          <p:cNvPr id="11" name="Grafikk 10" descr="Bjelle">
+            <a:extLst>
+              <a:ext uri="{FF2B5EF4-FFF2-40B4-BE49-F238E27FC236}">
+                <a16:creationId xmlns:a16="http://schemas.microsoft.com/office/drawing/2014/main" id="{439F3CDA-C985-4619-8D2A-B914D0CBAC37}"/>
+              </a:ext>
+            </a:extLst>
+          </p:cNvPr>
+          <p:cNvPicPr>
+            <a:picLocks noChangeAspect="1"/>
+          </p:cNvPicPr>
+          <p:nvPr/>
+        </p:nvPicPr>
+        <p:blipFill>
+          <a:blip r:embed="rId11">
+            <a:extLst>
+              <a:ext uri="{96DAC541-7B7A-43D3-8B79-37D633B846F1}">
+                <asvg:svgBlip xmlns:asvg="http://schemas.microsoft.com/office/drawing/2016/SVG/main" r:embed="rId12"/>
+              </a:ext>
+            </a:extLst>
+          </a:blip>
+          <a:stretch>
+            <a:fillRect/>
+          </a:stretch>
+        </p:blipFill>
+        <p:spPr>
+          <a:xfrm>
+            <a:off x="3901049" y="3867909"/>
+            <a:ext cx="518400" cy="518400"/>
+          </a:xfrm>
+          <a:prstGeom prst="rect">
+            <a:avLst/>
+          </a:prstGeom>
+        </p:spPr>
+      </p:pic>
+      <p:pic>
+        <p:nvPicPr>
+          <p:cNvPr id="13" name="Grafikk 12" descr="Gå">
+            <a:extLst>
+              <a:ext uri="{FF2B5EF4-FFF2-40B4-BE49-F238E27FC236}">
+                <a16:creationId xmlns:a16="http://schemas.microsoft.com/office/drawing/2014/main" id="{E034B92F-F47B-4C21-BCD0-7A91C304DA85}"/>
+              </a:ext>
+            </a:extLst>
+          </p:cNvPr>
+          <p:cNvPicPr>
+            <a:picLocks noChangeAspect="1"/>
+          </p:cNvPicPr>
+          <p:nvPr/>
+        </p:nvPicPr>
+        <p:blipFill>
+          <a:blip r:embed="rId13">
+            <a:extLst>
+              <a:ext uri="{96DAC541-7B7A-43D3-8B79-37D633B846F1}">
+                <asvg:svgBlip xmlns:asvg="http://schemas.microsoft.com/office/drawing/2016/SVG/main" r:embed="rId14"/>
+              </a:ext>
+            </a:extLst>
+          </a:blip>
+          <a:stretch>
+            <a:fillRect/>
+          </a:stretch>
+        </p:blipFill>
+        <p:spPr>
+          <a:xfrm>
+            <a:off x="4479458" y="3231580"/>
+            <a:ext cx="518400" cy="518400"/>
+          </a:xfrm>
+          <a:prstGeom prst="rect">
+            <a:avLst/>
+          </a:prstGeom>
+        </p:spPr>
+      </p:pic>
+      <p:pic>
+        <p:nvPicPr>
+          <p:cNvPr id="15" name="Grafikk 14" descr="Høyttalere">
+            <a:extLst>
+              <a:ext uri="{FF2B5EF4-FFF2-40B4-BE49-F238E27FC236}">
+                <a16:creationId xmlns:a16="http://schemas.microsoft.com/office/drawing/2014/main" id="{0F5CFC2A-7BED-4D1D-891D-ECC937E92909}"/>
+              </a:ext>
+            </a:extLst>
+          </p:cNvPr>
+          <p:cNvPicPr>
+            <a:picLocks noChangeAspect="1"/>
+          </p:cNvPicPr>
+          <p:nvPr/>
+        </p:nvPicPr>
+        <p:blipFill>
+          <a:blip r:embed="rId15">
+            <a:extLst>
+              <a:ext uri="{96DAC541-7B7A-43D3-8B79-37D633B846F1}">
+                <asvg:svgBlip xmlns:asvg="http://schemas.microsoft.com/office/drawing/2016/SVG/main" r:embed="rId16"/>
+              </a:ext>
+            </a:extLst>
+          </a:blip>
+          <a:stretch>
+            <a:fillRect/>
+          </a:stretch>
+        </p:blipFill>
+        <p:spPr>
+          <a:xfrm>
+            <a:off x="4479458" y="2733500"/>
+            <a:ext cx="518400" cy="518400"/>
+          </a:xfrm>
+          <a:prstGeom prst="rect">
+            <a:avLst/>
+          </a:prstGeom>
+        </p:spPr>
+      </p:pic>
+      <p:pic>
+        <p:nvPicPr>
+          <p:cNvPr id="19" name="Grafikk 18" descr="Termometer">
+            <a:extLst>
+              <a:ext uri="{FF2B5EF4-FFF2-40B4-BE49-F238E27FC236}">
+                <a16:creationId xmlns:a16="http://schemas.microsoft.com/office/drawing/2014/main" id="{20A74649-EE8E-49A7-9396-3297AC1BCE1C}"/>
+              </a:ext>
+            </a:extLst>
+          </p:cNvPr>
+          <p:cNvPicPr>
+            <a:picLocks noChangeAspect="1"/>
+          </p:cNvPicPr>
+          <p:nvPr/>
+        </p:nvPicPr>
+        <p:blipFill>
+          <a:blip r:embed="rId17">
+            <a:extLst>
+              <a:ext uri="{96DAC541-7B7A-43D3-8B79-37D633B846F1}">
+                <asvg:svgBlip xmlns:asvg="http://schemas.microsoft.com/office/drawing/2016/SVG/main" r:embed="rId18"/>
+              </a:ext>
+            </a:extLst>
+          </a:blip>
+          <a:stretch>
+            <a:fillRect/>
+          </a:stretch>
+        </p:blipFill>
+        <p:spPr>
+          <a:xfrm>
+            <a:off x="5051231" y="3867909"/>
+            <a:ext cx="518400" cy="518400"/>
+          </a:xfrm>
+          <a:prstGeom prst="rect">
+            <a:avLst/>
+          </a:prstGeom>
+        </p:spPr>
+      </p:pic>
+      <p:pic>
+        <p:nvPicPr>
+          <p:cNvPr id="31" name="Grafikk 30" descr="Lampe">
+            <a:extLst>
+              <a:ext uri="{FF2B5EF4-FFF2-40B4-BE49-F238E27FC236}">
+                <a16:creationId xmlns:a16="http://schemas.microsoft.com/office/drawing/2014/main" id="{90BA4539-C8B1-4042-99A2-440DE54E586B}"/>
+              </a:ext>
+            </a:extLst>
+          </p:cNvPr>
+          <p:cNvPicPr>
+            <a:picLocks noChangeAspect="1"/>
+          </p:cNvPicPr>
+          <p:nvPr/>
+        </p:nvPicPr>
+        <p:blipFill>
+          <a:blip r:embed="rId19">
+            <a:extLst>
+              <a:ext uri="{96DAC541-7B7A-43D3-8B79-37D633B846F1}">
+                <asvg:svgBlip xmlns:asvg="http://schemas.microsoft.com/office/drawing/2016/SVG/main" r:embed="rId20"/>
+              </a:ext>
+            </a:extLst>
+          </a:blip>
+          <a:stretch>
+            <a:fillRect/>
+          </a:stretch>
+        </p:blipFill>
+        <p:spPr>
+          <a:xfrm>
+            <a:off x="5056459" y="3231580"/>
+            <a:ext cx="518400" cy="518400"/>
+          </a:xfrm>
+          <a:prstGeom prst="rect">
+            <a:avLst/>
+          </a:prstGeom>
+        </p:spPr>
+      </p:pic>
+      <p:pic>
+        <p:nvPicPr>
+          <p:cNvPr id="33" name="Grafikk 32" descr="Nettsky">
+            <a:extLst>
+              <a:ext uri="{FF2B5EF4-FFF2-40B4-BE49-F238E27FC236}">
+                <a16:creationId xmlns:a16="http://schemas.microsoft.com/office/drawing/2014/main" id="{8D3EDF08-37F8-4A61-B8BD-358861CCF32D}"/>
+              </a:ext>
+            </a:extLst>
+          </p:cNvPr>
+          <p:cNvPicPr>
+            <a:picLocks noChangeAspect="1"/>
+          </p:cNvPicPr>
+          <p:nvPr/>
+        </p:nvPicPr>
+        <p:blipFill>
+          <a:blip r:embed="rId21">
+            <a:extLst>
+              <a:ext uri="{96DAC541-7B7A-43D3-8B79-37D633B846F1}">
+                <asvg:svgBlip xmlns:asvg="http://schemas.microsoft.com/office/drawing/2016/SVG/main" r:embed="rId22"/>
+              </a:ext>
+            </a:extLst>
+          </a:blip>
+          <a:stretch>
+            <a:fillRect/>
+          </a:stretch>
+        </p:blipFill>
+        <p:spPr>
+          <a:xfrm>
+            <a:off x="1236409" y="2033828"/>
+            <a:ext cx="804168" cy="804168"/>
+          </a:xfrm>
+          <a:prstGeom prst="rect">
+            <a:avLst/>
+          </a:prstGeom>
+        </p:spPr>
+      </p:pic>
+      <p:pic>
+        <p:nvPicPr>
+          <p:cNvPr id="35" name="Grafikk 34" descr="Regn">
+            <a:extLst>
+              <a:ext uri="{FF2B5EF4-FFF2-40B4-BE49-F238E27FC236}">
+                <a16:creationId xmlns:a16="http://schemas.microsoft.com/office/drawing/2014/main" id="{3E8772F4-2092-4CDF-9A83-002EBC58C481}"/>
+              </a:ext>
+            </a:extLst>
+          </p:cNvPr>
+          <p:cNvPicPr>
+            <a:picLocks noChangeAspect="1"/>
+          </p:cNvPicPr>
+          <p:nvPr/>
+        </p:nvPicPr>
+        <p:blipFill>
+          <a:blip r:embed="rId23">
+            <a:extLst>
+              <a:ext uri="{96DAC541-7B7A-43D3-8B79-37D633B846F1}">
+                <asvg:svgBlip xmlns:asvg="http://schemas.microsoft.com/office/drawing/2016/SVG/main" r:embed="rId24"/>
+              </a:ext>
+            </a:extLst>
+          </a:blip>
+          <a:stretch>
+            <a:fillRect/>
+          </a:stretch>
+        </p:blipFill>
+        <p:spPr>
+          <a:xfrm>
+            <a:off x="5051231" y="2733500"/>
+            <a:ext cx="518400" cy="518400"/>
+          </a:xfrm>
+          <a:prstGeom prst="rect">
+            <a:avLst/>
+          </a:prstGeom>
+        </p:spPr>
+      </p:pic>
+      <p:pic>
+        <p:nvPicPr>
+          <p:cNvPr id="37" name="Grafikk 36" descr="Nøkkel">
+            <a:extLst>
+              <a:ext uri="{FF2B5EF4-FFF2-40B4-BE49-F238E27FC236}">
+                <a16:creationId xmlns:a16="http://schemas.microsoft.com/office/drawing/2014/main" id="{0686C3DB-0809-476D-9532-478793608ED4}"/>
+              </a:ext>
+            </a:extLst>
+          </p:cNvPr>
+          <p:cNvPicPr>
+            <a:picLocks noChangeAspect="1"/>
+          </p:cNvPicPr>
+          <p:nvPr/>
+        </p:nvPicPr>
+        <p:blipFill>
+          <a:blip r:embed="rId25">
+            <a:extLst>
+              <a:ext uri="{96DAC541-7B7A-43D3-8B79-37D633B846F1}">
+                <asvg:svgBlip xmlns:asvg="http://schemas.microsoft.com/office/drawing/2016/SVG/main" r:embed="rId26"/>
+              </a:ext>
+            </a:extLst>
+          </a:blip>
+          <a:stretch>
+            <a:fillRect/>
+          </a:stretch>
+        </p:blipFill>
+        <p:spPr>
+          <a:xfrm>
+            <a:off x="2215553" y="4714139"/>
+            <a:ext cx="1385701" cy="1385701"/>
+          </a:xfrm>
+          <a:prstGeom prst="rect">
+            <a:avLst/>
+          </a:prstGeom>
+        </p:spPr>
+      </p:pic>
+      <p:pic>
+        <p:nvPicPr>
+          <p:cNvPr id="39" name="Grafikk 38" descr="USB">
+            <a:extLst>
+              <a:ext uri="{FF2B5EF4-FFF2-40B4-BE49-F238E27FC236}">
+                <a16:creationId xmlns:a16="http://schemas.microsoft.com/office/drawing/2014/main" id="{69B21EB5-0C3A-4E94-B481-5EA70E4047E8}"/>
+              </a:ext>
+            </a:extLst>
+          </p:cNvPr>
+          <p:cNvPicPr>
+            <a:picLocks noChangeAspect="1"/>
+          </p:cNvPicPr>
+          <p:nvPr/>
+        </p:nvPicPr>
+        <p:blipFill>
+          <a:blip r:embed="rId27">
+            <a:extLst>
+              <a:ext uri="{96DAC541-7B7A-43D3-8B79-37D633B846F1}">
+                <asvg:svgBlip xmlns:asvg="http://schemas.microsoft.com/office/drawing/2016/SVG/main" r:embed="rId28"/>
+              </a:ext>
+            </a:extLst>
+          </a:blip>
+          <a:stretch>
+            <a:fillRect/>
+          </a:stretch>
+        </p:blipFill>
+        <p:spPr>
+          <a:xfrm>
+            <a:off x="2311612" y="4274545"/>
+            <a:ext cx="754964" cy="754964"/>
+          </a:xfrm>
+          <a:prstGeom prst="rect">
+            <a:avLst/>
+          </a:prstGeom>
+        </p:spPr>
+      </p:pic>
+      <p:pic>
+        <p:nvPicPr>
+          <p:cNvPr id="40" name="Grafikk 39" descr="Smarttelefon">
+            <a:extLst>
+              <a:ext uri="{FF2B5EF4-FFF2-40B4-BE49-F238E27FC236}">
+                <a16:creationId xmlns:a16="http://schemas.microsoft.com/office/drawing/2014/main" id="{2EC5D93A-5841-4535-9DBF-75917F69ABE6}"/>
+              </a:ext>
+            </a:extLst>
+          </p:cNvPr>
+          <p:cNvPicPr>
+            <a:picLocks noChangeAspect="1"/>
+          </p:cNvPicPr>
+          <p:nvPr/>
+        </p:nvPicPr>
+        <p:blipFill>
+          <a:blip r:embed="rId29">
+            <a:extLst>
+              <a:ext uri="{96DAC541-7B7A-43D3-8B79-37D633B846F1}">
+                <asvg:svgBlip xmlns:asvg="http://schemas.microsoft.com/office/drawing/2016/SVG/main" r:embed="rId30"/>
+              </a:ext>
+            </a:extLst>
+          </a:blip>
+          <a:stretch>
+            <a:fillRect/>
+          </a:stretch>
+        </p:blipFill>
+        <p:spPr>
+          <a:xfrm>
+            <a:off x="8036987" y="4224242"/>
+            <a:ext cx="2067786" cy="2067786"/>
+          </a:xfrm>
+          <a:prstGeom prst="rect">
+            <a:avLst/>
+          </a:prstGeom>
+        </p:spPr>
+      </p:pic>
+      <p:pic>
+        <p:nvPicPr>
+          <p:cNvPr id="41" name="Grafikk 40" descr="Ulåst">
+            <a:extLst>
+              <a:ext uri="{FF2B5EF4-FFF2-40B4-BE49-F238E27FC236}">
+                <a16:creationId xmlns:a16="http://schemas.microsoft.com/office/drawing/2014/main" id="{6E8DB880-977D-4F89-9AFB-5F0F769FD874}"/>
+              </a:ext>
+            </a:extLst>
+          </p:cNvPr>
+          <p:cNvPicPr>
+            <a:picLocks noChangeAspect="1"/>
+          </p:cNvPicPr>
+          <p:nvPr/>
+        </p:nvPicPr>
+        <p:blipFill>
+          <a:blip r:embed="rId31">
+            <a:extLst>
+              <a:ext uri="{96DAC541-7B7A-43D3-8B79-37D633B846F1}">
+                <asvg:svgBlip xmlns:asvg="http://schemas.microsoft.com/office/drawing/2016/SVG/main" r:embed="rId32"/>
+              </a:ext>
+            </a:extLst>
+          </a:blip>
+          <a:stretch>
+            <a:fillRect/>
+          </a:stretch>
+        </p:blipFill>
+        <p:spPr>
+          <a:xfrm>
+            <a:off x="8862594" y="5290284"/>
+            <a:ext cx="400029" cy="400029"/>
+          </a:xfrm>
+          <a:prstGeom prst="rect">
+            <a:avLst/>
+          </a:prstGeom>
+        </p:spPr>
+      </p:pic>
+      <p:pic>
+        <p:nvPicPr>
+          <p:cNvPr id="42" name="Grafikk 41" descr="Låst">
+            <a:extLst>
+              <a:ext uri="{FF2B5EF4-FFF2-40B4-BE49-F238E27FC236}">
+                <a16:creationId xmlns:a16="http://schemas.microsoft.com/office/drawing/2014/main" id="{D6DEFB6E-2BFC-4435-9BE9-B6880AFDEE9D}"/>
+              </a:ext>
+            </a:extLst>
+          </p:cNvPr>
+          <p:cNvPicPr>
+            <a:picLocks noChangeAspect="1"/>
+          </p:cNvPicPr>
+          <p:nvPr/>
+        </p:nvPicPr>
+        <p:blipFill>
+          <a:blip r:embed="rId33">
+            <a:extLst>
+              <a:ext uri="{96DAC541-7B7A-43D3-8B79-37D633B846F1}">
+                <asvg:svgBlip xmlns:asvg="http://schemas.microsoft.com/office/drawing/2016/SVG/main" r:embed="rId34"/>
+              </a:ext>
+            </a:extLst>
+          </a:blip>
+          <a:stretch>
+            <a:fillRect/>
+          </a:stretch>
+        </p:blipFill>
+        <p:spPr>
+          <a:xfrm>
+            <a:off x="8862594" y="4717042"/>
+            <a:ext cx="400996" cy="400996"/>
+          </a:xfrm>
+          <a:prstGeom prst="rect">
+            <a:avLst/>
+          </a:prstGeom>
+        </p:spPr>
+      </p:pic>
+      <p:sp>
+        <p:nvSpPr>
+          <p:cNvPr id="43" name="Dobbel hakeparentes 42">
+            <a:extLst>
+              <a:ext uri="{FF2B5EF4-FFF2-40B4-BE49-F238E27FC236}">
+                <a16:creationId xmlns:a16="http://schemas.microsoft.com/office/drawing/2014/main" id="{C5AD1C0D-3825-4B95-915D-EB6EDA22F11E}"/>
+              </a:ext>
+            </a:extLst>
+          </p:cNvPr>
+          <p:cNvSpPr/>
+          <p:nvPr/>
+        </p:nvSpPr>
+        <p:spPr>
+          <a:xfrm>
+            <a:off x="314960" y="1701800"/>
+            <a:ext cx="5887720" cy="3705190"/>
+          </a:xfrm>
+          <a:prstGeom prst="bracketPair">
+            <a:avLst/>
+          </a:prstGeom>
+        </p:spPr>
+        <p:style>
+          <a:lnRef idx="3">
+            <a:schemeClr val="accent1"/>
+          </a:lnRef>
+          <a:fillRef idx="0">
+            <a:schemeClr val="accent1"/>
+          </a:fillRef>
+          <a:effectRef idx="2">
+            <a:schemeClr val="accent1"/>
+          </a:effectRef>
+          <a:fontRef idx="minor">
+            <a:schemeClr val="tx1"/>
+          </a:fontRef>
+        </p:style>
+        <p:txBody>
+          <a:bodyPr rtlCol="0" anchor="ctr"/>
+          <a:lstStyle/>
+          <a:p>
+            <a:pPr algn="ctr"/>
+            <a:endParaRPr lang="nb-NO"/>
+          </a:p>
+        </p:txBody>
+      </p:sp>
+      <p:cxnSp>
+        <p:nvCxnSpPr>
+          <p:cNvPr id="45" name="Rett linje 44">
+            <a:extLst>
+              <a:ext uri="{FF2B5EF4-FFF2-40B4-BE49-F238E27FC236}">
+                <a16:creationId xmlns:a16="http://schemas.microsoft.com/office/drawing/2014/main" id="{F0AA5BAB-6E49-474E-8F78-DDA72330BED0}"/>
+              </a:ext>
+            </a:extLst>
+          </p:cNvPr>
+          <p:cNvCxnSpPr/>
+          <p:nvPr/>
+        </p:nvCxnSpPr>
+        <p:spPr>
+          <a:xfrm>
+            <a:off x="926696" y="1699522"/>
+            <a:ext cx="4680000" cy="0"/>
+          </a:xfrm>
+          <a:prstGeom prst="line">
+            <a:avLst/>
+          </a:prstGeom>
+        </p:spPr>
+        <p:style>
+          <a:lnRef idx="3">
+            <a:schemeClr val="accent1"/>
+          </a:lnRef>
+          <a:fillRef idx="0">
+            <a:schemeClr val="accent1"/>
+          </a:fillRef>
+          <a:effectRef idx="2">
+            <a:schemeClr val="accent1"/>
+          </a:effectRef>
+          <a:fontRef idx="minor">
+            <a:schemeClr val="tx1"/>
+          </a:fontRef>
+        </p:style>
+      </p:cxnSp>
+      <p:cxnSp>
+        <p:nvCxnSpPr>
+          <p:cNvPr id="46" name="Rett linje 45">
+            <a:extLst>
+              <a:ext uri="{FF2B5EF4-FFF2-40B4-BE49-F238E27FC236}">
+                <a16:creationId xmlns:a16="http://schemas.microsoft.com/office/drawing/2014/main" id="{1E4230E5-9557-4C12-83B0-0964D67330FB}"/>
+              </a:ext>
+            </a:extLst>
+          </p:cNvPr>
+          <p:cNvCxnSpPr/>
+          <p:nvPr/>
+        </p:nvCxnSpPr>
+        <p:spPr>
+          <a:xfrm>
+            <a:off x="921380" y="5406990"/>
+            <a:ext cx="1080000" cy="0"/>
+          </a:xfrm>
+          <a:prstGeom prst="line">
+            <a:avLst/>
+          </a:prstGeom>
+        </p:spPr>
+        <p:style>
+          <a:lnRef idx="3">
+            <a:schemeClr val="accent1"/>
+          </a:lnRef>
+          <a:fillRef idx="0">
+            <a:schemeClr val="accent1"/>
+          </a:fillRef>
+          <a:effectRef idx="2">
+            <a:schemeClr val="accent1"/>
+          </a:effectRef>
+          <a:fontRef idx="minor">
+            <a:schemeClr val="tx1"/>
+          </a:fontRef>
+        </p:style>
+      </p:cxnSp>
+      <p:cxnSp>
+        <p:nvCxnSpPr>
+          <p:cNvPr id="47" name="Rett linje 46">
+            <a:extLst>
+              <a:ext uri="{FF2B5EF4-FFF2-40B4-BE49-F238E27FC236}">
+                <a16:creationId xmlns:a16="http://schemas.microsoft.com/office/drawing/2014/main" id="{88D1995A-3DCB-4F8A-980B-D51F03EFA717}"/>
+              </a:ext>
+            </a:extLst>
+          </p:cNvPr>
+          <p:cNvCxnSpPr/>
+          <p:nvPr/>
+        </p:nvCxnSpPr>
+        <p:spPr>
+          <a:xfrm>
+            <a:off x="3798362" y="5406989"/>
+            <a:ext cx="1800000" cy="0"/>
+          </a:xfrm>
+          <a:prstGeom prst="line">
+            <a:avLst/>
+          </a:prstGeom>
+        </p:spPr>
+        <p:style>
+          <a:lnRef idx="3">
+            <a:schemeClr val="accent1"/>
+          </a:lnRef>
+          <a:fillRef idx="0">
+            <a:schemeClr val="accent1"/>
+          </a:fillRef>
+          <a:effectRef idx="2">
+            <a:schemeClr val="accent1"/>
+          </a:effectRef>
+          <a:fontRef idx="minor">
+            <a:schemeClr val="tx1"/>
+          </a:fontRef>
+        </p:style>
+      </p:cxnSp>
+    </p:spTree>
+    <p:extLst>
+      <p:ext uri="{BB962C8B-B14F-4D97-AF65-F5344CB8AC3E}">
+        <p14:creationId xmlns:p14="http://schemas.microsoft.com/office/powerpoint/2010/main" val="3131107630"/>
       </p:ext>
     </p:extLst>
   </p:cSld>
@@ -6062,123 +6204,1046 @@
           <a:chExt cx="0" cy="0"/>
         </a:xfrm>
       </p:grpSpPr>
-      <p:grpSp>
-        <p:nvGrpSpPr>
-          <p:cNvPr id="5" name="Gruppe 4">
+      <p:pic>
+        <p:nvPicPr>
+          <p:cNvPr id="3" name="Grafikk 2" descr="Wi-Fi">
             <a:extLst>
               <a:ext uri="{FF2B5EF4-FFF2-40B4-BE49-F238E27FC236}">
-                <a16:creationId xmlns:a16="http://schemas.microsoft.com/office/drawing/2014/main" id="{AE797A7C-EBF7-4296-B15C-2F4AE717B69D}"/>
+                <a16:creationId xmlns:a16="http://schemas.microsoft.com/office/drawing/2014/main" id="{D6D908F3-2D19-4B36-A788-BFF1FD6E458A}"/>
               </a:ext>
             </a:extLst>
           </p:cNvPr>
-          <p:cNvGrpSpPr/>
+          <p:cNvPicPr>
+            <a:picLocks noChangeAspect="1"/>
+          </p:cNvPicPr>
           <p:nvPr/>
-        </p:nvGrpSpPr>
-        <p:grpSpPr>
-          <a:xfrm>
-            <a:off x="1397000" y="79344"/>
-            <a:ext cx="3291839" cy="4279298"/>
-            <a:chOff x="2038288" y="-1231296"/>
-            <a:chExt cx="7842312" cy="7842312"/>
-          </a:xfrm>
-        </p:grpSpPr>
-        <p:pic>
-          <p:nvPicPr>
-            <p:cNvPr id="3" name="Grafikk 2" descr="Nettbrett">
-              <a:extLst>
-                <a:ext uri="{FF2B5EF4-FFF2-40B4-BE49-F238E27FC236}">
-                  <a16:creationId xmlns:a16="http://schemas.microsoft.com/office/drawing/2014/main" id="{5B7C464D-3132-40DB-B7E0-4EA0709DBE31}"/>
-                </a:ext>
-              </a:extLst>
-            </p:cNvPr>
-            <p:cNvPicPr>
-              <a:picLocks noChangeAspect="1"/>
-            </p:cNvPicPr>
-            <p:nvPr/>
-          </p:nvPicPr>
-          <p:blipFill>
-            <a:blip r:embed="rId2">
-              <a:extLst>
-                <a:ext uri="{96DAC541-7B7A-43D3-8B79-37D633B846F1}">
-                  <asvg:svgBlip xmlns:asvg="http://schemas.microsoft.com/office/drawing/2016/SVG/main" r:embed="rId3"/>
-                </a:ext>
-              </a:extLst>
-            </a:blip>
-            <a:stretch>
-              <a:fillRect/>
-            </a:stretch>
-          </p:blipFill>
-          <p:spPr>
-            <a:xfrm>
-              <a:off x="2038288" y="-1231296"/>
-              <a:ext cx="7842312" cy="7842312"/>
-            </a:xfrm>
-            <a:prstGeom prst="rect">
-              <a:avLst/>
-            </a:prstGeom>
-          </p:spPr>
-        </p:pic>
-        <p:pic>
-          <p:nvPicPr>
-            <p:cNvPr id="4" name="Bilde 3">
-              <a:extLst>
-                <a:ext uri="{FF2B5EF4-FFF2-40B4-BE49-F238E27FC236}">
-                  <a16:creationId xmlns:a16="http://schemas.microsoft.com/office/drawing/2014/main" id="{54BA71FD-BB04-4E14-94C6-BED1E4B3AE98}"/>
-                </a:ext>
-              </a:extLst>
-            </p:cNvPr>
-            <p:cNvPicPr>
-              <a:picLocks noChangeAspect="1"/>
-            </p:cNvPicPr>
-            <p:nvPr/>
-          </p:nvPicPr>
-          <p:blipFill>
-            <a:blip r:embed="rId4">
-              <a:extLst>
-                <a:ext uri="{BEBA8EAE-BF5A-486C-A8C5-ECC9F3942E4B}">
-                  <a14:imgProps xmlns:a14="http://schemas.microsoft.com/office/drawing/2010/main">
-                    <a14:imgLayer r:embed="rId5">
-                      <a14:imgEffect>
-                        <a14:backgroundRemoval t="8231" b="95972" l="7486" r="89992">
-                          <a14:foregroundMark x1="7567" y1="85814" x2="11635" y2="76883"/>
-                          <a14:foregroundMark x1="20342" y1="92820" x2="18633" y2="87741"/>
-                          <a14:foregroundMark x1="12205" y1="95972" x2="12531" y2="91769"/>
-                          <a14:foregroundMark x1="14076" y1="8231" x2="14565" y2="10333"/>
-                          <a14:foregroundMark x1="29618" y1="65324" x2="29618" y2="65324"/>
-                          <a14:foregroundMark x1="36127" y1="68476" x2="36127" y2="68476"/>
-                          <a14:foregroundMark x1="43938" y1="71103" x2="43938" y2="71103"/>
-                          <a14:foregroundMark x1="50203" y1="68126" x2="50203" y2="68126"/>
-                          <a14:foregroundMark x1="56062" y1="64448" x2="56062" y2="64448"/>
-                          <a14:foregroundMark x1="65663" y1="68126" x2="65663" y2="68126"/>
-                          <a14:foregroundMark x1="73800" y1="66550" x2="73800" y2="66550"/>
-                          <a14:foregroundMark x1="79007" y1="64623" x2="79007" y2="64623"/>
-                          <a14:foregroundMark x1="85761" y1="64974" x2="85761" y2="64974"/>
-                        </a14:backgroundRemoval>
-                      </a14:imgEffect>
-                    </a14:imgLayer>
-                  </a14:imgProps>
-                </a:ext>
-              </a:extLst>
-            </a:blip>
-            <a:stretch>
-              <a:fillRect/>
-            </a:stretch>
-          </p:blipFill>
-          <p:spPr>
-            <a:xfrm>
-              <a:off x="2735292" y="4144567"/>
-              <a:ext cx="1630702" cy="757633"/>
-            </a:xfrm>
-            <a:prstGeom prst="rect">
-              <a:avLst/>
-            </a:prstGeom>
-          </p:spPr>
-        </p:pic>
-      </p:grpSp>
+        </p:nvPicPr>
+        <p:blipFill>
+          <a:blip r:embed="rId2">
+            <a:extLst>
+              <a:ext uri="{96DAC541-7B7A-43D3-8B79-37D633B846F1}">
+                <asvg:svgBlip xmlns:asvg="http://schemas.microsoft.com/office/drawing/2016/SVG/main" r:embed="rId3"/>
+              </a:ext>
+            </a:extLst>
+          </a:blip>
+          <a:stretch>
+            <a:fillRect/>
+          </a:stretch>
+        </p:blipFill>
+        <p:spPr>
+          <a:xfrm>
+            <a:off x="3488383" y="941201"/>
+            <a:ext cx="914400" cy="914400"/>
+          </a:xfrm>
+          <a:prstGeom prst="rect">
+            <a:avLst/>
+          </a:prstGeom>
+        </p:spPr>
+      </p:pic>
+      <p:pic>
+        <p:nvPicPr>
+          <p:cNvPr id="5" name="Grafikk 4" descr="Volum">
+            <a:extLst>
+              <a:ext uri="{FF2B5EF4-FFF2-40B4-BE49-F238E27FC236}">
+                <a16:creationId xmlns:a16="http://schemas.microsoft.com/office/drawing/2014/main" id="{46C00A3D-EFD4-4E38-A0A4-9134374AF8EB}"/>
+              </a:ext>
+            </a:extLst>
+          </p:cNvPr>
+          <p:cNvPicPr>
+            <a:picLocks noChangeAspect="1"/>
+          </p:cNvPicPr>
+          <p:nvPr/>
+        </p:nvPicPr>
+        <p:blipFill>
+          <a:blip r:embed="rId4">
+            <a:extLst>
+              <a:ext uri="{96DAC541-7B7A-43D3-8B79-37D633B846F1}">
+                <asvg:svgBlip xmlns:asvg="http://schemas.microsoft.com/office/drawing/2016/SVG/main" r:embed="rId5"/>
+              </a:ext>
+            </a:extLst>
+          </a:blip>
+          <a:stretch>
+            <a:fillRect/>
+          </a:stretch>
+        </p:blipFill>
+        <p:spPr>
+          <a:xfrm>
+            <a:off x="2869026" y="4179000"/>
+            <a:ext cx="914400" cy="914400"/>
+          </a:xfrm>
+          <a:prstGeom prst="rect">
+            <a:avLst/>
+          </a:prstGeom>
+        </p:spPr>
+      </p:pic>
+      <p:pic>
+        <p:nvPicPr>
+          <p:cNvPr id="7" name="Grafikk 6" descr="Advarsel">
+            <a:extLst>
+              <a:ext uri="{FF2B5EF4-FFF2-40B4-BE49-F238E27FC236}">
+                <a16:creationId xmlns:a16="http://schemas.microsoft.com/office/drawing/2014/main" id="{E57FEFF8-B2A2-4FAD-8A08-CB8E95E73AF9}"/>
+              </a:ext>
+            </a:extLst>
+          </p:cNvPr>
+          <p:cNvPicPr>
+            <a:picLocks noChangeAspect="1"/>
+          </p:cNvPicPr>
+          <p:nvPr/>
+        </p:nvPicPr>
+        <p:blipFill>
+          <a:blip r:embed="rId6">
+            <a:extLst>
+              <a:ext uri="{96DAC541-7B7A-43D3-8B79-37D633B846F1}">
+                <asvg:svgBlip xmlns:asvg="http://schemas.microsoft.com/office/drawing/2016/SVG/main" r:embed="rId7"/>
+              </a:ext>
+            </a:extLst>
+          </a:blip>
+          <a:stretch>
+            <a:fillRect/>
+          </a:stretch>
+        </p:blipFill>
+        <p:spPr>
+          <a:xfrm>
+            <a:off x="1726254" y="3038471"/>
+            <a:ext cx="914400" cy="914400"/>
+          </a:xfrm>
+          <a:prstGeom prst="rect">
+            <a:avLst/>
+          </a:prstGeom>
+        </p:spPr>
+      </p:pic>
+      <p:pic>
+        <p:nvPicPr>
+          <p:cNvPr id="9" name="Grafikk 8" descr="Klokke">
+            <a:extLst>
+              <a:ext uri="{FF2B5EF4-FFF2-40B4-BE49-F238E27FC236}">
+                <a16:creationId xmlns:a16="http://schemas.microsoft.com/office/drawing/2014/main" id="{B499E961-D14F-4737-931C-34D614F3BD7C}"/>
+              </a:ext>
+            </a:extLst>
+          </p:cNvPr>
+          <p:cNvPicPr>
+            <a:picLocks noChangeAspect="1"/>
+          </p:cNvPicPr>
+          <p:nvPr/>
+        </p:nvPicPr>
+        <p:blipFill>
+          <a:blip r:embed="rId8">
+            <a:extLst>
+              <a:ext uri="{96DAC541-7B7A-43D3-8B79-37D633B846F1}">
+                <asvg:svgBlip xmlns:asvg="http://schemas.microsoft.com/office/drawing/2016/SVG/main" r:embed="rId9"/>
+              </a:ext>
+            </a:extLst>
+          </a:blip>
+          <a:stretch>
+            <a:fillRect/>
+          </a:stretch>
+        </p:blipFill>
+        <p:spPr>
+          <a:xfrm>
+            <a:off x="2355526" y="1769574"/>
+            <a:ext cx="914400" cy="914400"/>
+          </a:xfrm>
+          <a:prstGeom prst="rect">
+            <a:avLst/>
+          </a:prstGeom>
+        </p:spPr>
+      </p:pic>
+      <p:pic>
+        <p:nvPicPr>
+          <p:cNvPr id="11" name="Grafikk 10" descr="Bjelle">
+            <a:extLst>
+              <a:ext uri="{FF2B5EF4-FFF2-40B4-BE49-F238E27FC236}">
+                <a16:creationId xmlns:a16="http://schemas.microsoft.com/office/drawing/2014/main" id="{4CF87D3A-5AAA-48B4-A977-6E3E587A2C20}"/>
+              </a:ext>
+            </a:extLst>
+          </p:cNvPr>
+          <p:cNvPicPr>
+            <a:picLocks noChangeAspect="1"/>
+          </p:cNvPicPr>
+          <p:nvPr/>
+        </p:nvPicPr>
+        <p:blipFill>
+          <a:blip r:embed="rId10">
+            <a:extLst>
+              <a:ext uri="{96DAC541-7B7A-43D3-8B79-37D633B846F1}">
+                <asvg:svgBlip xmlns:asvg="http://schemas.microsoft.com/office/drawing/2016/SVG/main" r:embed="rId11"/>
+              </a:ext>
+            </a:extLst>
+          </a:blip>
+          <a:stretch>
+            <a:fillRect/>
+          </a:stretch>
+        </p:blipFill>
+        <p:spPr>
+          <a:xfrm>
+            <a:off x="8799119" y="1343905"/>
+            <a:ext cx="916887" cy="916887"/>
+          </a:xfrm>
+          <a:prstGeom prst="rect">
+            <a:avLst/>
+          </a:prstGeom>
+        </p:spPr>
+      </p:pic>
+      <p:pic>
+        <p:nvPicPr>
+          <p:cNvPr id="13" name="Grafikk 12" descr="Nettsky">
+            <a:extLst>
+              <a:ext uri="{FF2B5EF4-FFF2-40B4-BE49-F238E27FC236}">
+                <a16:creationId xmlns:a16="http://schemas.microsoft.com/office/drawing/2014/main" id="{2B808870-3A4C-47BF-BD90-C189ECB723F0}"/>
+              </a:ext>
+            </a:extLst>
+          </p:cNvPr>
+          <p:cNvPicPr>
+            <a:picLocks noChangeAspect="1"/>
+          </p:cNvPicPr>
+          <p:nvPr/>
+        </p:nvPicPr>
+        <p:blipFill>
+          <a:blip r:embed="rId12">
+            <a:extLst>
+              <a:ext uri="{96DAC541-7B7A-43D3-8B79-37D633B846F1}">
+                <asvg:svgBlip xmlns:asvg="http://schemas.microsoft.com/office/drawing/2016/SVG/main" r:embed="rId13"/>
+              </a:ext>
+            </a:extLst>
+          </a:blip>
+          <a:stretch>
+            <a:fillRect/>
+          </a:stretch>
+        </p:blipFill>
+        <p:spPr>
+          <a:xfrm>
+            <a:off x="4818555" y="1312374"/>
+            <a:ext cx="914400" cy="914400"/>
+          </a:xfrm>
+          <a:prstGeom prst="rect">
+            <a:avLst/>
+          </a:prstGeom>
+        </p:spPr>
+      </p:pic>
+      <p:pic>
+        <p:nvPicPr>
+          <p:cNvPr id="15" name="Grafikk 14" descr="Bluetooth">
+            <a:extLst>
+              <a:ext uri="{FF2B5EF4-FFF2-40B4-BE49-F238E27FC236}">
+                <a16:creationId xmlns:a16="http://schemas.microsoft.com/office/drawing/2014/main" id="{265CF4DC-A199-4675-8069-481136C3E2C4}"/>
+              </a:ext>
+            </a:extLst>
+          </p:cNvPr>
+          <p:cNvPicPr>
+            <a:picLocks noChangeAspect="1"/>
+          </p:cNvPicPr>
+          <p:nvPr/>
+        </p:nvPicPr>
+        <p:blipFill>
+          <a:blip r:embed="rId14">
+            <a:extLst>
+              <a:ext uri="{96DAC541-7B7A-43D3-8B79-37D633B846F1}">
+                <asvg:svgBlip xmlns:asvg="http://schemas.microsoft.com/office/drawing/2016/SVG/main" r:embed="rId15"/>
+              </a:ext>
+            </a:extLst>
+          </a:blip>
+          <a:stretch>
+            <a:fillRect/>
+          </a:stretch>
+        </p:blipFill>
+        <p:spPr>
+          <a:xfrm>
+            <a:off x="3713619" y="2245482"/>
+            <a:ext cx="914400" cy="914400"/>
+          </a:xfrm>
+          <a:prstGeom prst="rect">
+            <a:avLst/>
+          </a:prstGeom>
+        </p:spPr>
+      </p:pic>
+      <p:pic>
+        <p:nvPicPr>
+          <p:cNvPr id="17" name="Grafikk 16" descr="Kompass">
+            <a:extLst>
+              <a:ext uri="{FF2B5EF4-FFF2-40B4-BE49-F238E27FC236}">
+                <a16:creationId xmlns:a16="http://schemas.microsoft.com/office/drawing/2014/main" id="{C269ECD4-D6B6-4C4F-9692-46674C2FDEA0}"/>
+              </a:ext>
+            </a:extLst>
+          </p:cNvPr>
+          <p:cNvPicPr>
+            <a:picLocks noChangeAspect="1"/>
+          </p:cNvPicPr>
+          <p:nvPr/>
+        </p:nvPicPr>
+        <p:blipFill>
+          <a:blip r:embed="rId16">
+            <a:extLst>
+              <a:ext uri="{96DAC541-7B7A-43D3-8B79-37D633B846F1}">
+                <asvg:svgBlip xmlns:asvg="http://schemas.microsoft.com/office/drawing/2016/SVG/main" r:embed="rId17"/>
+              </a:ext>
+            </a:extLst>
+          </a:blip>
+          <a:stretch>
+            <a:fillRect/>
+          </a:stretch>
+        </p:blipFill>
+        <p:spPr>
+          <a:xfrm>
+            <a:off x="4253913" y="4308067"/>
+            <a:ext cx="914400" cy="914400"/>
+          </a:xfrm>
+          <a:prstGeom prst="rect">
+            <a:avLst/>
+          </a:prstGeom>
+        </p:spPr>
+      </p:pic>
+      <p:pic>
+        <p:nvPicPr>
+          <p:cNvPr id="19" name="Grafikk 18" descr="Ulåst">
+            <a:extLst>
+              <a:ext uri="{FF2B5EF4-FFF2-40B4-BE49-F238E27FC236}">
+                <a16:creationId xmlns:a16="http://schemas.microsoft.com/office/drawing/2014/main" id="{F991E882-9BD0-4831-B1F3-2EF18D0C646E}"/>
+              </a:ext>
+            </a:extLst>
+          </p:cNvPr>
+          <p:cNvPicPr>
+            <a:picLocks noChangeAspect="1"/>
+          </p:cNvPicPr>
+          <p:nvPr/>
+        </p:nvPicPr>
+        <p:blipFill>
+          <a:blip r:embed="rId18">
+            <a:extLst>
+              <a:ext uri="{96DAC541-7B7A-43D3-8B79-37D633B846F1}">
+                <asvg:svgBlip xmlns:asvg="http://schemas.microsoft.com/office/drawing/2016/SVG/main" r:embed="rId19"/>
+              </a:ext>
+            </a:extLst>
+          </a:blip>
+          <a:stretch>
+            <a:fillRect/>
+          </a:stretch>
+        </p:blipFill>
+        <p:spPr>
+          <a:xfrm>
+            <a:off x="7332019" y="941201"/>
+            <a:ext cx="914400" cy="914400"/>
+          </a:xfrm>
+          <a:prstGeom prst="rect">
+            <a:avLst/>
+          </a:prstGeom>
+        </p:spPr>
+      </p:pic>
+      <p:pic>
+        <p:nvPicPr>
+          <p:cNvPr id="21" name="Grafikk 20" descr="Låst">
+            <a:extLst>
+              <a:ext uri="{FF2B5EF4-FFF2-40B4-BE49-F238E27FC236}">
+                <a16:creationId xmlns:a16="http://schemas.microsoft.com/office/drawing/2014/main" id="{21D73433-E66A-4453-8297-7F29F4E96FDC}"/>
+              </a:ext>
+            </a:extLst>
+          </p:cNvPr>
+          <p:cNvPicPr>
+            <a:picLocks noChangeAspect="1"/>
+          </p:cNvPicPr>
+          <p:nvPr/>
+        </p:nvPicPr>
+        <p:blipFill>
+          <a:blip r:embed="rId20">
+            <a:extLst>
+              <a:ext uri="{96DAC541-7B7A-43D3-8B79-37D633B846F1}">
+                <asvg:svgBlip xmlns:asvg="http://schemas.microsoft.com/office/drawing/2016/SVG/main" r:embed="rId21"/>
+              </a:ext>
+            </a:extLst>
+          </a:blip>
+          <a:stretch>
+            <a:fillRect/>
+          </a:stretch>
+        </p:blipFill>
+        <p:spPr>
+          <a:xfrm>
+            <a:off x="6459047" y="1673193"/>
+            <a:ext cx="914400" cy="914400"/>
+          </a:xfrm>
+          <a:prstGeom prst="rect">
+            <a:avLst/>
+          </a:prstGeom>
+        </p:spPr>
+      </p:pic>
+      <p:pic>
+        <p:nvPicPr>
+          <p:cNvPr id="23" name="Grafikk 22" descr="Tankeboble">
+            <a:extLst>
+              <a:ext uri="{FF2B5EF4-FFF2-40B4-BE49-F238E27FC236}">
+                <a16:creationId xmlns:a16="http://schemas.microsoft.com/office/drawing/2014/main" id="{59A0C625-3B7B-4A50-B466-783D76886AB9}"/>
+              </a:ext>
+            </a:extLst>
+          </p:cNvPr>
+          <p:cNvPicPr>
+            <a:picLocks noChangeAspect="1"/>
+          </p:cNvPicPr>
+          <p:nvPr/>
+        </p:nvPicPr>
+        <p:blipFill>
+          <a:blip r:embed="rId22">
+            <a:extLst>
+              <a:ext uri="{96DAC541-7B7A-43D3-8B79-37D633B846F1}">
+                <asvg:svgBlip xmlns:asvg="http://schemas.microsoft.com/office/drawing/2016/SVG/main" r:embed="rId23"/>
+              </a:ext>
+            </a:extLst>
+          </a:blip>
+          <a:stretch>
+            <a:fillRect/>
+          </a:stretch>
+        </p:blipFill>
+        <p:spPr>
+          <a:xfrm>
+            <a:off x="5638800" y="2971800"/>
+            <a:ext cx="914400" cy="914400"/>
+          </a:xfrm>
+          <a:prstGeom prst="rect">
+            <a:avLst/>
+          </a:prstGeom>
+        </p:spPr>
+      </p:pic>
+      <p:pic>
+        <p:nvPicPr>
+          <p:cNvPr id="25" name="Grafikk 24" descr="Kamera">
+            <a:extLst>
+              <a:ext uri="{FF2B5EF4-FFF2-40B4-BE49-F238E27FC236}">
+                <a16:creationId xmlns:a16="http://schemas.microsoft.com/office/drawing/2014/main" id="{85F0FEF5-ACE9-4841-AB93-582A666C0C72}"/>
+              </a:ext>
+            </a:extLst>
+          </p:cNvPr>
+          <p:cNvPicPr>
+            <a:picLocks noChangeAspect="1"/>
+          </p:cNvPicPr>
+          <p:nvPr/>
+        </p:nvPicPr>
+        <p:blipFill>
+          <a:blip r:embed="rId24">
+            <a:extLst>
+              <a:ext uri="{96DAC541-7B7A-43D3-8B79-37D633B846F1}">
+                <asvg:svgBlip xmlns:asvg="http://schemas.microsoft.com/office/drawing/2016/SVG/main" r:embed="rId25"/>
+              </a:ext>
+            </a:extLst>
+          </a:blip>
+          <a:stretch>
+            <a:fillRect/>
+          </a:stretch>
+        </p:blipFill>
+        <p:spPr>
+          <a:xfrm>
+            <a:off x="5985233" y="5093400"/>
+            <a:ext cx="914400" cy="914400"/>
+          </a:xfrm>
+          <a:prstGeom prst="rect">
+            <a:avLst/>
+          </a:prstGeom>
+        </p:spPr>
+      </p:pic>
+      <p:pic>
+        <p:nvPicPr>
+          <p:cNvPr id="27" name="Grafikk 26" descr="Webkamera">
+            <a:extLst>
+              <a:ext uri="{FF2B5EF4-FFF2-40B4-BE49-F238E27FC236}">
+                <a16:creationId xmlns:a16="http://schemas.microsoft.com/office/drawing/2014/main" id="{F7986C00-F983-48C9-A936-114471265284}"/>
+              </a:ext>
+            </a:extLst>
+          </p:cNvPr>
+          <p:cNvPicPr>
+            <a:picLocks noChangeAspect="1"/>
+          </p:cNvPicPr>
+          <p:nvPr/>
+        </p:nvPicPr>
+        <p:blipFill>
+          <a:blip r:embed="rId26">
+            <a:extLst>
+              <a:ext uri="{96DAC541-7B7A-43D3-8B79-37D633B846F1}">
+                <asvg:svgBlip xmlns:asvg="http://schemas.microsoft.com/office/drawing/2016/SVG/main" r:embed="rId27"/>
+              </a:ext>
+            </a:extLst>
+          </a:blip>
+          <a:stretch>
+            <a:fillRect/>
+          </a:stretch>
+        </p:blipFill>
+        <p:spPr>
+          <a:xfrm>
+            <a:off x="7751615" y="4636200"/>
+            <a:ext cx="914400" cy="914400"/>
+          </a:xfrm>
+          <a:prstGeom prst="rect">
+            <a:avLst/>
+          </a:prstGeom>
+        </p:spPr>
+      </p:pic>
+      <p:pic>
+        <p:nvPicPr>
+          <p:cNvPr id="29" name="Grafikk 28" descr="Nettbrett">
+            <a:extLst>
+              <a:ext uri="{FF2B5EF4-FFF2-40B4-BE49-F238E27FC236}">
+                <a16:creationId xmlns:a16="http://schemas.microsoft.com/office/drawing/2014/main" id="{02F6657E-08C0-4AB8-8CF5-B6532573C754}"/>
+              </a:ext>
+            </a:extLst>
+          </p:cNvPr>
+          <p:cNvPicPr>
+            <a:picLocks noChangeAspect="1"/>
+          </p:cNvPicPr>
+          <p:nvPr/>
+        </p:nvPicPr>
+        <p:blipFill>
+          <a:blip r:embed="rId28">
+            <a:extLst>
+              <a:ext uri="{96DAC541-7B7A-43D3-8B79-37D633B846F1}">
+                <asvg:svgBlip xmlns:asvg="http://schemas.microsoft.com/office/drawing/2016/SVG/main" r:embed="rId29"/>
+              </a:ext>
+            </a:extLst>
+          </a:blip>
+          <a:stretch>
+            <a:fillRect/>
+          </a:stretch>
+        </p:blipFill>
+        <p:spPr>
+          <a:xfrm>
+            <a:off x="8094174" y="3271800"/>
+            <a:ext cx="914400" cy="914400"/>
+          </a:xfrm>
+          <a:prstGeom prst="rect">
+            <a:avLst/>
+          </a:prstGeom>
+        </p:spPr>
+      </p:pic>
+      <p:pic>
+        <p:nvPicPr>
+          <p:cNvPr id="31" name="Grafikk 30" descr="Smarttelefon">
+            <a:extLst>
+              <a:ext uri="{FF2B5EF4-FFF2-40B4-BE49-F238E27FC236}">
+                <a16:creationId xmlns:a16="http://schemas.microsoft.com/office/drawing/2014/main" id="{519D97BB-C577-443E-9534-8330E51670AB}"/>
+              </a:ext>
+            </a:extLst>
+          </p:cNvPr>
+          <p:cNvPicPr>
+            <a:picLocks noChangeAspect="1"/>
+          </p:cNvPicPr>
+          <p:nvPr/>
+        </p:nvPicPr>
+        <p:blipFill>
+          <a:blip r:embed="rId30">
+            <a:extLst>
+              <a:ext uri="{96DAC541-7B7A-43D3-8B79-37D633B846F1}">
+                <asvg:svgBlip xmlns:asvg="http://schemas.microsoft.com/office/drawing/2016/SVG/main" r:embed="rId31"/>
+              </a:ext>
+            </a:extLst>
+          </a:blip>
+          <a:stretch>
+            <a:fillRect/>
+          </a:stretch>
+        </p:blipFill>
+        <p:spPr>
+          <a:xfrm>
+            <a:off x="9593702" y="4479894"/>
+            <a:ext cx="914400" cy="914400"/>
+          </a:xfrm>
+          <a:prstGeom prst="rect">
+            <a:avLst/>
+          </a:prstGeom>
+        </p:spPr>
+      </p:pic>
+      <p:pic>
+        <p:nvPicPr>
+          <p:cNvPr id="33" name="Grafikk 32" descr="Bærbar datamaskin">
+            <a:extLst>
+              <a:ext uri="{FF2B5EF4-FFF2-40B4-BE49-F238E27FC236}">
+                <a16:creationId xmlns:a16="http://schemas.microsoft.com/office/drawing/2014/main" id="{FB948175-DE0A-4A39-B7C7-03724CF9D19F}"/>
+              </a:ext>
+            </a:extLst>
+          </p:cNvPr>
+          <p:cNvPicPr>
+            <a:picLocks noChangeAspect="1"/>
+          </p:cNvPicPr>
+          <p:nvPr/>
+        </p:nvPicPr>
+        <p:blipFill>
+          <a:blip r:embed="rId32">
+            <a:extLst>
+              <a:ext uri="{96DAC541-7B7A-43D3-8B79-37D633B846F1}">
+                <asvg:svgBlip xmlns:asvg="http://schemas.microsoft.com/office/drawing/2016/SVG/main" r:embed="rId33"/>
+              </a:ext>
+            </a:extLst>
+          </a:blip>
+          <a:stretch>
+            <a:fillRect/>
+          </a:stretch>
+        </p:blipFill>
+        <p:spPr>
+          <a:xfrm>
+            <a:off x="9466228" y="3244560"/>
+            <a:ext cx="914400" cy="914400"/>
+          </a:xfrm>
+          <a:prstGeom prst="rect">
+            <a:avLst/>
+          </a:prstGeom>
+        </p:spPr>
+      </p:pic>
+      <p:pic>
+        <p:nvPicPr>
+          <p:cNvPr id="34" name="Bilde 33">
+            <a:extLst>
+              <a:ext uri="{FF2B5EF4-FFF2-40B4-BE49-F238E27FC236}">
+                <a16:creationId xmlns:a16="http://schemas.microsoft.com/office/drawing/2014/main" id="{8EF520D1-AA29-4B06-A908-393D2A9B2200}"/>
+              </a:ext>
+            </a:extLst>
+          </p:cNvPr>
+          <p:cNvPicPr>
+            <a:picLocks noChangeAspect="1"/>
+          </p:cNvPicPr>
+          <p:nvPr/>
+        </p:nvPicPr>
+        <p:blipFill>
+          <a:blip r:embed="rId34"/>
+          <a:stretch>
+            <a:fillRect/>
+          </a:stretch>
+        </p:blipFill>
+        <p:spPr>
+          <a:xfrm>
+            <a:off x="497501" y="234282"/>
+            <a:ext cx="2069126" cy="1606155"/>
+          </a:xfrm>
+          <a:prstGeom prst="rect">
+            <a:avLst/>
+          </a:prstGeom>
+        </p:spPr>
+      </p:pic>
+      <p:pic>
+        <p:nvPicPr>
+          <p:cNvPr id="36" name="Bilde 35">
+            <a:extLst>
+              <a:ext uri="{FF2B5EF4-FFF2-40B4-BE49-F238E27FC236}">
+                <a16:creationId xmlns:a16="http://schemas.microsoft.com/office/drawing/2014/main" id="{62E4C73E-03F6-4F9C-8994-30F21F5BB07C}"/>
+              </a:ext>
+            </a:extLst>
+          </p:cNvPr>
+          <p:cNvPicPr>
+            <a:picLocks noChangeAspect="1"/>
+          </p:cNvPicPr>
+          <p:nvPr/>
+        </p:nvPicPr>
+        <p:blipFill rotWithShape="1">
+          <a:blip r:embed="rId35">
+            <a:extLst>
+              <a:ext uri="{BEBA8EAE-BF5A-486C-A8C5-ECC9F3942E4B}">
+                <a14:imgProps xmlns:a14="http://schemas.microsoft.com/office/drawing/2010/main">
+                  <a14:imgLayer r:embed="rId36">
+                    <a14:imgEffect>
+                      <a14:backgroundRemoval t="38756" b="76444" l="25711" r="50948">
+                        <a14:foregroundMark x1="35545" y1="70400" x2="35545" y2="70400"/>
+                        <a14:foregroundMark x1="33175" y1="69244" x2="33175" y2="69244"/>
+                        <a14:foregroundMark x1="46090" y1="64533" x2="34597" y2="64000"/>
+                        <a14:foregroundMark x1="34597" y1="64000" x2="30095" y2="62133"/>
+                        <a14:foregroundMark x1="26540" y1="72089" x2="38981" y2="43556"/>
+                        <a14:foregroundMark x1="47986" y1="68978" x2="42062" y2="63200"/>
+                        <a14:foregroundMark x1="42062" y1="63200" x2="36493" y2="43733"/>
+                        <a14:foregroundMark x1="44194" y1="60356" x2="33886" y2="63644"/>
+                        <a14:foregroundMark x1="33886" y1="63644" x2="27488" y2="69244"/>
+                        <a14:foregroundMark x1="27488" y1="69244" x2="25829" y2="72089"/>
+                        <a14:foregroundMark x1="31398" y1="75022" x2="30213" y2="61778"/>
+                        <a14:foregroundMark x1="40995" y1="73867" x2="39336" y2="66133"/>
+                        <a14:foregroundMark x1="39336" y1="66133" x2="39573" y2="65156"/>
+                        <a14:foregroundMark x1="50948" y1="68889" x2="41469" y2="66044"/>
+                        <a14:foregroundMark x1="42536" y1="70311" x2="28199" y2="67911"/>
+                        <a14:foregroundMark x1="33886" y1="38844" x2="41114" y2="53067"/>
+                        <a14:foregroundMark x1="41114" y1="53067" x2="41943" y2="59200"/>
+                        <a14:foregroundMark x1="26896" y1="75200" x2="29621" y2="55733"/>
+                        <a14:foregroundMark x1="27962" y1="75733" x2="45379" y2="61156"/>
+                        <a14:foregroundMark x1="44076" y1="76444" x2="34242" y2="64444"/>
+                        <a14:foregroundMark x1="34242" y1="64444" x2="33057" y2="61956"/>
+                        <a14:foregroundMark x1="41706" y1="43467" x2="38507" y2="40711"/>
+                        <a14:foregroundMark x1="42299" y1="40089" x2="39100" y2="40711"/>
+                        <a14:backgroundMark x1="47986" y1="44178" x2="47986" y2="44178"/>
+                        <a14:backgroundMark x1="47986" y1="44178" x2="47986" y2="44178"/>
+                        <a14:backgroundMark x1="28910" y1="44000" x2="25474" y2="37156"/>
+                        <a14:backgroundMark x1="25474" y1="37156" x2="25474" y2="36711"/>
+                        <a14:backgroundMark x1="51185" y1="45422" x2="44550" y2="45156"/>
+                      </a14:backgroundRemoval>
+                    </a14:imgEffect>
+                  </a14:imgLayer>
+                </a14:imgProps>
+              </a:ext>
+            </a:extLst>
+          </a:blip>
+          <a:srcRect l="23835" t="35555" r="47655" b="20556"/>
+          <a:stretch/>
+        </p:blipFill>
+        <p:spPr>
+          <a:xfrm>
+            <a:off x="1037020" y="4544371"/>
+            <a:ext cx="310310" cy="441791"/>
+          </a:xfrm>
+          <a:prstGeom prst="rect">
+            <a:avLst/>
+          </a:prstGeom>
+        </p:spPr>
+      </p:pic>
+      <p:pic>
+        <p:nvPicPr>
+          <p:cNvPr id="37" name="Grafikk 36" descr="Bygning">
+            <a:extLst>
+              <a:ext uri="{FF2B5EF4-FFF2-40B4-BE49-F238E27FC236}">
+                <a16:creationId xmlns:a16="http://schemas.microsoft.com/office/drawing/2014/main" id="{1A26BDAD-F8A3-463C-BC7F-CF7CB5FB298D}"/>
+              </a:ext>
+            </a:extLst>
+          </p:cNvPr>
+          <p:cNvPicPr>
+            <a:picLocks noChangeAspect="1"/>
+          </p:cNvPicPr>
+          <p:nvPr/>
+        </p:nvPicPr>
+        <p:blipFill>
+          <a:blip r:embed="rId37">
+            <a:extLst>
+              <a:ext uri="{96DAC541-7B7A-43D3-8B79-37D633B846F1}">
+                <asvg:svgBlip xmlns:asvg="http://schemas.microsoft.com/office/drawing/2016/SVG/main" r:embed="rId38"/>
+              </a:ext>
+            </a:extLst>
+          </a:blip>
+          <a:stretch>
+            <a:fillRect/>
+          </a:stretch>
+        </p:blipFill>
+        <p:spPr>
+          <a:xfrm>
+            <a:off x="4299037" y="2089386"/>
+            <a:ext cx="914400" cy="914400"/>
+          </a:xfrm>
+          <a:prstGeom prst="rect">
+            <a:avLst/>
+          </a:prstGeom>
+        </p:spPr>
+      </p:pic>
+      <p:pic>
+        <p:nvPicPr>
+          <p:cNvPr id="38" name="Grafikk 37" descr="Hjem">
+            <a:extLst>
+              <a:ext uri="{FF2B5EF4-FFF2-40B4-BE49-F238E27FC236}">
+                <a16:creationId xmlns:a16="http://schemas.microsoft.com/office/drawing/2014/main" id="{AF8E5EF6-A292-4D83-A032-144780947562}"/>
+              </a:ext>
+            </a:extLst>
+          </p:cNvPr>
+          <p:cNvPicPr>
+            <a:picLocks noChangeAspect="1"/>
+          </p:cNvPicPr>
+          <p:nvPr/>
+        </p:nvPicPr>
+        <p:blipFill>
+          <a:blip r:embed="rId39">
+            <a:extLst>
+              <a:ext uri="{96DAC541-7B7A-43D3-8B79-37D633B846F1}">
+                <asvg:svgBlip xmlns:asvg="http://schemas.microsoft.com/office/drawing/2016/SVG/main" r:embed="rId40"/>
+              </a:ext>
+            </a:extLst>
+          </a:blip>
+          <a:stretch>
+            <a:fillRect/>
+          </a:stretch>
+        </p:blipFill>
+        <p:spPr>
+          <a:xfrm>
+            <a:off x="2819116" y="3003786"/>
+            <a:ext cx="914400" cy="914400"/>
+          </a:xfrm>
+          <a:prstGeom prst="rect">
+            <a:avLst/>
+          </a:prstGeom>
+        </p:spPr>
+      </p:pic>
+      <p:pic>
+        <p:nvPicPr>
+          <p:cNvPr id="39" name="Grafikk 38" descr="Skolebygning">
+            <a:extLst>
+              <a:ext uri="{FF2B5EF4-FFF2-40B4-BE49-F238E27FC236}">
+                <a16:creationId xmlns:a16="http://schemas.microsoft.com/office/drawing/2014/main" id="{62499267-5D53-4CF8-A12F-2CE9347122FF}"/>
+              </a:ext>
+            </a:extLst>
+          </p:cNvPr>
+          <p:cNvPicPr>
+            <a:picLocks noChangeAspect="1"/>
+          </p:cNvPicPr>
+          <p:nvPr/>
+        </p:nvPicPr>
+        <p:blipFill>
+          <a:blip r:embed="rId41">
+            <a:extLst>
+              <a:ext uri="{96DAC541-7B7A-43D3-8B79-37D633B846F1}">
+                <asvg:svgBlip xmlns:asvg="http://schemas.microsoft.com/office/drawing/2016/SVG/main" r:embed="rId42"/>
+              </a:ext>
+            </a:extLst>
+          </a:blip>
+          <a:stretch>
+            <a:fillRect/>
+          </a:stretch>
+        </p:blipFill>
+        <p:spPr>
+          <a:xfrm>
+            <a:off x="7176997" y="3256241"/>
+            <a:ext cx="914400" cy="914400"/>
+          </a:xfrm>
+          <a:prstGeom prst="rect">
+            <a:avLst/>
+          </a:prstGeom>
+        </p:spPr>
+      </p:pic>
+      <p:pic>
+        <p:nvPicPr>
+          <p:cNvPr id="40" name="Grafikk 39" descr="Kamera">
+            <a:extLst>
+              <a:ext uri="{FF2B5EF4-FFF2-40B4-BE49-F238E27FC236}">
+                <a16:creationId xmlns:a16="http://schemas.microsoft.com/office/drawing/2014/main" id="{32E8C6A6-94BA-414E-8DD7-DA64E90AF415}"/>
+              </a:ext>
+            </a:extLst>
+          </p:cNvPr>
+          <p:cNvPicPr>
+            <a:picLocks noChangeAspect="1"/>
+          </p:cNvPicPr>
+          <p:nvPr/>
+        </p:nvPicPr>
+        <p:blipFill>
+          <a:blip r:embed="rId24">
+            <a:extLst>
+              <a:ext uri="{96DAC541-7B7A-43D3-8B79-37D633B846F1}">
+                <asvg:svgBlip xmlns:asvg="http://schemas.microsoft.com/office/drawing/2016/SVG/main" r:embed="rId25"/>
+              </a:ext>
+            </a:extLst>
+          </a:blip>
+          <a:stretch>
+            <a:fillRect/>
+          </a:stretch>
+        </p:blipFill>
+        <p:spPr>
+          <a:xfrm>
+            <a:off x="5574261" y="2286320"/>
+            <a:ext cx="517752" cy="517752"/>
+          </a:xfrm>
+          <a:prstGeom prst="rect">
+            <a:avLst/>
+          </a:prstGeom>
+        </p:spPr>
+      </p:pic>
+      <p:pic>
+        <p:nvPicPr>
+          <p:cNvPr id="41" name="Grafikk 40" descr="Telefonrør">
+            <a:extLst>
+              <a:ext uri="{FF2B5EF4-FFF2-40B4-BE49-F238E27FC236}">
+                <a16:creationId xmlns:a16="http://schemas.microsoft.com/office/drawing/2014/main" id="{67B76A86-D67F-46A9-B45E-69AD04762B66}"/>
+              </a:ext>
+            </a:extLst>
+          </p:cNvPr>
+          <p:cNvPicPr>
+            <a:picLocks noChangeAspect="1"/>
+          </p:cNvPicPr>
+          <p:nvPr/>
+        </p:nvPicPr>
+        <p:blipFill>
+          <a:blip r:embed="rId43">
+            <a:extLst>
+              <a:ext uri="{96DAC541-7B7A-43D3-8B79-37D633B846F1}">
+                <asvg:svgBlip xmlns:asvg="http://schemas.microsoft.com/office/drawing/2016/SVG/main" r:embed="rId44"/>
+              </a:ext>
+            </a:extLst>
+          </a:blip>
+          <a:stretch>
+            <a:fillRect/>
+          </a:stretch>
+        </p:blipFill>
+        <p:spPr>
+          <a:xfrm>
+            <a:off x="7840577" y="2177288"/>
+            <a:ext cx="914400" cy="914400"/>
+          </a:xfrm>
+          <a:prstGeom prst="rect">
+            <a:avLst/>
+          </a:prstGeom>
+        </p:spPr>
+      </p:pic>
+      <p:pic>
+        <p:nvPicPr>
+          <p:cNvPr id="42" name="Grafikk 41" descr="Sol">
+            <a:extLst>
+              <a:ext uri="{FF2B5EF4-FFF2-40B4-BE49-F238E27FC236}">
+                <a16:creationId xmlns:a16="http://schemas.microsoft.com/office/drawing/2014/main" id="{372D2833-205E-45D5-BABE-76DCEFC3744C}"/>
+              </a:ext>
+            </a:extLst>
+          </p:cNvPr>
+          <p:cNvPicPr>
+            <a:picLocks noChangeAspect="1"/>
+          </p:cNvPicPr>
+          <p:nvPr/>
+        </p:nvPicPr>
+        <p:blipFill>
+          <a:blip r:embed="rId45">
+            <a:extLst>
+              <a:ext uri="{96DAC541-7B7A-43D3-8B79-37D633B846F1}">
+                <asvg:svgBlip xmlns:asvg="http://schemas.microsoft.com/office/drawing/2016/SVG/main" r:embed="rId46"/>
+              </a:ext>
+            </a:extLst>
+          </a:blip>
+          <a:stretch>
+            <a:fillRect/>
+          </a:stretch>
+        </p:blipFill>
+        <p:spPr>
+          <a:xfrm>
+            <a:off x="6989602" y="4911226"/>
+            <a:ext cx="518400" cy="518400"/>
+          </a:xfrm>
+          <a:prstGeom prst="rect">
+            <a:avLst/>
+          </a:prstGeom>
+        </p:spPr>
+      </p:pic>
+      <p:pic>
+        <p:nvPicPr>
+          <p:cNvPr id="43" name="Grafikk 42" descr="Måne og stjerner">
+            <a:extLst>
+              <a:ext uri="{FF2B5EF4-FFF2-40B4-BE49-F238E27FC236}">
+                <a16:creationId xmlns:a16="http://schemas.microsoft.com/office/drawing/2014/main" id="{51A38749-1D61-4EED-A1EF-B90F993475AD}"/>
+              </a:ext>
+            </a:extLst>
+          </p:cNvPr>
+          <p:cNvPicPr>
+            <a:picLocks noChangeAspect="1"/>
+          </p:cNvPicPr>
+          <p:nvPr/>
+        </p:nvPicPr>
+        <p:blipFill>
+          <a:blip r:embed="rId47">
+            <a:extLst>
+              <a:ext uri="{96DAC541-7B7A-43D3-8B79-37D633B846F1}">
+                <asvg:svgBlip xmlns:asvg="http://schemas.microsoft.com/office/drawing/2016/SVG/main" r:embed="rId48"/>
+              </a:ext>
+            </a:extLst>
+          </a:blip>
+          <a:stretch>
+            <a:fillRect/>
+          </a:stretch>
+        </p:blipFill>
+        <p:spPr>
+          <a:xfrm>
+            <a:off x="8502577" y="3942517"/>
+            <a:ext cx="914400" cy="914400"/>
+          </a:xfrm>
+          <a:prstGeom prst="rect">
+            <a:avLst/>
+          </a:prstGeom>
+        </p:spPr>
+      </p:pic>
+      <p:pic>
+        <p:nvPicPr>
+          <p:cNvPr id="44" name="Grafikk 43" descr="Måne">
+            <a:extLst>
+              <a:ext uri="{FF2B5EF4-FFF2-40B4-BE49-F238E27FC236}">
+                <a16:creationId xmlns:a16="http://schemas.microsoft.com/office/drawing/2014/main" id="{40427787-4F0F-4836-8815-40E1AF04DDB4}"/>
+              </a:ext>
+            </a:extLst>
+          </p:cNvPr>
+          <p:cNvPicPr>
+            <a:picLocks noChangeAspect="1"/>
+          </p:cNvPicPr>
+          <p:nvPr/>
+        </p:nvPicPr>
+        <p:blipFill>
+          <a:blip r:embed="rId49">
+            <a:extLst>
+              <a:ext uri="{96DAC541-7B7A-43D3-8B79-37D633B846F1}">
+                <asvg:svgBlip xmlns:asvg="http://schemas.microsoft.com/office/drawing/2016/SVG/main" r:embed="rId50"/>
+              </a:ext>
+            </a:extLst>
+          </a:blip>
+          <a:stretch>
+            <a:fillRect/>
+          </a:stretch>
+        </p:blipFill>
+        <p:spPr>
+          <a:xfrm>
+            <a:off x="9952246" y="3211546"/>
+            <a:ext cx="914400" cy="914400"/>
+          </a:xfrm>
+          <a:prstGeom prst="rect">
+            <a:avLst/>
+          </a:prstGeom>
+        </p:spPr>
+      </p:pic>
+      <p:pic>
+        <p:nvPicPr>
+          <p:cNvPr id="45" name="Grafikk 44" descr="Delvis skyet">
+            <a:extLst>
+              <a:ext uri="{FF2B5EF4-FFF2-40B4-BE49-F238E27FC236}">
+                <a16:creationId xmlns:a16="http://schemas.microsoft.com/office/drawing/2014/main" id="{E7A1E95A-53CE-473E-BBE9-36736C69DA6C}"/>
+              </a:ext>
+            </a:extLst>
+          </p:cNvPr>
+          <p:cNvPicPr>
+            <a:picLocks noChangeAspect="1"/>
+          </p:cNvPicPr>
+          <p:nvPr/>
+        </p:nvPicPr>
+        <p:blipFill>
+          <a:blip r:embed="rId51">
+            <a:extLst>
+              <a:ext uri="{96DAC541-7B7A-43D3-8B79-37D633B846F1}">
+                <asvg:svgBlip xmlns:asvg="http://schemas.microsoft.com/office/drawing/2016/SVG/main" r:embed="rId52"/>
+              </a:ext>
+            </a:extLst>
+          </a:blip>
+          <a:stretch>
+            <a:fillRect/>
+          </a:stretch>
+        </p:blipFill>
+        <p:spPr>
+          <a:xfrm>
+            <a:off x="7226615" y="3254456"/>
+            <a:ext cx="914400" cy="914400"/>
+          </a:xfrm>
+          <a:prstGeom prst="rect">
+            <a:avLst/>
+          </a:prstGeom>
+        </p:spPr>
+      </p:pic>
+      <p:pic>
+        <p:nvPicPr>
+          <p:cNvPr id="46" name="Grafikk 45" descr="Gatelys">
+            <a:extLst>
+              <a:ext uri="{FF2B5EF4-FFF2-40B4-BE49-F238E27FC236}">
+                <a16:creationId xmlns:a16="http://schemas.microsoft.com/office/drawing/2014/main" id="{A22AF097-A79D-41D4-980F-3FAE356CCECB}"/>
+              </a:ext>
+            </a:extLst>
+          </p:cNvPr>
+          <p:cNvPicPr>
+            <a:picLocks noChangeAspect="1"/>
+          </p:cNvPicPr>
+          <p:nvPr/>
+        </p:nvPicPr>
+        <p:blipFill>
+          <a:blip r:embed="rId53">
+            <a:extLst>
+              <a:ext uri="{96DAC541-7B7A-43D3-8B79-37D633B846F1}">
+                <asvg:svgBlip xmlns:asvg="http://schemas.microsoft.com/office/drawing/2016/SVG/main" r:embed="rId54"/>
+              </a:ext>
+            </a:extLst>
+          </a:blip>
+          <a:stretch>
+            <a:fillRect/>
+          </a:stretch>
+        </p:blipFill>
+        <p:spPr>
+          <a:xfrm>
+            <a:off x="6553200" y="1026335"/>
+            <a:ext cx="914400" cy="914400"/>
+          </a:xfrm>
+          <a:prstGeom prst="rect">
+            <a:avLst/>
+          </a:prstGeom>
+        </p:spPr>
+      </p:pic>
     </p:spTree>
     <p:extLst>
       <p:ext uri="{BB962C8B-B14F-4D97-AF65-F5344CB8AC3E}">
-        <p14:creationId xmlns:p14="http://schemas.microsoft.com/office/powerpoint/2010/main" val="3131107630"/>
+        <p14:creationId xmlns:p14="http://schemas.microsoft.com/office/powerpoint/2010/main" val="3462617495"/>
       </p:ext>
     </p:extLst>
   </p:cSld>

--- a/doc/konsept/Fant-.pptx
+++ b/doc/konsept/Fant-.pptx
@@ -5,7 +5,7 @@
     <p:sldMasterId id="2147483708" r:id="rId1"/>
   </p:sldMasterIdLst>
   <p:notesMasterIdLst>
-    <p:notesMasterId r:id="rId19"/>
+    <p:notesMasterId r:id="rId27"/>
   </p:notesMasterIdLst>
   <p:sldIdLst>
     <p:sldId id="256" r:id="rId2"/>
@@ -23,8 +23,16 @@
     <p:sldId id="271" r:id="rId14"/>
     <p:sldId id="273" r:id="rId15"/>
     <p:sldId id="274" r:id="rId16"/>
-    <p:sldId id="272" r:id="rId17"/>
-    <p:sldId id="270" r:id="rId18"/>
+    <p:sldId id="279" r:id="rId17"/>
+    <p:sldId id="280" r:id="rId18"/>
+    <p:sldId id="281" r:id="rId19"/>
+    <p:sldId id="282" r:id="rId20"/>
+    <p:sldId id="276" r:id="rId21"/>
+    <p:sldId id="277" r:id="rId22"/>
+    <p:sldId id="278" r:id="rId23"/>
+    <p:sldId id="275" r:id="rId24"/>
+    <p:sldId id="272" r:id="rId25"/>
+    <p:sldId id="270" r:id="rId26"/>
   </p:sldIdLst>
   <p:sldSz cx="12192000" cy="6858000"/>
   <p:notesSz cx="6858000" cy="9144000"/>
@@ -6204,6 +6212,891 @@
           <a:chExt cx="0" cy="0"/>
         </a:xfrm>
       </p:grpSpPr>
+      <p:sp>
+        <p:nvSpPr>
+          <p:cNvPr id="2" name="Tittel 1">
+            <a:extLst>
+              <a:ext uri="{FF2B5EF4-FFF2-40B4-BE49-F238E27FC236}">
+                <a16:creationId xmlns:a16="http://schemas.microsoft.com/office/drawing/2014/main" id="{EEFD7CE7-FFFC-4D83-B3A0-EE0E01CC205C}"/>
+              </a:ext>
+            </a:extLst>
+          </p:cNvPr>
+          <p:cNvSpPr>
+            <a:spLocks noGrp="1"/>
+          </p:cNvSpPr>
+          <p:nvPr>
+            <p:ph type="title"/>
+          </p:nvPr>
+        </p:nvSpPr>
+        <p:spPr/>
+        <p:txBody>
+          <a:bodyPr/>
+          <a:lstStyle/>
+          <a:p>
+            <a:r>
+              <a:rPr lang="nb-NO" dirty="0"/>
+              <a:t>Gode hjelpere</a:t>
+            </a:r>
+          </a:p>
+        </p:txBody>
+      </p:sp>
+      <p:sp>
+        <p:nvSpPr>
+          <p:cNvPr id="3" name="Plassholder for tekst 2">
+            <a:extLst>
+              <a:ext uri="{FF2B5EF4-FFF2-40B4-BE49-F238E27FC236}">
+                <a16:creationId xmlns:a16="http://schemas.microsoft.com/office/drawing/2014/main" id="{18FE8D3C-D152-401A-B4AE-D2AB29712382}"/>
+              </a:ext>
+            </a:extLst>
+          </p:cNvPr>
+          <p:cNvSpPr>
+            <a:spLocks noGrp="1"/>
+          </p:cNvSpPr>
+          <p:nvPr>
+            <p:ph type="body" idx="1"/>
+          </p:nvPr>
+        </p:nvSpPr>
+        <p:spPr/>
+        <p:txBody>
+          <a:bodyPr/>
+          <a:lstStyle/>
+          <a:p>
+            <a:endParaRPr lang="nb-NO" dirty="0"/>
+          </a:p>
+        </p:txBody>
+      </p:sp>
+    </p:spTree>
+    <p:extLst>
+      <p:ext uri="{BB962C8B-B14F-4D97-AF65-F5344CB8AC3E}">
+        <p14:creationId xmlns:p14="http://schemas.microsoft.com/office/powerpoint/2010/main" val="1341121556"/>
+      </p:ext>
+    </p:extLst>
+  </p:cSld>
+  <p:clrMapOvr>
+    <a:masterClrMapping/>
+  </p:clrMapOvr>
+</p:sld>
+</file>
+
+<file path=ppt/slides/slide17.xml><?xml version="1.0" encoding="utf-8"?>
+<p:sld xmlns:a="http://schemas.openxmlformats.org/drawingml/2006/main" xmlns:r="http://schemas.openxmlformats.org/officeDocument/2006/relationships" xmlns:p="http://schemas.openxmlformats.org/presentationml/2006/main">
+  <p:cSld>
+    <p:spTree>
+      <p:nvGrpSpPr>
+        <p:cNvPr id="1" name=""/>
+        <p:cNvGrpSpPr/>
+        <p:nvPr/>
+      </p:nvGrpSpPr>
+      <p:grpSpPr>
+        <a:xfrm>
+          <a:off x="0" y="0"/>
+          <a:ext cx="0" cy="0"/>
+          <a:chOff x="0" y="0"/>
+          <a:chExt cx="0" cy="0"/>
+        </a:xfrm>
+      </p:grpSpPr>
+      <p:sp>
+        <p:nvSpPr>
+          <p:cNvPr id="2" name="Tittel 1">
+            <a:extLst>
+              <a:ext uri="{FF2B5EF4-FFF2-40B4-BE49-F238E27FC236}">
+                <a16:creationId xmlns:a16="http://schemas.microsoft.com/office/drawing/2014/main" id="{AB668E5A-5AD9-4C09-B018-57C4694457A9}"/>
+              </a:ext>
+            </a:extLst>
+          </p:cNvPr>
+          <p:cNvSpPr>
+            <a:spLocks noGrp="1"/>
+          </p:cNvSpPr>
+          <p:nvPr>
+            <p:ph type="title"/>
+          </p:nvPr>
+        </p:nvSpPr>
+        <p:spPr/>
+        <p:txBody>
+          <a:bodyPr/>
+          <a:lstStyle/>
+          <a:p>
+            <a:r>
+              <a:rPr lang="nb-NO" dirty="0" err="1"/>
+              <a:t>Entur</a:t>
+            </a:r>
+            <a:endParaRPr lang="nb-NO" dirty="0"/>
+          </a:p>
+        </p:txBody>
+      </p:sp>
+      <p:sp>
+        <p:nvSpPr>
+          <p:cNvPr id="3" name="Plassholder for innhold 2">
+            <a:extLst>
+              <a:ext uri="{FF2B5EF4-FFF2-40B4-BE49-F238E27FC236}">
+                <a16:creationId xmlns:a16="http://schemas.microsoft.com/office/drawing/2014/main" id="{ABA101DC-1C42-4F92-B5E5-AF54DA1DD4F2}"/>
+              </a:ext>
+            </a:extLst>
+          </p:cNvPr>
+          <p:cNvSpPr>
+            <a:spLocks noGrp="1"/>
+          </p:cNvSpPr>
+          <p:nvPr>
+            <p:ph idx="1"/>
+          </p:nvPr>
+        </p:nvSpPr>
+        <p:spPr/>
+        <p:txBody>
+          <a:bodyPr/>
+          <a:lstStyle/>
+          <a:p>
+            <a:pPr marL="0" indent="0">
+              <a:buNone/>
+            </a:pPr>
+            <a:r>
+              <a:rPr lang="nb-NO" dirty="0"/>
+              <a:t>Visning av transportmidler og rute for å fremme kollektivtransport til lokaler, herunder bysykkel, bybiler eller til fots</a:t>
+            </a:r>
+          </a:p>
+        </p:txBody>
+      </p:sp>
+    </p:spTree>
+    <p:extLst>
+      <p:ext uri="{BB962C8B-B14F-4D97-AF65-F5344CB8AC3E}">
+        <p14:creationId xmlns:p14="http://schemas.microsoft.com/office/powerpoint/2010/main" val="623913316"/>
+      </p:ext>
+    </p:extLst>
+  </p:cSld>
+  <p:clrMapOvr>
+    <a:masterClrMapping/>
+  </p:clrMapOvr>
+</p:sld>
+</file>
+
+<file path=ppt/slides/slide18.xml><?xml version="1.0" encoding="utf-8"?>
+<p:sld xmlns:a="http://schemas.openxmlformats.org/drawingml/2006/main" xmlns:r="http://schemas.openxmlformats.org/officeDocument/2006/relationships" xmlns:p="http://schemas.openxmlformats.org/presentationml/2006/main">
+  <p:cSld>
+    <p:spTree>
+      <p:nvGrpSpPr>
+        <p:cNvPr id="1" name=""/>
+        <p:cNvGrpSpPr/>
+        <p:nvPr/>
+      </p:nvGrpSpPr>
+      <p:grpSpPr>
+        <a:xfrm>
+          <a:off x="0" y="0"/>
+          <a:ext cx="0" cy="0"/>
+          <a:chOff x="0" y="0"/>
+          <a:chExt cx="0" cy="0"/>
+        </a:xfrm>
+      </p:grpSpPr>
+      <p:sp>
+        <p:nvSpPr>
+          <p:cNvPr id="2" name="Tittel 1">
+            <a:extLst>
+              <a:ext uri="{FF2B5EF4-FFF2-40B4-BE49-F238E27FC236}">
+                <a16:creationId xmlns:a16="http://schemas.microsoft.com/office/drawing/2014/main" id="{7A10E5B0-231D-4E8E-AF86-A0252DFB313B}"/>
+              </a:ext>
+            </a:extLst>
+          </p:cNvPr>
+          <p:cNvSpPr>
+            <a:spLocks noGrp="1"/>
+          </p:cNvSpPr>
+          <p:nvPr>
+            <p:ph type="title"/>
+          </p:nvPr>
+        </p:nvSpPr>
+        <p:spPr/>
+        <p:txBody>
+          <a:bodyPr/>
+          <a:lstStyle/>
+          <a:p>
+            <a:r>
+              <a:rPr lang="nb-NO" dirty="0"/>
+              <a:t>DNT</a:t>
+            </a:r>
+          </a:p>
+        </p:txBody>
+      </p:sp>
+      <p:sp>
+        <p:nvSpPr>
+          <p:cNvPr id="3" name="Plassholder for innhold 2">
+            <a:extLst>
+              <a:ext uri="{FF2B5EF4-FFF2-40B4-BE49-F238E27FC236}">
+                <a16:creationId xmlns:a16="http://schemas.microsoft.com/office/drawing/2014/main" id="{97516ABD-A58F-488E-B8E7-0A78BFBCE93F}"/>
+              </a:ext>
+            </a:extLst>
+          </p:cNvPr>
+          <p:cNvSpPr>
+            <a:spLocks noGrp="1"/>
+          </p:cNvSpPr>
+          <p:nvPr>
+            <p:ph idx="1"/>
+          </p:nvPr>
+        </p:nvSpPr>
+        <p:spPr/>
+        <p:txBody>
+          <a:bodyPr/>
+          <a:lstStyle/>
+          <a:p>
+            <a:pPr marL="0" indent="0">
+              <a:buNone/>
+            </a:pPr>
+            <a:r>
+              <a:rPr lang="nb-NO" dirty="0"/>
+              <a:t>Hytter til leie/låns. Samtidig som man fronter bruk av natur </a:t>
+            </a:r>
+            <a:r>
+              <a:rPr lang="nb-NO" dirty="0">
+                <a:sym typeface="Wingdings" panose="05000000000000000000" pitchFamily="2" charset="2"/>
+              </a:rPr>
+              <a:t> Bytur</a:t>
+            </a:r>
+            <a:endParaRPr lang="nb-NO" dirty="0"/>
+          </a:p>
+        </p:txBody>
+      </p:sp>
+    </p:spTree>
+    <p:extLst>
+      <p:ext uri="{BB962C8B-B14F-4D97-AF65-F5344CB8AC3E}">
+        <p14:creationId xmlns:p14="http://schemas.microsoft.com/office/powerpoint/2010/main" val="1049728113"/>
+      </p:ext>
+    </p:extLst>
+  </p:cSld>
+  <p:clrMapOvr>
+    <a:masterClrMapping/>
+  </p:clrMapOvr>
+</p:sld>
+</file>
+
+<file path=ppt/slides/slide19.xml><?xml version="1.0" encoding="utf-8"?>
+<p:sld xmlns:a="http://schemas.openxmlformats.org/drawingml/2006/main" xmlns:r="http://schemas.openxmlformats.org/officeDocument/2006/relationships" xmlns:p="http://schemas.openxmlformats.org/presentationml/2006/main">
+  <p:cSld>
+    <p:spTree>
+      <p:nvGrpSpPr>
+        <p:cNvPr id="1" name=""/>
+        <p:cNvGrpSpPr/>
+        <p:nvPr/>
+      </p:nvGrpSpPr>
+      <p:grpSpPr>
+        <a:xfrm>
+          <a:off x="0" y="0"/>
+          <a:ext cx="0" cy="0"/>
+          <a:chOff x="0" y="0"/>
+          <a:chExt cx="0" cy="0"/>
+        </a:xfrm>
+      </p:grpSpPr>
+      <p:sp>
+        <p:nvSpPr>
+          <p:cNvPr id="2" name="Tittel 1">
+            <a:extLst>
+              <a:ext uri="{FF2B5EF4-FFF2-40B4-BE49-F238E27FC236}">
+                <a16:creationId xmlns:a16="http://schemas.microsoft.com/office/drawing/2014/main" id="{C78ED1EE-AB36-48AD-B496-FC32A1A31D24}"/>
+              </a:ext>
+            </a:extLst>
+          </p:cNvPr>
+          <p:cNvSpPr>
+            <a:spLocks noGrp="1"/>
+          </p:cNvSpPr>
+          <p:nvPr>
+            <p:ph type="title"/>
+          </p:nvPr>
+        </p:nvSpPr>
+        <p:spPr/>
+        <p:txBody>
+          <a:bodyPr/>
+          <a:lstStyle/>
+          <a:p>
+            <a:r>
+              <a:rPr lang="nb-NO" dirty="0"/>
+              <a:t>Oslo kommune</a:t>
+            </a:r>
+          </a:p>
+        </p:txBody>
+      </p:sp>
+      <p:sp>
+        <p:nvSpPr>
+          <p:cNvPr id="3" name="Plassholder for innhold 2">
+            <a:extLst>
+              <a:ext uri="{FF2B5EF4-FFF2-40B4-BE49-F238E27FC236}">
+                <a16:creationId xmlns:a16="http://schemas.microsoft.com/office/drawing/2014/main" id="{C2EEFB49-CE81-48E8-AFC1-77B8ACA2A89A}"/>
+              </a:ext>
+            </a:extLst>
+          </p:cNvPr>
+          <p:cNvSpPr>
+            <a:spLocks noGrp="1"/>
+          </p:cNvSpPr>
+          <p:nvPr>
+            <p:ph idx="1"/>
+          </p:nvPr>
+        </p:nvSpPr>
+        <p:spPr/>
+        <p:txBody>
+          <a:bodyPr/>
+          <a:lstStyle/>
+          <a:p>
+            <a:pPr marL="0" indent="0">
+              <a:buNone/>
+            </a:pPr>
+            <a:r>
+              <a:rPr lang="nb-NO" dirty="0"/>
+              <a:t>Oslo kommune eier og leier ut en stor bygningsmasse</a:t>
+            </a:r>
+          </a:p>
+          <a:p>
+            <a:pPr marL="0" indent="0">
+              <a:buNone/>
+            </a:pPr>
+            <a:r>
+              <a:rPr lang="nb-NO" dirty="0"/>
+              <a:t>Oslo nøkkelen</a:t>
+            </a:r>
+          </a:p>
+          <a:p>
+            <a:pPr marL="0" indent="0">
+              <a:buNone/>
+            </a:pPr>
+            <a:endParaRPr lang="nb-NO" dirty="0"/>
+          </a:p>
+        </p:txBody>
+      </p:sp>
+    </p:spTree>
+    <p:extLst>
+      <p:ext uri="{BB962C8B-B14F-4D97-AF65-F5344CB8AC3E}">
+        <p14:creationId xmlns:p14="http://schemas.microsoft.com/office/powerpoint/2010/main" val="3203356844"/>
+      </p:ext>
+    </p:extLst>
+  </p:cSld>
+  <p:clrMapOvr>
+    <a:masterClrMapping/>
+  </p:clrMapOvr>
+</p:sld>
+</file>
+
+<file path=ppt/slides/slide2.xml><?xml version="1.0" encoding="utf-8"?>
+<p:sld xmlns:a="http://schemas.openxmlformats.org/drawingml/2006/main" xmlns:r="http://schemas.openxmlformats.org/officeDocument/2006/relationships" xmlns:p="http://schemas.openxmlformats.org/presentationml/2006/main">
+  <p:cSld>
+    <p:spTree>
+      <p:nvGrpSpPr>
+        <p:cNvPr id="1" name=""/>
+        <p:cNvGrpSpPr/>
+        <p:nvPr/>
+      </p:nvGrpSpPr>
+      <p:grpSpPr>
+        <a:xfrm>
+          <a:off x="0" y="0"/>
+          <a:ext cx="0" cy="0"/>
+          <a:chOff x="0" y="0"/>
+          <a:chExt cx="0" cy="0"/>
+        </a:xfrm>
+      </p:grpSpPr>
+      <p:sp>
+        <p:nvSpPr>
+          <p:cNvPr id="2" name="Tittel 1">
+            <a:extLst>
+              <a:ext uri="{FF2B5EF4-FFF2-40B4-BE49-F238E27FC236}">
+                <a16:creationId xmlns:a16="http://schemas.microsoft.com/office/drawing/2014/main" id="{8E4344A8-6286-442B-BB74-D94DF150989C}"/>
+              </a:ext>
+            </a:extLst>
+          </p:cNvPr>
+          <p:cNvSpPr>
+            <a:spLocks noGrp="1"/>
+          </p:cNvSpPr>
+          <p:nvPr>
+            <p:ph type="title"/>
+          </p:nvPr>
+        </p:nvSpPr>
+        <p:spPr/>
+        <p:txBody>
+          <a:bodyPr/>
+          <a:lstStyle/>
+          <a:p>
+            <a:r>
+              <a:rPr lang="nb-NO" dirty="0"/>
+              <a:t>Det var en gang…</a:t>
+            </a:r>
+          </a:p>
+        </p:txBody>
+      </p:sp>
+      <p:sp>
+        <p:nvSpPr>
+          <p:cNvPr id="3" name="Plassholder for innhold 2">
+            <a:extLst>
+              <a:ext uri="{FF2B5EF4-FFF2-40B4-BE49-F238E27FC236}">
+                <a16:creationId xmlns:a16="http://schemas.microsoft.com/office/drawing/2014/main" id="{B98B5A96-E280-465D-9FDC-6BF123020F6A}"/>
+              </a:ext>
+            </a:extLst>
+          </p:cNvPr>
+          <p:cNvSpPr>
+            <a:spLocks noGrp="1"/>
+          </p:cNvSpPr>
+          <p:nvPr>
+            <p:ph idx="1"/>
+          </p:nvPr>
+        </p:nvSpPr>
+        <p:spPr/>
+        <p:txBody>
+          <a:bodyPr/>
+          <a:lstStyle/>
+          <a:p>
+            <a:pPr marL="0" indent="0">
+              <a:buNone/>
+            </a:pPr>
+            <a:r>
+              <a:rPr lang="nb-NO" dirty="0"/>
+              <a:t>Norsk nomadisk vandrerfolk som ferdet på sør- og </a:t>
+            </a:r>
+            <a:r>
+              <a:rPr lang="nb-NO" dirty="0" err="1"/>
+              <a:t>vestlandet</a:t>
+            </a:r>
+            <a:r>
+              <a:rPr lang="nb-NO" dirty="0"/>
+              <a:t> på 1600-tallet</a:t>
+            </a:r>
+          </a:p>
+          <a:p>
+            <a:pPr marL="0" indent="0">
+              <a:buNone/>
+            </a:pPr>
+            <a:r>
+              <a:rPr lang="nb-NO" dirty="0"/>
+              <a:t>Kalt skøyer på </a:t>
+            </a:r>
+            <a:r>
+              <a:rPr lang="nb-NO" dirty="0" err="1"/>
+              <a:t>vestlandet</a:t>
+            </a:r>
+            <a:r>
+              <a:rPr lang="nb-NO" dirty="0"/>
+              <a:t> og fant på </a:t>
+            </a:r>
+            <a:r>
+              <a:rPr lang="nb-NO" dirty="0" err="1"/>
+              <a:t>sørlandet</a:t>
+            </a:r>
+            <a:r>
+              <a:rPr lang="nb-NO" dirty="0"/>
+              <a:t>. Skøyer fungere dårlig på kodespråk og dermed ble det fant!</a:t>
+            </a:r>
+          </a:p>
+          <a:p>
+            <a:pPr marL="228600" lvl="1" indent="0">
+              <a:buNone/>
+            </a:pPr>
+            <a:r>
+              <a:rPr lang="nb-NO" dirty="0">
+                <a:latin typeface="Arial Narrow" panose="020B0606020202030204" pitchFamily="34" charset="0"/>
+              </a:rPr>
+              <a:t>fant</a:t>
+            </a:r>
+            <a:r>
+              <a:rPr lang="nb-NO" dirty="0"/>
+              <a:t> møter du som utleier og leietaker gjennom app og nettsted.</a:t>
+            </a:r>
+          </a:p>
+          <a:p>
+            <a:pPr marL="228600" lvl="1" indent="0">
+              <a:buNone/>
+            </a:pPr>
+            <a:r>
+              <a:rPr lang="nb-NO" dirty="0">
+                <a:latin typeface="Bahnschrift Condensed" panose="020B0502040204020203" pitchFamily="34" charset="0"/>
+              </a:rPr>
+              <a:t>Nomade</a:t>
+            </a:r>
+            <a:r>
+              <a:rPr lang="nb-NO" dirty="0"/>
+              <a:t> er skytjenesten </a:t>
+            </a:r>
+          </a:p>
+          <a:p>
+            <a:pPr marL="228600" lvl="1" indent="0">
+              <a:buNone/>
+            </a:pPr>
+            <a:r>
+              <a:rPr lang="nb-NO" dirty="0">
+                <a:latin typeface="Blackadder ITC" panose="04020505051007020D02" pitchFamily="82" charset="0"/>
+              </a:rPr>
+              <a:t>Askeladden</a:t>
+            </a:r>
+            <a:r>
+              <a:rPr lang="nb-NO" dirty="0"/>
+              <a:t> (en skøyer som fant og fant) er dingsen.</a:t>
+            </a:r>
+          </a:p>
+          <a:p>
+            <a:pPr marL="0" indent="0">
+              <a:buNone/>
+            </a:pPr>
+            <a:endParaRPr lang="nb-NO" dirty="0"/>
+          </a:p>
+        </p:txBody>
+      </p:sp>
+    </p:spTree>
+    <p:extLst>
+      <p:ext uri="{BB962C8B-B14F-4D97-AF65-F5344CB8AC3E}">
+        <p14:creationId xmlns:p14="http://schemas.microsoft.com/office/powerpoint/2010/main" val="1255791348"/>
+      </p:ext>
+    </p:extLst>
+  </p:cSld>
+  <p:clrMapOvr>
+    <a:masterClrMapping/>
+  </p:clrMapOvr>
+</p:sld>
+</file>
+
+<file path=ppt/slides/slide20.xml><?xml version="1.0" encoding="utf-8"?>
+<p:sld xmlns:a="http://schemas.openxmlformats.org/drawingml/2006/main" xmlns:r="http://schemas.openxmlformats.org/officeDocument/2006/relationships" xmlns:p="http://schemas.openxmlformats.org/presentationml/2006/main">
+  <p:cSld>
+    <p:spTree>
+      <p:nvGrpSpPr>
+        <p:cNvPr id="1" name=""/>
+        <p:cNvGrpSpPr/>
+        <p:nvPr/>
+      </p:nvGrpSpPr>
+      <p:grpSpPr>
+        <a:xfrm>
+          <a:off x="0" y="0"/>
+          <a:ext cx="0" cy="0"/>
+          <a:chOff x="0" y="0"/>
+          <a:chExt cx="0" cy="0"/>
+        </a:xfrm>
+      </p:grpSpPr>
+      <p:sp>
+        <p:nvSpPr>
+          <p:cNvPr id="2" name="Tittel 1">
+            <a:extLst>
+              <a:ext uri="{FF2B5EF4-FFF2-40B4-BE49-F238E27FC236}">
+                <a16:creationId xmlns:a16="http://schemas.microsoft.com/office/drawing/2014/main" id="{E5F03600-ED77-4D1C-9347-5E2D76C4B060}"/>
+              </a:ext>
+            </a:extLst>
+          </p:cNvPr>
+          <p:cNvSpPr>
+            <a:spLocks noGrp="1"/>
+          </p:cNvSpPr>
+          <p:nvPr>
+            <p:ph type="title"/>
+          </p:nvPr>
+        </p:nvSpPr>
+        <p:spPr/>
+        <p:txBody>
+          <a:bodyPr/>
+          <a:lstStyle/>
+          <a:p>
+            <a:r>
+              <a:rPr lang="nb-NO" dirty="0"/>
+              <a:t>Delingsøkonomi</a:t>
+            </a:r>
+          </a:p>
+        </p:txBody>
+      </p:sp>
+      <p:sp>
+        <p:nvSpPr>
+          <p:cNvPr id="3" name="Plassholder for tekst 2">
+            <a:extLst>
+              <a:ext uri="{FF2B5EF4-FFF2-40B4-BE49-F238E27FC236}">
+                <a16:creationId xmlns:a16="http://schemas.microsoft.com/office/drawing/2014/main" id="{B6D02213-B988-4F4A-8002-54D6CEF53ED3}"/>
+              </a:ext>
+            </a:extLst>
+          </p:cNvPr>
+          <p:cNvSpPr>
+            <a:spLocks noGrp="1"/>
+          </p:cNvSpPr>
+          <p:nvPr>
+            <p:ph type="body" idx="1"/>
+          </p:nvPr>
+        </p:nvSpPr>
+        <p:spPr/>
+        <p:txBody>
+          <a:bodyPr/>
+          <a:lstStyle/>
+          <a:p>
+            <a:endParaRPr lang="nb-NO"/>
+          </a:p>
+        </p:txBody>
+      </p:sp>
+    </p:spTree>
+    <p:extLst>
+      <p:ext uri="{BB962C8B-B14F-4D97-AF65-F5344CB8AC3E}">
+        <p14:creationId xmlns:p14="http://schemas.microsoft.com/office/powerpoint/2010/main" val="2826341399"/>
+      </p:ext>
+    </p:extLst>
+  </p:cSld>
+  <p:clrMapOvr>
+    <a:masterClrMapping/>
+  </p:clrMapOvr>
+</p:sld>
+</file>
+
+<file path=ppt/slides/slide21.xml><?xml version="1.0" encoding="utf-8"?>
+<p:sld xmlns:a="http://schemas.openxmlformats.org/drawingml/2006/main" xmlns:r="http://schemas.openxmlformats.org/officeDocument/2006/relationships" xmlns:p="http://schemas.openxmlformats.org/presentationml/2006/main">
+  <p:cSld>
+    <p:spTree>
+      <p:nvGrpSpPr>
+        <p:cNvPr id="1" name=""/>
+        <p:cNvGrpSpPr/>
+        <p:nvPr/>
+      </p:nvGrpSpPr>
+      <p:grpSpPr>
+        <a:xfrm>
+          <a:off x="0" y="0"/>
+          <a:ext cx="0" cy="0"/>
+          <a:chOff x="0" y="0"/>
+          <a:chExt cx="0" cy="0"/>
+        </a:xfrm>
+      </p:grpSpPr>
+      <p:sp>
+        <p:nvSpPr>
+          <p:cNvPr id="2" name="Tittel 1">
+            <a:extLst>
+              <a:ext uri="{FF2B5EF4-FFF2-40B4-BE49-F238E27FC236}">
+                <a16:creationId xmlns:a16="http://schemas.microsoft.com/office/drawing/2014/main" id="{CDDC7325-15A6-4A2A-AC84-9440D7BF2A42}"/>
+              </a:ext>
+            </a:extLst>
+          </p:cNvPr>
+          <p:cNvSpPr>
+            <a:spLocks noGrp="1"/>
+          </p:cNvSpPr>
+          <p:nvPr>
+            <p:ph type="title"/>
+          </p:nvPr>
+        </p:nvSpPr>
+        <p:spPr/>
+        <p:txBody>
+          <a:bodyPr/>
+          <a:lstStyle/>
+          <a:p>
+            <a:r>
+              <a:rPr lang="nb-NO" dirty="0"/>
+              <a:t>$$$$</a:t>
+            </a:r>
+          </a:p>
+        </p:txBody>
+      </p:sp>
+      <p:sp>
+        <p:nvSpPr>
+          <p:cNvPr id="3" name="Plassholder for innhold 2">
+            <a:extLst>
+              <a:ext uri="{FF2B5EF4-FFF2-40B4-BE49-F238E27FC236}">
+                <a16:creationId xmlns:a16="http://schemas.microsoft.com/office/drawing/2014/main" id="{EAC31E64-E92A-4FA3-8C40-B5B8A8BE7AFF}"/>
+              </a:ext>
+            </a:extLst>
+          </p:cNvPr>
+          <p:cNvSpPr>
+            <a:spLocks noGrp="1"/>
+          </p:cNvSpPr>
+          <p:nvPr>
+            <p:ph idx="1"/>
+          </p:nvPr>
+        </p:nvSpPr>
+        <p:spPr/>
+        <p:txBody>
+          <a:bodyPr/>
+          <a:lstStyle/>
+          <a:p>
+            <a:r>
+              <a:rPr lang="nb-NO" dirty="0"/>
+              <a:t>Utleiere kan utnytte arealer bedre i et 24/7 perspektiv</a:t>
+            </a:r>
+          </a:p>
+          <a:p>
+            <a:pPr lvl="1"/>
+            <a:r>
+              <a:rPr lang="nb-NO" dirty="0"/>
+              <a:t>Flere leietakere gir flere leieinntekter</a:t>
+            </a:r>
+          </a:p>
+          <a:p>
+            <a:pPr lvl="1"/>
+            <a:r>
+              <a:rPr lang="nb-NO" dirty="0"/>
+              <a:t>Flere leietakere </a:t>
+            </a:r>
+            <a:r>
+              <a:rPr lang="nb-NO" dirty="0" err="1"/>
+              <a:t>pga</a:t>
+            </a:r>
+            <a:r>
+              <a:rPr lang="nb-NO" dirty="0"/>
+              <a:t> lavere leieutgifter</a:t>
+            </a:r>
+          </a:p>
+          <a:p>
+            <a:r>
+              <a:rPr lang="nb-NO" dirty="0"/>
+              <a:t>Leietakere kan betale for faktisk behov</a:t>
+            </a:r>
+          </a:p>
+          <a:p>
+            <a:pPr lvl="1"/>
+            <a:r>
+              <a:rPr lang="nb-NO" dirty="0"/>
+              <a:t>Lettere å vokse</a:t>
+            </a:r>
+          </a:p>
+          <a:p>
+            <a:pPr lvl="1"/>
+            <a:r>
+              <a:rPr lang="nb-NO" dirty="0"/>
+              <a:t>Lettere å jobbe</a:t>
+            </a:r>
+          </a:p>
+          <a:p>
+            <a:pPr lvl="1"/>
+            <a:r>
+              <a:rPr lang="nb-NO" dirty="0"/>
+              <a:t>Mulighet for å få nye kontakter, nettverk </a:t>
+            </a:r>
+            <a:r>
+              <a:rPr lang="nb-NO" dirty="0" err="1"/>
+              <a:t>etc</a:t>
+            </a:r>
+            <a:endParaRPr lang="nb-NO" dirty="0"/>
+          </a:p>
+        </p:txBody>
+      </p:sp>
+    </p:spTree>
+    <p:extLst>
+      <p:ext uri="{BB962C8B-B14F-4D97-AF65-F5344CB8AC3E}">
+        <p14:creationId xmlns:p14="http://schemas.microsoft.com/office/powerpoint/2010/main" val="2411089573"/>
+      </p:ext>
+    </p:extLst>
+  </p:cSld>
+  <p:clrMapOvr>
+    <a:masterClrMapping/>
+  </p:clrMapOvr>
+</p:sld>
+</file>
+
+<file path=ppt/slides/slide22.xml><?xml version="1.0" encoding="utf-8"?>
+<p:sld xmlns:a="http://schemas.openxmlformats.org/drawingml/2006/main" xmlns:r="http://schemas.openxmlformats.org/officeDocument/2006/relationships" xmlns:p="http://schemas.openxmlformats.org/presentationml/2006/main">
+  <p:cSld>
+    <p:spTree>
+      <p:nvGrpSpPr>
+        <p:cNvPr id="1" name=""/>
+        <p:cNvGrpSpPr/>
+        <p:nvPr/>
+      </p:nvGrpSpPr>
+      <p:grpSpPr>
+        <a:xfrm>
+          <a:off x="0" y="0"/>
+          <a:ext cx="0" cy="0"/>
+          <a:chOff x="0" y="0"/>
+          <a:chExt cx="0" cy="0"/>
+        </a:xfrm>
+      </p:grpSpPr>
+      <p:sp>
+        <p:nvSpPr>
+          <p:cNvPr id="2" name="Tittel 1">
+            <a:extLst>
+              <a:ext uri="{FF2B5EF4-FFF2-40B4-BE49-F238E27FC236}">
+                <a16:creationId xmlns:a16="http://schemas.microsoft.com/office/drawing/2014/main" id="{44E6994D-B984-459D-90EC-B9B5EEF37300}"/>
+              </a:ext>
+            </a:extLst>
+          </p:cNvPr>
+          <p:cNvSpPr>
+            <a:spLocks noGrp="1"/>
+          </p:cNvSpPr>
+          <p:nvPr>
+            <p:ph type="title"/>
+          </p:nvPr>
+        </p:nvSpPr>
+        <p:spPr/>
+        <p:txBody>
+          <a:bodyPr/>
+          <a:lstStyle/>
+          <a:p>
+            <a:r>
+              <a:rPr lang="nb-NO" dirty="0"/>
+              <a:t>Filantropi</a:t>
+            </a:r>
+          </a:p>
+        </p:txBody>
+      </p:sp>
+      <p:sp>
+        <p:nvSpPr>
+          <p:cNvPr id="3" name="Plassholder for innhold 2">
+            <a:extLst>
+              <a:ext uri="{FF2B5EF4-FFF2-40B4-BE49-F238E27FC236}">
+                <a16:creationId xmlns:a16="http://schemas.microsoft.com/office/drawing/2014/main" id="{11CA14C2-2E1E-47B2-88D6-2359A8E20FBA}"/>
+              </a:ext>
+            </a:extLst>
+          </p:cNvPr>
+          <p:cNvSpPr>
+            <a:spLocks noGrp="1"/>
+          </p:cNvSpPr>
+          <p:nvPr>
+            <p:ph idx="1"/>
+          </p:nvPr>
+        </p:nvSpPr>
+        <p:spPr/>
+        <p:txBody>
+          <a:bodyPr/>
+          <a:lstStyle/>
+          <a:p>
+            <a:r>
+              <a:rPr lang="nb-NO" dirty="0"/>
+              <a:t>Støtte lag, foreninger, frivillige organisasjoner som trenger lokaler</a:t>
+            </a:r>
+          </a:p>
+        </p:txBody>
+      </p:sp>
+    </p:spTree>
+    <p:extLst>
+      <p:ext uri="{BB962C8B-B14F-4D97-AF65-F5344CB8AC3E}">
+        <p14:creationId xmlns:p14="http://schemas.microsoft.com/office/powerpoint/2010/main" val="2876501135"/>
+      </p:ext>
+    </p:extLst>
+  </p:cSld>
+  <p:clrMapOvr>
+    <a:masterClrMapping/>
+  </p:clrMapOvr>
+</p:sld>
+</file>
+
+<file path=ppt/slides/slide23.xml><?xml version="1.0" encoding="utf-8"?>
+<p:sld xmlns:a="http://schemas.openxmlformats.org/drawingml/2006/main" xmlns:r="http://schemas.openxmlformats.org/officeDocument/2006/relationships" xmlns:p="http://schemas.openxmlformats.org/presentationml/2006/main">
+  <p:cSld>
+    <p:spTree>
+      <p:nvGrpSpPr>
+        <p:cNvPr id="1" name=""/>
+        <p:cNvGrpSpPr/>
+        <p:nvPr/>
+      </p:nvGrpSpPr>
+      <p:grpSpPr>
+        <a:xfrm>
+          <a:off x="0" y="0"/>
+          <a:ext cx="0" cy="0"/>
+          <a:chOff x="0" y="0"/>
+          <a:chExt cx="0" cy="0"/>
+        </a:xfrm>
+      </p:grpSpPr>
+    </p:spTree>
+    <p:extLst>
+      <p:ext uri="{BB962C8B-B14F-4D97-AF65-F5344CB8AC3E}">
+        <p14:creationId xmlns:p14="http://schemas.microsoft.com/office/powerpoint/2010/main" val="1226549578"/>
+      </p:ext>
+    </p:extLst>
+  </p:cSld>
+  <p:clrMapOvr>
+    <a:masterClrMapping/>
+  </p:clrMapOvr>
+</p:sld>
+</file>
+
+<file path=ppt/slides/slide24.xml><?xml version="1.0" encoding="utf-8"?>
+<p:sld xmlns:a="http://schemas.openxmlformats.org/drawingml/2006/main" xmlns:r="http://schemas.openxmlformats.org/officeDocument/2006/relationships" xmlns:p="http://schemas.openxmlformats.org/presentationml/2006/main">
+  <p:cSld>
+    <p:spTree>
+      <p:nvGrpSpPr>
+        <p:cNvPr id="1" name=""/>
+        <p:cNvGrpSpPr/>
+        <p:nvPr/>
+      </p:nvGrpSpPr>
+      <p:grpSpPr>
+        <a:xfrm>
+          <a:off x="0" y="0"/>
+          <a:ext cx="0" cy="0"/>
+          <a:chOff x="0" y="0"/>
+          <a:chExt cx="0" cy="0"/>
+        </a:xfrm>
+      </p:grpSpPr>
       <p:pic>
         <p:nvPicPr>
           <p:cNvPr id="3" name="Grafikk 2" descr="Wi-Fi">
@@ -7253,7 +8146,7 @@
 </p:sld>
 </file>
 
-<file path=ppt/slides/slide17.xml><?xml version="1.0" encoding="utf-8"?>
+<file path=ppt/slides/slide25.xml><?xml version="1.0" encoding="utf-8"?>
 <p:sld xmlns:a="http://schemas.openxmlformats.org/drawingml/2006/main" xmlns:r="http://schemas.openxmlformats.org/officeDocument/2006/relationships" xmlns:p="http://schemas.openxmlformats.org/presentationml/2006/main">
   <p:cSld>
     <p:spTree>
@@ -7330,192 +8223,6 @@
     <p:extLst>
       <p:ext uri="{BB962C8B-B14F-4D97-AF65-F5344CB8AC3E}">
         <p14:creationId xmlns:p14="http://schemas.microsoft.com/office/powerpoint/2010/main" val="1272934744"/>
-      </p:ext>
-    </p:extLst>
-  </p:cSld>
-  <p:clrMapOvr>
-    <a:masterClrMapping/>
-  </p:clrMapOvr>
-</p:sld>
-</file>
-
-<file path=ppt/slides/slide2.xml><?xml version="1.0" encoding="utf-8"?>
-<p:sld xmlns:a="http://schemas.openxmlformats.org/drawingml/2006/main" xmlns:r="http://schemas.openxmlformats.org/officeDocument/2006/relationships" xmlns:p="http://schemas.openxmlformats.org/presentationml/2006/main">
-  <p:cSld>
-    <p:spTree>
-      <p:nvGrpSpPr>
-        <p:cNvPr id="1" name=""/>
-        <p:cNvGrpSpPr/>
-        <p:nvPr/>
-      </p:nvGrpSpPr>
-      <p:grpSpPr>
-        <a:xfrm>
-          <a:off x="0" y="0"/>
-          <a:ext cx="0" cy="0"/>
-          <a:chOff x="0" y="0"/>
-          <a:chExt cx="0" cy="0"/>
-        </a:xfrm>
-      </p:grpSpPr>
-      <p:sp>
-        <p:nvSpPr>
-          <p:cNvPr id="2" name="Tittel 1">
-            <a:extLst>
-              <a:ext uri="{FF2B5EF4-FFF2-40B4-BE49-F238E27FC236}">
-                <a16:creationId xmlns:a16="http://schemas.microsoft.com/office/drawing/2014/main" id="{8E4344A8-6286-442B-BB74-D94DF150989C}"/>
-              </a:ext>
-            </a:extLst>
-          </p:cNvPr>
-          <p:cNvSpPr>
-            <a:spLocks noGrp="1"/>
-          </p:cNvSpPr>
-          <p:nvPr>
-            <p:ph type="title"/>
-          </p:nvPr>
-        </p:nvSpPr>
-        <p:spPr/>
-        <p:txBody>
-          <a:bodyPr/>
-          <a:lstStyle/>
-          <a:p>
-            <a:r>
-              <a:rPr lang="nb-NO" dirty="0"/>
-              <a:t>The </a:t>
-            </a:r>
-            <a:r>
-              <a:rPr lang="nb-NO" dirty="0" err="1"/>
-              <a:t>world</a:t>
-            </a:r>
-            <a:r>
-              <a:rPr lang="nb-NO" dirty="0"/>
-              <a:t> is my </a:t>
-            </a:r>
-            <a:r>
-              <a:rPr lang="nb-NO" dirty="0" err="1"/>
-              <a:t>oyster</a:t>
-            </a:r>
-            <a:endParaRPr lang="nb-NO" dirty="0"/>
-          </a:p>
-        </p:txBody>
-      </p:sp>
-      <p:sp>
-        <p:nvSpPr>
-          <p:cNvPr id="3" name="Plassholder for innhold 2">
-            <a:extLst>
-              <a:ext uri="{FF2B5EF4-FFF2-40B4-BE49-F238E27FC236}">
-                <a16:creationId xmlns:a16="http://schemas.microsoft.com/office/drawing/2014/main" id="{B98B5A96-E280-465D-9FDC-6BF123020F6A}"/>
-              </a:ext>
-            </a:extLst>
-          </p:cNvPr>
-          <p:cNvSpPr>
-            <a:spLocks noGrp="1"/>
-          </p:cNvSpPr>
-          <p:nvPr>
-            <p:ph idx="1"/>
-          </p:nvPr>
-        </p:nvSpPr>
-        <p:spPr/>
-        <p:txBody>
-          <a:bodyPr/>
-          <a:lstStyle/>
-          <a:p>
-            <a:pPr marL="0" indent="0">
-              <a:buNone/>
-            </a:pPr>
-            <a:r>
-              <a:rPr lang="nb-NO" dirty="0"/>
-              <a:t>Norsk nomadisk vandrerfolk som ferdet på sør- og </a:t>
-            </a:r>
-            <a:r>
-              <a:rPr lang="nb-NO" dirty="0" err="1"/>
-              <a:t>vestlandet</a:t>
-            </a:r>
-            <a:r>
-              <a:rPr lang="nb-NO" dirty="0"/>
-              <a:t> på 1600-tallet</a:t>
-            </a:r>
-          </a:p>
-          <a:p>
-            <a:pPr marL="0" indent="0">
-              <a:buNone/>
-            </a:pPr>
-            <a:r>
-              <a:rPr lang="nb-NO" dirty="0"/>
-              <a:t>Kalt skøyer på </a:t>
-            </a:r>
-            <a:r>
-              <a:rPr lang="nb-NO" dirty="0" err="1"/>
-              <a:t>vestlandet</a:t>
-            </a:r>
-            <a:r>
-              <a:rPr lang="nb-NO" dirty="0"/>
-              <a:t> og fant på </a:t>
-            </a:r>
-            <a:r>
-              <a:rPr lang="nb-NO" dirty="0" err="1"/>
-              <a:t>sørlandet</a:t>
-            </a:r>
-            <a:r>
-              <a:rPr lang="nb-NO" dirty="0"/>
-              <a:t>. Skøyer fungere dårlig på kodespråk og dermed ble det fant!</a:t>
-            </a:r>
-          </a:p>
-          <a:p>
-            <a:pPr marL="228600" lvl="1" indent="0">
-              <a:buNone/>
-            </a:pPr>
-            <a:r>
-              <a:rPr lang="nb-NO" dirty="0">
-                <a:latin typeface="Arial Narrow" panose="020B0606020202030204" pitchFamily="34" charset="0"/>
-              </a:rPr>
-              <a:t>fant</a:t>
-            </a:r>
-            <a:r>
-              <a:rPr lang="nb-NO" dirty="0"/>
-              <a:t> møter du som utleier og leietaker gjennom app og nettsted.</a:t>
-            </a:r>
-          </a:p>
-          <a:p>
-            <a:pPr marL="228600" lvl="1" indent="0">
-              <a:buNone/>
-            </a:pPr>
-            <a:r>
-              <a:rPr lang="nb-NO" dirty="0">
-                <a:latin typeface="Bahnschrift Condensed" panose="020B0502040204020203" pitchFamily="34" charset="0"/>
-              </a:rPr>
-              <a:t>Nomade</a:t>
-            </a:r>
-            <a:r>
-              <a:rPr lang="nb-NO" dirty="0"/>
-              <a:t> er skytjenesten </a:t>
-            </a:r>
-          </a:p>
-          <a:p>
-            <a:pPr marL="228600" lvl="1" indent="0">
-              <a:buNone/>
-            </a:pPr>
-            <a:r>
-              <a:rPr lang="nb-NO" dirty="0">
-                <a:latin typeface="Blackadder ITC" panose="04020505051007020D02" pitchFamily="82" charset="0"/>
-              </a:rPr>
-              <a:t>Askeladden</a:t>
-            </a:r>
-            <a:r>
-              <a:rPr lang="nb-NO" dirty="0"/>
-              <a:t> (en skøyer som fant og fant) er dingsen.</a:t>
-            </a:r>
-          </a:p>
-          <a:p>
-            <a:pPr marL="0" indent="0">
-              <a:buNone/>
-            </a:pPr>
-            <a:endParaRPr lang="nb-NO" dirty="0"/>
-          </a:p>
-        </p:txBody>
-      </p:sp>
-    </p:spTree>
-    <p:extLst>
-      <p:ext uri="{BB962C8B-B14F-4D97-AF65-F5344CB8AC3E}">
-        <p14:creationId xmlns:p14="http://schemas.microsoft.com/office/powerpoint/2010/main" val="1255791348"/>
       </p:ext>
     </p:extLst>
   </p:cSld>

--- a/doc/konsept/Fant-.pptx
+++ b/doc/konsept/Fant-.pptx
@@ -5,7 +5,7 @@
     <p:sldMasterId id="2147483708" r:id="rId1"/>
   </p:sldMasterIdLst>
   <p:notesMasterIdLst>
-    <p:notesMasterId r:id="rId35"/>
+    <p:notesMasterId r:id="rId38"/>
   </p:notesMasterIdLst>
   <p:sldIdLst>
     <p:sldId id="283" r:id="rId2"/>
@@ -31,16 +31,19 @@
     <p:sldId id="271" r:id="rId22"/>
     <p:sldId id="273" r:id="rId23"/>
     <p:sldId id="274" r:id="rId24"/>
-    <p:sldId id="279" r:id="rId25"/>
-    <p:sldId id="280" r:id="rId26"/>
-    <p:sldId id="281" r:id="rId27"/>
-    <p:sldId id="282" r:id="rId28"/>
-    <p:sldId id="276" r:id="rId29"/>
-    <p:sldId id="277" r:id="rId30"/>
-    <p:sldId id="278" r:id="rId31"/>
-    <p:sldId id="275" r:id="rId32"/>
-    <p:sldId id="272" r:id="rId33"/>
-    <p:sldId id="270" r:id="rId34"/>
+    <p:sldId id="291" r:id="rId25"/>
+    <p:sldId id="292" r:id="rId26"/>
+    <p:sldId id="293" r:id="rId27"/>
+    <p:sldId id="279" r:id="rId28"/>
+    <p:sldId id="280" r:id="rId29"/>
+    <p:sldId id="281" r:id="rId30"/>
+    <p:sldId id="282" r:id="rId31"/>
+    <p:sldId id="276" r:id="rId32"/>
+    <p:sldId id="277" r:id="rId33"/>
+    <p:sldId id="278" r:id="rId34"/>
+    <p:sldId id="275" r:id="rId35"/>
+    <p:sldId id="272" r:id="rId36"/>
+    <p:sldId id="270" r:id="rId37"/>
   </p:sldIdLst>
   <p:sldSz cx="12192000" cy="6858000"/>
   <p:notesSz cx="6858000" cy="9144000"/>
@@ -5053,15 +5056,7 @@
             </a:r>
             <a:r>
               <a:rPr lang="nb-NO" dirty="0"/>
-              <a:t> (en skøyer som fant og fant) er dingsen </a:t>
-            </a:r>
-            <a:r>
-              <a:rPr lang="nb-NO"/>
-              <a:t>som ikke trollbindes </a:t>
-            </a:r>
-            <a:r>
-              <a:rPr lang="nb-NO" dirty="0"/>
-              <a:t>av noen rom</a:t>
+              <a:t> (en skøyer som fant og fant) er dingsen som ikke trollbindes av noen rom</a:t>
             </a:r>
           </a:p>
           <a:p>
@@ -7161,7 +7156,7 @@
           <a:p>
             <a:r>
               <a:rPr lang="nb-NO" dirty="0"/>
-              <a:t>Økonomisk gevinst i at de får inn leieinntekter</a:t>
+              <a:t>Økonomisk gevinst i at de får inn ekstra leieinntekter</a:t>
             </a:r>
           </a:p>
         </p:txBody>
@@ -7330,15 +7325,7 @@
             </a:r>
             <a:r>
               <a:rPr lang="nb-NO" dirty="0"/>
-              <a:t>. Bedrifter som har mål om å vokse, men ikke kapital til å betale for lokalbehov frem i tid. Ved å kun leie etter behov, og mulighet til å leie ut «overskudds»-</a:t>
-            </a:r>
-            <a:r>
-              <a:rPr lang="nb-NO" dirty="0" err="1"/>
-              <a:t>areale</a:t>
-            </a:r>
-            <a:r>
-              <a:rPr lang="nb-NO" dirty="0"/>
-              <a:t> frem til behovet melder seg</a:t>
+              <a:t>. Bedrifter som har mål om å vokse, men ikke kapital til å betale for lokalbehov frem i tid. Ved å kun leie etter behov, og mulighet til å leie ut «overskudds»-arealet frem til behovet melder seg kan de leie </a:t>
             </a:r>
           </a:p>
           <a:p>
@@ -10375,63 +10362,429 @@
           <a:chExt cx="0" cy="0"/>
         </a:xfrm>
       </p:grpSpPr>
+      <p:pic>
+        <p:nvPicPr>
+          <p:cNvPr id="2" name="Grafikk 1" descr="Utklippstavle">
+            <a:extLst>
+              <a:ext uri="{FF2B5EF4-FFF2-40B4-BE49-F238E27FC236}">
+                <a16:creationId xmlns:a16="http://schemas.microsoft.com/office/drawing/2014/main" id="{21493542-5189-4B6C-8AE9-909F659674D0}"/>
+              </a:ext>
+            </a:extLst>
+          </p:cNvPr>
+          <p:cNvPicPr>
+            <a:picLocks noChangeAspect="1"/>
+          </p:cNvPicPr>
+          <p:nvPr/>
+        </p:nvPicPr>
+        <p:blipFill>
+          <a:blip r:embed="rId2">
+            <a:extLst>
+              <a:ext uri="{96DAC541-7B7A-43D3-8B79-37D633B846F1}">
+                <asvg:svgBlip xmlns:asvg="http://schemas.microsoft.com/office/drawing/2016/SVG/main" r:embed="rId3"/>
+              </a:ext>
+            </a:extLst>
+          </a:blip>
+          <a:stretch>
+            <a:fillRect/>
+          </a:stretch>
+        </p:blipFill>
+        <p:spPr>
+          <a:xfrm>
+            <a:off x="243840" y="309880"/>
+            <a:ext cx="5674360" cy="5400040"/>
+          </a:xfrm>
+          <a:prstGeom prst="rect">
+            <a:avLst/>
+          </a:prstGeom>
+        </p:spPr>
+      </p:pic>
+      <p:pic>
+        <p:nvPicPr>
+          <p:cNvPr id="4" name="Grafikk 3" descr="Binders">
+            <a:extLst>
+              <a:ext uri="{FF2B5EF4-FFF2-40B4-BE49-F238E27FC236}">
+                <a16:creationId xmlns:a16="http://schemas.microsoft.com/office/drawing/2014/main" id="{93D4A780-F7A6-4AEC-A748-A698C9DAB2D5}"/>
+              </a:ext>
+            </a:extLst>
+          </p:cNvPr>
+          <p:cNvPicPr>
+            <a:picLocks noChangeAspect="1"/>
+          </p:cNvPicPr>
+          <p:nvPr/>
+        </p:nvPicPr>
+        <p:blipFill>
+          <a:blip r:embed="rId4">
+            <a:extLst>
+              <a:ext uri="{96DAC541-7B7A-43D3-8B79-37D633B846F1}">
+                <asvg:svgBlip xmlns:asvg="http://schemas.microsoft.com/office/drawing/2016/SVG/main" r:embed="rId5"/>
+              </a:ext>
+            </a:extLst>
+          </a:blip>
+          <a:stretch>
+            <a:fillRect/>
+          </a:stretch>
+        </p:blipFill>
+        <p:spPr>
+          <a:xfrm>
+            <a:off x="1829640" y="1926224"/>
+            <a:ext cx="487400" cy="487400"/>
+          </a:xfrm>
+          <a:prstGeom prst="rect">
+            <a:avLst/>
+          </a:prstGeom>
+        </p:spPr>
+      </p:pic>
       <p:sp>
         <p:nvSpPr>
-          <p:cNvPr id="2" name="Tittel 1">
+          <p:cNvPr id="5" name="TekstSylinder 4">
             <a:extLst>
               <a:ext uri="{FF2B5EF4-FFF2-40B4-BE49-F238E27FC236}">
-                <a16:creationId xmlns:a16="http://schemas.microsoft.com/office/drawing/2014/main" id="{EEFD7CE7-FFFC-4D83-B3A0-EE0E01CC205C}"/>
+                <a16:creationId xmlns:a16="http://schemas.microsoft.com/office/drawing/2014/main" id="{B388A780-6512-403C-AE07-4F03000E1593}"/>
               </a:ext>
             </a:extLst>
           </p:cNvPr>
-          <p:cNvSpPr>
-            <a:spLocks noGrp="1"/>
-          </p:cNvSpPr>
-          <p:nvPr>
-            <p:ph type="title"/>
-          </p:nvPr>
+          <p:cNvSpPr txBox="1"/>
+          <p:nvPr/>
         </p:nvSpPr>
-        <p:spPr/>
+        <p:spPr>
+          <a:xfrm>
+            <a:off x="2176780" y="2159280"/>
+            <a:ext cx="2600960" cy="2308324"/>
+          </a:xfrm>
+          <a:prstGeom prst="rect">
+            <a:avLst/>
+          </a:prstGeom>
+          <a:noFill/>
+        </p:spPr>
         <p:txBody>
-          <a:bodyPr/>
+          <a:bodyPr wrap="square" rtlCol="0">
+            <a:spAutoFit/>
+          </a:bodyPr>
           <a:lstStyle/>
           <a:p>
             <a:r>
               <a:rPr lang="nb-NO" dirty="0"/>
-              <a:t>Gode hjelpere</a:t>
+              <a:t>Foto før og etter</a:t>
+            </a:r>
+          </a:p>
+          <a:p>
+            <a:r>
+              <a:rPr lang="nb-NO" dirty="0"/>
+              <a:t>Lydprofil</a:t>
+            </a:r>
+          </a:p>
+          <a:p>
+            <a:r>
+              <a:rPr lang="nb-NO" dirty="0"/>
+              <a:t>Alarmer</a:t>
+            </a:r>
+          </a:p>
+          <a:p>
+            <a:r>
+              <a:rPr lang="nb-NO" dirty="0"/>
+              <a:t>Bevegelse</a:t>
+            </a:r>
+          </a:p>
+          <a:p>
+            <a:r>
+              <a:rPr lang="nb-NO" dirty="0"/>
+              <a:t>Temperatur</a:t>
+            </a:r>
+          </a:p>
+          <a:p>
+            <a:r>
+              <a:rPr lang="nb-NO" dirty="0"/>
+              <a:t>Fukt</a:t>
+            </a:r>
+          </a:p>
+          <a:p>
+            <a:r>
+              <a:rPr lang="nb-NO" dirty="0"/>
+              <a:t>Tidspunkt for åpnet</a:t>
+            </a:r>
+          </a:p>
+          <a:p>
+            <a:r>
+              <a:rPr lang="nb-NO" dirty="0"/>
+              <a:t>Tidspunkt for låst</a:t>
+            </a:r>
+          </a:p>
+        </p:txBody>
+      </p:sp>
+      <p:pic>
+        <p:nvPicPr>
+          <p:cNvPr id="7" name="Grafikk 6" descr="Bærbar datamaskin">
+            <a:extLst>
+              <a:ext uri="{FF2B5EF4-FFF2-40B4-BE49-F238E27FC236}">
+                <a16:creationId xmlns:a16="http://schemas.microsoft.com/office/drawing/2014/main" id="{94F29FE9-2EB2-4E63-B959-0AADC5D174EC}"/>
+              </a:ext>
+            </a:extLst>
+          </p:cNvPr>
+          <p:cNvPicPr>
+            <a:picLocks noChangeAspect="1"/>
+          </p:cNvPicPr>
+          <p:nvPr/>
+        </p:nvPicPr>
+        <p:blipFill>
+          <a:blip r:embed="rId6">
+            <a:extLst>
+              <a:ext uri="{96DAC541-7B7A-43D3-8B79-37D633B846F1}">
+                <asvg:svgBlip xmlns:asvg="http://schemas.microsoft.com/office/drawing/2016/SVG/main" r:embed="rId7"/>
+              </a:ext>
+            </a:extLst>
+          </a:blip>
+          <a:stretch>
+            <a:fillRect/>
+          </a:stretch>
+        </p:blipFill>
+        <p:spPr>
+          <a:xfrm>
+            <a:off x="4993640" y="392254"/>
+            <a:ext cx="7101840" cy="6073491"/>
+          </a:xfrm>
+          <a:prstGeom prst="rect">
+            <a:avLst/>
+          </a:prstGeom>
+        </p:spPr>
+      </p:pic>
+      <p:pic>
+        <p:nvPicPr>
+          <p:cNvPr id="9" name="Bilde 8">
+            <a:extLst>
+              <a:ext uri="{FF2B5EF4-FFF2-40B4-BE49-F238E27FC236}">
+                <a16:creationId xmlns:a16="http://schemas.microsoft.com/office/drawing/2014/main" id="{C06E63E4-6CC2-4C9D-948E-21D82C43DADD}"/>
+              </a:ext>
+            </a:extLst>
+          </p:cNvPr>
+          <p:cNvPicPr>
+            <a:picLocks noChangeAspect="1"/>
+          </p:cNvPicPr>
+          <p:nvPr/>
+        </p:nvPicPr>
+        <p:blipFill rotWithShape="1">
+          <a:blip r:embed="rId8">
+            <a:extLst>
+              <a:ext uri="{BEBA8EAE-BF5A-486C-A8C5-ECC9F3942E4B}">
+                <a14:imgProps xmlns:a14="http://schemas.microsoft.com/office/drawing/2010/main">
+                  <a14:imgLayer r:embed="rId9">
+                    <a14:imgEffect>
+                      <a14:backgroundRemoval t="38756" b="76444" l="25711" r="50948">
+                        <a14:foregroundMark x1="35545" y1="70400" x2="35545" y2="70400"/>
+                        <a14:foregroundMark x1="33175" y1="69244" x2="33175" y2="69244"/>
+                        <a14:foregroundMark x1="46090" y1="64533" x2="34597" y2="64000"/>
+                        <a14:foregroundMark x1="34597" y1="64000" x2="30095" y2="62133"/>
+                        <a14:foregroundMark x1="26540" y1="72089" x2="38981" y2="43556"/>
+                        <a14:foregroundMark x1="47986" y1="68978" x2="42062" y2="63200"/>
+                        <a14:foregroundMark x1="42062" y1="63200" x2="36493" y2="43733"/>
+                        <a14:foregroundMark x1="44194" y1="60356" x2="33886" y2="63644"/>
+                        <a14:foregroundMark x1="33886" y1="63644" x2="27488" y2="69244"/>
+                        <a14:foregroundMark x1="27488" y1="69244" x2="25829" y2="72089"/>
+                        <a14:foregroundMark x1="31398" y1="75022" x2="30213" y2="61778"/>
+                        <a14:foregroundMark x1="40995" y1="73867" x2="39336" y2="66133"/>
+                        <a14:foregroundMark x1="39336" y1="66133" x2="39573" y2="65156"/>
+                        <a14:foregroundMark x1="50948" y1="68889" x2="41469" y2="66044"/>
+                        <a14:foregroundMark x1="42536" y1="70311" x2="28199" y2="67911"/>
+                        <a14:foregroundMark x1="33886" y1="38844" x2="41114" y2="53067"/>
+                        <a14:foregroundMark x1="41114" y1="53067" x2="41943" y2="59200"/>
+                        <a14:foregroundMark x1="26896" y1="75200" x2="29621" y2="55733"/>
+                        <a14:foregroundMark x1="27962" y1="75733" x2="45379" y2="61156"/>
+                        <a14:foregroundMark x1="44076" y1="76444" x2="34242" y2="64444"/>
+                        <a14:foregroundMark x1="34242" y1="64444" x2="33057" y2="61956"/>
+                        <a14:foregroundMark x1="41706" y1="43467" x2="38507" y2="40711"/>
+                        <a14:foregroundMark x1="42299" y1="40089" x2="39100" y2="40711"/>
+                        <a14:backgroundMark x1="47986" y1="44178" x2="47986" y2="44178"/>
+                        <a14:backgroundMark x1="47986" y1="44178" x2="47986" y2="44178"/>
+                        <a14:backgroundMark x1="28910" y1="44000" x2="25474" y2="37156"/>
+                        <a14:backgroundMark x1="25474" y1="37156" x2="25474" y2="36711"/>
+                        <a14:backgroundMark x1="51185" y1="45422" x2="44550" y2="45156"/>
+                      </a14:backgroundRemoval>
+                    </a14:imgEffect>
+                  </a14:imgLayer>
+                </a14:imgProps>
+              </a:ext>
+            </a:extLst>
+          </a:blip>
+          <a:srcRect l="23835" t="35555" r="47655" b="20556"/>
+          <a:stretch/>
+        </p:blipFill>
+        <p:spPr>
+          <a:xfrm>
+            <a:off x="6658442" y="2225157"/>
+            <a:ext cx="184318" cy="378211"/>
+          </a:xfrm>
+          <a:prstGeom prst="rect">
+            <a:avLst/>
+          </a:prstGeom>
+        </p:spPr>
+      </p:pic>
+      <p:sp>
+        <p:nvSpPr>
+          <p:cNvPr id="10" name="TekstSylinder 9">
+            <a:extLst>
+              <a:ext uri="{FF2B5EF4-FFF2-40B4-BE49-F238E27FC236}">
+                <a16:creationId xmlns:a16="http://schemas.microsoft.com/office/drawing/2014/main" id="{8FA14E73-8E1B-434C-A6F8-223FC5597CC9}"/>
+              </a:ext>
+            </a:extLst>
+          </p:cNvPr>
+          <p:cNvSpPr txBox="1"/>
+          <p:nvPr/>
+        </p:nvSpPr>
+        <p:spPr>
+          <a:xfrm>
+            <a:off x="7360920" y="2941755"/>
+            <a:ext cx="878840" cy="369332"/>
+          </a:xfrm>
+          <a:prstGeom prst="rect">
+            <a:avLst/>
+          </a:prstGeom>
+          <a:solidFill>
+            <a:srgbClr val="FEAEC7"/>
+          </a:solidFill>
+        </p:spPr>
+        <p:txBody>
+          <a:bodyPr wrap="square" rtlCol="0">
+            <a:spAutoFit/>
+          </a:bodyPr>
+          <a:lstStyle/>
+          <a:p>
+            <a:r>
+              <a:rPr lang="nb-NO" dirty="0">
+                <a:solidFill>
+                  <a:schemeClr val="bg1"/>
+                </a:solidFill>
+                <a:latin typeface="Gulim" panose="020B0600000101010101" pitchFamily="34" charset="-127"/>
+                <a:ea typeface="Gulim" panose="020B0600000101010101" pitchFamily="34" charset="-127"/>
+              </a:rPr>
+              <a:t>Utleier</a:t>
             </a:r>
           </a:p>
         </p:txBody>
       </p:sp>
       <p:sp>
         <p:nvSpPr>
-          <p:cNvPr id="3" name="Plassholder for tekst 2">
+          <p:cNvPr id="11" name="TekstSylinder 10">
             <a:extLst>
               <a:ext uri="{FF2B5EF4-FFF2-40B4-BE49-F238E27FC236}">
-                <a16:creationId xmlns:a16="http://schemas.microsoft.com/office/drawing/2014/main" id="{18FE8D3C-D152-401A-B4AE-D2AB29712382}"/>
+                <a16:creationId xmlns:a16="http://schemas.microsoft.com/office/drawing/2014/main" id="{8E737F79-A462-4D54-B117-F2D230979FAE}"/>
               </a:ext>
             </a:extLst>
           </p:cNvPr>
-          <p:cNvSpPr>
-            <a:spLocks noGrp="1"/>
-          </p:cNvSpPr>
-          <p:nvPr>
-            <p:ph type="body" idx="1"/>
-          </p:nvPr>
+          <p:cNvSpPr txBox="1"/>
+          <p:nvPr/>
         </p:nvSpPr>
-        <p:spPr/>
+        <p:spPr>
+          <a:xfrm>
+            <a:off x="8757920" y="2941755"/>
+            <a:ext cx="878840" cy="369332"/>
+          </a:xfrm>
+          <a:prstGeom prst="rect">
+            <a:avLst/>
+          </a:prstGeom>
+          <a:solidFill>
+            <a:schemeClr val="bg1">
+              <a:lumMod val="95000"/>
+            </a:schemeClr>
+          </a:solidFill>
+          <a:ln>
+            <a:solidFill>
+              <a:srgbClr val="FEAEC7"/>
+            </a:solidFill>
+          </a:ln>
+        </p:spPr>
         <p:txBody>
-          <a:bodyPr/>
+          <a:bodyPr wrap="square" rtlCol="0">
+            <a:spAutoFit/>
+          </a:bodyPr>
           <a:lstStyle/>
           <a:p>
-            <a:endParaRPr lang="nb-NO" dirty="0"/>
+            <a:r>
+              <a:rPr lang="nb-NO" dirty="0">
+                <a:solidFill>
+                  <a:srgbClr val="FEAEC7"/>
+                </a:solidFill>
+                <a:latin typeface="Gulim" panose="020B0600000101010101" pitchFamily="34" charset="-127"/>
+                <a:ea typeface="Gulim" panose="020B0600000101010101" pitchFamily="34" charset="-127"/>
+              </a:rPr>
+              <a:t>leier</a:t>
+            </a:r>
           </a:p>
         </p:txBody>
       </p:sp>
+      <p:sp>
+        <p:nvSpPr>
+          <p:cNvPr id="12" name="TekstSylinder 11">
+            <a:extLst>
+              <a:ext uri="{FF2B5EF4-FFF2-40B4-BE49-F238E27FC236}">
+                <a16:creationId xmlns:a16="http://schemas.microsoft.com/office/drawing/2014/main" id="{E196B5C9-6651-45D8-B26A-62F1106828F7}"/>
+              </a:ext>
+            </a:extLst>
+          </p:cNvPr>
+          <p:cNvSpPr txBox="1"/>
+          <p:nvPr/>
+        </p:nvSpPr>
+        <p:spPr>
+          <a:xfrm>
+            <a:off x="2121180" y="1910080"/>
+            <a:ext cx="1701800" cy="369332"/>
+          </a:xfrm>
+          <a:prstGeom prst="rect">
+            <a:avLst/>
+          </a:prstGeom>
+          <a:noFill/>
+        </p:spPr>
+        <p:txBody>
+          <a:bodyPr wrap="square" rtlCol="0">
+            <a:spAutoFit/>
+          </a:bodyPr>
+          <a:lstStyle/>
+          <a:p>
+            <a:r>
+              <a:rPr lang="nb-NO" b="1" dirty="0"/>
+              <a:t>RAPPORT</a:t>
+            </a:r>
+          </a:p>
+        </p:txBody>
+      </p:sp>
+      <p:cxnSp>
+        <p:nvCxnSpPr>
+          <p:cNvPr id="14" name="Rett linje 13">
+            <a:extLst>
+              <a:ext uri="{FF2B5EF4-FFF2-40B4-BE49-F238E27FC236}">
+                <a16:creationId xmlns:a16="http://schemas.microsoft.com/office/drawing/2014/main" id="{48E4EA95-714E-42DD-9618-0DD9F784B64D}"/>
+              </a:ext>
+            </a:extLst>
+          </p:cNvPr>
+          <p:cNvCxnSpPr/>
+          <p:nvPr/>
+        </p:nvCxnSpPr>
+        <p:spPr>
+          <a:xfrm>
+            <a:off x="2235200" y="2243852"/>
+            <a:ext cx="0" cy="2160000"/>
+          </a:xfrm>
+          <a:prstGeom prst="line">
+            <a:avLst/>
+          </a:prstGeom>
+        </p:spPr>
+        <p:style>
+          <a:lnRef idx="2">
+            <a:schemeClr val="accent1"/>
+          </a:lnRef>
+          <a:fillRef idx="0">
+            <a:schemeClr val="accent1"/>
+          </a:fillRef>
+          <a:effectRef idx="1">
+            <a:schemeClr val="accent1"/>
+          </a:effectRef>
+          <a:fontRef idx="minor">
+            <a:schemeClr val="tx1"/>
+          </a:fontRef>
+        </p:style>
+      </p:cxnSp>
     </p:spTree>
     <p:extLst>
       <p:ext uri="{BB962C8B-B14F-4D97-AF65-F5344CB8AC3E}">
-        <p14:creationId xmlns:p14="http://schemas.microsoft.com/office/powerpoint/2010/main" val="1341121556"/>
+        <p14:creationId xmlns:p14="http://schemas.microsoft.com/office/powerpoint/2010/main" val="2745119479"/>
       </p:ext>
     </p:extLst>
   </p:cSld>
@@ -10458,76 +10811,813 @@
           <a:chExt cx="0" cy="0"/>
         </a:xfrm>
       </p:grpSpPr>
+      <p:pic>
+        <p:nvPicPr>
+          <p:cNvPr id="2" name="Grafikk 1" descr="Bærbar datamaskin">
+            <a:extLst>
+              <a:ext uri="{FF2B5EF4-FFF2-40B4-BE49-F238E27FC236}">
+                <a16:creationId xmlns:a16="http://schemas.microsoft.com/office/drawing/2014/main" id="{95365381-DB89-4D7F-B887-591D595CEF48}"/>
+              </a:ext>
+            </a:extLst>
+          </p:cNvPr>
+          <p:cNvPicPr>
+            <a:picLocks noChangeAspect="1"/>
+          </p:cNvPicPr>
+          <p:nvPr/>
+        </p:nvPicPr>
+        <p:blipFill>
+          <a:blip r:embed="rId2">
+            <a:extLst>
+              <a:ext uri="{96DAC541-7B7A-43D3-8B79-37D633B846F1}">
+                <asvg:svgBlip xmlns:asvg="http://schemas.microsoft.com/office/drawing/2016/SVG/main" r:embed="rId3"/>
+              </a:ext>
+            </a:extLst>
+          </a:blip>
+          <a:stretch>
+            <a:fillRect/>
+          </a:stretch>
+        </p:blipFill>
+        <p:spPr>
+          <a:xfrm>
+            <a:off x="4993640" y="392254"/>
+            <a:ext cx="7101840" cy="6073491"/>
+          </a:xfrm>
+          <a:prstGeom prst="rect">
+            <a:avLst/>
+          </a:prstGeom>
+        </p:spPr>
+      </p:pic>
+      <p:pic>
+        <p:nvPicPr>
+          <p:cNvPr id="3" name="Bilde 2">
+            <a:extLst>
+              <a:ext uri="{FF2B5EF4-FFF2-40B4-BE49-F238E27FC236}">
+                <a16:creationId xmlns:a16="http://schemas.microsoft.com/office/drawing/2014/main" id="{7858D1DE-3B60-4076-B1A6-BD15187CB221}"/>
+              </a:ext>
+            </a:extLst>
+          </p:cNvPr>
+          <p:cNvPicPr>
+            <a:picLocks noChangeAspect="1"/>
+          </p:cNvPicPr>
+          <p:nvPr/>
+        </p:nvPicPr>
+        <p:blipFill rotWithShape="1">
+          <a:blip r:embed="rId4">
+            <a:extLst>
+              <a:ext uri="{BEBA8EAE-BF5A-486C-A8C5-ECC9F3942E4B}">
+                <a14:imgProps xmlns:a14="http://schemas.microsoft.com/office/drawing/2010/main">
+                  <a14:imgLayer r:embed="rId5">
+                    <a14:imgEffect>
+                      <a14:backgroundRemoval t="38756" b="76444" l="25711" r="50948">
+                        <a14:foregroundMark x1="35545" y1="70400" x2="35545" y2="70400"/>
+                        <a14:foregroundMark x1="33175" y1="69244" x2="33175" y2="69244"/>
+                        <a14:foregroundMark x1="46090" y1="64533" x2="34597" y2="64000"/>
+                        <a14:foregroundMark x1="34597" y1="64000" x2="30095" y2="62133"/>
+                        <a14:foregroundMark x1="26540" y1="72089" x2="38981" y2="43556"/>
+                        <a14:foregroundMark x1="47986" y1="68978" x2="42062" y2="63200"/>
+                        <a14:foregroundMark x1="42062" y1="63200" x2="36493" y2="43733"/>
+                        <a14:foregroundMark x1="44194" y1="60356" x2="33886" y2="63644"/>
+                        <a14:foregroundMark x1="33886" y1="63644" x2="27488" y2="69244"/>
+                        <a14:foregroundMark x1="27488" y1="69244" x2="25829" y2="72089"/>
+                        <a14:foregroundMark x1="31398" y1="75022" x2="30213" y2="61778"/>
+                        <a14:foregroundMark x1="40995" y1="73867" x2="39336" y2="66133"/>
+                        <a14:foregroundMark x1="39336" y1="66133" x2="39573" y2="65156"/>
+                        <a14:foregroundMark x1="50948" y1="68889" x2="41469" y2="66044"/>
+                        <a14:foregroundMark x1="42536" y1="70311" x2="28199" y2="67911"/>
+                        <a14:foregroundMark x1="33886" y1="38844" x2="41114" y2="53067"/>
+                        <a14:foregroundMark x1="41114" y1="53067" x2="41943" y2="59200"/>
+                        <a14:foregroundMark x1="26896" y1="75200" x2="29621" y2="55733"/>
+                        <a14:foregroundMark x1="27962" y1="75733" x2="45379" y2="61156"/>
+                        <a14:foregroundMark x1="44076" y1="76444" x2="34242" y2="64444"/>
+                        <a14:foregroundMark x1="34242" y1="64444" x2="33057" y2="61956"/>
+                        <a14:foregroundMark x1="41706" y1="43467" x2="38507" y2="40711"/>
+                        <a14:foregroundMark x1="42299" y1="40089" x2="39100" y2="40711"/>
+                        <a14:backgroundMark x1="47986" y1="44178" x2="47986" y2="44178"/>
+                        <a14:backgroundMark x1="47986" y1="44178" x2="47986" y2="44178"/>
+                        <a14:backgroundMark x1="28910" y1="44000" x2="25474" y2="37156"/>
+                        <a14:backgroundMark x1="25474" y1="37156" x2="25474" y2="36711"/>
+                        <a14:backgroundMark x1="51185" y1="45422" x2="44550" y2="45156"/>
+                      </a14:backgroundRemoval>
+                    </a14:imgEffect>
+                  </a14:imgLayer>
+                </a14:imgProps>
+              </a:ext>
+            </a:extLst>
+          </a:blip>
+          <a:srcRect l="23835" t="35555" r="47655" b="20556"/>
+          <a:stretch/>
+        </p:blipFill>
+        <p:spPr>
+          <a:xfrm>
+            <a:off x="6658442" y="2225157"/>
+            <a:ext cx="184318" cy="378211"/>
+          </a:xfrm>
+          <a:prstGeom prst="rect">
+            <a:avLst/>
+          </a:prstGeom>
+        </p:spPr>
+      </p:pic>
       <p:sp>
         <p:nvSpPr>
-          <p:cNvPr id="2" name="Tittel 1">
+          <p:cNvPr id="4" name="TekstSylinder 3">
             <a:extLst>
               <a:ext uri="{FF2B5EF4-FFF2-40B4-BE49-F238E27FC236}">
-                <a16:creationId xmlns:a16="http://schemas.microsoft.com/office/drawing/2014/main" id="{AB668E5A-5AD9-4C09-B018-57C4694457A9}"/>
+                <a16:creationId xmlns:a16="http://schemas.microsoft.com/office/drawing/2014/main" id="{6D426D44-C382-412B-9AB4-5A92B13BDC58}"/>
               </a:ext>
             </a:extLst>
           </p:cNvPr>
-          <p:cNvSpPr>
-            <a:spLocks noGrp="1"/>
-          </p:cNvSpPr>
-          <p:nvPr>
-            <p:ph type="title"/>
-          </p:nvPr>
+          <p:cNvSpPr txBox="1"/>
+          <p:nvPr/>
         </p:nvSpPr>
-        <p:spPr/>
+        <p:spPr>
+          <a:xfrm>
+            <a:off x="7360920" y="2941755"/>
+            <a:ext cx="878840" cy="369332"/>
+          </a:xfrm>
+          <a:prstGeom prst="rect">
+            <a:avLst/>
+          </a:prstGeom>
+          <a:solidFill>
+            <a:schemeClr val="bg1">
+              <a:lumMod val="95000"/>
+            </a:schemeClr>
+          </a:solidFill>
+          <a:ln>
+            <a:solidFill>
+              <a:srgbClr val="FEAEC7"/>
+            </a:solidFill>
+          </a:ln>
+        </p:spPr>
         <p:txBody>
-          <a:bodyPr/>
-          <a:lstStyle/>
-          <a:p>
-            <a:r>
-              <a:rPr lang="nb-NO" dirty="0" err="1"/>
-              <a:t>Entur</a:t>
-            </a:r>
-            <a:endParaRPr lang="nb-NO" dirty="0"/>
+          <a:bodyPr wrap="square" rtlCol="0">
+            <a:spAutoFit/>
+          </a:bodyPr>
+          <a:lstStyle>
+            <a:defPPr>
+              <a:defRPr lang="en-US"/>
+            </a:defPPr>
+            <a:lvl1pPr>
+              <a:defRPr>
+                <a:solidFill>
+                  <a:srgbClr val="FEAEC7"/>
+                </a:solidFill>
+                <a:latin typeface="Gulim" panose="020B0600000101010101" pitchFamily="34" charset="-127"/>
+                <a:ea typeface="Gulim" panose="020B0600000101010101" pitchFamily="34" charset="-127"/>
+              </a:defRPr>
+            </a:lvl1pPr>
+          </a:lstStyle>
+          <a:p>
+            <a:r>
+              <a:rPr lang="nb-NO" dirty="0"/>
+              <a:t>Utleier</a:t>
+            </a:r>
           </a:p>
         </p:txBody>
       </p:sp>
       <p:sp>
         <p:nvSpPr>
-          <p:cNvPr id="3" name="Plassholder for innhold 2">
+          <p:cNvPr id="5" name="TekstSylinder 4">
             <a:extLst>
               <a:ext uri="{FF2B5EF4-FFF2-40B4-BE49-F238E27FC236}">
-                <a16:creationId xmlns:a16="http://schemas.microsoft.com/office/drawing/2014/main" id="{ABA101DC-1C42-4F92-B5E5-AF54DA1DD4F2}"/>
+                <a16:creationId xmlns:a16="http://schemas.microsoft.com/office/drawing/2014/main" id="{76843B10-E8FE-47E2-8C25-AA38964AD8DD}"/>
               </a:ext>
             </a:extLst>
           </p:cNvPr>
-          <p:cNvSpPr>
-            <a:spLocks noGrp="1"/>
-          </p:cNvSpPr>
-          <p:nvPr>
-            <p:ph idx="1"/>
-          </p:nvPr>
+          <p:cNvSpPr txBox="1"/>
+          <p:nvPr/>
         </p:nvSpPr>
-        <p:spPr/>
+        <p:spPr>
+          <a:xfrm>
+            <a:off x="8757920" y="2941755"/>
+            <a:ext cx="878840" cy="369332"/>
+          </a:xfrm>
+          <a:prstGeom prst="rect">
+            <a:avLst/>
+          </a:prstGeom>
+          <a:solidFill>
+            <a:srgbClr val="FEAEC7"/>
+          </a:solidFill>
+        </p:spPr>
         <p:txBody>
-          <a:bodyPr/>
-          <a:lstStyle/>
-          <a:p>
-            <a:pPr marL="0" indent="0">
-              <a:buNone/>
-            </a:pPr>
+          <a:bodyPr wrap="square" rtlCol="0">
+            <a:spAutoFit/>
+          </a:bodyPr>
+          <a:lstStyle>
+            <a:defPPr>
+              <a:defRPr lang="en-US"/>
+            </a:defPPr>
+            <a:lvl1pPr>
+              <a:defRPr>
+                <a:solidFill>
+                  <a:schemeClr val="bg1"/>
+                </a:solidFill>
+                <a:latin typeface="Gulim" panose="020B0600000101010101" pitchFamily="34" charset="-127"/>
+                <a:ea typeface="Gulim" panose="020B0600000101010101" pitchFamily="34" charset="-127"/>
+              </a:defRPr>
+            </a:lvl1pPr>
+          </a:lstStyle>
+          <a:p>
             <a:r>
               <a:rPr lang="nb-NO" dirty="0"/>
-              <a:t>Visning av transportmidler og rute for å fremme kollektivtransport til lokaler, herunder bysykkel, bybiler eller til fots</a:t>
+              <a:t>leier</a:t>
             </a:r>
           </a:p>
         </p:txBody>
       </p:sp>
+      <p:pic>
+        <p:nvPicPr>
+          <p:cNvPr id="6" name="Grafikk 5" descr="Bygning">
+            <a:extLst>
+              <a:ext uri="{FF2B5EF4-FFF2-40B4-BE49-F238E27FC236}">
+                <a16:creationId xmlns:a16="http://schemas.microsoft.com/office/drawing/2014/main" id="{4E74A5A3-4976-4C23-81F5-64FC8B05736D}"/>
+              </a:ext>
+            </a:extLst>
+          </p:cNvPr>
+          <p:cNvPicPr>
+            <a:picLocks noChangeAspect="1"/>
+          </p:cNvPicPr>
+          <p:nvPr/>
+        </p:nvPicPr>
+        <p:blipFill>
+          <a:blip r:embed="rId6">
+            <a:extLst>
+              <a:ext uri="{96DAC541-7B7A-43D3-8B79-37D633B846F1}">
+                <asvg:svgBlip xmlns:asvg="http://schemas.microsoft.com/office/drawing/2016/SVG/main" r:embed="rId7"/>
+              </a:ext>
+            </a:extLst>
+          </a:blip>
+          <a:stretch>
+            <a:fillRect/>
+          </a:stretch>
+        </p:blipFill>
+        <p:spPr>
+          <a:xfrm>
+            <a:off x="2537460" y="1279100"/>
+            <a:ext cx="914400" cy="914400"/>
+          </a:xfrm>
+          <a:prstGeom prst="rect">
+            <a:avLst/>
+          </a:prstGeom>
+        </p:spPr>
+      </p:pic>
+      <p:pic>
+        <p:nvPicPr>
+          <p:cNvPr id="7" name="Grafikk 6" descr="Hjem">
+            <a:extLst>
+              <a:ext uri="{FF2B5EF4-FFF2-40B4-BE49-F238E27FC236}">
+                <a16:creationId xmlns:a16="http://schemas.microsoft.com/office/drawing/2014/main" id="{A1FF0339-5275-4122-9A79-35B2A2CD9EA0}"/>
+              </a:ext>
+            </a:extLst>
+          </p:cNvPr>
+          <p:cNvPicPr>
+            <a:picLocks noChangeAspect="1"/>
+          </p:cNvPicPr>
+          <p:nvPr/>
+        </p:nvPicPr>
+        <p:blipFill>
+          <a:blip r:embed="rId8">
+            <a:extLst>
+              <a:ext uri="{96DAC541-7B7A-43D3-8B79-37D633B846F1}">
+                <asvg:svgBlip xmlns:asvg="http://schemas.microsoft.com/office/drawing/2016/SVG/main" r:embed="rId9"/>
+              </a:ext>
+            </a:extLst>
+          </a:blip>
+          <a:stretch>
+            <a:fillRect/>
+          </a:stretch>
+        </p:blipFill>
+        <p:spPr>
+          <a:xfrm>
+            <a:off x="932180" y="1684005"/>
+            <a:ext cx="914400" cy="914400"/>
+          </a:xfrm>
+          <a:prstGeom prst="rect">
+            <a:avLst/>
+          </a:prstGeom>
+        </p:spPr>
+      </p:pic>
+      <p:pic>
+        <p:nvPicPr>
+          <p:cNvPr id="8" name="Grafikk 7" descr="By">
+            <a:extLst>
+              <a:ext uri="{FF2B5EF4-FFF2-40B4-BE49-F238E27FC236}">
+                <a16:creationId xmlns:a16="http://schemas.microsoft.com/office/drawing/2014/main" id="{7F1C33AB-6DA2-48D0-8FBB-FBF026387F16}"/>
+              </a:ext>
+            </a:extLst>
+          </p:cNvPr>
+          <p:cNvPicPr>
+            <a:picLocks noChangeAspect="1"/>
+          </p:cNvPicPr>
+          <p:nvPr/>
+        </p:nvPicPr>
+        <p:blipFill>
+          <a:blip r:embed="rId10">
+            <a:extLst>
+              <a:ext uri="{96DAC541-7B7A-43D3-8B79-37D633B846F1}">
+                <asvg:svgBlip xmlns:asvg="http://schemas.microsoft.com/office/drawing/2016/SVG/main" r:embed="rId11"/>
+              </a:ext>
+            </a:extLst>
+          </a:blip>
+          <a:stretch>
+            <a:fillRect/>
+          </a:stretch>
+        </p:blipFill>
+        <p:spPr>
+          <a:xfrm>
+            <a:off x="1117600" y="2598405"/>
+            <a:ext cx="2692400" cy="2692400"/>
+          </a:xfrm>
+          <a:prstGeom prst="rect">
+            <a:avLst/>
+          </a:prstGeom>
+        </p:spPr>
+      </p:pic>
+      <p:sp>
+        <p:nvSpPr>
+          <p:cNvPr id="9" name="TekstSylinder 8">
+            <a:extLst>
+              <a:ext uri="{FF2B5EF4-FFF2-40B4-BE49-F238E27FC236}">
+                <a16:creationId xmlns:a16="http://schemas.microsoft.com/office/drawing/2014/main" id="{2F2A039A-E4DB-4DFA-99A8-0189F6F913B2}"/>
+              </a:ext>
+            </a:extLst>
+          </p:cNvPr>
+          <p:cNvSpPr txBox="1"/>
+          <p:nvPr/>
+        </p:nvSpPr>
+        <p:spPr>
+          <a:xfrm>
+            <a:off x="665480" y="706120"/>
+            <a:ext cx="2794000" cy="369332"/>
+          </a:xfrm>
+          <a:prstGeom prst="rect">
+            <a:avLst/>
+          </a:prstGeom>
+          <a:noFill/>
+        </p:spPr>
+        <p:txBody>
+          <a:bodyPr wrap="square" rtlCol="0">
+            <a:spAutoFit/>
+          </a:bodyPr>
+          <a:lstStyle/>
+          <a:p>
+            <a:r>
+              <a:rPr lang="nb-NO" dirty="0">
+                <a:latin typeface="Gulim" panose="020B0600000101010101" pitchFamily="34" charset="-127"/>
+                <a:ea typeface="Gulim" panose="020B0600000101010101" pitchFamily="34" charset="-127"/>
+              </a:rPr>
+              <a:t>Ledig lokaler</a:t>
+            </a:r>
+          </a:p>
+        </p:txBody>
+      </p:sp>
+      <p:pic>
+        <p:nvPicPr>
+          <p:cNvPr id="11" name="Grafikk 10" descr="Vindmølle">
+            <a:extLst>
+              <a:ext uri="{FF2B5EF4-FFF2-40B4-BE49-F238E27FC236}">
+                <a16:creationId xmlns:a16="http://schemas.microsoft.com/office/drawing/2014/main" id="{BB97081D-9884-49D8-B6A8-D8D2F23DAAFA}"/>
+              </a:ext>
+            </a:extLst>
+          </p:cNvPr>
+          <p:cNvPicPr>
+            <a:picLocks noChangeAspect="1"/>
+          </p:cNvPicPr>
+          <p:nvPr/>
+        </p:nvPicPr>
+        <p:blipFill>
+          <a:blip r:embed="rId12">
+            <a:extLst>
+              <a:ext uri="{96DAC541-7B7A-43D3-8B79-37D633B846F1}">
+                <asvg:svgBlip xmlns:asvg="http://schemas.microsoft.com/office/drawing/2016/SVG/main" r:embed="rId13"/>
+              </a:ext>
+            </a:extLst>
+          </a:blip>
+          <a:stretch>
+            <a:fillRect/>
+          </a:stretch>
+        </p:blipFill>
+        <p:spPr>
+          <a:xfrm>
+            <a:off x="3785581" y="2396687"/>
+            <a:ext cx="912280" cy="914400"/>
+          </a:xfrm>
+          <a:prstGeom prst="rect">
+            <a:avLst/>
+          </a:prstGeom>
+        </p:spPr>
+      </p:pic>
+      <p:pic>
+        <p:nvPicPr>
+          <p:cNvPr id="13" name="Grafikk 12" descr="Butikk">
+            <a:extLst>
+              <a:ext uri="{FF2B5EF4-FFF2-40B4-BE49-F238E27FC236}">
+                <a16:creationId xmlns:a16="http://schemas.microsoft.com/office/drawing/2014/main" id="{C17D310D-BB6D-4B43-B147-CCED978B59F1}"/>
+              </a:ext>
+            </a:extLst>
+          </p:cNvPr>
+          <p:cNvPicPr>
+            <a:picLocks noChangeAspect="1"/>
+          </p:cNvPicPr>
+          <p:nvPr/>
+        </p:nvPicPr>
+        <p:blipFill>
+          <a:blip r:embed="rId14">
+            <a:extLst>
+              <a:ext uri="{96DAC541-7B7A-43D3-8B79-37D633B846F1}">
+                <asvg:svgBlip xmlns:asvg="http://schemas.microsoft.com/office/drawing/2016/SVG/main" r:embed="rId15"/>
+              </a:ext>
+            </a:extLst>
+          </a:blip>
+          <a:stretch>
+            <a:fillRect/>
+          </a:stretch>
+        </p:blipFill>
+        <p:spPr>
+          <a:xfrm>
+            <a:off x="2200810" y="2179822"/>
+            <a:ext cx="912280" cy="914400"/>
+          </a:xfrm>
+          <a:prstGeom prst="rect">
+            <a:avLst/>
+          </a:prstGeom>
+        </p:spPr>
+      </p:pic>
+      <p:pic>
+        <p:nvPicPr>
+          <p:cNvPr id="15" name="Grafikk 14" descr="Skolebygning">
+            <a:extLst>
+              <a:ext uri="{FF2B5EF4-FFF2-40B4-BE49-F238E27FC236}">
+                <a16:creationId xmlns:a16="http://schemas.microsoft.com/office/drawing/2014/main" id="{0813AA26-2E99-4989-A629-6DEAD5D2A001}"/>
+              </a:ext>
+            </a:extLst>
+          </p:cNvPr>
+          <p:cNvPicPr>
+            <a:picLocks noChangeAspect="1"/>
+          </p:cNvPicPr>
+          <p:nvPr/>
+        </p:nvPicPr>
+        <p:blipFill>
+          <a:blip r:embed="rId16">
+            <a:extLst>
+              <a:ext uri="{96DAC541-7B7A-43D3-8B79-37D633B846F1}">
+                <asvg:svgBlip xmlns:asvg="http://schemas.microsoft.com/office/drawing/2016/SVG/main" r:embed="rId17"/>
+              </a:ext>
+            </a:extLst>
+          </a:blip>
+          <a:stretch>
+            <a:fillRect/>
+          </a:stretch>
+        </p:blipFill>
+        <p:spPr>
+          <a:xfrm>
+            <a:off x="3686600" y="1100087"/>
+            <a:ext cx="912280" cy="914400"/>
+          </a:xfrm>
+          <a:prstGeom prst="rect">
+            <a:avLst/>
+          </a:prstGeom>
+        </p:spPr>
+      </p:pic>
+      <p:pic>
+        <p:nvPicPr>
+          <p:cNvPr id="17" name="Grafikk 16" descr="Låve">
+            <a:extLst>
+              <a:ext uri="{FF2B5EF4-FFF2-40B4-BE49-F238E27FC236}">
+                <a16:creationId xmlns:a16="http://schemas.microsoft.com/office/drawing/2014/main" id="{8F17AE43-561A-45AD-B7ED-4601F5D1877A}"/>
+              </a:ext>
+            </a:extLst>
+          </p:cNvPr>
+          <p:cNvPicPr>
+            <a:picLocks noChangeAspect="1"/>
+          </p:cNvPicPr>
+          <p:nvPr/>
+        </p:nvPicPr>
+        <p:blipFill>
+          <a:blip r:embed="rId18">
+            <a:extLst>
+              <a:ext uri="{96DAC541-7B7A-43D3-8B79-37D633B846F1}">
+                <asvg:svgBlip xmlns:asvg="http://schemas.microsoft.com/office/drawing/2016/SVG/main" r:embed="rId19"/>
+              </a:ext>
+            </a:extLst>
+          </a:blip>
+          <a:stretch>
+            <a:fillRect/>
+          </a:stretch>
+        </p:blipFill>
+        <p:spPr>
+          <a:xfrm>
+            <a:off x="3766610" y="3877759"/>
+            <a:ext cx="912280" cy="914400"/>
+          </a:xfrm>
+          <a:prstGeom prst="rect">
+            <a:avLst/>
+          </a:prstGeom>
+        </p:spPr>
+      </p:pic>
     </p:spTree>
     <p:extLst>
       <p:ext uri="{BB962C8B-B14F-4D97-AF65-F5344CB8AC3E}">
-        <p14:creationId xmlns:p14="http://schemas.microsoft.com/office/powerpoint/2010/main" val="623913316"/>
+        <p14:creationId xmlns:p14="http://schemas.microsoft.com/office/powerpoint/2010/main" val="1812524186"/>
       </p:ext>
     </p:extLst>
   </p:cSld>
   <p:clrMapOvr>
     <a:masterClrMapping/>
   </p:clrMapOvr>
+  <p:timing>
+    <p:tnLst>
+      <p:par>
+        <p:cTn id="1" dur="indefinite" restart="never" nodeType="tmRoot">
+          <p:childTnLst>
+            <p:seq concurrent="1" nextAc="seek">
+              <p:cTn id="2" dur="indefinite" nodeType="mainSeq">
+                <p:childTnLst>
+                  <p:par>
+                    <p:cTn id="3" fill="hold">
+                      <p:stCondLst>
+                        <p:cond delay="indefinite"/>
+                        <p:cond evt="onBegin" delay="0">
+                          <p:tn val="2"/>
+                        </p:cond>
+                      </p:stCondLst>
+                      <p:childTnLst>
+                        <p:par>
+                          <p:cTn id="4" fill="hold">
+                            <p:stCondLst>
+                              <p:cond delay="0"/>
+                            </p:stCondLst>
+                            <p:childTnLst>
+                              <p:par>
+                                <p:cTn id="5" presetID="1" presetClass="entr" presetSubtype="0" fill="hold" nodeType="afterEffect">
+                                  <p:stCondLst>
+                                    <p:cond delay="0"/>
+                                  </p:stCondLst>
+                                  <p:childTnLst>
+                                    <p:set>
+                                      <p:cBhvr>
+                                        <p:cTn id="6" dur="1" fill="hold">
+                                          <p:stCondLst>
+                                            <p:cond delay="0"/>
+                                          </p:stCondLst>
+                                        </p:cTn>
+                                        <p:tgtEl>
+                                          <p:spTgt spid="7"/>
+                                        </p:tgtEl>
+                                        <p:attrNameLst>
+                                          <p:attrName>style.visibility</p:attrName>
+                                        </p:attrNameLst>
+                                      </p:cBhvr>
+                                      <p:to>
+                                        <p:strVal val="visible"/>
+                                      </p:to>
+                                    </p:set>
+                                  </p:childTnLst>
+                                </p:cTn>
+                              </p:par>
+                            </p:childTnLst>
+                          </p:cTn>
+                        </p:par>
+                        <p:par>
+                          <p:cTn id="7" fill="hold">
+                            <p:stCondLst>
+                              <p:cond delay="0"/>
+                            </p:stCondLst>
+                            <p:childTnLst>
+                              <p:par>
+                                <p:cTn id="8" presetID="1" presetClass="entr" presetSubtype="0" fill="hold" nodeType="afterEffect">
+                                  <p:stCondLst>
+                                    <p:cond delay="250"/>
+                                  </p:stCondLst>
+                                  <p:childTnLst>
+                                    <p:set>
+                                      <p:cBhvr>
+                                        <p:cTn id="9" dur="1" fill="hold">
+                                          <p:stCondLst>
+                                            <p:cond delay="0"/>
+                                          </p:stCondLst>
+                                        </p:cTn>
+                                        <p:tgtEl>
+                                          <p:spTgt spid="15"/>
+                                        </p:tgtEl>
+                                        <p:attrNameLst>
+                                          <p:attrName>style.visibility</p:attrName>
+                                        </p:attrNameLst>
+                                      </p:cBhvr>
+                                      <p:to>
+                                        <p:strVal val="visible"/>
+                                      </p:to>
+                                    </p:set>
+                                  </p:childTnLst>
+                                </p:cTn>
+                              </p:par>
+                            </p:childTnLst>
+                          </p:cTn>
+                        </p:par>
+                        <p:par>
+                          <p:cTn id="10" fill="hold">
+                            <p:stCondLst>
+                              <p:cond delay="250"/>
+                            </p:stCondLst>
+                            <p:childTnLst>
+                              <p:par>
+                                <p:cTn id="11" presetID="1" presetClass="entr" presetSubtype="0" fill="hold" nodeType="afterEffect">
+                                  <p:stCondLst>
+                                    <p:cond delay="250"/>
+                                  </p:stCondLst>
+                                  <p:childTnLst>
+                                    <p:set>
+                                      <p:cBhvr>
+                                        <p:cTn id="12" dur="1" fill="hold">
+                                          <p:stCondLst>
+                                            <p:cond delay="0"/>
+                                          </p:stCondLst>
+                                        </p:cTn>
+                                        <p:tgtEl>
+                                          <p:spTgt spid="17"/>
+                                        </p:tgtEl>
+                                        <p:attrNameLst>
+                                          <p:attrName>style.visibility</p:attrName>
+                                        </p:attrNameLst>
+                                      </p:cBhvr>
+                                      <p:to>
+                                        <p:strVal val="visible"/>
+                                      </p:to>
+                                    </p:set>
+                                  </p:childTnLst>
+                                </p:cTn>
+                              </p:par>
+                            </p:childTnLst>
+                          </p:cTn>
+                        </p:par>
+                        <p:par>
+                          <p:cTn id="13" fill="hold">
+                            <p:stCondLst>
+                              <p:cond delay="500"/>
+                            </p:stCondLst>
+                            <p:childTnLst>
+                              <p:par>
+                                <p:cTn id="14" presetID="1" presetClass="entr" presetSubtype="0" fill="hold" nodeType="afterEffect">
+                                  <p:stCondLst>
+                                    <p:cond delay="250"/>
+                                  </p:stCondLst>
+                                  <p:childTnLst>
+                                    <p:set>
+                                      <p:cBhvr>
+                                        <p:cTn id="15" dur="1" fill="hold">
+                                          <p:stCondLst>
+                                            <p:cond delay="0"/>
+                                          </p:stCondLst>
+                                        </p:cTn>
+                                        <p:tgtEl>
+                                          <p:spTgt spid="6"/>
+                                        </p:tgtEl>
+                                        <p:attrNameLst>
+                                          <p:attrName>style.visibility</p:attrName>
+                                        </p:attrNameLst>
+                                      </p:cBhvr>
+                                      <p:to>
+                                        <p:strVal val="visible"/>
+                                      </p:to>
+                                    </p:set>
+                                  </p:childTnLst>
+                                </p:cTn>
+                              </p:par>
+                            </p:childTnLst>
+                          </p:cTn>
+                        </p:par>
+                        <p:par>
+                          <p:cTn id="16" fill="hold">
+                            <p:stCondLst>
+                              <p:cond delay="750"/>
+                            </p:stCondLst>
+                            <p:childTnLst>
+                              <p:par>
+                                <p:cTn id="17" presetID="1" presetClass="entr" presetSubtype="0" fill="hold" nodeType="afterEffect">
+                                  <p:stCondLst>
+                                    <p:cond delay="250"/>
+                                  </p:stCondLst>
+                                  <p:childTnLst>
+                                    <p:set>
+                                      <p:cBhvr>
+                                        <p:cTn id="18" dur="1" fill="hold">
+                                          <p:stCondLst>
+                                            <p:cond delay="0"/>
+                                          </p:stCondLst>
+                                        </p:cTn>
+                                        <p:tgtEl>
+                                          <p:spTgt spid="13"/>
+                                        </p:tgtEl>
+                                        <p:attrNameLst>
+                                          <p:attrName>style.visibility</p:attrName>
+                                        </p:attrNameLst>
+                                      </p:cBhvr>
+                                      <p:to>
+                                        <p:strVal val="visible"/>
+                                      </p:to>
+                                    </p:set>
+                                  </p:childTnLst>
+                                </p:cTn>
+                              </p:par>
+                            </p:childTnLst>
+                          </p:cTn>
+                        </p:par>
+                        <p:par>
+                          <p:cTn id="19" fill="hold">
+                            <p:stCondLst>
+                              <p:cond delay="1000"/>
+                            </p:stCondLst>
+                            <p:childTnLst>
+                              <p:par>
+                                <p:cTn id="20" presetID="1" presetClass="entr" presetSubtype="0" fill="hold" nodeType="afterEffect">
+                                  <p:stCondLst>
+                                    <p:cond delay="500"/>
+                                  </p:stCondLst>
+                                  <p:childTnLst>
+                                    <p:set>
+                                      <p:cBhvr>
+                                        <p:cTn id="21" dur="1" fill="hold">
+                                          <p:stCondLst>
+                                            <p:cond delay="0"/>
+                                          </p:stCondLst>
+                                        </p:cTn>
+                                        <p:tgtEl>
+                                          <p:spTgt spid="8"/>
+                                        </p:tgtEl>
+                                        <p:attrNameLst>
+                                          <p:attrName>style.visibility</p:attrName>
+                                        </p:attrNameLst>
+                                      </p:cBhvr>
+                                      <p:to>
+                                        <p:strVal val="visible"/>
+                                      </p:to>
+                                    </p:set>
+                                  </p:childTnLst>
+                                </p:cTn>
+                              </p:par>
+                            </p:childTnLst>
+                          </p:cTn>
+                        </p:par>
+                        <p:par>
+                          <p:cTn id="22" fill="hold">
+                            <p:stCondLst>
+                              <p:cond delay="1500"/>
+                            </p:stCondLst>
+                            <p:childTnLst>
+                              <p:par>
+                                <p:cTn id="23" presetID="1" presetClass="entr" presetSubtype="0" fill="hold" nodeType="afterEffect">
+                                  <p:stCondLst>
+                                    <p:cond delay="500"/>
+                                  </p:stCondLst>
+                                  <p:childTnLst>
+                                    <p:set>
+                                      <p:cBhvr>
+                                        <p:cTn id="24" dur="1" fill="hold">
+                                          <p:stCondLst>
+                                            <p:cond delay="0"/>
+                                          </p:stCondLst>
+                                        </p:cTn>
+                                        <p:tgtEl>
+                                          <p:spTgt spid="11"/>
+                                        </p:tgtEl>
+                                        <p:attrNameLst>
+                                          <p:attrName>style.visibility</p:attrName>
+                                        </p:attrNameLst>
+                                      </p:cBhvr>
+                                      <p:to>
+                                        <p:strVal val="visible"/>
+                                      </p:to>
+                                    </p:set>
+                                  </p:childTnLst>
+                                </p:cTn>
+                              </p:par>
+                            </p:childTnLst>
+                          </p:cTn>
+                        </p:par>
+                      </p:childTnLst>
+                    </p:cTn>
+                  </p:par>
+                </p:childTnLst>
+              </p:cTn>
+              <p:prevCondLst>
+                <p:cond evt="onPrev" delay="0">
+                  <p:tgtEl>
+                    <p:sldTgt/>
+                  </p:tgtEl>
+                </p:cond>
+              </p:prevCondLst>
+              <p:nextCondLst>
+                <p:cond evt="onNext" delay="0">
+                  <p:tgtEl>
+                    <p:sldTgt/>
+                  </p:tgtEl>
+                </p:cond>
+              </p:nextCondLst>
+            </p:seq>
+          </p:childTnLst>
+        </p:cTn>
+      </p:par>
+    </p:tnLst>
+  </p:timing>
 </p:sld>
 </file>
 
@@ -10548,82 +11638,1624 @@
           <a:chExt cx="0" cy="0"/>
         </a:xfrm>
       </p:grpSpPr>
+      <p:pic>
+        <p:nvPicPr>
+          <p:cNvPr id="2" name="Grafikk 1" descr="Bærbar datamaskin">
+            <a:extLst>
+              <a:ext uri="{FF2B5EF4-FFF2-40B4-BE49-F238E27FC236}">
+                <a16:creationId xmlns:a16="http://schemas.microsoft.com/office/drawing/2014/main" id="{95365381-DB89-4D7F-B887-591D595CEF48}"/>
+              </a:ext>
+            </a:extLst>
+          </p:cNvPr>
+          <p:cNvPicPr>
+            <a:picLocks noChangeAspect="1"/>
+          </p:cNvPicPr>
+          <p:nvPr/>
+        </p:nvPicPr>
+        <p:blipFill>
+          <a:blip r:embed="rId2">
+            <a:extLst>
+              <a:ext uri="{96DAC541-7B7A-43D3-8B79-37D633B846F1}">
+                <asvg:svgBlip xmlns:asvg="http://schemas.microsoft.com/office/drawing/2016/SVG/main" r:embed="rId3"/>
+              </a:ext>
+            </a:extLst>
+          </a:blip>
+          <a:stretch>
+            <a:fillRect/>
+          </a:stretch>
+        </p:blipFill>
+        <p:spPr>
+          <a:xfrm>
+            <a:off x="4993640" y="392254"/>
+            <a:ext cx="7101840" cy="6073491"/>
+          </a:xfrm>
+          <a:prstGeom prst="rect">
+            <a:avLst/>
+          </a:prstGeom>
+        </p:spPr>
+      </p:pic>
+      <p:pic>
+        <p:nvPicPr>
+          <p:cNvPr id="3" name="Bilde 2">
+            <a:extLst>
+              <a:ext uri="{FF2B5EF4-FFF2-40B4-BE49-F238E27FC236}">
+                <a16:creationId xmlns:a16="http://schemas.microsoft.com/office/drawing/2014/main" id="{7858D1DE-3B60-4076-B1A6-BD15187CB221}"/>
+              </a:ext>
+            </a:extLst>
+          </p:cNvPr>
+          <p:cNvPicPr>
+            <a:picLocks noChangeAspect="1"/>
+          </p:cNvPicPr>
+          <p:nvPr/>
+        </p:nvPicPr>
+        <p:blipFill rotWithShape="1">
+          <a:blip r:embed="rId4">
+            <a:extLst>
+              <a:ext uri="{BEBA8EAE-BF5A-486C-A8C5-ECC9F3942E4B}">
+                <a14:imgProps xmlns:a14="http://schemas.microsoft.com/office/drawing/2010/main">
+                  <a14:imgLayer r:embed="rId5">
+                    <a14:imgEffect>
+                      <a14:backgroundRemoval t="38756" b="76444" l="25711" r="50948">
+                        <a14:foregroundMark x1="35545" y1="70400" x2="35545" y2="70400"/>
+                        <a14:foregroundMark x1="33175" y1="69244" x2="33175" y2="69244"/>
+                        <a14:foregroundMark x1="46090" y1="64533" x2="34597" y2="64000"/>
+                        <a14:foregroundMark x1="34597" y1="64000" x2="30095" y2="62133"/>
+                        <a14:foregroundMark x1="26540" y1="72089" x2="38981" y2="43556"/>
+                        <a14:foregroundMark x1="47986" y1="68978" x2="42062" y2="63200"/>
+                        <a14:foregroundMark x1="42062" y1="63200" x2="36493" y2="43733"/>
+                        <a14:foregroundMark x1="44194" y1="60356" x2="33886" y2="63644"/>
+                        <a14:foregroundMark x1="33886" y1="63644" x2="27488" y2="69244"/>
+                        <a14:foregroundMark x1="27488" y1="69244" x2="25829" y2="72089"/>
+                        <a14:foregroundMark x1="31398" y1="75022" x2="30213" y2="61778"/>
+                        <a14:foregroundMark x1="40995" y1="73867" x2="39336" y2="66133"/>
+                        <a14:foregroundMark x1="39336" y1="66133" x2="39573" y2="65156"/>
+                        <a14:foregroundMark x1="50948" y1="68889" x2="41469" y2="66044"/>
+                        <a14:foregroundMark x1="42536" y1="70311" x2="28199" y2="67911"/>
+                        <a14:foregroundMark x1="33886" y1="38844" x2="41114" y2="53067"/>
+                        <a14:foregroundMark x1="41114" y1="53067" x2="41943" y2="59200"/>
+                        <a14:foregroundMark x1="26896" y1="75200" x2="29621" y2="55733"/>
+                        <a14:foregroundMark x1="27962" y1="75733" x2="45379" y2="61156"/>
+                        <a14:foregroundMark x1="44076" y1="76444" x2="34242" y2="64444"/>
+                        <a14:foregroundMark x1="34242" y1="64444" x2="33057" y2="61956"/>
+                        <a14:foregroundMark x1="41706" y1="43467" x2="38507" y2="40711"/>
+                        <a14:foregroundMark x1="42299" y1="40089" x2="39100" y2="40711"/>
+                        <a14:backgroundMark x1="47986" y1="44178" x2="47986" y2="44178"/>
+                        <a14:backgroundMark x1="47986" y1="44178" x2="47986" y2="44178"/>
+                        <a14:backgroundMark x1="28910" y1="44000" x2="25474" y2="37156"/>
+                        <a14:backgroundMark x1="25474" y1="37156" x2="25474" y2="36711"/>
+                        <a14:backgroundMark x1="51185" y1="45422" x2="44550" y2="45156"/>
+                      </a14:backgroundRemoval>
+                    </a14:imgEffect>
+                  </a14:imgLayer>
+                </a14:imgProps>
+              </a:ext>
+            </a:extLst>
+          </a:blip>
+          <a:srcRect l="23835" t="35555" r="47655" b="20556"/>
+          <a:stretch/>
+        </p:blipFill>
+        <p:spPr>
+          <a:xfrm>
+            <a:off x="6658442" y="2225157"/>
+            <a:ext cx="184318" cy="378211"/>
+          </a:xfrm>
+          <a:prstGeom prst="rect">
+            <a:avLst/>
+          </a:prstGeom>
+        </p:spPr>
+      </p:pic>
       <p:sp>
         <p:nvSpPr>
-          <p:cNvPr id="2" name="Tittel 1">
+          <p:cNvPr id="4" name="TekstSylinder 3">
             <a:extLst>
               <a:ext uri="{FF2B5EF4-FFF2-40B4-BE49-F238E27FC236}">
-                <a16:creationId xmlns:a16="http://schemas.microsoft.com/office/drawing/2014/main" id="{7A10E5B0-231D-4E8E-AF86-A0252DFB313B}"/>
+                <a16:creationId xmlns:a16="http://schemas.microsoft.com/office/drawing/2014/main" id="{6D426D44-C382-412B-9AB4-5A92B13BDC58}"/>
               </a:ext>
             </a:extLst>
           </p:cNvPr>
-          <p:cNvSpPr>
-            <a:spLocks noGrp="1"/>
-          </p:cNvSpPr>
-          <p:nvPr>
-            <p:ph type="title"/>
-          </p:nvPr>
+          <p:cNvSpPr txBox="1"/>
+          <p:nvPr/>
         </p:nvSpPr>
-        <p:spPr/>
+        <p:spPr>
+          <a:xfrm>
+            <a:off x="7360920" y="2941755"/>
+            <a:ext cx="878840" cy="369332"/>
+          </a:xfrm>
+          <a:prstGeom prst="rect">
+            <a:avLst/>
+          </a:prstGeom>
+          <a:solidFill>
+            <a:schemeClr val="bg1">
+              <a:lumMod val="95000"/>
+            </a:schemeClr>
+          </a:solidFill>
+          <a:ln>
+            <a:solidFill>
+              <a:srgbClr val="FEAEC7"/>
+            </a:solidFill>
+          </a:ln>
+        </p:spPr>
         <p:txBody>
-          <a:bodyPr/>
-          <a:lstStyle/>
+          <a:bodyPr wrap="square" rtlCol="0">
+            <a:spAutoFit/>
+          </a:bodyPr>
+          <a:lstStyle>
+            <a:defPPr>
+              <a:defRPr lang="en-US"/>
+            </a:defPPr>
+            <a:lvl1pPr>
+              <a:defRPr>
+                <a:solidFill>
+                  <a:srgbClr val="FEAEC7"/>
+                </a:solidFill>
+                <a:latin typeface="Gulim" panose="020B0600000101010101" pitchFamily="34" charset="-127"/>
+                <a:ea typeface="Gulim" panose="020B0600000101010101" pitchFamily="34" charset="-127"/>
+              </a:defRPr>
+            </a:lvl1pPr>
+          </a:lstStyle>
           <a:p>
             <a:r>
               <a:rPr lang="nb-NO" dirty="0"/>
-              <a:t>DNT</a:t>
+              <a:t>Utleier</a:t>
             </a:r>
           </a:p>
         </p:txBody>
       </p:sp>
       <p:sp>
         <p:nvSpPr>
-          <p:cNvPr id="3" name="Plassholder for innhold 2">
+          <p:cNvPr id="5" name="TekstSylinder 4">
             <a:extLst>
               <a:ext uri="{FF2B5EF4-FFF2-40B4-BE49-F238E27FC236}">
-                <a16:creationId xmlns:a16="http://schemas.microsoft.com/office/drawing/2014/main" id="{97516ABD-A58F-488E-B8E7-0A78BFBCE93F}"/>
+                <a16:creationId xmlns:a16="http://schemas.microsoft.com/office/drawing/2014/main" id="{76843B10-E8FE-47E2-8C25-AA38964AD8DD}"/>
               </a:ext>
             </a:extLst>
           </p:cNvPr>
-          <p:cNvSpPr>
-            <a:spLocks noGrp="1"/>
-          </p:cNvSpPr>
-          <p:nvPr>
-            <p:ph idx="1"/>
-          </p:nvPr>
+          <p:cNvSpPr txBox="1"/>
+          <p:nvPr/>
         </p:nvSpPr>
-        <p:spPr/>
+        <p:spPr>
+          <a:xfrm>
+            <a:off x="8757920" y="2941755"/>
+            <a:ext cx="878840" cy="369332"/>
+          </a:xfrm>
+          <a:prstGeom prst="rect">
+            <a:avLst/>
+          </a:prstGeom>
+          <a:solidFill>
+            <a:srgbClr val="FEAEC7"/>
+          </a:solidFill>
+        </p:spPr>
         <p:txBody>
-          <a:bodyPr/>
-          <a:lstStyle/>
-          <a:p>
-            <a:pPr marL="0" indent="0">
-              <a:buNone/>
-            </a:pPr>
+          <a:bodyPr wrap="square" rtlCol="0">
+            <a:spAutoFit/>
+          </a:bodyPr>
+          <a:lstStyle>
+            <a:defPPr>
+              <a:defRPr lang="en-US"/>
+            </a:defPPr>
+            <a:lvl1pPr>
+              <a:defRPr>
+                <a:solidFill>
+                  <a:schemeClr val="bg1"/>
+                </a:solidFill>
+                <a:latin typeface="Gulim" panose="020B0600000101010101" pitchFamily="34" charset="-127"/>
+                <a:ea typeface="Gulim" panose="020B0600000101010101" pitchFamily="34" charset="-127"/>
+              </a:defRPr>
+            </a:lvl1pPr>
+          </a:lstStyle>
+          <a:p>
             <a:r>
               <a:rPr lang="nb-NO" dirty="0"/>
-              <a:t>Hytter til leie/låns. Samtidig som man fronter bruk av natur </a:t>
-            </a:r>
-            <a:r>
-              <a:rPr lang="nb-NO" dirty="0">
-                <a:sym typeface="Wingdings" panose="05000000000000000000" pitchFamily="2" charset="2"/>
-              </a:rPr>
-              <a:t> Bytur</a:t>
-            </a:r>
-            <a:endParaRPr lang="nb-NO" dirty="0"/>
+              <a:t>leier</a:t>
+            </a:r>
           </a:p>
         </p:txBody>
       </p:sp>
+      <p:sp>
+        <p:nvSpPr>
+          <p:cNvPr id="9" name="TekstSylinder 8">
+            <a:extLst>
+              <a:ext uri="{FF2B5EF4-FFF2-40B4-BE49-F238E27FC236}">
+                <a16:creationId xmlns:a16="http://schemas.microsoft.com/office/drawing/2014/main" id="{2F2A039A-E4DB-4DFA-99A8-0189F6F913B2}"/>
+              </a:ext>
+            </a:extLst>
+          </p:cNvPr>
+          <p:cNvSpPr txBox="1"/>
+          <p:nvPr/>
+        </p:nvSpPr>
+        <p:spPr>
+          <a:xfrm>
+            <a:off x="665480" y="706120"/>
+            <a:ext cx="2794000" cy="1477328"/>
+          </a:xfrm>
+          <a:prstGeom prst="rect">
+            <a:avLst/>
+          </a:prstGeom>
+          <a:noFill/>
+        </p:spPr>
+        <p:txBody>
+          <a:bodyPr wrap="square" rtlCol="0">
+            <a:spAutoFit/>
+          </a:bodyPr>
+          <a:lstStyle/>
+          <a:p>
+            <a:r>
+              <a:rPr lang="nb-NO" dirty="0">
+                <a:latin typeface="Gulim" panose="020B0600000101010101" pitchFamily="34" charset="-127"/>
+                <a:ea typeface="Gulim" panose="020B0600000101010101" pitchFamily="34" charset="-127"/>
+              </a:rPr>
+              <a:t>Lokalets fasiliteter</a:t>
+            </a:r>
+          </a:p>
+          <a:p>
+            <a:r>
+              <a:rPr lang="nb-NO" dirty="0">
+                <a:latin typeface="Gulim" panose="020B0600000101010101" pitchFamily="34" charset="-127"/>
+                <a:ea typeface="Gulim" panose="020B0600000101010101" pitchFamily="34" charset="-127"/>
+              </a:rPr>
+              <a:t>Lokalets kapasitet</a:t>
+            </a:r>
+          </a:p>
+          <a:p>
+            <a:r>
+              <a:rPr lang="nb-NO" dirty="0">
+                <a:latin typeface="Gulim" panose="020B0600000101010101" pitchFamily="34" charset="-127"/>
+                <a:ea typeface="Gulim" panose="020B0600000101010101" pitchFamily="34" charset="-127"/>
+              </a:rPr>
+              <a:t>Lokalets tilgjengelighet</a:t>
+            </a:r>
+          </a:p>
+          <a:p>
+            <a:r>
+              <a:rPr lang="nb-NO" dirty="0">
+                <a:latin typeface="Gulim" panose="020B0600000101010101" pitchFamily="34" charset="-127"/>
+                <a:ea typeface="Gulim" panose="020B0600000101010101" pitchFamily="34" charset="-127"/>
+              </a:rPr>
+              <a:t>Reiseforslag</a:t>
+            </a:r>
+          </a:p>
+          <a:p>
+            <a:r>
+              <a:rPr lang="nb-NO" dirty="0">
+                <a:latin typeface="Gulim" panose="020B0600000101010101" pitchFamily="34" charset="-127"/>
+                <a:ea typeface="Gulim" panose="020B0600000101010101" pitchFamily="34" charset="-127"/>
+              </a:rPr>
+              <a:t>Reserver lokalet</a:t>
+            </a:r>
+          </a:p>
+        </p:txBody>
+      </p:sp>
+      <p:pic>
+        <p:nvPicPr>
+          <p:cNvPr id="12" name="Grafikk 11" descr="Person i rullestol">
+            <a:extLst>
+              <a:ext uri="{FF2B5EF4-FFF2-40B4-BE49-F238E27FC236}">
+                <a16:creationId xmlns:a16="http://schemas.microsoft.com/office/drawing/2014/main" id="{481AE472-E099-48FB-9AA3-215F7E5A0E82}"/>
+              </a:ext>
+            </a:extLst>
+          </p:cNvPr>
+          <p:cNvPicPr>
+            <a:picLocks noChangeAspect="1"/>
+          </p:cNvPicPr>
+          <p:nvPr/>
+        </p:nvPicPr>
+        <p:blipFill>
+          <a:blip r:embed="rId6">
+            <a:extLst>
+              <a:ext uri="{96DAC541-7B7A-43D3-8B79-37D633B846F1}">
+                <asvg:svgBlip xmlns:asvg="http://schemas.microsoft.com/office/drawing/2016/SVG/main" r:embed="rId7"/>
+              </a:ext>
+            </a:extLst>
+          </a:blip>
+          <a:stretch>
+            <a:fillRect/>
+          </a:stretch>
+        </p:blipFill>
+        <p:spPr>
+          <a:xfrm>
+            <a:off x="1466522" y="2484947"/>
+            <a:ext cx="720000" cy="720000"/>
+          </a:xfrm>
+          <a:prstGeom prst="rect">
+            <a:avLst/>
+          </a:prstGeom>
+        </p:spPr>
+      </p:pic>
+      <p:pic>
+        <p:nvPicPr>
+          <p:cNvPr id="16" name="Grafikk 15" descr="Gruppe">
+            <a:extLst>
+              <a:ext uri="{FF2B5EF4-FFF2-40B4-BE49-F238E27FC236}">
+                <a16:creationId xmlns:a16="http://schemas.microsoft.com/office/drawing/2014/main" id="{81B8FE52-7F2B-4E75-BC5C-F4F79C90472A}"/>
+              </a:ext>
+            </a:extLst>
+          </p:cNvPr>
+          <p:cNvPicPr>
+            <a:picLocks noChangeAspect="1"/>
+          </p:cNvPicPr>
+          <p:nvPr/>
+        </p:nvPicPr>
+        <p:blipFill>
+          <a:blip r:embed="rId8">
+            <a:extLst>
+              <a:ext uri="{96DAC541-7B7A-43D3-8B79-37D633B846F1}">
+                <asvg:svgBlip xmlns:asvg="http://schemas.microsoft.com/office/drawing/2016/SVG/main" r:embed="rId9"/>
+              </a:ext>
+            </a:extLst>
+          </a:blip>
+          <a:stretch>
+            <a:fillRect/>
+          </a:stretch>
+        </p:blipFill>
+        <p:spPr>
+          <a:xfrm>
+            <a:off x="1449822" y="3204947"/>
+            <a:ext cx="720000" cy="720000"/>
+          </a:xfrm>
+          <a:prstGeom prst="rect">
+            <a:avLst/>
+          </a:prstGeom>
+        </p:spPr>
+      </p:pic>
+      <p:pic>
+        <p:nvPicPr>
+          <p:cNvPr id="19" name="Grafikk 18" descr="Månedskalender">
+            <a:extLst>
+              <a:ext uri="{FF2B5EF4-FFF2-40B4-BE49-F238E27FC236}">
+                <a16:creationId xmlns:a16="http://schemas.microsoft.com/office/drawing/2014/main" id="{F4290BFA-2EDF-4EE9-8C2D-65C39D595C7E}"/>
+              </a:ext>
+            </a:extLst>
+          </p:cNvPr>
+          <p:cNvPicPr>
+            <a:picLocks noChangeAspect="1"/>
+          </p:cNvPicPr>
+          <p:nvPr/>
+        </p:nvPicPr>
+        <p:blipFill>
+          <a:blip r:embed="rId10">
+            <a:extLst>
+              <a:ext uri="{96DAC541-7B7A-43D3-8B79-37D633B846F1}">
+                <asvg:svgBlip xmlns:asvg="http://schemas.microsoft.com/office/drawing/2016/SVG/main" r:embed="rId11"/>
+              </a:ext>
+            </a:extLst>
+          </a:blip>
+          <a:stretch>
+            <a:fillRect/>
+          </a:stretch>
+        </p:blipFill>
+        <p:spPr>
+          <a:xfrm>
+            <a:off x="2299961" y="2931651"/>
+            <a:ext cx="914400" cy="914400"/>
+          </a:xfrm>
+          <a:prstGeom prst="rect">
+            <a:avLst/>
+          </a:prstGeom>
+        </p:spPr>
+      </p:pic>
+      <p:pic>
+        <p:nvPicPr>
+          <p:cNvPr id="21" name="Grafikk 20" descr="Regelbok">
+            <a:extLst>
+              <a:ext uri="{FF2B5EF4-FFF2-40B4-BE49-F238E27FC236}">
+                <a16:creationId xmlns:a16="http://schemas.microsoft.com/office/drawing/2014/main" id="{C34BB456-81EA-49EB-A1FF-5BBFB1D1EBF8}"/>
+              </a:ext>
+            </a:extLst>
+          </p:cNvPr>
+          <p:cNvPicPr>
+            <a:picLocks noChangeAspect="1"/>
+          </p:cNvPicPr>
+          <p:nvPr/>
+        </p:nvPicPr>
+        <p:blipFill>
+          <a:blip r:embed="rId12">
+            <a:extLst>
+              <a:ext uri="{96DAC541-7B7A-43D3-8B79-37D633B846F1}">
+                <asvg:svgBlip xmlns:asvg="http://schemas.microsoft.com/office/drawing/2016/SVG/main" r:embed="rId13"/>
+              </a:ext>
+            </a:extLst>
+          </a:blip>
+          <a:stretch>
+            <a:fillRect/>
+          </a:stretch>
+        </p:blipFill>
+        <p:spPr>
+          <a:xfrm>
+            <a:off x="3442638" y="3978348"/>
+            <a:ext cx="720000" cy="720000"/>
+          </a:xfrm>
+          <a:prstGeom prst="rect">
+            <a:avLst/>
+          </a:prstGeom>
+        </p:spPr>
+      </p:pic>
+      <p:pic>
+        <p:nvPicPr>
+          <p:cNvPr id="23" name="Grafikk 22" descr="Te">
+            <a:extLst>
+              <a:ext uri="{FF2B5EF4-FFF2-40B4-BE49-F238E27FC236}">
+                <a16:creationId xmlns:a16="http://schemas.microsoft.com/office/drawing/2014/main" id="{A2A093DD-D955-4F75-86DC-050B78107436}"/>
+              </a:ext>
+            </a:extLst>
+          </p:cNvPr>
+          <p:cNvPicPr>
+            <a:picLocks noChangeAspect="1"/>
+          </p:cNvPicPr>
+          <p:nvPr/>
+        </p:nvPicPr>
+        <p:blipFill>
+          <a:blip r:embed="rId14">
+            <a:extLst>
+              <a:ext uri="{96DAC541-7B7A-43D3-8B79-37D633B846F1}">
+                <asvg:svgBlip xmlns:asvg="http://schemas.microsoft.com/office/drawing/2016/SVG/main" r:embed="rId15"/>
+              </a:ext>
+            </a:extLst>
+          </a:blip>
+          <a:stretch>
+            <a:fillRect/>
+          </a:stretch>
+        </p:blipFill>
+        <p:spPr>
+          <a:xfrm>
+            <a:off x="704601" y="2414262"/>
+            <a:ext cx="518400" cy="518400"/>
+          </a:xfrm>
+          <a:prstGeom prst="rect">
+            <a:avLst/>
+          </a:prstGeom>
+        </p:spPr>
+      </p:pic>
+      <p:pic>
+        <p:nvPicPr>
+          <p:cNvPr id="25" name="Grafikk 24" descr="Kniv og gaffel">
+            <a:extLst>
+              <a:ext uri="{FF2B5EF4-FFF2-40B4-BE49-F238E27FC236}">
+                <a16:creationId xmlns:a16="http://schemas.microsoft.com/office/drawing/2014/main" id="{0B697637-1A62-41EF-A645-232425D26BDE}"/>
+              </a:ext>
+            </a:extLst>
+          </p:cNvPr>
+          <p:cNvPicPr>
+            <a:picLocks noChangeAspect="1"/>
+          </p:cNvPicPr>
+          <p:nvPr/>
+        </p:nvPicPr>
+        <p:blipFill>
+          <a:blip r:embed="rId16">
+            <a:extLst>
+              <a:ext uri="{96DAC541-7B7A-43D3-8B79-37D633B846F1}">
+                <asvg:svgBlip xmlns:asvg="http://schemas.microsoft.com/office/drawing/2016/SVG/main" r:embed="rId17"/>
+              </a:ext>
+            </a:extLst>
+          </a:blip>
+          <a:stretch>
+            <a:fillRect/>
+          </a:stretch>
+        </p:blipFill>
+        <p:spPr>
+          <a:xfrm>
+            <a:off x="672462" y="3957124"/>
+            <a:ext cx="518400" cy="518400"/>
+          </a:xfrm>
+          <a:prstGeom prst="rect">
+            <a:avLst/>
+          </a:prstGeom>
+        </p:spPr>
+      </p:pic>
+      <p:pic>
+        <p:nvPicPr>
+          <p:cNvPr id="27" name="Grafikk 26" descr="Sporvogn">
+            <a:extLst>
+              <a:ext uri="{FF2B5EF4-FFF2-40B4-BE49-F238E27FC236}">
+                <a16:creationId xmlns:a16="http://schemas.microsoft.com/office/drawing/2014/main" id="{1D0AEC37-B68C-401D-B122-59FBAFF720CB}"/>
+              </a:ext>
+            </a:extLst>
+          </p:cNvPr>
+          <p:cNvPicPr>
+            <a:picLocks noChangeAspect="1"/>
+          </p:cNvPicPr>
+          <p:nvPr/>
+        </p:nvPicPr>
+        <p:blipFill>
+          <a:blip r:embed="rId18">
+            <a:extLst>
+              <a:ext uri="{96DAC541-7B7A-43D3-8B79-37D633B846F1}">
+                <asvg:svgBlip xmlns:asvg="http://schemas.microsoft.com/office/drawing/2016/SVG/main" r:embed="rId19"/>
+              </a:ext>
+            </a:extLst>
+          </a:blip>
+          <a:stretch>
+            <a:fillRect/>
+          </a:stretch>
+        </p:blipFill>
+        <p:spPr>
+          <a:xfrm>
+            <a:off x="3459480" y="3258575"/>
+            <a:ext cx="720000" cy="720000"/>
+          </a:xfrm>
+          <a:prstGeom prst="rect">
+            <a:avLst/>
+          </a:prstGeom>
+        </p:spPr>
+      </p:pic>
+      <p:pic>
+        <p:nvPicPr>
+          <p:cNvPr id="29" name="Grafikk 28" descr="Sykling">
+            <a:extLst>
+              <a:ext uri="{FF2B5EF4-FFF2-40B4-BE49-F238E27FC236}">
+                <a16:creationId xmlns:a16="http://schemas.microsoft.com/office/drawing/2014/main" id="{C93550EA-7D4B-4601-9A30-C659E495E7D6}"/>
+              </a:ext>
+            </a:extLst>
+          </p:cNvPr>
+          <p:cNvPicPr>
+            <a:picLocks noChangeAspect="1"/>
+          </p:cNvPicPr>
+          <p:nvPr/>
+        </p:nvPicPr>
+        <p:blipFill>
+          <a:blip r:embed="rId20">
+            <a:extLst>
+              <a:ext uri="{96DAC541-7B7A-43D3-8B79-37D633B846F1}">
+                <asvg:svgBlip xmlns:asvg="http://schemas.microsoft.com/office/drawing/2016/SVG/main" r:embed="rId21"/>
+              </a:ext>
+            </a:extLst>
+          </a:blip>
+          <a:stretch>
+            <a:fillRect/>
+          </a:stretch>
+        </p:blipFill>
+        <p:spPr>
+          <a:xfrm>
+            <a:off x="3441239" y="2484947"/>
+            <a:ext cx="720000" cy="720000"/>
+          </a:xfrm>
+          <a:prstGeom prst="rect">
+            <a:avLst/>
+          </a:prstGeom>
+        </p:spPr>
+      </p:pic>
+      <p:pic>
+        <p:nvPicPr>
+          <p:cNvPr id="31" name="Grafikk 30" descr="Dusj">
+            <a:extLst>
+              <a:ext uri="{FF2B5EF4-FFF2-40B4-BE49-F238E27FC236}">
+                <a16:creationId xmlns:a16="http://schemas.microsoft.com/office/drawing/2014/main" id="{B8DDF8D7-FF9B-430F-9015-C0780E7D94AD}"/>
+              </a:ext>
+            </a:extLst>
+          </p:cNvPr>
+          <p:cNvPicPr>
+            <a:picLocks noChangeAspect="1"/>
+          </p:cNvPicPr>
+          <p:nvPr/>
+        </p:nvPicPr>
+        <p:blipFill>
+          <a:blip r:embed="rId22">
+            <a:extLst>
+              <a:ext uri="{96DAC541-7B7A-43D3-8B79-37D633B846F1}">
+                <asvg:svgBlip xmlns:asvg="http://schemas.microsoft.com/office/drawing/2016/SVG/main" r:embed="rId23"/>
+              </a:ext>
+            </a:extLst>
+          </a:blip>
+          <a:stretch>
+            <a:fillRect/>
+          </a:stretch>
+        </p:blipFill>
+        <p:spPr>
+          <a:xfrm>
+            <a:off x="704601" y="3384653"/>
+            <a:ext cx="518400" cy="518400"/>
+          </a:xfrm>
+          <a:prstGeom prst="rect">
+            <a:avLst/>
+          </a:prstGeom>
+        </p:spPr>
+      </p:pic>
+      <p:pic>
+        <p:nvPicPr>
+          <p:cNvPr id="33" name="Grafikk 32" descr="Bord og stoler">
+            <a:extLst>
+              <a:ext uri="{FF2B5EF4-FFF2-40B4-BE49-F238E27FC236}">
+                <a16:creationId xmlns:a16="http://schemas.microsoft.com/office/drawing/2014/main" id="{2B8B5B00-8879-4D3E-B19F-71AA5165A673}"/>
+              </a:ext>
+            </a:extLst>
+          </p:cNvPr>
+          <p:cNvPicPr>
+            <a:picLocks noChangeAspect="1"/>
+          </p:cNvPicPr>
+          <p:nvPr/>
+        </p:nvPicPr>
+        <p:blipFill>
+          <a:blip r:embed="rId24">
+            <a:extLst>
+              <a:ext uri="{96DAC541-7B7A-43D3-8B79-37D633B846F1}">
+                <asvg:svgBlip xmlns:asvg="http://schemas.microsoft.com/office/drawing/2016/SVG/main" r:embed="rId25"/>
+              </a:ext>
+            </a:extLst>
+          </a:blip>
+          <a:stretch>
+            <a:fillRect/>
+          </a:stretch>
+        </p:blipFill>
+        <p:spPr>
+          <a:xfrm>
+            <a:off x="672462" y="2851013"/>
+            <a:ext cx="518400" cy="518400"/>
+          </a:xfrm>
+          <a:prstGeom prst="rect">
+            <a:avLst/>
+          </a:prstGeom>
+        </p:spPr>
+      </p:pic>
+      <p:pic>
+        <p:nvPicPr>
+          <p:cNvPr id="35" name="Grafikk 34" descr="Baby som krabber">
+            <a:extLst>
+              <a:ext uri="{FF2B5EF4-FFF2-40B4-BE49-F238E27FC236}">
+                <a16:creationId xmlns:a16="http://schemas.microsoft.com/office/drawing/2014/main" id="{8DDFD1E6-27FC-4BDB-817A-74CD5B140613}"/>
+              </a:ext>
+            </a:extLst>
+          </p:cNvPr>
+          <p:cNvPicPr>
+            <a:picLocks noChangeAspect="1"/>
+          </p:cNvPicPr>
+          <p:nvPr/>
+        </p:nvPicPr>
+        <p:blipFill>
+          <a:blip r:embed="rId26">
+            <a:extLst>
+              <a:ext uri="{96DAC541-7B7A-43D3-8B79-37D633B846F1}">
+                <asvg:svgBlip xmlns:asvg="http://schemas.microsoft.com/office/drawing/2016/SVG/main" r:embed="rId27"/>
+              </a:ext>
+            </a:extLst>
+          </a:blip>
+          <a:stretch>
+            <a:fillRect/>
+          </a:stretch>
+        </p:blipFill>
+        <p:spPr>
+          <a:xfrm>
+            <a:off x="1439345" y="3856324"/>
+            <a:ext cx="720000" cy="720000"/>
+          </a:xfrm>
+          <a:prstGeom prst="rect">
+            <a:avLst/>
+          </a:prstGeom>
+        </p:spPr>
+      </p:pic>
+      <p:grpSp>
+        <p:nvGrpSpPr>
+          <p:cNvPr id="39" name="Gruppe 38">
+            <a:extLst>
+              <a:ext uri="{FF2B5EF4-FFF2-40B4-BE49-F238E27FC236}">
+                <a16:creationId xmlns:a16="http://schemas.microsoft.com/office/drawing/2014/main" id="{0AD762DE-1825-4FFF-964B-155052774467}"/>
+              </a:ext>
+            </a:extLst>
+          </p:cNvPr>
+          <p:cNvGrpSpPr/>
+          <p:nvPr/>
+        </p:nvGrpSpPr>
+        <p:grpSpPr>
+          <a:xfrm>
+            <a:off x="477520" y="4820816"/>
+            <a:ext cx="3701960" cy="777007"/>
+            <a:chOff x="1302340" y="4820816"/>
+            <a:chExt cx="2189480" cy="777007"/>
+          </a:xfrm>
+        </p:grpSpPr>
+        <p:sp>
+          <p:nvSpPr>
+            <p:cNvPr id="38" name="Rektangel: avrundede hjørner 37">
+              <a:extLst>
+                <a:ext uri="{FF2B5EF4-FFF2-40B4-BE49-F238E27FC236}">
+                  <a16:creationId xmlns:a16="http://schemas.microsoft.com/office/drawing/2014/main" id="{C4A5E419-04F4-45B6-B4F2-AFA2B34020AC}"/>
+                </a:ext>
+              </a:extLst>
+            </p:cNvPr>
+            <p:cNvSpPr/>
+            <p:nvPr/>
+          </p:nvSpPr>
+          <p:spPr>
+            <a:xfrm>
+              <a:off x="1302340" y="4820816"/>
+              <a:ext cx="2189480" cy="777007"/>
+            </a:xfrm>
+            <a:prstGeom prst="roundRect">
+              <a:avLst/>
+            </a:prstGeom>
+            <a:ln>
+              <a:noFill/>
+            </a:ln>
+          </p:spPr>
+          <p:style>
+            <a:lnRef idx="2">
+              <a:schemeClr val="accent1">
+                <a:shade val="50000"/>
+              </a:schemeClr>
+            </a:lnRef>
+            <a:fillRef idx="1">
+              <a:schemeClr val="accent1"/>
+            </a:fillRef>
+            <a:effectRef idx="0">
+              <a:schemeClr val="accent1"/>
+            </a:effectRef>
+            <a:fontRef idx="minor">
+              <a:schemeClr val="lt1"/>
+            </a:fontRef>
+          </p:style>
+          <p:txBody>
+            <a:bodyPr rtlCol="0" anchor="ctr"/>
+            <a:lstStyle/>
+            <a:p>
+              <a:pPr algn="ctr"/>
+              <a:endParaRPr lang="nb-NO"/>
+            </a:p>
+          </p:txBody>
+        </p:sp>
+        <p:sp>
+          <p:nvSpPr>
+            <p:cNvPr id="37" name="TekstSylinder 36">
+              <a:extLst>
+                <a:ext uri="{FF2B5EF4-FFF2-40B4-BE49-F238E27FC236}">
+                  <a16:creationId xmlns:a16="http://schemas.microsoft.com/office/drawing/2014/main" id="{8DCA7A99-BE78-4053-85E6-6F7BDBC899DD}"/>
+                </a:ext>
+              </a:extLst>
+            </p:cNvPr>
+            <p:cNvSpPr txBox="1"/>
+            <p:nvPr/>
+          </p:nvSpPr>
+          <p:spPr>
+            <a:xfrm>
+              <a:off x="1449822" y="4942840"/>
+              <a:ext cx="1867418" cy="461665"/>
+            </a:xfrm>
+            <a:prstGeom prst="rect">
+              <a:avLst/>
+            </a:prstGeom>
+            <a:solidFill>
+              <a:schemeClr val="accent1"/>
+            </a:solidFill>
+          </p:spPr>
+          <p:txBody>
+            <a:bodyPr wrap="square" rtlCol="0">
+              <a:spAutoFit/>
+            </a:bodyPr>
+            <a:lstStyle/>
+            <a:p>
+              <a:pPr algn="ctr"/>
+              <a:r>
+                <a:rPr lang="nb-NO" sz="2400" b="1" dirty="0">
+                  <a:solidFill>
+                    <a:schemeClr val="bg1"/>
+                  </a:solidFill>
+                  <a:latin typeface="Gulim" panose="020B0600000101010101" pitchFamily="34" charset="-127"/>
+                  <a:ea typeface="Gulim" panose="020B0600000101010101" pitchFamily="34" charset="-127"/>
+                </a:rPr>
+                <a:t>Book </a:t>
+              </a:r>
+              <a:r>
+                <a:rPr lang="nb-NO" sz="2400" b="1" dirty="0" err="1">
+                  <a:solidFill>
+                    <a:schemeClr val="bg1"/>
+                  </a:solidFill>
+                  <a:latin typeface="Gulim" panose="020B0600000101010101" pitchFamily="34" charset="-127"/>
+                  <a:ea typeface="Gulim" panose="020B0600000101010101" pitchFamily="34" charset="-127"/>
+                </a:rPr>
+                <a:t>room</a:t>
+              </a:r>
+              <a:r>
+                <a:rPr lang="nb-NO" sz="2400" b="1" dirty="0">
+                  <a:solidFill>
+                    <a:schemeClr val="bg1"/>
+                  </a:solidFill>
+                  <a:latin typeface="Gulim" panose="020B0600000101010101" pitchFamily="34" charset="-127"/>
+                  <a:ea typeface="Gulim" panose="020B0600000101010101" pitchFamily="34" charset="-127"/>
+                </a:rPr>
+                <a:t>!</a:t>
+              </a:r>
+            </a:p>
+          </p:txBody>
+        </p:sp>
+      </p:grpSp>
     </p:spTree>
     <p:extLst>
       <p:ext uri="{BB962C8B-B14F-4D97-AF65-F5344CB8AC3E}">
-        <p14:creationId xmlns:p14="http://schemas.microsoft.com/office/powerpoint/2010/main" val="1049728113"/>
+        <p14:creationId xmlns:p14="http://schemas.microsoft.com/office/powerpoint/2010/main" val="1148400856"/>
       </p:ext>
     </p:extLst>
   </p:cSld>
   <p:clrMapOvr>
     <a:masterClrMapping/>
   </p:clrMapOvr>
+  <p:timing>
+    <p:tnLst>
+      <p:par>
+        <p:cTn id="1" dur="indefinite" restart="never" nodeType="tmRoot">
+          <p:childTnLst>
+            <p:seq concurrent="1" nextAc="seek">
+              <p:cTn id="2" dur="indefinite" nodeType="mainSeq">
+                <p:childTnLst>
+                  <p:par>
+                    <p:cTn id="3" fill="hold">
+                      <p:stCondLst>
+                        <p:cond delay="indefinite"/>
+                      </p:stCondLst>
+                      <p:childTnLst>
+                        <p:par>
+                          <p:cTn id="4" fill="hold">
+                            <p:stCondLst>
+                              <p:cond delay="0"/>
+                            </p:stCondLst>
+                            <p:childTnLst>
+                              <p:par>
+                                <p:cTn id="5" presetID="10" presetClass="entr" presetSubtype="0" fill="hold" nodeType="clickEffect">
+                                  <p:stCondLst>
+                                    <p:cond delay="0"/>
+                                  </p:stCondLst>
+                                  <p:childTnLst>
+                                    <p:set>
+                                      <p:cBhvr>
+                                        <p:cTn id="6" dur="1" fill="hold">
+                                          <p:stCondLst>
+                                            <p:cond delay="0"/>
+                                          </p:stCondLst>
+                                        </p:cTn>
+                                        <p:tgtEl>
+                                          <p:spTgt spid="9">
+                                            <p:txEl>
+                                              <p:pRg st="0" end="0"/>
+                                            </p:txEl>
+                                          </p:spTgt>
+                                        </p:tgtEl>
+                                        <p:attrNameLst>
+                                          <p:attrName>style.visibility</p:attrName>
+                                        </p:attrNameLst>
+                                      </p:cBhvr>
+                                      <p:to>
+                                        <p:strVal val="visible"/>
+                                      </p:to>
+                                    </p:set>
+                                    <p:animEffect transition="in" filter="fade">
+                                      <p:cBhvr>
+                                        <p:cTn id="7" dur="500"/>
+                                        <p:tgtEl>
+                                          <p:spTgt spid="9">
+                                            <p:txEl>
+                                              <p:pRg st="0" end="0"/>
+                                            </p:txEl>
+                                          </p:spTgt>
+                                        </p:tgtEl>
+                                      </p:cBhvr>
+                                    </p:animEffect>
+                                  </p:childTnLst>
+                                </p:cTn>
+                              </p:par>
+                              <p:par>
+                                <p:cTn id="8" presetID="1" presetClass="entr" presetSubtype="0" fill="hold" nodeType="withEffect">
+                                  <p:stCondLst>
+                                    <p:cond delay="0"/>
+                                  </p:stCondLst>
+                                  <p:childTnLst>
+                                    <p:set>
+                                      <p:cBhvr>
+                                        <p:cTn id="9" dur="1" fill="hold">
+                                          <p:stCondLst>
+                                            <p:cond delay="0"/>
+                                          </p:stCondLst>
+                                        </p:cTn>
+                                        <p:tgtEl>
+                                          <p:spTgt spid="23"/>
+                                        </p:tgtEl>
+                                        <p:attrNameLst>
+                                          <p:attrName>style.visibility</p:attrName>
+                                        </p:attrNameLst>
+                                      </p:cBhvr>
+                                      <p:to>
+                                        <p:strVal val="visible"/>
+                                      </p:to>
+                                    </p:set>
+                                  </p:childTnLst>
+                                </p:cTn>
+                              </p:par>
+                              <p:par>
+                                <p:cTn id="10" presetID="1" presetClass="entr" presetSubtype="0" fill="hold" nodeType="withEffect">
+                                  <p:stCondLst>
+                                    <p:cond delay="0"/>
+                                  </p:stCondLst>
+                                  <p:childTnLst>
+                                    <p:set>
+                                      <p:cBhvr>
+                                        <p:cTn id="11" dur="1" fill="hold">
+                                          <p:stCondLst>
+                                            <p:cond delay="0"/>
+                                          </p:stCondLst>
+                                        </p:cTn>
+                                        <p:tgtEl>
+                                          <p:spTgt spid="33"/>
+                                        </p:tgtEl>
+                                        <p:attrNameLst>
+                                          <p:attrName>style.visibility</p:attrName>
+                                        </p:attrNameLst>
+                                      </p:cBhvr>
+                                      <p:to>
+                                        <p:strVal val="visible"/>
+                                      </p:to>
+                                    </p:set>
+                                  </p:childTnLst>
+                                </p:cTn>
+                              </p:par>
+                              <p:par>
+                                <p:cTn id="12" presetID="1" presetClass="entr" presetSubtype="0" fill="hold" nodeType="withEffect">
+                                  <p:stCondLst>
+                                    <p:cond delay="0"/>
+                                  </p:stCondLst>
+                                  <p:childTnLst>
+                                    <p:set>
+                                      <p:cBhvr>
+                                        <p:cTn id="13" dur="1" fill="hold">
+                                          <p:stCondLst>
+                                            <p:cond delay="0"/>
+                                          </p:stCondLst>
+                                        </p:cTn>
+                                        <p:tgtEl>
+                                          <p:spTgt spid="31"/>
+                                        </p:tgtEl>
+                                        <p:attrNameLst>
+                                          <p:attrName>style.visibility</p:attrName>
+                                        </p:attrNameLst>
+                                      </p:cBhvr>
+                                      <p:to>
+                                        <p:strVal val="visible"/>
+                                      </p:to>
+                                    </p:set>
+                                  </p:childTnLst>
+                                </p:cTn>
+                              </p:par>
+                              <p:par>
+                                <p:cTn id="14" presetID="1" presetClass="entr" presetSubtype="0" fill="hold" nodeType="withEffect">
+                                  <p:stCondLst>
+                                    <p:cond delay="0"/>
+                                  </p:stCondLst>
+                                  <p:childTnLst>
+                                    <p:set>
+                                      <p:cBhvr>
+                                        <p:cTn id="15" dur="1" fill="hold">
+                                          <p:stCondLst>
+                                            <p:cond delay="0"/>
+                                          </p:stCondLst>
+                                        </p:cTn>
+                                        <p:tgtEl>
+                                          <p:spTgt spid="25"/>
+                                        </p:tgtEl>
+                                        <p:attrNameLst>
+                                          <p:attrName>style.visibility</p:attrName>
+                                        </p:attrNameLst>
+                                      </p:cBhvr>
+                                      <p:to>
+                                        <p:strVal val="visible"/>
+                                      </p:to>
+                                    </p:set>
+                                  </p:childTnLst>
+                                </p:cTn>
+                              </p:par>
+                            </p:childTnLst>
+                          </p:cTn>
+                        </p:par>
+                        <p:par>
+                          <p:cTn id="16" fill="hold">
+                            <p:stCondLst>
+                              <p:cond delay="500"/>
+                            </p:stCondLst>
+                            <p:childTnLst>
+                              <p:par>
+                                <p:cTn id="17" presetID="10" presetClass="entr" presetSubtype="0" fill="hold" nodeType="afterEffect">
+                                  <p:stCondLst>
+                                    <p:cond delay="0"/>
+                                  </p:stCondLst>
+                                  <p:iterate type="lt">
+                                    <p:tmPct val="10000"/>
+                                  </p:iterate>
+                                  <p:childTnLst>
+                                    <p:set>
+                                      <p:cBhvr>
+                                        <p:cTn id="18" dur="1" fill="hold">
+                                          <p:stCondLst>
+                                            <p:cond delay="0"/>
+                                          </p:stCondLst>
+                                        </p:cTn>
+                                        <p:tgtEl>
+                                          <p:spTgt spid="9">
+                                            <p:txEl>
+                                              <p:pRg st="1" end="1"/>
+                                            </p:txEl>
+                                          </p:spTgt>
+                                        </p:tgtEl>
+                                        <p:attrNameLst>
+                                          <p:attrName>style.visibility</p:attrName>
+                                        </p:attrNameLst>
+                                      </p:cBhvr>
+                                      <p:to>
+                                        <p:strVal val="visible"/>
+                                      </p:to>
+                                    </p:set>
+                                    <p:animEffect transition="in" filter="fade">
+                                      <p:cBhvr>
+                                        <p:cTn id="19" dur="500"/>
+                                        <p:tgtEl>
+                                          <p:spTgt spid="9">
+                                            <p:txEl>
+                                              <p:pRg st="1" end="1"/>
+                                            </p:txEl>
+                                          </p:spTgt>
+                                        </p:tgtEl>
+                                      </p:cBhvr>
+                                    </p:animEffect>
+                                  </p:childTnLst>
+                                </p:cTn>
+                              </p:par>
+                              <p:par>
+                                <p:cTn id="20" presetID="1" presetClass="entr" presetSubtype="0" fill="hold" nodeType="withEffect">
+                                  <p:stCondLst>
+                                    <p:cond delay="0"/>
+                                  </p:stCondLst>
+                                  <p:childTnLst>
+                                    <p:set>
+                                      <p:cBhvr>
+                                        <p:cTn id="21" dur="1" fill="hold">
+                                          <p:stCondLst>
+                                            <p:cond delay="0"/>
+                                          </p:stCondLst>
+                                        </p:cTn>
+                                        <p:tgtEl>
+                                          <p:spTgt spid="12"/>
+                                        </p:tgtEl>
+                                        <p:attrNameLst>
+                                          <p:attrName>style.visibility</p:attrName>
+                                        </p:attrNameLst>
+                                      </p:cBhvr>
+                                      <p:to>
+                                        <p:strVal val="visible"/>
+                                      </p:to>
+                                    </p:set>
+                                  </p:childTnLst>
+                                </p:cTn>
+                              </p:par>
+                              <p:par>
+                                <p:cTn id="22" presetID="1" presetClass="entr" presetSubtype="0" fill="hold" nodeType="withEffect">
+                                  <p:stCondLst>
+                                    <p:cond delay="0"/>
+                                  </p:stCondLst>
+                                  <p:childTnLst>
+                                    <p:set>
+                                      <p:cBhvr>
+                                        <p:cTn id="23" dur="1" fill="hold">
+                                          <p:stCondLst>
+                                            <p:cond delay="0"/>
+                                          </p:stCondLst>
+                                        </p:cTn>
+                                        <p:tgtEl>
+                                          <p:spTgt spid="16"/>
+                                        </p:tgtEl>
+                                        <p:attrNameLst>
+                                          <p:attrName>style.visibility</p:attrName>
+                                        </p:attrNameLst>
+                                      </p:cBhvr>
+                                      <p:to>
+                                        <p:strVal val="visible"/>
+                                      </p:to>
+                                    </p:set>
+                                  </p:childTnLst>
+                                </p:cTn>
+                              </p:par>
+                              <p:par>
+                                <p:cTn id="24" presetID="1" presetClass="entr" presetSubtype="0" fill="hold" nodeType="withEffect">
+                                  <p:stCondLst>
+                                    <p:cond delay="0"/>
+                                  </p:stCondLst>
+                                  <p:childTnLst>
+                                    <p:set>
+                                      <p:cBhvr>
+                                        <p:cTn id="25" dur="1" fill="hold">
+                                          <p:stCondLst>
+                                            <p:cond delay="0"/>
+                                          </p:stCondLst>
+                                        </p:cTn>
+                                        <p:tgtEl>
+                                          <p:spTgt spid="35"/>
+                                        </p:tgtEl>
+                                        <p:attrNameLst>
+                                          <p:attrName>style.visibility</p:attrName>
+                                        </p:attrNameLst>
+                                      </p:cBhvr>
+                                      <p:to>
+                                        <p:strVal val="visible"/>
+                                      </p:to>
+                                    </p:set>
+                                  </p:childTnLst>
+                                </p:cTn>
+                              </p:par>
+                            </p:childTnLst>
+                          </p:cTn>
+                        </p:par>
+                        <p:par>
+                          <p:cTn id="26" fill="hold">
+                            <p:stCondLst>
+                              <p:cond delay="1800"/>
+                            </p:stCondLst>
+                            <p:childTnLst>
+                              <p:par>
+                                <p:cTn id="27" presetID="10" presetClass="entr" presetSubtype="0" fill="hold" nodeType="afterEffect">
+                                  <p:stCondLst>
+                                    <p:cond delay="0"/>
+                                  </p:stCondLst>
+                                  <p:iterate type="lt">
+                                    <p:tmPct val="10000"/>
+                                  </p:iterate>
+                                  <p:childTnLst>
+                                    <p:set>
+                                      <p:cBhvr>
+                                        <p:cTn id="28" dur="1" fill="hold">
+                                          <p:stCondLst>
+                                            <p:cond delay="0"/>
+                                          </p:stCondLst>
+                                        </p:cTn>
+                                        <p:tgtEl>
+                                          <p:spTgt spid="9">
+                                            <p:txEl>
+                                              <p:pRg st="2" end="2"/>
+                                            </p:txEl>
+                                          </p:spTgt>
+                                        </p:tgtEl>
+                                        <p:attrNameLst>
+                                          <p:attrName>style.visibility</p:attrName>
+                                        </p:attrNameLst>
+                                      </p:cBhvr>
+                                      <p:to>
+                                        <p:strVal val="visible"/>
+                                      </p:to>
+                                    </p:set>
+                                    <p:animEffect transition="in" filter="fade">
+                                      <p:cBhvr>
+                                        <p:cTn id="29" dur="500"/>
+                                        <p:tgtEl>
+                                          <p:spTgt spid="9">
+                                            <p:txEl>
+                                              <p:pRg st="2" end="2"/>
+                                            </p:txEl>
+                                          </p:spTgt>
+                                        </p:tgtEl>
+                                      </p:cBhvr>
+                                    </p:animEffect>
+                                  </p:childTnLst>
+                                </p:cTn>
+                              </p:par>
+                              <p:par>
+                                <p:cTn id="30" presetID="1" presetClass="entr" presetSubtype="0" fill="hold" nodeType="withEffect">
+                                  <p:stCondLst>
+                                    <p:cond delay="0"/>
+                                  </p:stCondLst>
+                                  <p:childTnLst>
+                                    <p:set>
+                                      <p:cBhvr>
+                                        <p:cTn id="31" dur="1" fill="hold">
+                                          <p:stCondLst>
+                                            <p:cond delay="0"/>
+                                          </p:stCondLst>
+                                        </p:cTn>
+                                        <p:tgtEl>
+                                          <p:spTgt spid="19"/>
+                                        </p:tgtEl>
+                                        <p:attrNameLst>
+                                          <p:attrName>style.visibility</p:attrName>
+                                        </p:attrNameLst>
+                                      </p:cBhvr>
+                                      <p:to>
+                                        <p:strVal val="visible"/>
+                                      </p:to>
+                                    </p:set>
+                                  </p:childTnLst>
+                                </p:cTn>
+                              </p:par>
+                            </p:childTnLst>
+                          </p:cTn>
+                        </p:par>
+                        <p:par>
+                          <p:cTn id="32" fill="hold">
+                            <p:stCondLst>
+                              <p:cond delay="3400"/>
+                            </p:stCondLst>
+                            <p:childTnLst>
+                              <p:par>
+                                <p:cTn id="33" presetID="10" presetClass="entr" presetSubtype="0" fill="hold" nodeType="afterEffect">
+                                  <p:stCondLst>
+                                    <p:cond delay="0"/>
+                                  </p:stCondLst>
+                                  <p:iterate type="lt">
+                                    <p:tmPct val="10000"/>
+                                  </p:iterate>
+                                  <p:childTnLst>
+                                    <p:set>
+                                      <p:cBhvr>
+                                        <p:cTn id="34" dur="1" fill="hold">
+                                          <p:stCondLst>
+                                            <p:cond delay="0"/>
+                                          </p:stCondLst>
+                                        </p:cTn>
+                                        <p:tgtEl>
+                                          <p:spTgt spid="9">
+                                            <p:txEl>
+                                              <p:pRg st="3" end="3"/>
+                                            </p:txEl>
+                                          </p:spTgt>
+                                        </p:tgtEl>
+                                        <p:attrNameLst>
+                                          <p:attrName>style.visibility</p:attrName>
+                                        </p:attrNameLst>
+                                      </p:cBhvr>
+                                      <p:to>
+                                        <p:strVal val="visible"/>
+                                      </p:to>
+                                    </p:set>
+                                    <p:animEffect transition="in" filter="fade">
+                                      <p:cBhvr>
+                                        <p:cTn id="35" dur="500"/>
+                                        <p:tgtEl>
+                                          <p:spTgt spid="9">
+                                            <p:txEl>
+                                              <p:pRg st="3" end="3"/>
+                                            </p:txEl>
+                                          </p:spTgt>
+                                        </p:tgtEl>
+                                      </p:cBhvr>
+                                    </p:animEffect>
+                                  </p:childTnLst>
+                                </p:cTn>
+                              </p:par>
+                              <p:par>
+                                <p:cTn id="36" presetID="1" presetClass="entr" presetSubtype="0" fill="hold" nodeType="withEffect">
+                                  <p:stCondLst>
+                                    <p:cond delay="0"/>
+                                  </p:stCondLst>
+                                  <p:childTnLst>
+                                    <p:set>
+                                      <p:cBhvr>
+                                        <p:cTn id="37" dur="1" fill="hold">
+                                          <p:stCondLst>
+                                            <p:cond delay="0"/>
+                                          </p:stCondLst>
+                                        </p:cTn>
+                                        <p:tgtEl>
+                                          <p:spTgt spid="29"/>
+                                        </p:tgtEl>
+                                        <p:attrNameLst>
+                                          <p:attrName>style.visibility</p:attrName>
+                                        </p:attrNameLst>
+                                      </p:cBhvr>
+                                      <p:to>
+                                        <p:strVal val="visible"/>
+                                      </p:to>
+                                    </p:set>
+                                  </p:childTnLst>
+                                </p:cTn>
+                              </p:par>
+                              <p:par>
+                                <p:cTn id="38" presetID="1" presetClass="entr" presetSubtype="0" fill="hold" nodeType="withEffect">
+                                  <p:stCondLst>
+                                    <p:cond delay="0"/>
+                                  </p:stCondLst>
+                                  <p:childTnLst>
+                                    <p:set>
+                                      <p:cBhvr>
+                                        <p:cTn id="39" dur="1" fill="hold">
+                                          <p:stCondLst>
+                                            <p:cond delay="0"/>
+                                          </p:stCondLst>
+                                        </p:cTn>
+                                        <p:tgtEl>
+                                          <p:spTgt spid="27"/>
+                                        </p:tgtEl>
+                                        <p:attrNameLst>
+                                          <p:attrName>style.visibility</p:attrName>
+                                        </p:attrNameLst>
+                                      </p:cBhvr>
+                                      <p:to>
+                                        <p:strVal val="visible"/>
+                                      </p:to>
+                                    </p:set>
+                                  </p:childTnLst>
+                                </p:cTn>
+                              </p:par>
+                              <p:par>
+                                <p:cTn id="40" presetID="1" presetClass="entr" presetSubtype="0" fill="hold" nodeType="withEffect">
+                                  <p:stCondLst>
+                                    <p:cond delay="0"/>
+                                  </p:stCondLst>
+                                  <p:childTnLst>
+                                    <p:set>
+                                      <p:cBhvr>
+                                        <p:cTn id="41" dur="1" fill="hold">
+                                          <p:stCondLst>
+                                            <p:cond delay="0"/>
+                                          </p:stCondLst>
+                                        </p:cTn>
+                                        <p:tgtEl>
+                                          <p:spTgt spid="21"/>
+                                        </p:tgtEl>
+                                        <p:attrNameLst>
+                                          <p:attrName>style.visibility</p:attrName>
+                                        </p:attrNameLst>
+                                      </p:cBhvr>
+                                      <p:to>
+                                        <p:strVal val="visible"/>
+                                      </p:to>
+                                    </p:set>
+                                  </p:childTnLst>
+                                </p:cTn>
+                              </p:par>
+                            </p:childTnLst>
+                          </p:cTn>
+                        </p:par>
+                        <p:par>
+                          <p:cTn id="42" fill="hold">
+                            <p:stCondLst>
+                              <p:cond delay="4450"/>
+                            </p:stCondLst>
+                            <p:childTnLst>
+                              <p:par>
+                                <p:cTn id="43" presetID="10" presetClass="entr" presetSubtype="0" fill="hold" nodeType="afterEffect">
+                                  <p:stCondLst>
+                                    <p:cond delay="0"/>
+                                  </p:stCondLst>
+                                  <p:iterate type="lt">
+                                    <p:tmPct val="10000"/>
+                                  </p:iterate>
+                                  <p:childTnLst>
+                                    <p:set>
+                                      <p:cBhvr>
+                                        <p:cTn id="44" dur="1" fill="hold">
+                                          <p:stCondLst>
+                                            <p:cond delay="0"/>
+                                          </p:stCondLst>
+                                        </p:cTn>
+                                        <p:tgtEl>
+                                          <p:spTgt spid="9">
+                                            <p:txEl>
+                                              <p:pRg st="4" end="4"/>
+                                            </p:txEl>
+                                          </p:spTgt>
+                                        </p:tgtEl>
+                                        <p:attrNameLst>
+                                          <p:attrName>style.visibility</p:attrName>
+                                        </p:attrNameLst>
+                                      </p:cBhvr>
+                                      <p:to>
+                                        <p:strVal val="visible"/>
+                                      </p:to>
+                                    </p:set>
+                                    <p:animEffect transition="in" filter="fade">
+                                      <p:cBhvr>
+                                        <p:cTn id="45" dur="500"/>
+                                        <p:tgtEl>
+                                          <p:spTgt spid="9">
+                                            <p:txEl>
+                                              <p:pRg st="4" end="4"/>
+                                            </p:txEl>
+                                          </p:spTgt>
+                                        </p:tgtEl>
+                                      </p:cBhvr>
+                                    </p:animEffect>
+                                  </p:childTnLst>
+                                </p:cTn>
+                              </p:par>
+                            </p:childTnLst>
+                          </p:cTn>
+                        </p:par>
+                        <p:par>
+                          <p:cTn id="46" fill="hold">
+                            <p:stCondLst>
+                              <p:cond delay="5650"/>
+                            </p:stCondLst>
+                            <p:childTnLst>
+                              <p:par>
+                                <p:cTn id="47" presetID="42" presetClass="entr" presetSubtype="0" fill="hold" nodeType="afterEffect">
+                                  <p:stCondLst>
+                                    <p:cond delay="0"/>
+                                  </p:stCondLst>
+                                  <p:childTnLst>
+                                    <p:set>
+                                      <p:cBhvr>
+                                        <p:cTn id="48" dur="1" fill="hold">
+                                          <p:stCondLst>
+                                            <p:cond delay="0"/>
+                                          </p:stCondLst>
+                                        </p:cTn>
+                                        <p:tgtEl>
+                                          <p:spTgt spid="39"/>
+                                        </p:tgtEl>
+                                        <p:attrNameLst>
+                                          <p:attrName>style.visibility</p:attrName>
+                                        </p:attrNameLst>
+                                      </p:cBhvr>
+                                      <p:to>
+                                        <p:strVal val="visible"/>
+                                      </p:to>
+                                    </p:set>
+                                    <p:animEffect transition="in" filter="fade">
+                                      <p:cBhvr>
+                                        <p:cTn id="49" dur="1000"/>
+                                        <p:tgtEl>
+                                          <p:spTgt spid="39"/>
+                                        </p:tgtEl>
+                                      </p:cBhvr>
+                                    </p:animEffect>
+                                    <p:anim calcmode="lin" valueType="num">
+                                      <p:cBhvr>
+                                        <p:cTn id="50" dur="1000" fill="hold"/>
+                                        <p:tgtEl>
+                                          <p:spTgt spid="39"/>
+                                        </p:tgtEl>
+                                        <p:attrNameLst>
+                                          <p:attrName>ppt_x</p:attrName>
+                                        </p:attrNameLst>
+                                      </p:cBhvr>
+                                      <p:tavLst>
+                                        <p:tav tm="0">
+                                          <p:val>
+                                            <p:strVal val="#ppt_x"/>
+                                          </p:val>
+                                        </p:tav>
+                                        <p:tav tm="100000">
+                                          <p:val>
+                                            <p:strVal val="#ppt_x"/>
+                                          </p:val>
+                                        </p:tav>
+                                      </p:tavLst>
+                                    </p:anim>
+                                    <p:anim calcmode="lin" valueType="num">
+                                      <p:cBhvr>
+                                        <p:cTn id="51" dur="1000" fill="hold"/>
+                                        <p:tgtEl>
+                                          <p:spTgt spid="39"/>
+                                        </p:tgtEl>
+                                        <p:attrNameLst>
+                                          <p:attrName>ppt_y</p:attrName>
+                                        </p:attrNameLst>
+                                      </p:cBhvr>
+                                      <p:tavLst>
+                                        <p:tav tm="0">
+                                          <p:val>
+                                            <p:strVal val="#ppt_y+.1"/>
+                                          </p:val>
+                                        </p:tav>
+                                        <p:tav tm="100000">
+                                          <p:val>
+                                            <p:strVal val="#ppt_y"/>
+                                          </p:val>
+                                        </p:tav>
+                                      </p:tavLst>
+                                    </p:anim>
+                                  </p:childTnLst>
+                                </p:cTn>
+                              </p:par>
+                            </p:childTnLst>
+                          </p:cTn>
+                        </p:par>
+                        <p:par>
+                          <p:cTn id="52" fill="hold">
+                            <p:stCondLst>
+                              <p:cond delay="6650"/>
+                            </p:stCondLst>
+                            <p:childTnLst>
+                              <p:par>
+                                <p:cTn id="53" presetID="32" presetClass="emph" presetSubtype="0" fill="hold" nodeType="afterEffect">
+                                  <p:stCondLst>
+                                    <p:cond delay="0"/>
+                                  </p:stCondLst>
+                                  <p:childTnLst>
+                                    <p:animRot by="120000">
+                                      <p:cBhvr>
+                                        <p:cTn id="54" dur="100" fill="hold">
+                                          <p:stCondLst>
+                                            <p:cond delay="0"/>
+                                          </p:stCondLst>
+                                        </p:cTn>
+                                        <p:tgtEl>
+                                          <p:spTgt spid="39"/>
+                                        </p:tgtEl>
+                                        <p:attrNameLst>
+                                          <p:attrName>r</p:attrName>
+                                        </p:attrNameLst>
+                                      </p:cBhvr>
+                                    </p:animRot>
+                                    <p:animRot by="-240000">
+                                      <p:cBhvr>
+                                        <p:cTn id="55" dur="200" fill="hold">
+                                          <p:stCondLst>
+                                            <p:cond delay="200"/>
+                                          </p:stCondLst>
+                                        </p:cTn>
+                                        <p:tgtEl>
+                                          <p:spTgt spid="39"/>
+                                        </p:tgtEl>
+                                        <p:attrNameLst>
+                                          <p:attrName>r</p:attrName>
+                                        </p:attrNameLst>
+                                      </p:cBhvr>
+                                    </p:animRot>
+                                    <p:animRot by="240000">
+                                      <p:cBhvr>
+                                        <p:cTn id="56" dur="200" fill="hold">
+                                          <p:stCondLst>
+                                            <p:cond delay="400"/>
+                                          </p:stCondLst>
+                                        </p:cTn>
+                                        <p:tgtEl>
+                                          <p:spTgt spid="39"/>
+                                        </p:tgtEl>
+                                        <p:attrNameLst>
+                                          <p:attrName>r</p:attrName>
+                                        </p:attrNameLst>
+                                      </p:cBhvr>
+                                    </p:animRot>
+                                    <p:animRot by="-240000">
+                                      <p:cBhvr>
+                                        <p:cTn id="57" dur="200" fill="hold">
+                                          <p:stCondLst>
+                                            <p:cond delay="600"/>
+                                          </p:stCondLst>
+                                        </p:cTn>
+                                        <p:tgtEl>
+                                          <p:spTgt spid="39"/>
+                                        </p:tgtEl>
+                                        <p:attrNameLst>
+                                          <p:attrName>r</p:attrName>
+                                        </p:attrNameLst>
+                                      </p:cBhvr>
+                                    </p:animRot>
+                                    <p:animRot by="120000">
+                                      <p:cBhvr>
+                                        <p:cTn id="58" dur="200" fill="hold">
+                                          <p:stCondLst>
+                                            <p:cond delay="800"/>
+                                          </p:stCondLst>
+                                        </p:cTn>
+                                        <p:tgtEl>
+                                          <p:spTgt spid="39"/>
+                                        </p:tgtEl>
+                                        <p:attrNameLst>
+                                          <p:attrName>r</p:attrName>
+                                        </p:attrNameLst>
+                                      </p:cBhvr>
+                                    </p:animRot>
+                                  </p:childTnLst>
+                                </p:cTn>
+                              </p:par>
+                            </p:childTnLst>
+                          </p:cTn>
+                        </p:par>
+                      </p:childTnLst>
+                    </p:cTn>
+                  </p:par>
+                </p:childTnLst>
+              </p:cTn>
+              <p:prevCondLst>
+                <p:cond evt="onPrev" delay="0">
+                  <p:tgtEl>
+                    <p:sldTgt/>
+                  </p:tgtEl>
+                </p:cond>
+              </p:prevCondLst>
+              <p:nextCondLst>
+                <p:cond evt="onNext" delay="0">
+                  <p:tgtEl>
+                    <p:sldTgt/>
+                  </p:tgtEl>
+                </p:cond>
+              </p:nextCondLst>
+            </p:seq>
+          </p:childTnLst>
+        </p:cTn>
+      </p:par>
+    </p:tnLst>
+  </p:timing>
 </p:sld>
 </file>
 
@@ -10649,7 +13281,7 @@
           <p:cNvPr id="2" name="Tittel 1">
             <a:extLst>
               <a:ext uri="{FF2B5EF4-FFF2-40B4-BE49-F238E27FC236}">
-                <a16:creationId xmlns:a16="http://schemas.microsoft.com/office/drawing/2014/main" id="{C78ED1EE-AB36-48AD-B496-FC32A1A31D24}"/>
+                <a16:creationId xmlns:a16="http://schemas.microsoft.com/office/drawing/2014/main" id="{EEFD7CE7-FFFC-4D83-B3A0-EE0E01CC205C}"/>
               </a:ext>
             </a:extLst>
           </p:cNvPr>
@@ -10667,17 +13299,17 @@
           <a:p>
             <a:r>
               <a:rPr lang="nb-NO" dirty="0"/>
-              <a:t>Oslo kommune</a:t>
+              <a:t>Gode hjelpere</a:t>
             </a:r>
           </a:p>
         </p:txBody>
       </p:sp>
       <p:sp>
         <p:nvSpPr>
-          <p:cNvPr id="3" name="Plassholder for innhold 2">
+          <p:cNvPr id="3" name="Plassholder for tekst 2">
             <a:extLst>
               <a:ext uri="{FF2B5EF4-FFF2-40B4-BE49-F238E27FC236}">
-                <a16:creationId xmlns:a16="http://schemas.microsoft.com/office/drawing/2014/main" id="{C2EEFB49-CE81-48E8-AFC1-77B8ACA2A89A}"/>
+                <a16:creationId xmlns:a16="http://schemas.microsoft.com/office/drawing/2014/main" id="{18FE8D3C-D152-401A-B4AE-D2AB29712382}"/>
               </a:ext>
             </a:extLst>
           </p:cNvPr>
@@ -10685,7 +13317,7 @@
             <a:spLocks noGrp="1"/>
           </p:cNvSpPr>
           <p:nvPr>
-            <p:ph idx="1"/>
+            <p:ph type="body" idx="1"/>
           </p:nvPr>
         </p:nvSpPr>
         <p:spPr/>
@@ -10693,27 +13325,6 @@
           <a:bodyPr/>
           <a:lstStyle/>
           <a:p>
-            <a:pPr marL="0" indent="0">
-              <a:buNone/>
-            </a:pPr>
-            <a:r>
-              <a:rPr lang="nb-NO" dirty="0"/>
-              <a:t>Oslo kommune eier og leier ut en stor bygningsmasse</a:t>
-            </a:r>
-          </a:p>
-          <a:p>
-            <a:pPr marL="0" indent="0">
-              <a:buNone/>
-            </a:pPr>
-            <a:r>
-              <a:rPr lang="nb-NO" dirty="0"/>
-              <a:t>Oslo nøkkelen</a:t>
-            </a:r>
-          </a:p>
-          <a:p>
-            <a:pPr marL="0" indent="0">
-              <a:buNone/>
-            </a:pPr>
             <a:endParaRPr lang="nb-NO" dirty="0"/>
           </a:p>
         </p:txBody>
@@ -10721,7 +13332,7 @@
     </p:spTree>
     <p:extLst>
       <p:ext uri="{BB962C8B-B14F-4D97-AF65-F5344CB8AC3E}">
-        <p14:creationId xmlns:p14="http://schemas.microsoft.com/office/powerpoint/2010/main" val="3203356844"/>
+        <p14:creationId xmlns:p14="http://schemas.microsoft.com/office/powerpoint/2010/main" val="1341121556"/>
       </p:ext>
     </p:extLst>
   </p:cSld>
@@ -10753,7 +13364,7 @@
           <p:cNvPr id="2" name="Tittel 1">
             <a:extLst>
               <a:ext uri="{FF2B5EF4-FFF2-40B4-BE49-F238E27FC236}">
-                <a16:creationId xmlns:a16="http://schemas.microsoft.com/office/drawing/2014/main" id="{E5F03600-ED77-4D1C-9347-5E2D76C4B060}"/>
+                <a16:creationId xmlns:a16="http://schemas.microsoft.com/office/drawing/2014/main" id="{AB668E5A-5AD9-4C09-B018-57C4694457A9}"/>
               </a:ext>
             </a:extLst>
           </p:cNvPr>
@@ -10770,18 +13381,19 @@
           <a:lstStyle/>
           <a:p>
             <a:r>
-              <a:rPr lang="nb-NO" dirty="0"/>
-              <a:t>Delingsøkonomi</a:t>
-            </a:r>
+              <a:rPr lang="nb-NO" dirty="0" err="1"/>
+              <a:t>Entur</a:t>
+            </a:r>
+            <a:endParaRPr lang="nb-NO" dirty="0"/>
           </a:p>
         </p:txBody>
       </p:sp>
       <p:sp>
         <p:nvSpPr>
-          <p:cNvPr id="3" name="Plassholder for tekst 2">
+          <p:cNvPr id="3" name="Plassholder for innhold 2">
             <a:extLst>
               <a:ext uri="{FF2B5EF4-FFF2-40B4-BE49-F238E27FC236}">
-                <a16:creationId xmlns:a16="http://schemas.microsoft.com/office/drawing/2014/main" id="{B6D02213-B988-4F4A-8002-54D6CEF53ED3}"/>
+                <a16:creationId xmlns:a16="http://schemas.microsoft.com/office/drawing/2014/main" id="{ABA101DC-1C42-4F92-B5E5-AF54DA1DD4F2}"/>
               </a:ext>
             </a:extLst>
           </p:cNvPr>
@@ -10789,7 +13401,7 @@
             <a:spLocks noGrp="1"/>
           </p:cNvSpPr>
           <p:nvPr>
-            <p:ph type="body" idx="1"/>
+            <p:ph idx="1"/>
           </p:nvPr>
         </p:nvSpPr>
         <p:spPr/>
@@ -10797,14 +13409,20 @@
           <a:bodyPr/>
           <a:lstStyle/>
           <a:p>
-            <a:endParaRPr lang="nb-NO"/>
+            <a:pPr marL="0" indent="0">
+              <a:buNone/>
+            </a:pPr>
+            <a:r>
+              <a:rPr lang="nb-NO" dirty="0"/>
+              <a:t>Visning av transportmidler og rute for å fremme kollektivtransport til lokaler, herunder bysykkel, bybiler eller til fots</a:t>
+            </a:r>
           </a:p>
         </p:txBody>
       </p:sp>
     </p:spTree>
     <p:extLst>
       <p:ext uri="{BB962C8B-B14F-4D97-AF65-F5344CB8AC3E}">
-        <p14:creationId xmlns:p14="http://schemas.microsoft.com/office/powerpoint/2010/main" val="2826341399"/>
+        <p14:creationId xmlns:p14="http://schemas.microsoft.com/office/powerpoint/2010/main" val="623913316"/>
       </p:ext>
     </p:extLst>
   </p:cSld>
@@ -10836,7 +13454,7 @@
           <p:cNvPr id="2" name="Tittel 1">
             <a:extLst>
               <a:ext uri="{FF2B5EF4-FFF2-40B4-BE49-F238E27FC236}">
-                <a16:creationId xmlns:a16="http://schemas.microsoft.com/office/drawing/2014/main" id="{CDDC7325-15A6-4A2A-AC84-9440D7BF2A42}"/>
+                <a16:creationId xmlns:a16="http://schemas.microsoft.com/office/drawing/2014/main" id="{7A10E5B0-231D-4E8E-AF86-A0252DFB313B}"/>
               </a:ext>
             </a:extLst>
           </p:cNvPr>
@@ -10854,7 +13472,7 @@
           <a:p>
             <a:r>
               <a:rPr lang="nb-NO" dirty="0"/>
-              <a:t>$$$$</a:t>
+              <a:t>DNT</a:t>
             </a:r>
           </a:p>
         </p:txBody>
@@ -10864,7 +13482,7 @@
           <p:cNvPr id="3" name="Plassholder for innhold 2">
             <a:extLst>
               <a:ext uri="{FF2B5EF4-FFF2-40B4-BE49-F238E27FC236}">
-                <a16:creationId xmlns:a16="http://schemas.microsoft.com/office/drawing/2014/main" id="{EAC31E64-E92A-4FA3-8C40-B5B8A8BE7AFF}"/>
+                <a16:creationId xmlns:a16="http://schemas.microsoft.com/office/drawing/2014/main" id="{97516ABD-A58F-488E-B8E7-0A78BFBCE93F}"/>
               </a:ext>
             </a:extLst>
           </p:cNvPr>
@@ -10880,62 +13498,18 @@
           <a:bodyPr/>
           <a:lstStyle/>
           <a:p>
+            <a:pPr marL="0" indent="0">
+              <a:buNone/>
+            </a:pPr>
             <a:r>
               <a:rPr lang="nb-NO" dirty="0"/>
-              <a:t>Utleiere kan utnytte arealer bedre i et 24/7 perspektiv</a:t>
-            </a:r>
-          </a:p>
-          <a:p>
-            <a:pPr lvl="1"/>
-            <a:r>
-              <a:rPr lang="nb-NO" dirty="0"/>
-              <a:t>Flere leietakere gir flere leieinntekter</a:t>
-            </a:r>
-          </a:p>
-          <a:p>
-            <a:pPr lvl="1"/>
-            <a:r>
-              <a:rPr lang="nb-NO" dirty="0"/>
-              <a:t>Flere leietakere </a:t>
-            </a:r>
-            <a:r>
-              <a:rPr lang="nb-NO" dirty="0" err="1"/>
-              <a:t>pga</a:t>
-            </a:r>
-            <a:r>
-              <a:rPr lang="nb-NO" dirty="0"/>
-              <a:t> lavere leieutgifter</a:t>
-            </a:r>
-          </a:p>
-          <a:p>
-            <a:r>
-              <a:rPr lang="nb-NO" dirty="0"/>
-              <a:t>Leietakere kan betale for faktisk behov</a:t>
-            </a:r>
-          </a:p>
-          <a:p>
-            <a:pPr lvl="1"/>
-            <a:r>
-              <a:rPr lang="nb-NO" dirty="0"/>
-              <a:t>Lettere å vokse</a:t>
-            </a:r>
-          </a:p>
-          <a:p>
-            <a:pPr lvl="1"/>
-            <a:r>
-              <a:rPr lang="nb-NO" dirty="0"/>
-              <a:t>Lettere å jobbe</a:t>
-            </a:r>
-          </a:p>
-          <a:p>
-            <a:pPr lvl="1"/>
-            <a:r>
-              <a:rPr lang="nb-NO" dirty="0"/>
-              <a:t>Mulighet for å få nye kontakter, nettverk </a:t>
-            </a:r>
-            <a:r>
-              <a:rPr lang="nb-NO" dirty="0" err="1"/>
-              <a:t>etc</a:t>
+              <a:t>Hytter til leie/låns. Samtidig som man fronter bruk av natur </a:t>
+            </a:r>
+            <a:r>
+              <a:rPr lang="nb-NO" dirty="0">
+                <a:sym typeface="Wingdings" panose="05000000000000000000" pitchFamily="2" charset="2"/>
+              </a:rPr>
+              <a:t> Bytur</a:t>
             </a:r>
             <a:endParaRPr lang="nb-NO" dirty="0"/>
           </a:p>
@@ -10944,7 +13518,7 @@
     </p:spTree>
     <p:extLst>
       <p:ext uri="{BB962C8B-B14F-4D97-AF65-F5344CB8AC3E}">
-        <p14:creationId xmlns:p14="http://schemas.microsoft.com/office/powerpoint/2010/main" val="2411089573"/>
+        <p14:creationId xmlns:p14="http://schemas.microsoft.com/office/powerpoint/2010/main" val="1049728113"/>
       </p:ext>
     </p:extLst>
   </p:cSld>
@@ -11658,6 +14232,333 @@
           <p:cNvPr id="2" name="Tittel 1">
             <a:extLst>
               <a:ext uri="{FF2B5EF4-FFF2-40B4-BE49-F238E27FC236}">
+                <a16:creationId xmlns:a16="http://schemas.microsoft.com/office/drawing/2014/main" id="{C78ED1EE-AB36-48AD-B496-FC32A1A31D24}"/>
+              </a:ext>
+            </a:extLst>
+          </p:cNvPr>
+          <p:cNvSpPr>
+            <a:spLocks noGrp="1"/>
+          </p:cNvSpPr>
+          <p:nvPr>
+            <p:ph type="title"/>
+          </p:nvPr>
+        </p:nvSpPr>
+        <p:spPr/>
+        <p:txBody>
+          <a:bodyPr/>
+          <a:lstStyle/>
+          <a:p>
+            <a:r>
+              <a:rPr lang="nb-NO" dirty="0"/>
+              <a:t>Oslo kommune</a:t>
+            </a:r>
+          </a:p>
+        </p:txBody>
+      </p:sp>
+      <p:sp>
+        <p:nvSpPr>
+          <p:cNvPr id="3" name="Plassholder for innhold 2">
+            <a:extLst>
+              <a:ext uri="{FF2B5EF4-FFF2-40B4-BE49-F238E27FC236}">
+                <a16:creationId xmlns:a16="http://schemas.microsoft.com/office/drawing/2014/main" id="{C2EEFB49-CE81-48E8-AFC1-77B8ACA2A89A}"/>
+              </a:ext>
+            </a:extLst>
+          </p:cNvPr>
+          <p:cNvSpPr>
+            <a:spLocks noGrp="1"/>
+          </p:cNvSpPr>
+          <p:nvPr>
+            <p:ph idx="1"/>
+          </p:nvPr>
+        </p:nvSpPr>
+        <p:spPr/>
+        <p:txBody>
+          <a:bodyPr/>
+          <a:lstStyle/>
+          <a:p>
+            <a:pPr marL="0" indent="0">
+              <a:buNone/>
+            </a:pPr>
+            <a:r>
+              <a:rPr lang="nb-NO" dirty="0"/>
+              <a:t>Oslo kommune eier og leier ut en stor bygningsmasse</a:t>
+            </a:r>
+          </a:p>
+          <a:p>
+            <a:pPr marL="0" indent="0">
+              <a:buNone/>
+            </a:pPr>
+            <a:r>
+              <a:rPr lang="nb-NO" dirty="0"/>
+              <a:t>Oslo nøkkelen</a:t>
+            </a:r>
+          </a:p>
+          <a:p>
+            <a:pPr marL="0" indent="0">
+              <a:buNone/>
+            </a:pPr>
+            <a:endParaRPr lang="nb-NO" dirty="0"/>
+          </a:p>
+        </p:txBody>
+      </p:sp>
+    </p:spTree>
+    <p:extLst>
+      <p:ext uri="{BB962C8B-B14F-4D97-AF65-F5344CB8AC3E}">
+        <p14:creationId xmlns:p14="http://schemas.microsoft.com/office/powerpoint/2010/main" val="3203356844"/>
+      </p:ext>
+    </p:extLst>
+  </p:cSld>
+  <p:clrMapOvr>
+    <a:masterClrMapping/>
+  </p:clrMapOvr>
+</p:sld>
+</file>
+
+<file path=ppt/slides/slide31.xml><?xml version="1.0" encoding="utf-8"?>
+<p:sld xmlns:a="http://schemas.openxmlformats.org/drawingml/2006/main" xmlns:r="http://schemas.openxmlformats.org/officeDocument/2006/relationships" xmlns:p="http://schemas.openxmlformats.org/presentationml/2006/main">
+  <p:cSld>
+    <p:spTree>
+      <p:nvGrpSpPr>
+        <p:cNvPr id="1" name=""/>
+        <p:cNvGrpSpPr/>
+        <p:nvPr/>
+      </p:nvGrpSpPr>
+      <p:grpSpPr>
+        <a:xfrm>
+          <a:off x="0" y="0"/>
+          <a:ext cx="0" cy="0"/>
+          <a:chOff x="0" y="0"/>
+          <a:chExt cx="0" cy="0"/>
+        </a:xfrm>
+      </p:grpSpPr>
+      <p:sp>
+        <p:nvSpPr>
+          <p:cNvPr id="2" name="Tittel 1">
+            <a:extLst>
+              <a:ext uri="{FF2B5EF4-FFF2-40B4-BE49-F238E27FC236}">
+                <a16:creationId xmlns:a16="http://schemas.microsoft.com/office/drawing/2014/main" id="{E5F03600-ED77-4D1C-9347-5E2D76C4B060}"/>
+              </a:ext>
+            </a:extLst>
+          </p:cNvPr>
+          <p:cNvSpPr>
+            <a:spLocks noGrp="1"/>
+          </p:cNvSpPr>
+          <p:nvPr>
+            <p:ph type="title"/>
+          </p:nvPr>
+        </p:nvSpPr>
+        <p:spPr/>
+        <p:txBody>
+          <a:bodyPr/>
+          <a:lstStyle/>
+          <a:p>
+            <a:r>
+              <a:rPr lang="nb-NO" dirty="0"/>
+              <a:t>Delingsøkonomi</a:t>
+            </a:r>
+          </a:p>
+        </p:txBody>
+      </p:sp>
+      <p:sp>
+        <p:nvSpPr>
+          <p:cNvPr id="3" name="Plassholder for tekst 2">
+            <a:extLst>
+              <a:ext uri="{FF2B5EF4-FFF2-40B4-BE49-F238E27FC236}">
+                <a16:creationId xmlns:a16="http://schemas.microsoft.com/office/drawing/2014/main" id="{B6D02213-B988-4F4A-8002-54D6CEF53ED3}"/>
+              </a:ext>
+            </a:extLst>
+          </p:cNvPr>
+          <p:cNvSpPr>
+            <a:spLocks noGrp="1"/>
+          </p:cNvSpPr>
+          <p:nvPr>
+            <p:ph type="body" idx="1"/>
+          </p:nvPr>
+        </p:nvSpPr>
+        <p:spPr/>
+        <p:txBody>
+          <a:bodyPr/>
+          <a:lstStyle/>
+          <a:p>
+            <a:endParaRPr lang="nb-NO"/>
+          </a:p>
+        </p:txBody>
+      </p:sp>
+    </p:spTree>
+    <p:extLst>
+      <p:ext uri="{BB962C8B-B14F-4D97-AF65-F5344CB8AC3E}">
+        <p14:creationId xmlns:p14="http://schemas.microsoft.com/office/powerpoint/2010/main" val="2826341399"/>
+      </p:ext>
+    </p:extLst>
+  </p:cSld>
+  <p:clrMapOvr>
+    <a:masterClrMapping/>
+  </p:clrMapOvr>
+</p:sld>
+</file>
+
+<file path=ppt/slides/slide32.xml><?xml version="1.0" encoding="utf-8"?>
+<p:sld xmlns:a="http://schemas.openxmlformats.org/drawingml/2006/main" xmlns:r="http://schemas.openxmlformats.org/officeDocument/2006/relationships" xmlns:p="http://schemas.openxmlformats.org/presentationml/2006/main">
+  <p:cSld>
+    <p:spTree>
+      <p:nvGrpSpPr>
+        <p:cNvPr id="1" name=""/>
+        <p:cNvGrpSpPr/>
+        <p:nvPr/>
+      </p:nvGrpSpPr>
+      <p:grpSpPr>
+        <a:xfrm>
+          <a:off x="0" y="0"/>
+          <a:ext cx="0" cy="0"/>
+          <a:chOff x="0" y="0"/>
+          <a:chExt cx="0" cy="0"/>
+        </a:xfrm>
+      </p:grpSpPr>
+      <p:sp>
+        <p:nvSpPr>
+          <p:cNvPr id="2" name="Tittel 1">
+            <a:extLst>
+              <a:ext uri="{FF2B5EF4-FFF2-40B4-BE49-F238E27FC236}">
+                <a16:creationId xmlns:a16="http://schemas.microsoft.com/office/drawing/2014/main" id="{CDDC7325-15A6-4A2A-AC84-9440D7BF2A42}"/>
+              </a:ext>
+            </a:extLst>
+          </p:cNvPr>
+          <p:cNvSpPr>
+            <a:spLocks noGrp="1"/>
+          </p:cNvSpPr>
+          <p:nvPr>
+            <p:ph type="title"/>
+          </p:nvPr>
+        </p:nvSpPr>
+        <p:spPr/>
+        <p:txBody>
+          <a:bodyPr/>
+          <a:lstStyle/>
+          <a:p>
+            <a:r>
+              <a:rPr lang="nb-NO" dirty="0"/>
+              <a:t>$$$$</a:t>
+            </a:r>
+          </a:p>
+        </p:txBody>
+      </p:sp>
+      <p:sp>
+        <p:nvSpPr>
+          <p:cNvPr id="3" name="Plassholder for innhold 2">
+            <a:extLst>
+              <a:ext uri="{FF2B5EF4-FFF2-40B4-BE49-F238E27FC236}">
+                <a16:creationId xmlns:a16="http://schemas.microsoft.com/office/drawing/2014/main" id="{EAC31E64-E92A-4FA3-8C40-B5B8A8BE7AFF}"/>
+              </a:ext>
+            </a:extLst>
+          </p:cNvPr>
+          <p:cNvSpPr>
+            <a:spLocks noGrp="1"/>
+          </p:cNvSpPr>
+          <p:nvPr>
+            <p:ph idx="1"/>
+          </p:nvPr>
+        </p:nvSpPr>
+        <p:spPr/>
+        <p:txBody>
+          <a:bodyPr/>
+          <a:lstStyle/>
+          <a:p>
+            <a:r>
+              <a:rPr lang="nb-NO" dirty="0"/>
+              <a:t>Utleiere kan utnytte arealer bedre i et 24/7 perspektiv</a:t>
+            </a:r>
+          </a:p>
+          <a:p>
+            <a:pPr lvl="1"/>
+            <a:r>
+              <a:rPr lang="nb-NO" dirty="0"/>
+              <a:t>Flere leietakere gir flere leieinntekter</a:t>
+            </a:r>
+          </a:p>
+          <a:p>
+            <a:pPr lvl="1"/>
+            <a:r>
+              <a:rPr lang="nb-NO" dirty="0"/>
+              <a:t>Flere leietakere </a:t>
+            </a:r>
+            <a:r>
+              <a:rPr lang="nb-NO" dirty="0" err="1"/>
+              <a:t>pga</a:t>
+            </a:r>
+            <a:r>
+              <a:rPr lang="nb-NO" dirty="0"/>
+              <a:t> lavere leieutgifter</a:t>
+            </a:r>
+          </a:p>
+          <a:p>
+            <a:r>
+              <a:rPr lang="nb-NO" dirty="0"/>
+              <a:t>Leietakere kan betale for faktisk behov</a:t>
+            </a:r>
+          </a:p>
+          <a:p>
+            <a:pPr lvl="1"/>
+            <a:r>
+              <a:rPr lang="nb-NO" dirty="0"/>
+              <a:t>Lettere å vokse</a:t>
+            </a:r>
+          </a:p>
+          <a:p>
+            <a:pPr lvl="1"/>
+            <a:r>
+              <a:rPr lang="nb-NO" dirty="0"/>
+              <a:t>Lettere å jobbe</a:t>
+            </a:r>
+          </a:p>
+          <a:p>
+            <a:pPr lvl="1"/>
+            <a:r>
+              <a:rPr lang="nb-NO" dirty="0"/>
+              <a:t>Mulighet for å få nye kontakter, nettverk </a:t>
+            </a:r>
+            <a:r>
+              <a:rPr lang="nb-NO" dirty="0" err="1"/>
+              <a:t>etc</a:t>
+            </a:r>
+            <a:endParaRPr lang="nb-NO" dirty="0"/>
+          </a:p>
+        </p:txBody>
+      </p:sp>
+    </p:spTree>
+    <p:extLst>
+      <p:ext uri="{BB962C8B-B14F-4D97-AF65-F5344CB8AC3E}">
+        <p14:creationId xmlns:p14="http://schemas.microsoft.com/office/powerpoint/2010/main" val="2411089573"/>
+      </p:ext>
+    </p:extLst>
+  </p:cSld>
+  <p:clrMapOvr>
+    <a:masterClrMapping/>
+  </p:clrMapOvr>
+</p:sld>
+</file>
+
+<file path=ppt/slides/slide33.xml><?xml version="1.0" encoding="utf-8"?>
+<p:sld xmlns:a="http://schemas.openxmlformats.org/drawingml/2006/main" xmlns:r="http://schemas.openxmlformats.org/officeDocument/2006/relationships" xmlns:p="http://schemas.openxmlformats.org/presentationml/2006/main">
+  <p:cSld>
+    <p:spTree>
+      <p:nvGrpSpPr>
+        <p:cNvPr id="1" name=""/>
+        <p:cNvGrpSpPr/>
+        <p:nvPr/>
+      </p:nvGrpSpPr>
+      <p:grpSpPr>
+        <a:xfrm>
+          <a:off x="0" y="0"/>
+          <a:ext cx="0" cy="0"/>
+          <a:chOff x="0" y="0"/>
+          <a:chExt cx="0" cy="0"/>
+        </a:xfrm>
+      </p:grpSpPr>
+      <p:sp>
+        <p:nvSpPr>
+          <p:cNvPr id="2" name="Tittel 1">
+            <a:extLst>
+              <a:ext uri="{FF2B5EF4-FFF2-40B4-BE49-F238E27FC236}">
                 <a16:creationId xmlns:a16="http://schemas.microsoft.com/office/drawing/2014/main" id="{44E6994D-B984-459D-90EC-B9B5EEF37300}"/>
               </a:ext>
             </a:extLst>
@@ -11722,7 +14623,7 @@
 </p:sld>
 </file>
 
-<file path=ppt/slides/slide31.xml><?xml version="1.0" encoding="utf-8"?>
+<file path=ppt/slides/slide34.xml><?xml version="1.0" encoding="utf-8"?>
 <p:sld xmlns:a="http://schemas.openxmlformats.org/drawingml/2006/main" xmlns:r="http://schemas.openxmlformats.org/officeDocument/2006/relationships" xmlns:p="http://schemas.openxmlformats.org/presentationml/2006/main">
   <p:cSld>
     <p:spTree>
@@ -11752,7 +14653,7 @@
 </p:sld>
 </file>
 
-<file path=ppt/slides/slide32.xml><?xml version="1.0" encoding="utf-8"?>
+<file path=ppt/slides/slide35.xml><?xml version="1.0" encoding="utf-8"?>
 <p:sld xmlns:a="http://schemas.openxmlformats.org/drawingml/2006/main" xmlns:r="http://schemas.openxmlformats.org/officeDocument/2006/relationships" xmlns:p="http://schemas.openxmlformats.org/presentationml/2006/main">
   <p:cSld>
     <p:spTree>
@@ -12818,7 +15719,7 @@
 </p:sld>
 </file>
 
-<file path=ppt/slides/slide33.xml><?xml version="1.0" encoding="utf-8"?>
+<file path=ppt/slides/slide36.xml><?xml version="1.0" encoding="utf-8"?>
 <p:sld xmlns:a="http://schemas.openxmlformats.org/drawingml/2006/main" xmlns:r="http://schemas.openxmlformats.org/officeDocument/2006/relationships" xmlns:p="http://schemas.openxmlformats.org/presentationml/2006/main">
   <p:cSld>
     <p:spTree>

--- a/doc/konsept/Fant-.pptx
+++ b/doc/konsept/Fant-.pptx
@@ -5,7 +5,7 @@
     <p:sldMasterId id="2147483708" r:id="rId1"/>
   </p:sldMasterIdLst>
   <p:notesMasterIdLst>
-    <p:notesMasterId r:id="rId38"/>
+    <p:notesMasterId r:id="rId41"/>
   </p:notesMasterIdLst>
   <p:sldIdLst>
     <p:sldId id="283" r:id="rId2"/>
@@ -23,27 +23,30 @@
     <p:sldId id="263" r:id="rId14"/>
     <p:sldId id="264" r:id="rId15"/>
     <p:sldId id="265" r:id="rId16"/>
-    <p:sldId id="266" r:id="rId17"/>
-    <p:sldId id="260" r:id="rId18"/>
-    <p:sldId id="267" r:id="rId19"/>
-    <p:sldId id="268" r:id="rId20"/>
-    <p:sldId id="269" r:id="rId21"/>
-    <p:sldId id="271" r:id="rId22"/>
-    <p:sldId id="273" r:id="rId23"/>
-    <p:sldId id="274" r:id="rId24"/>
-    <p:sldId id="291" r:id="rId25"/>
-    <p:sldId id="292" r:id="rId26"/>
-    <p:sldId id="293" r:id="rId27"/>
-    <p:sldId id="279" r:id="rId28"/>
-    <p:sldId id="280" r:id="rId29"/>
-    <p:sldId id="281" r:id="rId30"/>
-    <p:sldId id="282" r:id="rId31"/>
-    <p:sldId id="276" r:id="rId32"/>
-    <p:sldId id="277" r:id="rId33"/>
-    <p:sldId id="278" r:id="rId34"/>
-    <p:sldId id="275" r:id="rId35"/>
-    <p:sldId id="272" r:id="rId36"/>
-    <p:sldId id="270" r:id="rId37"/>
+    <p:sldId id="296" r:id="rId17"/>
+    <p:sldId id="266" r:id="rId18"/>
+    <p:sldId id="260" r:id="rId19"/>
+    <p:sldId id="267" r:id="rId20"/>
+    <p:sldId id="268" r:id="rId21"/>
+    <p:sldId id="269" r:id="rId22"/>
+    <p:sldId id="271" r:id="rId23"/>
+    <p:sldId id="273" r:id="rId24"/>
+    <p:sldId id="274" r:id="rId25"/>
+    <p:sldId id="291" r:id="rId26"/>
+    <p:sldId id="292" r:id="rId27"/>
+    <p:sldId id="293" r:id="rId28"/>
+    <p:sldId id="294" r:id="rId29"/>
+    <p:sldId id="295" r:id="rId30"/>
+    <p:sldId id="279" r:id="rId31"/>
+    <p:sldId id="280" r:id="rId32"/>
+    <p:sldId id="281" r:id="rId33"/>
+    <p:sldId id="282" r:id="rId34"/>
+    <p:sldId id="276" r:id="rId35"/>
+    <p:sldId id="277" r:id="rId36"/>
+    <p:sldId id="278" r:id="rId37"/>
+    <p:sldId id="275" r:id="rId38"/>
+    <p:sldId id="272" r:id="rId39"/>
+    <p:sldId id="270" r:id="rId40"/>
   </p:sldIdLst>
   <p:sldSz cx="12192000" cy="6858000"/>
   <p:notesSz cx="6858000" cy="9144000"/>
@@ -1156,7 +1159,7 @@
           <a:p>
             <a:fld id="{406A5360-5D30-4E31-8969-9BE697D8F1A1}" type="slidenum">
               <a:rPr lang="nb-NO" smtClean="0"/>
-              <a:t>22</a:t>
+              <a:t>23</a:t>
             </a:fld>
             <a:endParaRPr lang="nb-NO"/>
           </a:p>
@@ -5033,15 +5036,7 @@
             </a:r>
             <a:r>
               <a:rPr lang="nb-NO" dirty="0"/>
-              <a:t> i skyen. Den nøytrale </a:t>
-            </a:r>
-            <a:r>
-              <a:rPr lang="nb-NO" dirty="0" err="1"/>
-              <a:t>fredjeparten</a:t>
-            </a:r>
-            <a:r>
-              <a:rPr lang="nb-NO" dirty="0"/>
-              <a:t> </a:t>
+              <a:t> i skyen. Den nøytrale tredjeparten </a:t>
             </a:r>
           </a:p>
           <a:p>
@@ -5226,7 +5221,7 @@
         </p:nvSpPr>
         <p:spPr>
           <a:xfrm>
-            <a:off x="6689036" y="4676560"/>
+            <a:off x="6689036" y="2131480"/>
             <a:ext cx="4815840" cy="924737"/>
           </a:xfrm>
         </p:spPr>
@@ -5459,7 +5454,7 @@
         </p:nvSpPr>
         <p:spPr>
           <a:xfrm>
-            <a:off x="6841436" y="2123263"/>
+            <a:off x="6739836" y="4312566"/>
             <a:ext cx="4815840" cy="924737"/>
           </a:xfrm>
           <a:prstGeom prst="rect">
@@ -5667,7 +5662,7 @@
               <a:buNone/>
             </a:pPr>
             <a:r>
-              <a:rPr lang="nb-NO" sz="4000"/>
+              <a:rPr lang="nb-NO" sz="4000" dirty="0"/>
               <a:t>Gill Sans MT</a:t>
             </a:r>
             <a:endParaRPr lang="nb-NO" sz="4000" dirty="0">
@@ -6724,7 +6719,7 @@
         </p:blipFill>
         <p:spPr>
           <a:xfrm>
-            <a:off x="3458676" y="21672"/>
+            <a:off x="5373836" y="6432"/>
             <a:ext cx="6811347" cy="6858000"/>
           </a:xfrm>
           <a:prstGeom prst="rect">
@@ -6746,7 +6741,7 @@
         </p:nvSpPr>
         <p:spPr>
           <a:xfrm rot="16006029">
-            <a:off x="3858303" y="1489236"/>
+            <a:off x="5773463" y="1489236"/>
             <a:ext cx="2474259" cy="2607785"/>
           </a:xfrm>
           <a:prstGeom prst="wedgeEllipseCallout">
@@ -6859,7 +6854,7 @@
         </p:blipFill>
         <p:spPr>
           <a:xfrm>
-            <a:off x="9339747" y="5237215"/>
+            <a:off x="11254907" y="5237215"/>
             <a:ext cx="831298" cy="1705780"/>
           </a:xfrm>
           <a:prstGeom prst="rect">
@@ -6998,7 +6993,7 @@
           <p:cNvPr id="2" name="Tittel 1">
             <a:extLst>
               <a:ext uri="{FF2B5EF4-FFF2-40B4-BE49-F238E27FC236}">
-                <a16:creationId xmlns:a16="http://schemas.microsoft.com/office/drawing/2014/main" id="{C067DE00-EFC1-4AE7-864E-F2DC1DC9E589}"/>
+                <a16:creationId xmlns:a16="http://schemas.microsoft.com/office/drawing/2014/main" id="{D3A58DC4-CA1D-4609-A68D-58533A793E7B}"/>
               </a:ext>
             </a:extLst>
           </p:cNvPr>
@@ -7016,22 +7011,17 @@
           <a:p>
             <a:r>
               <a:rPr lang="nb-NO" dirty="0"/>
-              <a:t>Fant-</a:t>
-            </a:r>
-            <a:r>
-              <a:rPr lang="nb-NO" dirty="0" err="1"/>
-              <a:t>personas</a:t>
-            </a:r>
-            <a:endParaRPr lang="nb-NO" dirty="0"/>
+              <a:t>Kommunikasjon</a:t>
+            </a:r>
           </a:p>
         </p:txBody>
       </p:sp>
       <p:sp>
         <p:nvSpPr>
-          <p:cNvPr id="3" name="Plassholder for tekst 2">
+          <p:cNvPr id="3" name="Plassholder for bilde 2">
             <a:extLst>
               <a:ext uri="{FF2B5EF4-FFF2-40B4-BE49-F238E27FC236}">
-                <a16:creationId xmlns:a16="http://schemas.microsoft.com/office/drawing/2014/main" id="{E5CDB6B9-B40B-4B58-9C3C-039C418FC9D9}"/>
+                <a16:creationId xmlns:a16="http://schemas.microsoft.com/office/drawing/2014/main" id="{B90F30D1-8FC3-4DB9-998F-62A96EDF13B4}"/>
               </a:ext>
             </a:extLst>
           </p:cNvPr>
@@ -7039,7 +7029,25 @@
             <a:spLocks noGrp="1"/>
           </p:cNvSpPr>
           <p:nvPr>
-            <p:ph type="body" idx="1"/>
+            <p:ph type="pic" idx="1"/>
+          </p:nvPr>
+        </p:nvSpPr>
+        <p:spPr/>
+      </p:sp>
+      <p:sp>
+        <p:nvSpPr>
+          <p:cNvPr id="4" name="Plassholder for tekst 3">
+            <a:extLst>
+              <a:ext uri="{FF2B5EF4-FFF2-40B4-BE49-F238E27FC236}">
+                <a16:creationId xmlns:a16="http://schemas.microsoft.com/office/drawing/2014/main" id="{A13B4FC0-B0EB-4164-ACCA-2A2FBF602BA4}"/>
+              </a:ext>
+            </a:extLst>
+          </p:cNvPr>
+          <p:cNvSpPr>
+            <a:spLocks noGrp="1"/>
+          </p:cNvSpPr>
+          <p:nvPr>
+            <p:ph type="body" sz="half" idx="2"/>
           </p:nvPr>
         </p:nvSpPr>
         <p:spPr/>
@@ -7047,20 +7055,281 @@
           <a:bodyPr/>
           <a:lstStyle/>
           <a:p>
-            <a:endParaRPr lang="nb-NO"/>
+            <a:endParaRPr lang="nb-NO" dirty="0"/>
           </a:p>
         </p:txBody>
       </p:sp>
+      <p:pic>
+        <p:nvPicPr>
+          <p:cNvPr id="5" name="Bilde 4">
+            <a:extLst>
+              <a:ext uri="{FF2B5EF4-FFF2-40B4-BE49-F238E27FC236}">
+                <a16:creationId xmlns:a16="http://schemas.microsoft.com/office/drawing/2014/main" id="{AC7FD9F6-8DE3-47B3-B2B0-67A2FD63802F}"/>
+              </a:ext>
+            </a:extLst>
+          </p:cNvPr>
+          <p:cNvPicPr>
+            <a:picLocks noChangeAspect="1"/>
+          </p:cNvPicPr>
+          <p:nvPr/>
+        </p:nvPicPr>
+        <p:blipFill>
+          <a:blip r:embed="rId2"/>
+          <a:stretch>
+            <a:fillRect/>
+          </a:stretch>
+        </p:blipFill>
+        <p:spPr>
+          <a:xfrm>
+            <a:off x="5639008" y="6432"/>
+            <a:ext cx="6546175" cy="6858000"/>
+          </a:xfrm>
+          <a:prstGeom prst="rect">
+            <a:avLst/>
+          </a:prstGeom>
+        </p:spPr>
+      </p:pic>
+      <p:sp>
+        <p:nvSpPr>
+          <p:cNvPr id="6" name="Snakkeboble: oval 5">
+            <a:extLst>
+              <a:ext uri="{FF2B5EF4-FFF2-40B4-BE49-F238E27FC236}">
+                <a16:creationId xmlns:a16="http://schemas.microsoft.com/office/drawing/2014/main" id="{1A397031-8728-4B4D-8456-28AD077D1FDA}"/>
+              </a:ext>
+            </a:extLst>
+          </p:cNvPr>
+          <p:cNvSpPr/>
+          <p:nvPr/>
+        </p:nvSpPr>
+        <p:spPr>
+          <a:xfrm rot="16006029">
+            <a:off x="5880143" y="1489236"/>
+            <a:ext cx="2474259" cy="2607785"/>
+          </a:xfrm>
+          <a:prstGeom prst="wedgeEllipseCallout">
+            <a:avLst/>
+          </a:prstGeom>
+          <a:solidFill>
+            <a:srgbClr val="FEAEC7">
+              <a:alpha val="50000"/>
+            </a:srgbClr>
+          </a:solidFill>
+          <a:ln>
+            <a:noFill/>
+          </a:ln>
+          <a:effectLst>
+            <a:glow rad="101600">
+              <a:srgbClr val="FEAEC7">
+                <a:alpha val="60000"/>
+              </a:srgbClr>
+            </a:glow>
+          </a:effectLst>
+        </p:spPr>
+        <p:style>
+          <a:lnRef idx="0">
+            <a:scrgbClr r="0" g="0" b="0"/>
+          </a:lnRef>
+          <a:fillRef idx="0">
+            <a:scrgbClr r="0" g="0" b="0"/>
+          </a:fillRef>
+          <a:effectRef idx="0">
+            <a:scrgbClr r="0" g="0" b="0"/>
+          </a:effectRef>
+          <a:fontRef idx="minor">
+            <a:schemeClr val="lt1"/>
+          </a:fontRef>
+        </p:style>
+        <p:txBody>
+          <a:bodyPr vert="vert" rtlCol="0" anchor="ctr"/>
+          <a:lstStyle/>
+          <a:p>
+            <a:pPr algn="ctr"/>
+            <a:r>
+              <a:rPr lang="nb-NO" sz="1600" dirty="0">
+                <a:latin typeface="Gulim" panose="020B0600000101010101" pitchFamily="34" charset="-127"/>
+                <a:ea typeface="Gulim" panose="020B0600000101010101" pitchFamily="34" charset="-127"/>
+              </a:rPr>
+              <a:t>Jeg fant, jeg fant!</a:t>
+            </a:r>
+          </a:p>
+        </p:txBody>
+      </p:sp>
+      <p:pic>
+        <p:nvPicPr>
+          <p:cNvPr id="7" name="Bilde 6">
+            <a:extLst>
+              <a:ext uri="{FF2B5EF4-FFF2-40B4-BE49-F238E27FC236}">
+                <a16:creationId xmlns:a16="http://schemas.microsoft.com/office/drawing/2014/main" id="{17AC084E-EF08-488A-8346-1431DE93377E}"/>
+              </a:ext>
+            </a:extLst>
+          </p:cNvPr>
+          <p:cNvPicPr>
+            <a:picLocks noChangeAspect="1"/>
+          </p:cNvPicPr>
+          <p:nvPr/>
+        </p:nvPicPr>
+        <p:blipFill rotWithShape="1">
+          <a:blip r:embed="rId3">
+            <a:extLst>
+              <a:ext uri="{BEBA8EAE-BF5A-486C-A8C5-ECC9F3942E4B}">
+                <a14:imgProps xmlns:a14="http://schemas.microsoft.com/office/drawing/2010/main">
+                  <a14:imgLayer r:embed="rId4">
+                    <a14:imgEffect>
+                      <a14:backgroundRemoval t="38756" b="76444" l="25711" r="50948">
+                        <a14:foregroundMark x1="35545" y1="70400" x2="35545" y2="70400"/>
+                        <a14:foregroundMark x1="33175" y1="69244" x2="33175" y2="69244"/>
+                        <a14:foregroundMark x1="46090" y1="64533" x2="34597" y2="64000"/>
+                        <a14:foregroundMark x1="34597" y1="64000" x2="30095" y2="62133"/>
+                        <a14:foregroundMark x1="26540" y1="72089" x2="38981" y2="43556"/>
+                        <a14:foregroundMark x1="47986" y1="68978" x2="42062" y2="63200"/>
+                        <a14:foregroundMark x1="42062" y1="63200" x2="36493" y2="43733"/>
+                        <a14:foregroundMark x1="44194" y1="60356" x2="33886" y2="63644"/>
+                        <a14:foregroundMark x1="33886" y1="63644" x2="27488" y2="69244"/>
+                        <a14:foregroundMark x1="27488" y1="69244" x2="25829" y2="72089"/>
+                        <a14:foregroundMark x1="31398" y1="75022" x2="30213" y2="61778"/>
+                        <a14:foregroundMark x1="40995" y1="73867" x2="39336" y2="66133"/>
+                        <a14:foregroundMark x1="39336" y1="66133" x2="39573" y2="65156"/>
+                        <a14:foregroundMark x1="50948" y1="68889" x2="41469" y2="66044"/>
+                        <a14:foregroundMark x1="42536" y1="70311" x2="28199" y2="67911"/>
+                        <a14:foregroundMark x1="33886" y1="38844" x2="41114" y2="53067"/>
+                        <a14:foregroundMark x1="41114" y1="53067" x2="41943" y2="59200"/>
+                        <a14:foregroundMark x1="26896" y1="75200" x2="29621" y2="55733"/>
+                        <a14:foregroundMark x1="27962" y1="75733" x2="45379" y2="61156"/>
+                        <a14:foregroundMark x1="44076" y1="76444" x2="34242" y2="64444"/>
+                        <a14:foregroundMark x1="34242" y1="64444" x2="33057" y2="61956"/>
+                        <a14:foregroundMark x1="41706" y1="43467" x2="38507" y2="40711"/>
+                        <a14:foregroundMark x1="42299" y1="40089" x2="39100" y2="40711"/>
+                        <a14:backgroundMark x1="47986" y1="44178" x2="47986" y2="44178"/>
+                        <a14:backgroundMark x1="47986" y1="44178" x2="47986" y2="44178"/>
+                        <a14:backgroundMark x1="28910" y1="44000" x2="25474" y2="37156"/>
+                        <a14:backgroundMark x1="25474" y1="37156" x2="25474" y2="36711"/>
+                        <a14:backgroundMark x1="51185" y1="45422" x2="44550" y2="45156"/>
+                      </a14:backgroundRemoval>
+                    </a14:imgEffect>
+                  </a14:imgLayer>
+                </a14:imgProps>
+              </a:ext>
+            </a:extLst>
+          </a:blip>
+          <a:srcRect l="23835" t="35555" r="47655" b="20556"/>
+          <a:stretch/>
+        </p:blipFill>
+        <p:spPr>
+          <a:xfrm>
+            <a:off x="11254907" y="5237215"/>
+            <a:ext cx="831298" cy="1705780"/>
+          </a:xfrm>
+          <a:prstGeom prst="rect">
+            <a:avLst/>
+          </a:prstGeom>
+          <a:effectLst>
+            <a:glow rad="101600">
+              <a:srgbClr val="FEAEC7">
+                <a:alpha val="60000"/>
+              </a:srgbClr>
+            </a:glow>
+          </a:effectLst>
+        </p:spPr>
+      </p:pic>
     </p:spTree>
     <p:extLst>
       <p:ext uri="{BB962C8B-B14F-4D97-AF65-F5344CB8AC3E}">
-        <p14:creationId xmlns:p14="http://schemas.microsoft.com/office/powerpoint/2010/main" val="2953683185"/>
+        <p14:creationId xmlns:p14="http://schemas.microsoft.com/office/powerpoint/2010/main" val="4167518237"/>
       </p:ext>
     </p:extLst>
   </p:cSld>
   <p:clrMapOvr>
     <a:masterClrMapping/>
   </p:clrMapOvr>
+  <p:timing>
+    <p:tnLst>
+      <p:par>
+        <p:cTn id="1" dur="indefinite" restart="never" nodeType="tmRoot">
+          <p:childTnLst>
+            <p:seq concurrent="1" nextAc="seek">
+              <p:cTn id="2" dur="indefinite" nodeType="mainSeq">
+                <p:childTnLst>
+                  <p:par>
+                    <p:cTn id="3" fill="hold">
+                      <p:stCondLst>
+                        <p:cond delay="indefinite"/>
+                      </p:stCondLst>
+                      <p:childTnLst>
+                        <p:par>
+                          <p:cTn id="4" fill="hold">
+                            <p:stCondLst>
+                              <p:cond delay="0"/>
+                            </p:stCondLst>
+                            <p:childTnLst>
+                              <p:par>
+                                <p:cTn id="5" presetID="10" presetClass="entr" presetSubtype="0" fill="hold" grpId="0" nodeType="clickEffect">
+                                  <p:stCondLst>
+                                    <p:cond delay="0"/>
+                                  </p:stCondLst>
+                                  <p:iterate type="lt">
+                                    <p:tmPct val="10000"/>
+                                  </p:iterate>
+                                  <p:childTnLst>
+                                    <p:set>
+                                      <p:cBhvr>
+                                        <p:cTn id="6" dur="1" fill="hold">
+                                          <p:stCondLst>
+                                            <p:cond delay="0"/>
+                                          </p:stCondLst>
+                                        </p:cTn>
+                                        <p:tgtEl>
+                                          <p:spTgt spid="6"/>
+                                        </p:tgtEl>
+                                        <p:attrNameLst>
+                                          <p:attrName>style.visibility</p:attrName>
+                                        </p:attrNameLst>
+                                      </p:cBhvr>
+                                      <p:to>
+                                        <p:strVal val="visible"/>
+                                      </p:to>
+                                    </p:set>
+                                    <p:animEffect transition="in" filter="fade">
+                                      <p:cBhvr>
+                                        <p:cTn id="7" dur="500"/>
+                                        <p:tgtEl>
+                                          <p:spTgt spid="6"/>
+                                        </p:tgtEl>
+                                      </p:cBhvr>
+                                    </p:animEffect>
+                                  </p:childTnLst>
+                                </p:cTn>
+                              </p:par>
+                            </p:childTnLst>
+                          </p:cTn>
+                        </p:par>
+                      </p:childTnLst>
+                    </p:cTn>
+                  </p:par>
+                </p:childTnLst>
+              </p:cTn>
+              <p:prevCondLst>
+                <p:cond evt="onPrev" delay="0">
+                  <p:tgtEl>
+                    <p:sldTgt/>
+                  </p:tgtEl>
+                </p:cond>
+              </p:prevCondLst>
+              <p:nextCondLst>
+                <p:cond evt="onNext" delay="0">
+                  <p:tgtEl>
+                    <p:sldTgt/>
+                  </p:tgtEl>
+                </p:cond>
+              </p:nextCondLst>
+            </p:seq>
+          </p:childTnLst>
+        </p:cTn>
+      </p:par>
+    </p:tnLst>
+    <p:bldLst>
+      <p:bldP spid="6" grpId="0" animBg="1"/>
+    </p:bldLst>
+  </p:timing>
 </p:sld>
 </file>
 
@@ -7086,7 +7355,7 @@
           <p:cNvPr id="2" name="Tittel 1">
             <a:extLst>
               <a:ext uri="{FF2B5EF4-FFF2-40B4-BE49-F238E27FC236}">
-                <a16:creationId xmlns:a16="http://schemas.microsoft.com/office/drawing/2014/main" id="{22DDEEF1-1501-4A65-AFAD-333C5CB9D07D}"/>
+                <a16:creationId xmlns:a16="http://schemas.microsoft.com/office/drawing/2014/main" id="{C067DE00-EFC1-4AE7-864E-F2DC1DC9E589}"/>
               </a:ext>
             </a:extLst>
           </p:cNvPr>
@@ -7104,17 +7373,22 @@
           <a:p>
             <a:r>
               <a:rPr lang="nb-NO" dirty="0"/>
-              <a:t>Byggeiere</a:t>
-            </a:r>
+              <a:t>Fant-</a:t>
+            </a:r>
+            <a:r>
+              <a:rPr lang="nb-NO" dirty="0" err="1"/>
+              <a:t>personas</a:t>
+            </a:r>
+            <a:endParaRPr lang="nb-NO" dirty="0"/>
           </a:p>
         </p:txBody>
       </p:sp>
       <p:sp>
         <p:nvSpPr>
-          <p:cNvPr id="3" name="Plassholder for innhold 2">
+          <p:cNvPr id="3" name="Plassholder for tekst 2">
             <a:extLst>
               <a:ext uri="{FF2B5EF4-FFF2-40B4-BE49-F238E27FC236}">
-                <a16:creationId xmlns:a16="http://schemas.microsoft.com/office/drawing/2014/main" id="{365083A3-677F-4011-AA83-1B6354590BCD}"/>
+                <a16:creationId xmlns:a16="http://schemas.microsoft.com/office/drawing/2014/main" id="{E5CDB6B9-B40B-4B58-9C3C-039C418FC9D9}"/>
               </a:ext>
             </a:extLst>
           </p:cNvPr>
@@ -7122,7 +7396,7 @@
             <a:spLocks noGrp="1"/>
           </p:cNvSpPr>
           <p:nvPr>
-            <p:ph idx="1"/>
+            <p:ph type="body" idx="1"/>
           </p:nvPr>
         </p:nvSpPr>
         <p:spPr/>
@@ -7130,71 +7404,14 @@
           <a:bodyPr/>
           <a:lstStyle/>
           <a:p>
-            <a:r>
-              <a:rPr lang="nb-NO" dirty="0" err="1"/>
-              <a:t>Utleieier</a:t>
-            </a:r>
-            <a:r>
-              <a:rPr lang="nb-NO" dirty="0"/>
-              <a:t> av </a:t>
-            </a:r>
-            <a:r>
-              <a:rPr lang="nb-NO" dirty="0" err="1"/>
-              <a:t>byggningsarealer</a:t>
-            </a:r>
-            <a:r>
-              <a:rPr lang="nb-NO" dirty="0"/>
-              <a:t> som ønsker dekning på arealer som ikke er i bruk, eller bare i bruk i visse tider av døgnet/året/måneden</a:t>
-            </a:r>
-          </a:p>
-          <a:p>
-            <a:r>
-              <a:rPr lang="nb-NO" dirty="0"/>
-              <a:t>FOR EKSEMPEL: Entra, Oslo Kommune, Statsbygg</a:t>
-            </a:r>
-          </a:p>
-          <a:p>
-            <a:r>
-              <a:rPr lang="nb-NO" dirty="0"/>
-              <a:t>Økonomisk gevinst i at de får inn ekstra leieinntekter</a:t>
-            </a:r>
+            <a:endParaRPr lang="nb-NO"/>
           </a:p>
         </p:txBody>
       </p:sp>
-      <p:pic>
-        <p:nvPicPr>
-          <p:cNvPr id="5" name="Bilde 4">
-            <a:extLst>
-              <a:ext uri="{FF2B5EF4-FFF2-40B4-BE49-F238E27FC236}">
-                <a16:creationId xmlns:a16="http://schemas.microsoft.com/office/drawing/2014/main" id="{7F8ED10B-FF43-487F-85F2-C08E08F215E9}"/>
-              </a:ext>
-            </a:extLst>
-          </p:cNvPr>
-          <p:cNvPicPr>
-            <a:picLocks noChangeAspect="1"/>
-          </p:cNvPicPr>
-          <p:nvPr/>
-        </p:nvPicPr>
-        <p:blipFill>
-          <a:blip r:embed="rId2"/>
-          <a:stretch>
-            <a:fillRect/>
-          </a:stretch>
-        </p:blipFill>
-        <p:spPr>
-          <a:xfrm>
-            <a:off x="5000619" y="4379398"/>
-            <a:ext cx="2190762" cy="2122301"/>
-          </a:xfrm>
-          <a:prstGeom prst="rect">
-            <a:avLst/>
-          </a:prstGeom>
-        </p:spPr>
-      </p:pic>
     </p:spTree>
     <p:extLst>
       <p:ext uri="{BB962C8B-B14F-4D97-AF65-F5344CB8AC3E}">
-        <p14:creationId xmlns:p14="http://schemas.microsoft.com/office/powerpoint/2010/main" val="1412363786"/>
+        <p14:creationId xmlns:p14="http://schemas.microsoft.com/office/powerpoint/2010/main" val="2953683185"/>
       </p:ext>
     </p:extLst>
   </p:cSld>
@@ -7226,7 +7443,7 @@
           <p:cNvPr id="2" name="Tittel 1">
             <a:extLst>
               <a:ext uri="{FF2B5EF4-FFF2-40B4-BE49-F238E27FC236}">
-                <a16:creationId xmlns:a16="http://schemas.microsoft.com/office/drawing/2014/main" id="{C9DF52F8-7AA7-4932-803D-036871978D24}"/>
+                <a16:creationId xmlns:a16="http://schemas.microsoft.com/office/drawing/2014/main" id="{22DDEEF1-1501-4A65-AFAD-333C5CB9D07D}"/>
               </a:ext>
             </a:extLst>
           </p:cNvPr>
@@ -7239,49 +7456,12 @@
         </p:nvSpPr>
         <p:spPr/>
         <p:txBody>
-          <a:bodyPr>
-            <a:normAutofit/>
-          </a:bodyPr>
+          <a:bodyPr/>
           <a:lstStyle/>
           <a:p>
             <a:r>
               <a:rPr lang="nb-NO" dirty="0"/>
-              <a:t>Leietaker – </a:t>
-            </a:r>
-            <a:r>
-              <a:rPr lang="nb-NO" dirty="0" err="1"/>
-              <a:t>leif</a:t>
-            </a:r>
-            <a:br>
-              <a:rPr lang="nb-NO" dirty="0"/>
-            </a:br>
-            <a:r>
-              <a:rPr lang="nb-NO" dirty="0"/>
-              <a:t>«</a:t>
-            </a:r>
-            <a:r>
-              <a:rPr lang="nb-NO" dirty="0" err="1"/>
-              <a:t>office</a:t>
-            </a:r>
-            <a:r>
-              <a:rPr lang="nb-NO" dirty="0"/>
-              <a:t> </a:t>
-            </a:r>
-            <a:r>
-              <a:rPr lang="nb-NO" dirty="0" err="1"/>
-              <a:t>on</a:t>
-            </a:r>
-            <a:r>
-              <a:rPr lang="nb-NO" dirty="0"/>
-              <a:t> </a:t>
-            </a:r>
-            <a:r>
-              <a:rPr lang="nb-NO" dirty="0" err="1"/>
-              <a:t>demand</a:t>
-            </a:r>
-            <a:r>
-              <a:rPr lang="nb-NO" dirty="0"/>
-              <a:t>»</a:t>
+              <a:t>Byggeiere</a:t>
             </a:r>
           </a:p>
         </p:txBody>
@@ -7291,7 +7471,7 @@
           <p:cNvPr id="3" name="Plassholder for innhold 2">
             <a:extLst>
               <a:ext uri="{FF2B5EF4-FFF2-40B4-BE49-F238E27FC236}">
-                <a16:creationId xmlns:a16="http://schemas.microsoft.com/office/drawing/2014/main" id="{C882B890-3BC3-4C01-9A4F-ADF48C1058F4}"/>
+                <a16:creationId xmlns:a16="http://schemas.microsoft.com/office/drawing/2014/main" id="{365083A3-677F-4011-AA83-1B6354590BCD}"/>
               </a:ext>
             </a:extLst>
           </p:cNvPr>
@@ -7308,40 +7488,42 @@
           <a:lstStyle/>
           <a:p>
             <a:r>
+              <a:rPr lang="nb-NO" dirty="0" err="1"/>
+              <a:t>Utleieier</a:t>
+            </a:r>
+            <a:r>
               <a:rPr lang="nb-NO" dirty="0"/>
-              <a:t>Start-</a:t>
+              <a:t> av </a:t>
             </a:r>
             <a:r>
               <a:rPr lang="nb-NO" dirty="0" err="1"/>
-              <a:t>ups</a:t>
+              <a:t>byggningsarealer</a:t>
             </a:r>
             <a:r>
               <a:rPr lang="nb-NO" dirty="0"/>
-              <a:t> eller </a:t>
-            </a:r>
-            <a:r>
-              <a:rPr lang="nb-NO" dirty="0" err="1"/>
-              <a:t>Scale-ups</a:t>
-            </a:r>
+              <a:t> som ønsker dekning på arealer som ikke er i bruk, eller bare i bruk i visse tider av døgnet/året/måneden</a:t>
+            </a:r>
+          </a:p>
+          <a:p>
             <a:r>
               <a:rPr lang="nb-NO" dirty="0"/>
-              <a:t>. Bedrifter som har mål om å vokse, men ikke kapital til å betale for lokalbehov frem i tid. Ved å kun leie etter behov, og mulighet til å leie ut «overskudds»-arealet frem til behovet melder seg kan de leie </a:t>
-            </a:r>
-          </a:p>
-          <a:p>
-            <a:pPr marL="0" indent="0">
-              <a:buNone/>
-            </a:pPr>
-            <a:endParaRPr lang="nb-NO" dirty="0"/>
+              <a:t>FOR EKSEMPEL: Entra, Oslo Kommune, Statsbygg</a:t>
+            </a:r>
+          </a:p>
+          <a:p>
+            <a:r>
+              <a:rPr lang="nb-NO" dirty="0"/>
+              <a:t>Økonomisk gevinst i at de får inn ekstra leieinntekter</a:t>
+            </a:r>
           </a:p>
         </p:txBody>
       </p:sp>
       <p:pic>
         <p:nvPicPr>
-          <p:cNvPr id="4" name="Bilde 3">
+          <p:cNvPr id="5" name="Bilde 4">
             <a:extLst>
               <a:ext uri="{FF2B5EF4-FFF2-40B4-BE49-F238E27FC236}">
-                <a16:creationId xmlns:a16="http://schemas.microsoft.com/office/drawing/2014/main" id="{0A782E93-71F2-43A8-B951-CD233DD5F1BD}"/>
+                <a16:creationId xmlns:a16="http://schemas.microsoft.com/office/drawing/2014/main" id="{7F8ED10B-FF43-487F-85F2-C08E08F215E9}"/>
               </a:ext>
             </a:extLst>
           </p:cNvPr>
@@ -7358,18 +7540,56 @@
         </p:blipFill>
         <p:spPr>
           <a:xfrm>
-            <a:off x="4875021" y="3722375"/>
-            <a:ext cx="2441957" cy="2717311"/>
+            <a:off x="5000619" y="4379398"/>
+            <a:ext cx="2190762" cy="2122301"/>
           </a:xfrm>
           <a:prstGeom prst="rect">
             <a:avLst/>
           </a:prstGeom>
         </p:spPr>
       </p:pic>
+      <p:sp>
+        <p:nvSpPr>
+          <p:cNvPr id="7" name="TekstSylinder 6">
+            <a:extLst>
+              <a:ext uri="{FF2B5EF4-FFF2-40B4-BE49-F238E27FC236}">
+                <a16:creationId xmlns:a16="http://schemas.microsoft.com/office/drawing/2014/main" id="{CC17426A-2C0B-4C25-8931-F4D51FF85CAF}"/>
+              </a:ext>
+            </a:extLst>
+          </p:cNvPr>
+          <p:cNvSpPr txBox="1"/>
+          <p:nvPr/>
+        </p:nvSpPr>
+        <p:spPr>
+          <a:xfrm>
+            <a:off x="4292600" y="6431280"/>
+            <a:ext cx="3825240" cy="369332"/>
+          </a:xfrm>
+          <a:prstGeom prst="rect">
+            <a:avLst/>
+          </a:prstGeom>
+          <a:noFill/>
+        </p:spPr>
+        <p:txBody>
+          <a:bodyPr wrap="square" rtlCol="0">
+            <a:spAutoFit/>
+          </a:bodyPr>
+          <a:lstStyle/>
+          <a:p>
+            <a:r>
+              <a:rPr lang="nb-NO" dirty="0">
+                <a:latin typeface="Gulim" panose="020B0600000101010101" pitchFamily="34" charset="-127"/>
+                <a:ea typeface="Gulim" panose="020B0600000101010101" pitchFamily="34" charset="-127"/>
+              </a:rPr>
+              <a:t>«Tomme lokaler er dårlig butikk.»</a:t>
+            </a:r>
+          </a:p>
+        </p:txBody>
+      </p:sp>
     </p:spTree>
     <p:extLst>
       <p:ext uri="{BB962C8B-B14F-4D97-AF65-F5344CB8AC3E}">
-        <p14:creationId xmlns:p14="http://schemas.microsoft.com/office/powerpoint/2010/main" val="2821459300"/>
+        <p14:creationId xmlns:p14="http://schemas.microsoft.com/office/powerpoint/2010/main" val="1412363786"/>
       </p:ext>
     </p:extLst>
   </p:cSld>
@@ -7401,7 +7621,7 @@
           <p:cNvPr id="2" name="Tittel 1">
             <a:extLst>
               <a:ext uri="{FF2B5EF4-FFF2-40B4-BE49-F238E27FC236}">
-                <a16:creationId xmlns:a16="http://schemas.microsoft.com/office/drawing/2014/main" id="{12D43779-CAAB-4AB1-9257-9D519EFB5D29}"/>
+                <a16:creationId xmlns:a16="http://schemas.microsoft.com/office/drawing/2014/main" id="{C9DF52F8-7AA7-4932-803D-036871978D24}"/>
               </a:ext>
             </a:extLst>
           </p:cNvPr>
@@ -7414,19 +7634,33 @@
         </p:nvSpPr>
         <p:spPr/>
         <p:txBody>
-          <a:bodyPr/>
+          <a:bodyPr>
+            <a:normAutofit/>
+          </a:bodyPr>
           <a:lstStyle/>
           <a:p>
             <a:r>
               <a:rPr lang="nb-NO" dirty="0"/>
-              <a:t>Leietaker – Lea</a:t>
+              <a:t>Leietaker – </a:t>
+            </a:r>
+            <a:r>
+              <a:rPr lang="nb-NO" dirty="0" err="1"/>
+              <a:t>leif</a:t>
             </a:r>
             <a:br>
               <a:rPr lang="nb-NO" dirty="0"/>
             </a:br>
             <a:r>
               <a:rPr lang="nb-NO" dirty="0"/>
-              <a:t>«Room </a:t>
+              <a:t>«</a:t>
+            </a:r>
+            <a:r>
+              <a:rPr lang="nb-NO" dirty="0" err="1"/>
+              <a:t>office</a:t>
+            </a:r>
+            <a:r>
+              <a:rPr lang="nb-NO" dirty="0"/>
+              <a:t> </a:t>
             </a:r>
             <a:r>
               <a:rPr lang="nb-NO" dirty="0" err="1"/>
@@ -7438,11 +7672,11 @@
             </a:r>
             <a:r>
               <a:rPr lang="nb-NO" dirty="0" err="1"/>
-              <a:t>the</a:t>
+              <a:t>demand</a:t>
             </a:r>
             <a:r>
               <a:rPr lang="nb-NO" dirty="0"/>
-              <a:t> fly»</a:t>
+              <a:t>»</a:t>
             </a:r>
           </a:p>
         </p:txBody>
@@ -7452,7 +7686,7 @@
           <p:cNvPr id="3" name="Plassholder for innhold 2">
             <a:extLst>
               <a:ext uri="{FF2B5EF4-FFF2-40B4-BE49-F238E27FC236}">
-                <a16:creationId xmlns:a16="http://schemas.microsoft.com/office/drawing/2014/main" id="{262B40A3-726C-49DE-9595-C5BE9AE7C2E5}"/>
+                <a16:creationId xmlns:a16="http://schemas.microsoft.com/office/drawing/2014/main" id="{C882B890-3BC3-4C01-9A4F-ADF48C1058F4}"/>
               </a:ext>
             </a:extLst>
           </p:cNvPr>
@@ -7470,25 +7704,39 @@
           <a:p>
             <a:r>
               <a:rPr lang="nb-NO" dirty="0"/>
-              <a:t>Lea betaler kun for arealene hun bruker. Fellesarealer </a:t>
+              <a:t>Start-</a:t>
             </a:r>
             <a:r>
               <a:rPr lang="nb-NO" dirty="0" err="1"/>
-              <a:t>books</a:t>
+              <a:t>ups</a:t>
             </a:r>
             <a:r>
               <a:rPr lang="nb-NO" dirty="0"/>
-              <a:t>/leies etter behov. Rabattert leieutgift.</a:t>
-            </a:r>
+              <a:t> eller </a:t>
+            </a:r>
+            <a:r>
+              <a:rPr lang="nb-NO" dirty="0" err="1"/>
+              <a:t>Scale-ups</a:t>
+            </a:r>
+            <a:r>
+              <a:rPr lang="nb-NO" dirty="0"/>
+              <a:t>. Bedrifter som har mål om å vokse, men ikke kapital til å betale for lokalbehov frem i tid. Ved å kun leie etter behov, og mulighet til å leie ut «overskudds»-arealet frem til behovet melder seg kan de leie </a:t>
+            </a:r>
+          </a:p>
+          <a:p>
+            <a:pPr marL="0" indent="0">
+              <a:buNone/>
+            </a:pPr>
+            <a:endParaRPr lang="nb-NO" dirty="0"/>
           </a:p>
         </p:txBody>
       </p:sp>
       <p:pic>
         <p:nvPicPr>
-          <p:cNvPr id="5" name="Bilde 4">
+          <p:cNvPr id="4" name="Bilde 3">
             <a:extLst>
               <a:ext uri="{FF2B5EF4-FFF2-40B4-BE49-F238E27FC236}">
-                <a16:creationId xmlns:a16="http://schemas.microsoft.com/office/drawing/2014/main" id="{4E53A3EA-42C1-4408-ABE3-DBB13282002C}"/>
+                <a16:creationId xmlns:a16="http://schemas.microsoft.com/office/drawing/2014/main" id="{0A782E93-71F2-43A8-B951-CD233DD5F1BD}"/>
               </a:ext>
             </a:extLst>
           </p:cNvPr>
@@ -7497,52 +7745,64 @@
           </p:cNvPicPr>
           <p:nvPr/>
         </p:nvPicPr>
-        <p:blipFill rotWithShape="1">
-          <a:blip r:embed="rId2">
-            <a:extLst>
-              <a:ext uri="{BEBA8EAE-BF5A-486C-A8C5-ECC9F3942E4B}">
-                <a14:imgProps xmlns:a14="http://schemas.microsoft.com/office/drawing/2010/main">
-                  <a14:imgLayer r:embed="rId3">
-                    <a14:imgEffect>
-                      <a14:backgroundRemoval t="9921" b="97024" l="10000" r="90000">
-                        <a14:foregroundMark x1="59706" y1="86111" x2="59706" y2="86111"/>
-                        <a14:foregroundMark x1="71176" y1="94742" x2="62255" y2="91766"/>
-                        <a14:foregroundMark x1="62255" y1="91766" x2="52157" y2="84623"/>
-                        <a14:foregroundMark x1="55882" y1="97024" x2="66863" y2="84425"/>
-                        <a14:foregroundMark x1="66863" y1="84425" x2="68627" y2="78373"/>
-                        <a14:foregroundMark x1="41863" y1="47421" x2="36373" y2="39881"/>
-                        <a14:foregroundMark x1="36373" y1="39881" x2="32255" y2="28968"/>
-                        <a14:foregroundMark x1="27255" y1="40972" x2="47549" y2="34325"/>
-                        <a14:foregroundMark x1="47549" y1="36111" x2="41176" y2="33333"/>
-                        <a14:foregroundMark x1="41176" y1="33333" x2="35784" y2="28671"/>
-                        <a14:foregroundMark x1="35784" y1="28671" x2="34804" y2="26488"/>
-                        <a14:foregroundMark x1="42549" y1="27381" x2="36275" y2="28770"/>
-                        <a14:foregroundMark x1="65392" y1="89980" x2="59412" y2="82440"/>
-                        <a14:backgroundMark x1="28725" y1="76885" x2="28725" y2="76885"/>
-                      </a14:backgroundRemoval>
-                    </a14:imgEffect>
-                  </a14:imgLayer>
-                </a14:imgProps>
-              </a:ext>
-            </a:extLst>
-          </a:blip>
-          <a:srcRect l="47650" t="66666" r="22776" b="1"/>
-          <a:stretch/>
+        <p:blipFill>
+          <a:blip r:embed="rId2"/>
+          <a:stretch>
+            <a:fillRect/>
+          </a:stretch>
         </p:blipFill>
         <p:spPr>
           <a:xfrm>
-            <a:off x="4853501" y="3384855"/>
-            <a:ext cx="2484997" cy="2767941"/>
+            <a:off x="4875021" y="3722375"/>
+            <a:ext cx="2441957" cy="2717311"/>
           </a:xfrm>
           <a:prstGeom prst="rect">
             <a:avLst/>
           </a:prstGeom>
         </p:spPr>
       </p:pic>
+      <p:sp>
+        <p:nvSpPr>
+          <p:cNvPr id="6" name="TekstSylinder 5">
+            <a:extLst>
+              <a:ext uri="{FF2B5EF4-FFF2-40B4-BE49-F238E27FC236}">
+                <a16:creationId xmlns:a16="http://schemas.microsoft.com/office/drawing/2014/main" id="{87EA74E2-5791-42C4-9D08-7C119FF47878}"/>
+              </a:ext>
+            </a:extLst>
+          </p:cNvPr>
+          <p:cNvSpPr txBox="1"/>
+          <p:nvPr/>
+        </p:nvSpPr>
+        <p:spPr>
+          <a:xfrm>
+            <a:off x="3129278" y="6255020"/>
+            <a:ext cx="5933441" cy="369332"/>
+          </a:xfrm>
+          <a:prstGeom prst="rect">
+            <a:avLst/>
+          </a:prstGeom>
+          <a:noFill/>
+        </p:spPr>
+        <p:txBody>
+          <a:bodyPr wrap="square" rtlCol="0">
+            <a:spAutoFit/>
+          </a:bodyPr>
+          <a:lstStyle/>
+          <a:p>
+            <a:r>
+              <a:rPr lang="nb-NO" dirty="0">
+                <a:latin typeface="Gulim" panose="020B0600000101010101" pitchFamily="34" charset="-127"/>
+                <a:ea typeface="Gulim" panose="020B0600000101010101" pitchFamily="34" charset="-127"/>
+              </a:rPr>
+              <a:t>«Vekstambisjoner, men litt dårlig likviditet akkurat nå»</a:t>
+            </a:r>
+          </a:p>
+        </p:txBody>
+      </p:sp>
     </p:spTree>
     <p:extLst>
       <p:ext uri="{BB962C8B-B14F-4D97-AF65-F5344CB8AC3E}">
-        <p14:creationId xmlns:p14="http://schemas.microsoft.com/office/powerpoint/2010/main" val="1877308310"/>
+        <p14:creationId xmlns:p14="http://schemas.microsoft.com/office/powerpoint/2010/main" val="2821459300"/>
       </p:ext>
     </p:extLst>
   </p:cSld>
@@ -8414,7 +8674,7 @@
           <p:cNvPr id="2" name="Tittel 1">
             <a:extLst>
               <a:ext uri="{FF2B5EF4-FFF2-40B4-BE49-F238E27FC236}">
-                <a16:creationId xmlns:a16="http://schemas.microsoft.com/office/drawing/2014/main" id="{E578D110-756E-4FEA-A5BB-F9963B2EEDF1}"/>
+                <a16:creationId xmlns:a16="http://schemas.microsoft.com/office/drawing/2014/main" id="{12D43779-CAAB-4AB1-9257-9D519EFB5D29}"/>
               </a:ext>
             </a:extLst>
           </p:cNvPr>
@@ -8432,22 +8692,30 @@
           <a:p>
             <a:r>
               <a:rPr lang="nb-NO" dirty="0"/>
-              <a:t>Folk</a:t>
+              <a:t>Leietaker – Lea</a:t>
             </a:r>
             <a:br>
               <a:rPr lang="nb-NO" dirty="0"/>
             </a:br>
             <a:r>
               <a:rPr lang="nb-NO" dirty="0"/>
-              <a:t>«</a:t>
+              <a:t>«Room </a:t>
             </a:r>
             <a:r>
               <a:rPr lang="nb-NO" dirty="0" err="1"/>
-              <a:t>Oslobyou</a:t>
+              <a:t>on</a:t>
             </a:r>
             <a:r>
               <a:rPr lang="nb-NO" dirty="0"/>
-              <a:t>»</a:t>
+              <a:t> </a:t>
+            </a:r>
+            <a:r>
+              <a:rPr lang="nb-NO" dirty="0" err="1"/>
+              <a:t>the</a:t>
+            </a:r>
+            <a:r>
+              <a:rPr lang="nb-NO" dirty="0"/>
+              <a:t> fly»</a:t>
             </a:r>
           </a:p>
         </p:txBody>
@@ -8457,7 +8725,7 @@
           <p:cNvPr id="3" name="Plassholder for innhold 2">
             <a:extLst>
               <a:ext uri="{FF2B5EF4-FFF2-40B4-BE49-F238E27FC236}">
-                <a16:creationId xmlns:a16="http://schemas.microsoft.com/office/drawing/2014/main" id="{27BA93A1-5618-4B9A-BB6F-F12C8CE1CE03}"/>
+                <a16:creationId xmlns:a16="http://schemas.microsoft.com/office/drawing/2014/main" id="{262B40A3-726C-49DE-9595-C5BE9AE7C2E5}"/>
               </a:ext>
             </a:extLst>
           </p:cNvPr>
@@ -8475,6 +8743,209 @@
           <a:p>
             <a:r>
               <a:rPr lang="nb-NO" dirty="0"/>
+              <a:t>Lea betaler kun for arealene hun bruker. Fellesarealer </a:t>
+            </a:r>
+            <a:r>
+              <a:rPr lang="nb-NO" dirty="0" err="1"/>
+              <a:t>books</a:t>
+            </a:r>
+            <a:r>
+              <a:rPr lang="nb-NO" dirty="0"/>
+              <a:t>/leies etter behov. Rabattert leieutgift.</a:t>
+            </a:r>
+          </a:p>
+        </p:txBody>
+      </p:sp>
+      <p:pic>
+        <p:nvPicPr>
+          <p:cNvPr id="5" name="Bilde 4">
+            <a:extLst>
+              <a:ext uri="{FF2B5EF4-FFF2-40B4-BE49-F238E27FC236}">
+                <a16:creationId xmlns:a16="http://schemas.microsoft.com/office/drawing/2014/main" id="{4E53A3EA-42C1-4408-ABE3-DBB13282002C}"/>
+              </a:ext>
+            </a:extLst>
+          </p:cNvPr>
+          <p:cNvPicPr>
+            <a:picLocks noChangeAspect="1"/>
+          </p:cNvPicPr>
+          <p:nvPr/>
+        </p:nvPicPr>
+        <p:blipFill rotWithShape="1">
+          <a:blip r:embed="rId2">
+            <a:extLst>
+              <a:ext uri="{BEBA8EAE-BF5A-486C-A8C5-ECC9F3942E4B}">
+                <a14:imgProps xmlns:a14="http://schemas.microsoft.com/office/drawing/2010/main">
+                  <a14:imgLayer r:embed="rId3">
+                    <a14:imgEffect>
+                      <a14:backgroundRemoval t="9921" b="97024" l="10000" r="90000">
+                        <a14:foregroundMark x1="59706" y1="86111" x2="59706" y2="86111"/>
+                        <a14:foregroundMark x1="71176" y1="94742" x2="62255" y2="91766"/>
+                        <a14:foregroundMark x1="62255" y1="91766" x2="52157" y2="84623"/>
+                        <a14:foregroundMark x1="55882" y1="97024" x2="66863" y2="84425"/>
+                        <a14:foregroundMark x1="66863" y1="84425" x2="68627" y2="78373"/>
+                        <a14:foregroundMark x1="41863" y1="47421" x2="36373" y2="39881"/>
+                        <a14:foregroundMark x1="36373" y1="39881" x2="32255" y2="28968"/>
+                        <a14:foregroundMark x1="27255" y1="40972" x2="47549" y2="34325"/>
+                        <a14:foregroundMark x1="47549" y1="36111" x2="41176" y2="33333"/>
+                        <a14:foregroundMark x1="41176" y1="33333" x2="35784" y2="28671"/>
+                        <a14:foregroundMark x1="35784" y1="28671" x2="34804" y2="26488"/>
+                        <a14:foregroundMark x1="42549" y1="27381" x2="36275" y2="28770"/>
+                        <a14:foregroundMark x1="65392" y1="89980" x2="59412" y2="82440"/>
+                        <a14:backgroundMark x1="28725" y1="76885" x2="28725" y2="76885"/>
+                      </a14:backgroundRemoval>
+                    </a14:imgEffect>
+                  </a14:imgLayer>
+                </a14:imgProps>
+              </a:ext>
+            </a:extLst>
+          </a:blip>
+          <a:srcRect l="47650" t="66666" r="22776" b="1"/>
+          <a:stretch/>
+        </p:blipFill>
+        <p:spPr>
+          <a:xfrm>
+            <a:off x="4853501" y="3384855"/>
+            <a:ext cx="2484997" cy="2767941"/>
+          </a:xfrm>
+          <a:prstGeom prst="rect">
+            <a:avLst/>
+          </a:prstGeom>
+        </p:spPr>
+      </p:pic>
+      <p:sp>
+        <p:nvSpPr>
+          <p:cNvPr id="7" name="TekstSylinder 6">
+            <a:extLst>
+              <a:ext uri="{FF2B5EF4-FFF2-40B4-BE49-F238E27FC236}">
+                <a16:creationId xmlns:a16="http://schemas.microsoft.com/office/drawing/2014/main" id="{115E8635-4EA8-43C7-AC33-15C1B1DA63F0}"/>
+              </a:ext>
+            </a:extLst>
+          </p:cNvPr>
+          <p:cNvSpPr txBox="1"/>
+          <p:nvPr/>
+        </p:nvSpPr>
+        <p:spPr>
+          <a:xfrm>
+            <a:off x="3726179" y="6152796"/>
+            <a:ext cx="4739640" cy="646331"/>
+          </a:xfrm>
+          <a:prstGeom prst="rect">
+            <a:avLst/>
+          </a:prstGeom>
+          <a:noFill/>
+        </p:spPr>
+        <p:txBody>
+          <a:bodyPr wrap="square" rtlCol="0">
+            <a:spAutoFit/>
+          </a:bodyPr>
+          <a:lstStyle/>
+          <a:p>
+            <a:r>
+              <a:rPr lang="nb-NO" dirty="0">
+                <a:latin typeface="Gulim" panose="020B0600000101010101" pitchFamily="34" charset="-127"/>
+                <a:ea typeface="Gulim" panose="020B0600000101010101" pitchFamily="34" charset="-127"/>
+              </a:rPr>
+              <a:t>«Jeg har bare behov for møterom når jeg får besøk av kunde én gang i kvartalet»</a:t>
+            </a:r>
+          </a:p>
+        </p:txBody>
+      </p:sp>
+    </p:spTree>
+    <p:extLst>
+      <p:ext uri="{BB962C8B-B14F-4D97-AF65-F5344CB8AC3E}">
+        <p14:creationId xmlns:p14="http://schemas.microsoft.com/office/powerpoint/2010/main" val="1877308310"/>
+      </p:ext>
+    </p:extLst>
+  </p:cSld>
+  <p:clrMapOvr>
+    <a:masterClrMapping/>
+  </p:clrMapOvr>
+</p:sld>
+</file>
+
+<file path=ppt/slides/slide21.xml><?xml version="1.0" encoding="utf-8"?>
+<p:sld xmlns:a="http://schemas.openxmlformats.org/drawingml/2006/main" xmlns:r="http://schemas.openxmlformats.org/officeDocument/2006/relationships" xmlns:p="http://schemas.openxmlformats.org/presentationml/2006/main">
+  <p:cSld>
+    <p:spTree>
+      <p:nvGrpSpPr>
+        <p:cNvPr id="1" name=""/>
+        <p:cNvGrpSpPr/>
+        <p:nvPr/>
+      </p:nvGrpSpPr>
+      <p:grpSpPr>
+        <a:xfrm>
+          <a:off x="0" y="0"/>
+          <a:ext cx="0" cy="0"/>
+          <a:chOff x="0" y="0"/>
+          <a:chExt cx="0" cy="0"/>
+        </a:xfrm>
+      </p:grpSpPr>
+      <p:sp>
+        <p:nvSpPr>
+          <p:cNvPr id="2" name="Tittel 1">
+            <a:extLst>
+              <a:ext uri="{FF2B5EF4-FFF2-40B4-BE49-F238E27FC236}">
+                <a16:creationId xmlns:a16="http://schemas.microsoft.com/office/drawing/2014/main" id="{E578D110-756E-4FEA-A5BB-F9963B2EEDF1}"/>
+              </a:ext>
+            </a:extLst>
+          </p:cNvPr>
+          <p:cNvSpPr>
+            <a:spLocks noGrp="1"/>
+          </p:cNvSpPr>
+          <p:nvPr>
+            <p:ph type="title"/>
+          </p:nvPr>
+        </p:nvSpPr>
+        <p:spPr/>
+        <p:txBody>
+          <a:bodyPr/>
+          <a:lstStyle/>
+          <a:p>
+            <a:r>
+              <a:rPr lang="nb-NO" dirty="0"/>
+              <a:t>Folk</a:t>
+            </a:r>
+            <a:br>
+              <a:rPr lang="nb-NO" dirty="0"/>
+            </a:br>
+            <a:r>
+              <a:rPr lang="nb-NO" dirty="0"/>
+              <a:t>«</a:t>
+            </a:r>
+            <a:r>
+              <a:rPr lang="nb-NO" dirty="0" err="1"/>
+              <a:t>Oslobyou</a:t>
+            </a:r>
+            <a:r>
+              <a:rPr lang="nb-NO" dirty="0"/>
+              <a:t>»</a:t>
+            </a:r>
+          </a:p>
+        </p:txBody>
+      </p:sp>
+      <p:sp>
+        <p:nvSpPr>
+          <p:cNvPr id="3" name="Plassholder for innhold 2">
+            <a:extLst>
+              <a:ext uri="{FF2B5EF4-FFF2-40B4-BE49-F238E27FC236}">
+                <a16:creationId xmlns:a16="http://schemas.microsoft.com/office/drawing/2014/main" id="{27BA93A1-5618-4B9A-BB6F-F12C8CE1CE03}"/>
+              </a:ext>
+            </a:extLst>
+          </p:cNvPr>
+          <p:cNvSpPr>
+            <a:spLocks noGrp="1"/>
+          </p:cNvSpPr>
+          <p:nvPr>
+            <p:ph idx="1"/>
+          </p:nvPr>
+        </p:nvSpPr>
+        <p:spPr/>
+        <p:txBody>
+          <a:bodyPr/>
+          <a:lstStyle/>
+          <a:p>
+            <a:r>
+              <a:rPr lang="nb-NO" dirty="0"/>
               <a:t>Fant tilrettelegger for at folk flest kan booke rom, auditorium, gymsaler el. Enten du er profesjonell aktør, utdanningssituasjon, lag, foreninger eller vennegjengen.</a:t>
             </a:r>
           </a:p>
@@ -8511,7 +8982,7 @@
             <a:pPr lvl="1"/>
             <a:r>
               <a:rPr lang="nb-NO" dirty="0" err="1"/>
-              <a:t>NordstrandBYou</a:t>
+              <a:t>OppsalBYou</a:t>
             </a:r>
             <a:endParaRPr lang="nb-NO" dirty="0"/>
           </a:p>
@@ -8591,6 +9062,44 @@
           </a:prstGeom>
         </p:spPr>
       </p:pic>
+      <p:sp>
+        <p:nvSpPr>
+          <p:cNvPr id="6" name="TekstSylinder 5">
+            <a:extLst>
+              <a:ext uri="{FF2B5EF4-FFF2-40B4-BE49-F238E27FC236}">
+                <a16:creationId xmlns:a16="http://schemas.microsoft.com/office/drawing/2014/main" id="{E117B3CE-A5B4-4CCA-ADEA-E860FC3CC98B}"/>
+              </a:ext>
+            </a:extLst>
+          </p:cNvPr>
+          <p:cNvSpPr txBox="1"/>
+          <p:nvPr/>
+        </p:nvSpPr>
+        <p:spPr>
+          <a:xfrm>
+            <a:off x="2639059" y="5710463"/>
+            <a:ext cx="4739640" cy="923330"/>
+          </a:xfrm>
+          <a:prstGeom prst="rect">
+            <a:avLst/>
+          </a:prstGeom>
+          <a:noFill/>
+        </p:spPr>
+        <p:txBody>
+          <a:bodyPr wrap="square" rtlCol="0">
+            <a:spAutoFit/>
+          </a:bodyPr>
+          <a:lstStyle/>
+          <a:p>
+            <a:r>
+              <a:rPr lang="nb-NO" dirty="0">
+                <a:latin typeface="Gulim" panose="020B0600000101010101" pitchFamily="34" charset="-127"/>
+                <a:ea typeface="Gulim" panose="020B0600000101010101" pitchFamily="34" charset="-127"/>
+              </a:rPr>
+              <a:t>«Speidertroppen trenger et sted å være // Vi skal ha nabolagsfest // Røde kors skal holde kurs // Frokostmøte, men hvor?»</a:t>
+            </a:r>
+          </a:p>
+        </p:txBody>
+      </p:sp>
     </p:spTree>
     <p:extLst>
       <p:ext uri="{BB962C8B-B14F-4D97-AF65-F5344CB8AC3E}">
@@ -8604,7 +9113,7 @@
 </p:sld>
 </file>
 
-<file path=ppt/slides/slide21.xml><?xml version="1.0" encoding="utf-8"?>
+<file path=ppt/slides/slide22.xml><?xml version="1.0" encoding="utf-8"?>
 <p:sld xmlns:a="http://schemas.openxmlformats.org/drawingml/2006/main" xmlns:r="http://schemas.openxmlformats.org/officeDocument/2006/relationships" xmlns:p="http://schemas.openxmlformats.org/presentationml/2006/main">
   <p:cSld>
     <p:spTree>
@@ -8687,7 +9196,7 @@
 </p:sld>
 </file>
 
-<file path=ppt/slides/slide22.xml><?xml version="1.0" encoding="utf-8"?>
+<file path=ppt/slides/slide23.xml><?xml version="1.0" encoding="utf-8"?>
 <p:sld xmlns:a="http://schemas.openxmlformats.org/drawingml/2006/main" xmlns:r="http://schemas.openxmlformats.org/officeDocument/2006/relationships" xmlns:p="http://schemas.openxmlformats.org/presentationml/2006/main">
   <p:cSld>
     <p:spTree>
@@ -9557,7 +10066,7 @@
 </p:sld>
 </file>
 
-<file path=ppt/slides/slide23.xml><?xml version="1.0" encoding="utf-8"?>
+<file path=ppt/slides/slide24.xml><?xml version="1.0" encoding="utf-8"?>
 <p:sld xmlns:a="http://schemas.openxmlformats.org/drawingml/2006/main" xmlns:r="http://schemas.openxmlformats.org/officeDocument/2006/relationships" xmlns:p="http://schemas.openxmlformats.org/presentationml/2006/main">
   <p:cSld>
     <p:spTree>
@@ -9956,7 +10465,7 @@
         </p:blipFill>
         <p:spPr>
           <a:xfrm>
-            <a:off x="1236409" y="2033828"/>
+            <a:off x="961802" y="1867164"/>
             <a:ext cx="804168" cy="804168"/>
           </a:xfrm>
           <a:prstGeom prst="rect">
@@ -10345,7 +10854,7 @@
 </p:sld>
 </file>
 
-<file path=ppt/slides/slide24.xml><?xml version="1.0" encoding="utf-8"?>
+<file path=ppt/slides/slide25.xml><?xml version="1.0" encoding="utf-8"?>
 <p:sld xmlns:a="http://schemas.openxmlformats.org/drawingml/2006/main" xmlns:r="http://schemas.openxmlformats.org/officeDocument/2006/relationships" xmlns:p="http://schemas.openxmlformats.org/presentationml/2006/main">
   <p:cSld>
     <p:spTree>
@@ -10794,7 +11303,7 @@
 </p:sld>
 </file>
 
-<file path=ppt/slides/slide25.xml><?xml version="1.0" encoding="utf-8"?>
+<file path=ppt/slides/slide26.xml><?xml version="1.0" encoding="utf-8"?>
 <p:sld xmlns:a="http://schemas.openxmlformats.org/drawingml/2006/main" xmlns:r="http://schemas.openxmlformats.org/officeDocument/2006/relationships" xmlns:p="http://schemas.openxmlformats.org/presentationml/2006/main">
   <p:cSld>
     <p:spTree>
@@ -11621,7 +12130,7 @@
 </p:sld>
 </file>
 
-<file path=ppt/slides/slide26.xml><?xml version="1.0" encoding="utf-8"?>
+<file path=ppt/slides/slide27.xml><?xml version="1.0" encoding="utf-8"?>
 <p:sld xmlns:a="http://schemas.openxmlformats.org/drawingml/2006/main" xmlns:r="http://schemas.openxmlformats.org/officeDocument/2006/relationships" xmlns:p="http://schemas.openxmlformats.org/presentationml/2006/main">
   <p:cSld>
     <p:spTree>
@@ -11866,7 +12375,7 @@
         <p:spPr>
           <a:xfrm>
             <a:off x="665480" y="706120"/>
-            <a:ext cx="2794000" cy="1477328"/>
+            <a:ext cx="4414520" cy="1754326"/>
           </a:xfrm>
           <a:prstGeom prst="rect">
             <a:avLst/>
@@ -11884,7 +12393,7 @@
                 <a:latin typeface="Gulim" panose="020B0600000101010101" pitchFamily="34" charset="-127"/>
                 <a:ea typeface="Gulim" panose="020B0600000101010101" pitchFamily="34" charset="-127"/>
               </a:rPr>
-              <a:t>Lokalets fasiliteter</a:t>
+              <a:t>Bilder av lokalet og dets fasiliteter </a:t>
             </a:r>
           </a:p>
           <a:p>
@@ -11903,6 +12412,15 @@
                 <a:ea typeface="Gulim" panose="020B0600000101010101" pitchFamily="34" charset="-127"/>
               </a:rPr>
               <a:t>Lokalets tilgjengelighet</a:t>
+            </a:r>
+          </a:p>
+          <a:p>
+            <a:r>
+              <a:rPr lang="nb-NO" dirty="0">
+                <a:latin typeface="Gulim" panose="020B0600000101010101" pitchFamily="34" charset="-127"/>
+                <a:ea typeface="Gulim" panose="020B0600000101010101" pitchFamily="34" charset="-127"/>
+              </a:rPr>
+              <a:t>Evt. depositum og/eller pris</a:t>
             </a:r>
           </a:p>
           <a:p>
@@ -12455,6 +12973,127 @@
           </p:txBody>
         </p:sp>
       </p:grpSp>
+      <p:sp>
+        <p:nvSpPr>
+          <p:cNvPr id="40" name="Pil: opp 39">
+            <a:extLst>
+              <a:ext uri="{FF2B5EF4-FFF2-40B4-BE49-F238E27FC236}">
+                <a16:creationId xmlns:a16="http://schemas.microsoft.com/office/drawing/2014/main" id="{5044E4E5-7750-4789-A390-2AFFD23C4775}"/>
+              </a:ext>
+            </a:extLst>
+          </p:cNvPr>
+          <p:cNvSpPr/>
+          <p:nvPr/>
+        </p:nvSpPr>
+        <p:spPr>
+          <a:xfrm rot="19262999">
+            <a:off x="3616881" y="5121070"/>
+            <a:ext cx="665480" cy="701355"/>
+          </a:xfrm>
+          <a:prstGeom prst="upArrow">
+            <a:avLst/>
+          </a:prstGeom>
+          <a:ln>
+            <a:solidFill>
+              <a:srgbClr val="121210"/>
+            </a:solidFill>
+          </a:ln>
+        </p:spPr>
+        <p:style>
+          <a:lnRef idx="2">
+            <a:schemeClr val="accent3"/>
+          </a:lnRef>
+          <a:fillRef idx="1">
+            <a:schemeClr val="lt1"/>
+          </a:fillRef>
+          <a:effectRef idx="0">
+            <a:schemeClr val="accent3"/>
+          </a:effectRef>
+          <a:fontRef idx="minor">
+            <a:schemeClr val="dk1"/>
+          </a:fontRef>
+        </p:style>
+        <p:txBody>
+          <a:bodyPr rtlCol="0" anchor="ctr"/>
+          <a:lstStyle/>
+          <a:p>
+            <a:pPr algn="ctr"/>
+            <a:endParaRPr lang="nb-NO"/>
+          </a:p>
+        </p:txBody>
+      </p:sp>
+      <p:pic>
+        <p:nvPicPr>
+          <p:cNvPr id="44" name="Grafikk 43" descr="Mynter">
+            <a:extLst>
+              <a:ext uri="{FF2B5EF4-FFF2-40B4-BE49-F238E27FC236}">
+                <a16:creationId xmlns:a16="http://schemas.microsoft.com/office/drawing/2014/main" id="{55FA74EA-971E-4A18-80F1-E333C3B2A47B}"/>
+              </a:ext>
+            </a:extLst>
+          </p:cNvPr>
+          <p:cNvPicPr>
+            <a:picLocks noChangeAspect="1"/>
+          </p:cNvPicPr>
+          <p:nvPr/>
+        </p:nvPicPr>
+        <p:blipFill>
+          <a:blip r:embed="rId28">
+            <a:extLst>
+              <a:ext uri="{96DAC541-7B7A-43D3-8B79-37D633B846F1}">
+                <asvg:svgBlip xmlns:asvg="http://schemas.microsoft.com/office/drawing/2016/SVG/main" r:embed="rId29"/>
+              </a:ext>
+            </a:extLst>
+          </a:blip>
+          <a:stretch>
+            <a:fillRect/>
+          </a:stretch>
+        </p:blipFill>
+        <p:spPr>
+          <a:xfrm>
+            <a:off x="2474155" y="4156258"/>
+            <a:ext cx="518400" cy="518400"/>
+          </a:xfrm>
+          <a:prstGeom prst="rect">
+            <a:avLst/>
+          </a:prstGeom>
+        </p:spPr>
+      </p:pic>
+      <p:pic>
+        <p:nvPicPr>
+          <p:cNvPr id="46" name="Grafikk 45" descr="Penger">
+            <a:extLst>
+              <a:ext uri="{FF2B5EF4-FFF2-40B4-BE49-F238E27FC236}">
+                <a16:creationId xmlns:a16="http://schemas.microsoft.com/office/drawing/2014/main" id="{F493E1CF-D07E-4FB6-8B02-D31615EDEF6D}"/>
+              </a:ext>
+            </a:extLst>
+          </p:cNvPr>
+          <p:cNvPicPr>
+            <a:picLocks noChangeAspect="1"/>
+          </p:cNvPicPr>
+          <p:nvPr/>
+        </p:nvPicPr>
+        <p:blipFill>
+          <a:blip r:embed="rId30">
+            <a:extLst>
+              <a:ext uri="{96DAC541-7B7A-43D3-8B79-37D633B846F1}">
+                <asvg:svgBlip xmlns:asvg="http://schemas.microsoft.com/office/drawing/2016/SVG/main" r:embed="rId31"/>
+              </a:ext>
+            </a:extLst>
+          </a:blip>
+          <a:stretch>
+            <a:fillRect/>
+          </a:stretch>
+        </p:blipFill>
+        <p:spPr>
+          <a:xfrm>
+            <a:off x="2455110" y="3719148"/>
+            <a:ext cx="518400" cy="518400"/>
+          </a:xfrm>
+          <a:prstGeom prst="rect">
+            <a:avLst/>
+          </a:prstGeom>
+        </p:spPr>
+      </p:pic>
     </p:spTree>
     <p:extLst>
       <p:ext uri="{BB962C8B-B14F-4D97-AF65-F5344CB8AC3E}">
@@ -12923,7 +13562,7 @@
                                           </p:stCondLst>
                                         </p:cTn>
                                         <p:tgtEl>
-                                          <p:spTgt spid="29"/>
+                                          <p:spTgt spid="46"/>
                                         </p:tgtEl>
                                         <p:attrNameLst>
                                           <p:attrName>style.visibility</p:attrName>
@@ -12950,6 +13589,115 @@
                                           </p:stCondLst>
                                         </p:cTn>
                                         <p:tgtEl>
+                                          <p:spTgt spid="44"/>
+                                        </p:tgtEl>
+                                        <p:attrNameLst>
+                                          <p:attrName>style.visibility</p:attrName>
+                                        </p:attrNameLst>
+                                      </p:cBhvr>
+                                      <p:to>
+                                        <p:strVal val="visible"/>
+                                      </p:to>
+                                    </p:set>
+                                  </p:childTnLst>
+                                </p:cTn>
+                              </p:par>
+                            </p:childTnLst>
+                          </p:cTn>
+                        </p:par>
+                        <p:par>
+                          <p:cTn id="40" fill="hold">
+                            <p:stCondLst>
+                              <p:cond delay="5100"/>
+                            </p:stCondLst>
+                            <p:childTnLst>
+                              <p:par>
+                                <p:cTn id="41" presetID="10" presetClass="entr" presetSubtype="0" fill="hold" nodeType="afterEffect">
+                                  <p:stCondLst>
+                                    <p:cond delay="0"/>
+                                  </p:stCondLst>
+                                  <p:iterate type="lt">
+                                    <p:tmPct val="10000"/>
+                                  </p:iterate>
+                                  <p:childTnLst>
+                                    <p:set>
+                                      <p:cBhvr>
+                                        <p:cTn id="42" dur="1" fill="hold">
+                                          <p:stCondLst>
+                                            <p:cond delay="0"/>
+                                          </p:stCondLst>
+                                        </p:cTn>
+                                        <p:tgtEl>
+                                          <p:spTgt spid="9">
+                                            <p:txEl>
+                                              <p:pRg st="4" end="4"/>
+                                            </p:txEl>
+                                          </p:spTgt>
+                                        </p:tgtEl>
+                                        <p:attrNameLst>
+                                          <p:attrName>style.visibility</p:attrName>
+                                        </p:attrNameLst>
+                                      </p:cBhvr>
+                                      <p:to>
+                                        <p:strVal val="visible"/>
+                                      </p:to>
+                                    </p:set>
+                                    <p:animEffect transition="in" filter="fade">
+                                      <p:cBhvr>
+                                        <p:cTn id="43" dur="500"/>
+                                        <p:tgtEl>
+                                          <p:spTgt spid="9">
+                                            <p:txEl>
+                                              <p:pRg st="4" end="4"/>
+                                            </p:txEl>
+                                          </p:spTgt>
+                                        </p:tgtEl>
+                                      </p:cBhvr>
+                                    </p:animEffect>
+                                  </p:childTnLst>
+                                </p:cTn>
+                              </p:par>
+                              <p:par>
+                                <p:cTn id="44" presetID="1" presetClass="entr" presetSubtype="0" fill="hold" nodeType="withEffect">
+                                  <p:stCondLst>
+                                    <p:cond delay="0"/>
+                                  </p:stCondLst>
+                                  <p:childTnLst>
+                                    <p:set>
+                                      <p:cBhvr>
+                                        <p:cTn id="45" dur="1" fill="hold">
+                                          <p:stCondLst>
+                                            <p:cond delay="0"/>
+                                          </p:stCondLst>
+                                        </p:cTn>
+                                        <p:tgtEl>
+                                          <p:spTgt spid="29"/>
+                                        </p:tgtEl>
+                                        <p:attrNameLst>
+                                          <p:attrName>style.visibility</p:attrName>
+                                        </p:attrNameLst>
+                                      </p:cBhvr>
+                                      <p:to>
+                                        <p:strVal val="visible"/>
+                                      </p:to>
+                                    </p:set>
+                                  </p:childTnLst>
+                                </p:cTn>
+                              </p:par>
+                              <p:par>
+                                <p:cTn id="46" presetID="1" presetClass="entr" presetSubtype="0" fill="hold" nodeType="withEffect">
+                                  <p:stCondLst>
+                                    <p:cond delay="0"/>
+                                  </p:stCondLst>
+                                  <p:childTnLst>
+                                    <p:set>
+                                      <p:cBhvr>
+                                        <p:cTn id="47" dur="1" fill="hold">
+                                          <p:stCondLst>
+                                            <p:cond delay="0"/>
+                                          </p:stCondLst>
+                                        </p:cTn>
+                                        <p:tgtEl>
                                           <p:spTgt spid="27"/>
                                         </p:tgtEl>
                                         <p:attrNameLst>
@@ -12964,14 +13712,14 @@
                                 </p:cTn>
                               </p:par>
                               <p:par>
-                                <p:cTn id="40" presetID="1" presetClass="entr" presetSubtype="0" fill="hold" nodeType="withEffect">
+                                <p:cTn id="48" presetID="1" presetClass="entr" presetSubtype="0" fill="hold" nodeType="withEffect">
                                   <p:stCondLst>
                                     <p:cond delay="0"/>
                                   </p:stCondLst>
                                   <p:childTnLst>
                                     <p:set>
                                       <p:cBhvr>
-                                        <p:cTn id="41" dur="1" fill="hold">
+                                        <p:cTn id="49" dur="1" fill="hold">
                                           <p:stCondLst>
                                             <p:cond delay="0"/>
                                           </p:stCondLst>
@@ -12994,13 +13742,13 @@
                           </p:cTn>
                         </p:par>
                         <p:par>
-                          <p:cTn id="42" fill="hold">
+                          <p:cTn id="50" fill="hold">
                             <p:stCondLst>
-                              <p:cond delay="4450"/>
+                              <p:cond delay="6150"/>
                             </p:stCondLst>
                             <p:childTnLst>
                               <p:par>
-                                <p:cTn id="43" presetID="10" presetClass="entr" presetSubtype="0" fill="hold" nodeType="afterEffect">
+                                <p:cTn id="51" presetID="10" presetClass="entr" presetSubtype="0" fill="hold" nodeType="afterEffect">
                                   <p:stCondLst>
                                     <p:cond delay="0"/>
                                   </p:stCondLst>
@@ -13010,7 +13758,7 @@
                                   <p:childTnLst>
                                     <p:set>
                                       <p:cBhvr>
-                                        <p:cTn id="44" dur="1" fill="hold">
+                                        <p:cTn id="52" dur="1" fill="hold">
                                           <p:stCondLst>
                                             <p:cond delay="0"/>
                                           </p:stCondLst>
@@ -13018,7 +13766,7 @@
                                         <p:tgtEl>
                                           <p:spTgt spid="9">
                                             <p:txEl>
-                                              <p:pRg st="4" end="4"/>
+                                              <p:pRg st="5" end="5"/>
                                             </p:txEl>
                                           </p:spTgt>
                                         </p:tgtEl>
@@ -13032,11 +13780,11 @@
                                     </p:set>
                                     <p:animEffect transition="in" filter="fade">
                                       <p:cBhvr>
-                                        <p:cTn id="45" dur="500"/>
+                                        <p:cTn id="53" dur="500"/>
                                         <p:tgtEl>
                                           <p:spTgt spid="9">
                                             <p:txEl>
-                                              <p:pRg st="4" end="4"/>
+                                              <p:pRg st="5" end="5"/>
                                             </p:txEl>
                                           </p:spTgt>
                                         </p:tgtEl>
@@ -13049,20 +13797,20 @@
                           </p:cTn>
                         </p:par>
                         <p:par>
-                          <p:cTn id="46" fill="hold">
+                          <p:cTn id="54" fill="hold">
                             <p:stCondLst>
-                              <p:cond delay="5650"/>
+                              <p:cond delay="7350"/>
                             </p:stCondLst>
                             <p:childTnLst>
                               <p:par>
-                                <p:cTn id="47" presetID="42" presetClass="entr" presetSubtype="0" fill="hold" nodeType="afterEffect">
+                                <p:cTn id="55" presetID="42" presetClass="entr" presetSubtype="0" fill="hold" nodeType="afterEffect">
                                   <p:stCondLst>
                                     <p:cond delay="0"/>
                                   </p:stCondLst>
                                   <p:childTnLst>
                                     <p:set>
                                       <p:cBhvr>
-                                        <p:cTn id="48" dur="1" fill="hold">
+                                        <p:cTn id="56" dur="1" fill="hold">
                                           <p:stCondLst>
                                             <p:cond delay="0"/>
                                           </p:stCondLst>
@@ -13080,7 +13828,7 @@
                                     </p:set>
                                     <p:animEffect transition="in" filter="fade">
                                       <p:cBhvr>
-                                        <p:cTn id="49" dur="1000"/>
+                                        <p:cTn id="57" dur="1000"/>
                                         <p:tgtEl>
                                           <p:spTgt spid="39"/>
                                         </p:tgtEl>
@@ -13088,7 +13836,7 @@
                                     </p:animEffect>
                                     <p:anim calcmode="lin" valueType="num">
                                       <p:cBhvr>
-                                        <p:cTn id="50" dur="1000" fill="hold"/>
+                                        <p:cTn id="58" dur="1000" fill="hold"/>
                                         <p:tgtEl>
                                           <p:spTgt spid="39"/>
                                         </p:tgtEl>
@@ -13111,7 +13859,7 @@
                                     </p:anim>
                                     <p:anim calcmode="lin" valueType="num">
                                       <p:cBhvr>
-                                        <p:cTn id="51" dur="1000" fill="hold"/>
+                                        <p:cTn id="59" dur="1000" fill="hold"/>
                                         <p:tgtEl>
                                           <p:spTgt spid="39"/>
                                         </p:tgtEl>
@@ -13139,20 +13887,20 @@
                           </p:cTn>
                         </p:par>
                         <p:par>
-                          <p:cTn id="52" fill="hold">
+                          <p:cTn id="60" fill="hold">
                             <p:stCondLst>
-                              <p:cond delay="6650"/>
+                              <p:cond delay="8350"/>
                             </p:stCondLst>
                             <p:childTnLst>
                               <p:par>
-                                <p:cTn id="53" presetID="32" presetClass="emph" presetSubtype="0" fill="hold" nodeType="afterEffect">
+                                <p:cTn id="61" presetID="32" presetClass="emph" presetSubtype="0" fill="hold" nodeType="afterEffect">
                                   <p:stCondLst>
                                     <p:cond delay="0"/>
                                   </p:stCondLst>
                                   <p:childTnLst>
                                     <p:animRot by="120000">
                                       <p:cBhvr>
-                                        <p:cTn id="54" dur="100" fill="hold">
+                                        <p:cTn id="62" dur="100" fill="hold">
                                           <p:stCondLst>
                                             <p:cond delay="0"/>
                                           </p:stCondLst>
@@ -13167,7 +13915,7 @@
                                     </p:animRot>
                                     <p:animRot by="-240000">
                                       <p:cBhvr>
-                                        <p:cTn id="55" dur="200" fill="hold">
+                                        <p:cTn id="63" dur="200" fill="hold">
                                           <p:stCondLst>
                                             <p:cond delay="200"/>
                                           </p:stCondLst>
@@ -13182,7 +13930,7 @@
                                     </p:animRot>
                                     <p:animRot by="240000">
                                       <p:cBhvr>
-                                        <p:cTn id="56" dur="200" fill="hold">
+                                        <p:cTn id="64" dur="200" fill="hold">
                                           <p:stCondLst>
                                             <p:cond delay="400"/>
                                           </p:stCondLst>
@@ -13197,7 +13945,7 @@
                                     </p:animRot>
                                     <p:animRot by="-240000">
                                       <p:cBhvr>
-                                        <p:cTn id="57" dur="200" fill="hold">
+                                        <p:cTn id="65" dur="200" fill="hold">
                                           <p:stCondLst>
                                             <p:cond delay="600"/>
                                           </p:stCondLst>
@@ -13212,7 +13960,7 @@
                                     </p:animRot>
                                     <p:animRot by="120000">
                                       <p:cBhvr>
-                                        <p:cTn id="58" dur="200" fill="hold">
+                                        <p:cTn id="66" dur="200" fill="hold">
                                           <p:stCondLst>
                                             <p:cond delay="800"/>
                                           </p:stCondLst>
@@ -13225,6 +13973,97 @@
                                         </p:attrNameLst>
                                       </p:cBhvr>
                                     </p:animRot>
+                                  </p:childTnLst>
+                                </p:cTn>
+                              </p:par>
+                            </p:childTnLst>
+                          </p:cTn>
+                        </p:par>
+                      </p:childTnLst>
+                    </p:cTn>
+                  </p:par>
+                  <p:par>
+                    <p:cTn id="67" fill="hold">
+                      <p:stCondLst>
+                        <p:cond delay="indefinite"/>
+                      </p:stCondLst>
+                      <p:childTnLst>
+                        <p:par>
+                          <p:cTn id="68" fill="hold">
+                            <p:stCondLst>
+                              <p:cond delay="0"/>
+                            </p:stCondLst>
+                            <p:childTnLst>
+                              <p:par>
+                                <p:cTn id="69" presetID="2" presetClass="entr" presetSubtype="4" fill="hold" grpId="0" nodeType="clickEffect">
+                                  <p:stCondLst>
+                                    <p:cond delay="0"/>
+                                  </p:stCondLst>
+                                  <p:childTnLst>
+                                    <p:set>
+                                      <p:cBhvr>
+                                        <p:cTn id="70" dur="1" fill="hold">
+                                          <p:stCondLst>
+                                            <p:cond delay="0"/>
+                                          </p:stCondLst>
+                                        </p:cTn>
+                                        <p:tgtEl>
+                                          <p:spTgt spid="40"/>
+                                        </p:tgtEl>
+                                        <p:attrNameLst>
+                                          <p:attrName>style.visibility</p:attrName>
+                                        </p:attrNameLst>
+                                      </p:cBhvr>
+                                      <p:to>
+                                        <p:strVal val="visible"/>
+                                      </p:to>
+                                    </p:set>
+                                    <p:anim calcmode="lin" valueType="num">
+                                      <p:cBhvr additive="base">
+                                        <p:cTn id="71" dur="500" fill="hold"/>
+                                        <p:tgtEl>
+                                          <p:spTgt spid="40"/>
+                                        </p:tgtEl>
+                                        <p:attrNameLst>
+                                          <p:attrName>ppt_x</p:attrName>
+                                        </p:attrNameLst>
+                                      </p:cBhvr>
+                                      <p:tavLst>
+                                        <p:tav tm="0">
+                                          <p:val>
+                                            <p:strVal val="#ppt_x"/>
+                                          </p:val>
+                                        </p:tav>
+                                        <p:tav tm="100000">
+                                          <p:val>
+                                            <p:strVal val="#ppt_x"/>
+                                          </p:val>
+                                        </p:tav>
+                                      </p:tavLst>
+                                    </p:anim>
+                                    <p:anim calcmode="lin" valueType="num">
+                                      <p:cBhvr additive="base">
+                                        <p:cTn id="72" dur="500" fill="hold"/>
+                                        <p:tgtEl>
+                                          <p:spTgt spid="40"/>
+                                        </p:tgtEl>
+                                        <p:attrNameLst>
+                                          <p:attrName>ppt_y</p:attrName>
+                                        </p:attrNameLst>
+                                      </p:cBhvr>
+                                      <p:tavLst>
+                                        <p:tav tm="0">
+                                          <p:val>
+                                            <p:strVal val="1+#ppt_h/2"/>
+                                          </p:val>
+                                        </p:tav>
+                                        <p:tav tm="100000">
+                                          <p:val>
+                                            <p:strVal val="#ppt_y"/>
+                                          </p:val>
+                                        </p:tav>
+                                      </p:tavLst>
+                                    </p:anim>
                                   </p:childTnLst>
                                 </p:cTn>
                               </p:par>
@@ -13255,13 +14094,24 @@
         </p:cTn>
       </p:par>
     </p:tnLst>
+    <p:bldLst>
+      <p:bldP spid="40" grpId="0" animBg="1"/>
+    </p:bldLst>
   </p:timing>
 </p:sld>
 </file>
 
-<file path=ppt/slides/slide27.xml><?xml version="1.0" encoding="utf-8"?>
+<file path=ppt/slides/slide28.xml><?xml version="1.0" encoding="utf-8"?>
 <p:sld xmlns:a="http://schemas.openxmlformats.org/drawingml/2006/main" xmlns:r="http://schemas.openxmlformats.org/officeDocument/2006/relationships" xmlns:p="http://schemas.openxmlformats.org/presentationml/2006/main">
   <p:cSld>
+    <p:bg>
+      <p:bgPr>
+        <a:solidFill>
+          <a:schemeClr val="bg1"/>
+        </a:solidFill>
+        <a:effectLst/>
+      </p:bgPr>
+    </p:bg>
     <p:spTree>
       <p:nvGrpSpPr>
         <p:cNvPr id="1" name=""/>
@@ -13278,151 +14128,634 @@
       </p:grpSpPr>
       <p:sp>
         <p:nvSpPr>
-          <p:cNvPr id="2" name="Tittel 1">
+          <p:cNvPr id="15" name="Rectangle 14">
             <a:extLst>
               <a:ext uri="{FF2B5EF4-FFF2-40B4-BE49-F238E27FC236}">
-                <a16:creationId xmlns:a16="http://schemas.microsoft.com/office/drawing/2014/main" id="{EEFD7CE7-FFFC-4D83-B3A0-EE0E01CC205C}"/>
+                <a16:creationId xmlns:a16="http://schemas.microsoft.com/office/drawing/2014/main" id="{E1750109-3B91-4506-B997-0CD8E35A1488}"/>
+              </a:ext>
+              <a:ext uri="{C183D7F6-B498-43B3-948B-1728B52AA6E4}">
+                <adec:decorative xmlns:adec="http://schemas.microsoft.com/office/drawing/2017/decorative" val="1"/>
               </a:ext>
             </a:extLst>
           </p:cNvPr>
           <p:cNvSpPr>
-            <a:spLocks noGrp="1"/>
+            <a:spLocks noGrp="1" noRot="1" noChangeAspect="1" noMove="1" noResize="1" noEditPoints="1" noAdjustHandles="1" noChangeArrowheads="1" noChangeShapeType="1" noTextEdit="1"/>
           </p:cNvSpPr>
           <p:nvPr>
-            <p:ph type="title"/>
+            <p:extLst>
+              <p:ext uri="{386F3935-93C4-4BCD-93E2-E3B085C9AB24}">
+                <p16:designElem xmlns:p16="http://schemas.microsoft.com/office/powerpoint/2015/main" val="1"/>
+              </p:ext>
+            </p:extLst>
           </p:nvPr>
         </p:nvSpPr>
-        <p:spPr/>
+        <p:spPr>
+          <a:xfrm>
+            <a:off x="0" y="0"/>
+            <a:ext cx="12192000" cy="6858000"/>
+          </a:xfrm>
+          <a:prstGeom prst="rect">
+            <a:avLst/>
+          </a:prstGeom>
+          <a:solidFill>
+            <a:srgbClr val="4E4E4E"/>
+          </a:solidFill>
+          <a:ln>
+            <a:noFill/>
+          </a:ln>
+        </p:spPr>
+        <p:style>
+          <a:lnRef idx="2">
+            <a:schemeClr val="accent1">
+              <a:shade val="50000"/>
+            </a:schemeClr>
+          </a:lnRef>
+          <a:fillRef idx="1">
+            <a:schemeClr val="accent1"/>
+          </a:fillRef>
+          <a:effectRef idx="0">
+            <a:schemeClr val="accent1"/>
+          </a:effectRef>
+          <a:fontRef idx="minor">
+            <a:schemeClr val="lt1"/>
+          </a:fontRef>
+        </p:style>
         <p:txBody>
-          <a:bodyPr/>
+          <a:bodyPr rtlCol="0" anchor="ctr"/>
           <a:lstStyle/>
           <a:p>
-            <a:r>
-              <a:rPr lang="nb-NO" dirty="0"/>
-              <a:t>Gode hjelpere</a:t>
-            </a:r>
+            <a:pPr algn="ctr"/>
+            <a:endParaRPr lang="en-US"/>
           </a:p>
         </p:txBody>
       </p:sp>
       <p:sp>
         <p:nvSpPr>
-          <p:cNvPr id="3" name="Plassholder for tekst 2">
+          <p:cNvPr id="17" name="Rectangle 16">
             <a:extLst>
               <a:ext uri="{FF2B5EF4-FFF2-40B4-BE49-F238E27FC236}">
-                <a16:creationId xmlns:a16="http://schemas.microsoft.com/office/drawing/2014/main" id="{18FE8D3C-D152-401A-B4AE-D2AB29712382}"/>
+                <a16:creationId xmlns:a16="http://schemas.microsoft.com/office/drawing/2014/main" id="{E72D8D1B-59F6-4FF3-8547-9BBB6129F2FA}"/>
+              </a:ext>
+              <a:ext uri="{C183D7F6-B498-43B3-948B-1728B52AA6E4}">
+                <adec:decorative xmlns:adec="http://schemas.microsoft.com/office/drawing/2017/decorative" val="1"/>
               </a:ext>
             </a:extLst>
           </p:cNvPr>
           <p:cNvSpPr>
-            <a:spLocks noGrp="1"/>
+            <a:spLocks noGrp="1" noRot="1" noChangeAspect="1" noMove="1" noResize="1" noEditPoints="1" noAdjustHandles="1" noChangeArrowheads="1" noChangeShapeType="1" noTextEdit="1"/>
           </p:cNvSpPr>
           <p:nvPr>
-            <p:ph type="body" idx="1"/>
+            <p:extLst>
+              <p:ext uri="{386F3935-93C4-4BCD-93E2-E3B085C9AB24}">
+                <p16:designElem xmlns:p16="http://schemas.microsoft.com/office/powerpoint/2015/main" val="1"/>
+              </p:ext>
+            </p:extLst>
           </p:nvPr>
         </p:nvSpPr>
-        <p:spPr/>
+        <p:spPr>
+          <a:xfrm>
+            <a:off x="461331" y="480060"/>
+            <a:ext cx="3442553" cy="2788074"/>
+          </a:xfrm>
+          <a:prstGeom prst="rect">
+            <a:avLst/>
+          </a:prstGeom>
+          <a:solidFill>
+            <a:schemeClr val="bg1"/>
+          </a:solidFill>
+          <a:ln w="19050">
+            <a:noFill/>
+          </a:ln>
+        </p:spPr>
+        <p:style>
+          <a:lnRef idx="2">
+            <a:schemeClr val="accent1">
+              <a:shade val="50000"/>
+            </a:schemeClr>
+          </a:lnRef>
+          <a:fillRef idx="1">
+            <a:schemeClr val="accent1"/>
+          </a:fillRef>
+          <a:effectRef idx="0">
+            <a:schemeClr val="accent1"/>
+          </a:effectRef>
+          <a:fontRef idx="minor">
+            <a:schemeClr val="lt1"/>
+          </a:fontRef>
+        </p:style>
         <p:txBody>
-          <a:bodyPr/>
+          <a:bodyPr rtlCol="0" anchor="ctr"/>
           <a:lstStyle/>
           <a:p>
-            <a:endParaRPr lang="nb-NO" dirty="0"/>
+            <a:pPr algn="ctr"/>
+            <a:endParaRPr lang="en-US"/>
+          </a:p>
+        </p:txBody>
+      </p:sp>
+      <p:sp>
+        <p:nvSpPr>
+          <p:cNvPr id="19" name="Rectangle 18">
+            <a:extLst>
+              <a:ext uri="{FF2B5EF4-FFF2-40B4-BE49-F238E27FC236}">
+                <a16:creationId xmlns:a16="http://schemas.microsoft.com/office/drawing/2014/main" id="{14044C96-7CFD-44DB-A579-D77B0D37C681}"/>
+              </a:ext>
+              <a:ext uri="{C183D7F6-B498-43B3-948B-1728B52AA6E4}">
+                <adec:decorative xmlns:adec="http://schemas.microsoft.com/office/drawing/2017/decorative" val="1"/>
+              </a:ext>
+            </a:extLst>
+          </p:cNvPr>
+          <p:cNvSpPr>
+            <a:spLocks noGrp="1" noRot="1" noChangeAspect="1" noMove="1" noResize="1" noEditPoints="1" noAdjustHandles="1" noChangeArrowheads="1" noChangeShapeType="1" noTextEdit="1"/>
+          </p:cNvSpPr>
+          <p:nvPr>
+            <p:extLst>
+              <p:ext uri="{386F3935-93C4-4BCD-93E2-E3B085C9AB24}">
+                <p16:designElem xmlns:p16="http://schemas.microsoft.com/office/powerpoint/2015/main" val="1"/>
+              </p:ext>
+            </p:extLst>
+          </p:nvPr>
+        </p:nvSpPr>
+        <p:spPr>
+          <a:xfrm>
+            <a:off x="8135998" y="487090"/>
+            <a:ext cx="3588174" cy="2781044"/>
+          </a:xfrm>
+          <a:prstGeom prst="rect">
+            <a:avLst/>
+          </a:prstGeom>
+          <a:solidFill>
+            <a:schemeClr val="bg1"/>
+          </a:solidFill>
+          <a:ln w="19050">
+            <a:noFill/>
+          </a:ln>
+        </p:spPr>
+        <p:style>
+          <a:lnRef idx="2">
+            <a:schemeClr val="accent1">
+              <a:shade val="50000"/>
+            </a:schemeClr>
+          </a:lnRef>
+          <a:fillRef idx="1">
+            <a:schemeClr val="accent1"/>
+          </a:fillRef>
+          <a:effectRef idx="0">
+            <a:schemeClr val="accent1"/>
+          </a:effectRef>
+          <a:fontRef idx="minor">
+            <a:schemeClr val="lt1"/>
+          </a:fontRef>
+        </p:style>
+        <p:txBody>
+          <a:bodyPr rtlCol="0" anchor="ctr"/>
+          <a:lstStyle/>
+          <a:p>
+            <a:pPr algn="ctr"/>
+            <a:endParaRPr lang="en-US"/>
+          </a:p>
+        </p:txBody>
+      </p:sp>
+      <p:pic>
+        <p:nvPicPr>
+          <p:cNvPr id="8" name="Grafikk 7" descr="Navneskilt til ansatte">
+            <a:extLst>
+              <a:ext uri="{FF2B5EF4-FFF2-40B4-BE49-F238E27FC236}">
+                <a16:creationId xmlns:a16="http://schemas.microsoft.com/office/drawing/2014/main" id="{8957CF12-F776-40FC-9AB4-1CE6CDD31C9B}"/>
+              </a:ext>
+            </a:extLst>
+          </p:cNvPr>
+          <p:cNvPicPr>
+            <a:picLocks noChangeAspect="1"/>
+          </p:cNvPicPr>
+          <p:nvPr/>
+        </p:nvPicPr>
+        <p:blipFill>
+          <a:blip r:embed="rId2">
+            <a:extLst>
+              <a:ext uri="{96DAC541-7B7A-43D3-8B79-37D633B846F1}">
+                <asvg:svgBlip xmlns:asvg="http://schemas.microsoft.com/office/drawing/2016/SVG/main" r:embed="rId3"/>
+              </a:ext>
+            </a:extLst>
+          </a:blip>
+          <a:stretch>
+            <a:fillRect/>
+          </a:stretch>
+        </p:blipFill>
+        <p:spPr>
+          <a:xfrm>
+            <a:off x="8705658" y="650497"/>
+            <a:ext cx="2468623" cy="2468623"/>
+          </a:xfrm>
+          <a:prstGeom prst="rect">
+            <a:avLst/>
+          </a:prstGeom>
+        </p:spPr>
+      </p:pic>
+      <p:sp>
+        <p:nvSpPr>
+          <p:cNvPr id="21" name="Rectangle 20">
+            <a:extLst>
+              <a:ext uri="{FF2B5EF4-FFF2-40B4-BE49-F238E27FC236}">
+                <a16:creationId xmlns:a16="http://schemas.microsoft.com/office/drawing/2014/main" id="{8FC8C21F-9484-4A71-ABFA-6C10682FAC3E}"/>
+              </a:ext>
+              <a:ext uri="{C183D7F6-B498-43B3-948B-1728B52AA6E4}">
+                <adec:decorative xmlns:adec="http://schemas.microsoft.com/office/drawing/2017/decorative" val="1"/>
+              </a:ext>
+            </a:extLst>
+          </p:cNvPr>
+          <p:cNvSpPr>
+            <a:spLocks noGrp="1" noRot="1" noChangeAspect="1" noMove="1" noResize="1" noEditPoints="1" noAdjustHandles="1" noChangeArrowheads="1" noChangeShapeType="1" noTextEdit="1"/>
+          </p:cNvSpPr>
+          <p:nvPr>
+            <p:extLst>
+              <p:ext uri="{386F3935-93C4-4BCD-93E2-E3B085C9AB24}">
+                <p16:designElem xmlns:p16="http://schemas.microsoft.com/office/powerpoint/2015/main" val="1"/>
+              </p:ext>
+            </p:extLst>
+          </p:nvPr>
+        </p:nvSpPr>
+        <p:spPr>
+          <a:xfrm>
+            <a:off x="461331" y="3603670"/>
+            <a:ext cx="3442553" cy="2788074"/>
+          </a:xfrm>
+          <a:prstGeom prst="rect">
+            <a:avLst/>
+          </a:prstGeom>
+          <a:solidFill>
+            <a:schemeClr val="bg1"/>
+          </a:solidFill>
+          <a:ln w="19050">
+            <a:noFill/>
+          </a:ln>
+        </p:spPr>
+        <p:style>
+          <a:lnRef idx="2">
+            <a:schemeClr val="accent1">
+              <a:shade val="50000"/>
+            </a:schemeClr>
+          </a:lnRef>
+          <a:fillRef idx="1">
+            <a:schemeClr val="accent1"/>
+          </a:fillRef>
+          <a:effectRef idx="0">
+            <a:schemeClr val="accent1"/>
+          </a:effectRef>
+          <a:fontRef idx="minor">
+            <a:schemeClr val="lt1"/>
+          </a:fontRef>
+        </p:style>
+        <p:txBody>
+          <a:bodyPr rtlCol="0" anchor="ctr"/>
+          <a:lstStyle/>
+          <a:p>
+            <a:pPr algn="ctr"/>
+            <a:endParaRPr lang="en-US"/>
+          </a:p>
+        </p:txBody>
+      </p:sp>
+      <p:pic>
+        <p:nvPicPr>
+          <p:cNvPr id="4" name="Grafikk 3" descr="Snakkeboble">
+            <a:extLst>
+              <a:ext uri="{FF2B5EF4-FFF2-40B4-BE49-F238E27FC236}">
+                <a16:creationId xmlns:a16="http://schemas.microsoft.com/office/drawing/2014/main" id="{6C2D6611-183D-4198-BE8A-D01ACED93620}"/>
+              </a:ext>
+            </a:extLst>
+          </p:cNvPr>
+          <p:cNvPicPr>
+            <a:picLocks noChangeAspect="1"/>
+          </p:cNvPicPr>
+          <p:nvPr/>
+        </p:nvPicPr>
+        <p:blipFill>
+          <a:blip r:embed="rId4">
+            <a:extLst>
+              <a:ext uri="{96DAC541-7B7A-43D3-8B79-37D633B846F1}">
+                <asvg:svgBlip xmlns:asvg="http://schemas.microsoft.com/office/drawing/2016/SVG/main" r:embed="rId5"/>
+              </a:ext>
+            </a:extLst>
+          </a:blip>
+          <a:stretch>
+            <a:fillRect/>
+          </a:stretch>
+        </p:blipFill>
+        <p:spPr>
+          <a:xfrm>
+            <a:off x="939205" y="3748194"/>
+            <a:ext cx="2471631" cy="2471631"/>
+          </a:xfrm>
+          <a:prstGeom prst="rect">
+            <a:avLst/>
+          </a:prstGeom>
+        </p:spPr>
+      </p:pic>
+      <p:sp>
+        <p:nvSpPr>
+          <p:cNvPr id="23" name="Rectangle 22">
+            <a:extLst>
+              <a:ext uri="{FF2B5EF4-FFF2-40B4-BE49-F238E27FC236}">
+                <a16:creationId xmlns:a16="http://schemas.microsoft.com/office/drawing/2014/main" id="{2C444748-5A8D-4B53-89FE-42B455DFA2D1}"/>
+              </a:ext>
+              <a:ext uri="{C183D7F6-B498-43B3-948B-1728B52AA6E4}">
+                <adec:decorative xmlns:adec="http://schemas.microsoft.com/office/drawing/2017/decorative" val="1"/>
+              </a:ext>
+            </a:extLst>
+          </p:cNvPr>
+          <p:cNvSpPr>
+            <a:spLocks noGrp="1" noRot="1" noChangeAspect="1" noMove="1" noResize="1" noEditPoints="1" noAdjustHandles="1" noChangeArrowheads="1" noChangeShapeType="1" noTextEdit="1"/>
+          </p:cNvSpPr>
+          <p:nvPr>
+            <p:extLst>
+              <p:ext uri="{386F3935-93C4-4BCD-93E2-E3B085C9AB24}">
+                <p16:designElem xmlns:p16="http://schemas.microsoft.com/office/powerpoint/2015/main" val="1"/>
+              </p:ext>
+            </p:extLst>
+          </p:nvPr>
+        </p:nvSpPr>
+        <p:spPr>
+          <a:xfrm>
+            <a:off x="4225618" y="487090"/>
+            <a:ext cx="3588171" cy="5897880"/>
+          </a:xfrm>
+          <a:prstGeom prst="rect">
+            <a:avLst/>
+          </a:prstGeom>
+          <a:solidFill>
+            <a:schemeClr val="bg1"/>
+          </a:solidFill>
+          <a:ln w="19050">
+            <a:noFill/>
+          </a:ln>
+        </p:spPr>
+        <p:style>
+          <a:lnRef idx="2">
+            <a:schemeClr val="accent1">
+              <a:shade val="50000"/>
+            </a:schemeClr>
+          </a:lnRef>
+          <a:fillRef idx="1">
+            <a:schemeClr val="accent1"/>
+          </a:fillRef>
+          <a:effectRef idx="0">
+            <a:schemeClr val="accent1"/>
+          </a:effectRef>
+          <a:fontRef idx="minor">
+            <a:schemeClr val="lt1"/>
+          </a:fontRef>
+        </p:style>
+        <p:txBody>
+          <a:bodyPr rtlCol="0" anchor="ctr"/>
+          <a:lstStyle/>
+          <a:p>
+            <a:pPr algn="ctr"/>
+            <a:endParaRPr lang="en-US"/>
+          </a:p>
+        </p:txBody>
+      </p:sp>
+      <p:pic>
+        <p:nvPicPr>
+          <p:cNvPr id="2" name="Grafikk 1" descr="Smarttelefon">
+            <a:extLst>
+              <a:ext uri="{FF2B5EF4-FFF2-40B4-BE49-F238E27FC236}">
+                <a16:creationId xmlns:a16="http://schemas.microsoft.com/office/drawing/2014/main" id="{57FB3C99-9E36-46EE-9E2E-43C8D544D9C3}"/>
+              </a:ext>
+            </a:extLst>
+          </p:cNvPr>
+          <p:cNvPicPr>
+            <a:picLocks noChangeAspect="1"/>
+          </p:cNvPicPr>
+          <p:nvPr/>
+        </p:nvPicPr>
+        <p:blipFill>
+          <a:blip r:embed="rId6">
+            <a:extLst>
+              <a:ext uri="{96DAC541-7B7A-43D3-8B79-37D633B846F1}">
+                <asvg:svgBlip xmlns:asvg="http://schemas.microsoft.com/office/drawing/2016/SVG/main" r:embed="rId7"/>
+              </a:ext>
+            </a:extLst>
+          </a:blip>
+          <a:stretch>
+            <a:fillRect/>
+          </a:stretch>
+        </p:blipFill>
+        <p:spPr>
+          <a:xfrm>
+            <a:off x="4381676" y="1809578"/>
+            <a:ext cx="3252903" cy="3252903"/>
+          </a:xfrm>
+          <a:prstGeom prst="rect">
+            <a:avLst/>
+          </a:prstGeom>
+        </p:spPr>
+      </p:pic>
+      <p:sp>
+        <p:nvSpPr>
+          <p:cNvPr id="25" name="Rectangle 24">
+            <a:extLst>
+              <a:ext uri="{FF2B5EF4-FFF2-40B4-BE49-F238E27FC236}">
+                <a16:creationId xmlns:a16="http://schemas.microsoft.com/office/drawing/2014/main" id="{F4FFA271-A10A-4AC3-8F06-E3313A197A80}"/>
+              </a:ext>
+              <a:ext uri="{C183D7F6-B498-43B3-948B-1728B52AA6E4}">
+                <adec:decorative xmlns:adec="http://schemas.microsoft.com/office/drawing/2017/decorative" val="1"/>
+              </a:ext>
+            </a:extLst>
+          </p:cNvPr>
+          <p:cNvSpPr>
+            <a:spLocks noGrp="1" noRot="1" noChangeAspect="1" noMove="1" noResize="1" noEditPoints="1" noAdjustHandles="1" noChangeArrowheads="1" noChangeShapeType="1" noTextEdit="1"/>
+          </p:cNvSpPr>
+          <p:nvPr>
+            <p:extLst>
+              <p:ext uri="{386F3935-93C4-4BCD-93E2-E3B085C9AB24}">
+                <p16:designElem xmlns:p16="http://schemas.microsoft.com/office/powerpoint/2015/main" val="1"/>
+              </p:ext>
+            </p:extLst>
+          </p:nvPr>
+        </p:nvSpPr>
+        <p:spPr>
+          <a:xfrm>
+            <a:off x="8129502" y="3603670"/>
+            <a:ext cx="3601167" cy="2788074"/>
+          </a:xfrm>
+          <a:prstGeom prst="rect">
+            <a:avLst/>
+          </a:prstGeom>
+          <a:solidFill>
+            <a:schemeClr val="bg1"/>
+          </a:solidFill>
+          <a:ln w="19050">
+            <a:noFill/>
+          </a:ln>
+        </p:spPr>
+        <p:style>
+          <a:lnRef idx="2">
+            <a:schemeClr val="accent1">
+              <a:shade val="50000"/>
+            </a:schemeClr>
+          </a:lnRef>
+          <a:fillRef idx="1">
+            <a:schemeClr val="accent1"/>
+          </a:fillRef>
+          <a:effectRef idx="0">
+            <a:schemeClr val="accent1"/>
+          </a:effectRef>
+          <a:fontRef idx="minor">
+            <a:schemeClr val="lt1"/>
+          </a:fontRef>
+        </p:style>
+        <p:txBody>
+          <a:bodyPr rtlCol="0" anchor="ctr"/>
+          <a:lstStyle/>
+          <a:p>
+            <a:pPr algn="ctr"/>
+            <a:endParaRPr lang="en-US"/>
+          </a:p>
+        </p:txBody>
+      </p:sp>
+      <p:pic>
+        <p:nvPicPr>
+          <p:cNvPr id="10" name="Grafikk 9" descr="Håndtrykk">
+            <a:extLst>
+              <a:ext uri="{FF2B5EF4-FFF2-40B4-BE49-F238E27FC236}">
+                <a16:creationId xmlns:a16="http://schemas.microsoft.com/office/drawing/2014/main" id="{90449C3E-CFEF-43D6-A4CB-E2B063FABED3}"/>
+              </a:ext>
+            </a:extLst>
+          </p:cNvPr>
+          <p:cNvPicPr>
+            <a:picLocks noChangeAspect="1"/>
+          </p:cNvPicPr>
+          <p:nvPr/>
+        </p:nvPicPr>
+        <p:blipFill>
+          <a:blip r:embed="rId8">
+            <a:extLst>
+              <a:ext uri="{96DAC541-7B7A-43D3-8B79-37D633B846F1}">
+                <asvg:svgBlip xmlns:asvg="http://schemas.microsoft.com/office/drawing/2016/SVG/main" r:embed="rId9"/>
+              </a:ext>
+            </a:extLst>
+          </a:blip>
+          <a:stretch>
+            <a:fillRect/>
+          </a:stretch>
+        </p:blipFill>
+        <p:spPr>
+          <a:xfrm>
+            <a:off x="8707669" y="3755224"/>
+            <a:ext cx="2464601" cy="2464601"/>
+          </a:xfrm>
+          <a:prstGeom prst="rect">
+            <a:avLst/>
+          </a:prstGeom>
+        </p:spPr>
+      </p:pic>
+      <p:pic>
+        <p:nvPicPr>
+          <p:cNvPr id="39" name="Grafikk 38" descr="Ulåst">
+            <a:extLst>
+              <a:ext uri="{FF2B5EF4-FFF2-40B4-BE49-F238E27FC236}">
+                <a16:creationId xmlns:a16="http://schemas.microsoft.com/office/drawing/2014/main" id="{D59A631D-54BD-49C3-95E0-23E3F7037E54}"/>
+              </a:ext>
+            </a:extLst>
+          </p:cNvPr>
+          <p:cNvPicPr>
+            <a:picLocks noChangeAspect="1"/>
+          </p:cNvPicPr>
+          <p:nvPr/>
+        </p:nvPicPr>
+        <p:blipFill>
+          <a:blip r:embed="rId10">
+            <a:extLst>
+              <a:ext uri="{96DAC541-7B7A-43D3-8B79-37D633B846F1}">
+                <asvg:svgBlip xmlns:asvg="http://schemas.microsoft.com/office/drawing/2016/SVG/main" r:embed="rId11"/>
+              </a:ext>
+            </a:extLst>
+          </a:blip>
+          <a:stretch>
+            <a:fillRect/>
+          </a:stretch>
+        </p:blipFill>
+        <p:spPr>
+          <a:xfrm>
+            <a:off x="876209" y="572978"/>
+            <a:ext cx="2473200" cy="2473200"/>
+          </a:xfrm>
+          <a:prstGeom prst="rect">
+            <a:avLst/>
+          </a:prstGeom>
+        </p:spPr>
+      </p:pic>
+      <p:sp>
+        <p:nvSpPr>
+          <p:cNvPr id="11" name="TekstSylinder 10">
+            <a:extLst>
+              <a:ext uri="{FF2B5EF4-FFF2-40B4-BE49-F238E27FC236}">
+                <a16:creationId xmlns:a16="http://schemas.microsoft.com/office/drawing/2014/main" id="{C03EFD00-057B-4C1B-879E-F4E9F5A8041A}"/>
+              </a:ext>
+            </a:extLst>
+          </p:cNvPr>
+          <p:cNvSpPr txBox="1"/>
+          <p:nvPr/>
+        </p:nvSpPr>
+        <p:spPr>
+          <a:xfrm>
+            <a:off x="1452880" y="4257040"/>
+            <a:ext cx="1493520" cy="1077218"/>
+          </a:xfrm>
+          <a:prstGeom prst="rect">
+            <a:avLst/>
+          </a:prstGeom>
+          <a:noFill/>
+        </p:spPr>
+        <p:txBody>
+          <a:bodyPr wrap="square" rtlCol="0">
+            <a:spAutoFit/>
+          </a:bodyPr>
+          <a:lstStyle/>
+          <a:p>
+            <a:r>
+              <a:rPr lang="nb-NO" sz="1600" dirty="0">
+                <a:solidFill>
+                  <a:schemeClr val="bg1"/>
+                </a:solidFill>
+                <a:latin typeface="Gulim" panose="020B0600000101010101" pitchFamily="34" charset="-127"/>
+                <a:ea typeface="Gulim" panose="020B0600000101010101" pitchFamily="34" charset="-127"/>
+              </a:rPr>
+              <a:t>Du fant, Du fant! Oasen er ditt fra </a:t>
+            </a:r>
+            <a:r>
+              <a:rPr lang="nb-NO" sz="1600" dirty="0" err="1">
+                <a:solidFill>
+                  <a:schemeClr val="bg1"/>
+                </a:solidFill>
+                <a:latin typeface="Gulim" panose="020B0600000101010101" pitchFamily="34" charset="-127"/>
+                <a:ea typeface="Gulim" panose="020B0600000101010101" pitchFamily="34" charset="-127"/>
+              </a:rPr>
+              <a:t>kl</a:t>
+            </a:r>
+            <a:r>
+              <a:rPr lang="nb-NO" sz="1600" dirty="0">
+                <a:solidFill>
+                  <a:schemeClr val="bg1"/>
+                </a:solidFill>
+                <a:latin typeface="Gulim" panose="020B0600000101010101" pitchFamily="34" charset="-127"/>
+                <a:ea typeface="Gulim" panose="020B0600000101010101" pitchFamily="34" charset="-127"/>
+              </a:rPr>
+              <a:t> 11-15! </a:t>
+            </a:r>
+            <a:endParaRPr lang="nb-NO" dirty="0">
+              <a:solidFill>
+                <a:schemeClr val="bg1"/>
+              </a:solidFill>
+              <a:latin typeface="Gulim" panose="020B0600000101010101" pitchFamily="34" charset="-127"/>
+              <a:ea typeface="Gulim" panose="020B0600000101010101" pitchFamily="34" charset="-127"/>
+            </a:endParaRPr>
           </a:p>
         </p:txBody>
       </p:sp>
     </p:spTree>
     <p:extLst>
       <p:ext uri="{BB962C8B-B14F-4D97-AF65-F5344CB8AC3E}">
-        <p14:creationId xmlns:p14="http://schemas.microsoft.com/office/powerpoint/2010/main" val="1341121556"/>
-      </p:ext>
-    </p:extLst>
-  </p:cSld>
-  <p:clrMapOvr>
-    <a:masterClrMapping/>
-  </p:clrMapOvr>
-</p:sld>
-</file>
-
-<file path=ppt/slides/slide28.xml><?xml version="1.0" encoding="utf-8"?>
-<p:sld xmlns:a="http://schemas.openxmlformats.org/drawingml/2006/main" xmlns:r="http://schemas.openxmlformats.org/officeDocument/2006/relationships" xmlns:p="http://schemas.openxmlformats.org/presentationml/2006/main">
-  <p:cSld>
-    <p:spTree>
-      <p:nvGrpSpPr>
-        <p:cNvPr id="1" name=""/>
-        <p:cNvGrpSpPr/>
-        <p:nvPr/>
-      </p:nvGrpSpPr>
-      <p:grpSpPr>
-        <a:xfrm>
-          <a:off x="0" y="0"/>
-          <a:ext cx="0" cy="0"/>
-          <a:chOff x="0" y="0"/>
-          <a:chExt cx="0" cy="0"/>
-        </a:xfrm>
-      </p:grpSpPr>
-      <p:sp>
-        <p:nvSpPr>
-          <p:cNvPr id="2" name="Tittel 1">
-            <a:extLst>
-              <a:ext uri="{FF2B5EF4-FFF2-40B4-BE49-F238E27FC236}">
-                <a16:creationId xmlns:a16="http://schemas.microsoft.com/office/drawing/2014/main" id="{AB668E5A-5AD9-4C09-B018-57C4694457A9}"/>
-              </a:ext>
-            </a:extLst>
-          </p:cNvPr>
-          <p:cNvSpPr>
-            <a:spLocks noGrp="1"/>
-          </p:cNvSpPr>
-          <p:nvPr>
-            <p:ph type="title"/>
-          </p:nvPr>
-        </p:nvSpPr>
-        <p:spPr/>
-        <p:txBody>
-          <a:bodyPr/>
-          <a:lstStyle/>
-          <a:p>
-            <a:r>
-              <a:rPr lang="nb-NO" dirty="0" err="1"/>
-              <a:t>Entur</a:t>
-            </a:r>
-            <a:endParaRPr lang="nb-NO" dirty="0"/>
-          </a:p>
-        </p:txBody>
-      </p:sp>
-      <p:sp>
-        <p:nvSpPr>
-          <p:cNvPr id="3" name="Plassholder for innhold 2">
-            <a:extLst>
-              <a:ext uri="{FF2B5EF4-FFF2-40B4-BE49-F238E27FC236}">
-                <a16:creationId xmlns:a16="http://schemas.microsoft.com/office/drawing/2014/main" id="{ABA101DC-1C42-4F92-B5E5-AF54DA1DD4F2}"/>
-              </a:ext>
-            </a:extLst>
-          </p:cNvPr>
-          <p:cNvSpPr>
-            <a:spLocks noGrp="1"/>
-          </p:cNvSpPr>
-          <p:nvPr>
-            <p:ph idx="1"/>
-          </p:nvPr>
-        </p:nvSpPr>
-        <p:spPr/>
-        <p:txBody>
-          <a:bodyPr/>
-          <a:lstStyle/>
-          <a:p>
-            <a:pPr marL="0" indent="0">
-              <a:buNone/>
-            </a:pPr>
-            <a:r>
-              <a:rPr lang="nb-NO" dirty="0"/>
-              <a:t>Visning av transportmidler og rute for å fremme kollektivtransport til lokaler, herunder bysykkel, bybiler eller til fots</a:t>
-            </a:r>
-          </a:p>
-        </p:txBody>
-      </p:sp>
-    </p:spTree>
-    <p:extLst>
-      <p:ext uri="{BB962C8B-B14F-4D97-AF65-F5344CB8AC3E}">
-        <p14:creationId xmlns:p14="http://schemas.microsoft.com/office/powerpoint/2010/main" val="623913316"/>
+        <p14:creationId xmlns:p14="http://schemas.microsoft.com/office/powerpoint/2010/main" val="648531750"/>
       </p:ext>
     </p:extLst>
   </p:cSld>
@@ -13454,7 +14787,7 @@
           <p:cNvPr id="2" name="Tittel 1">
             <a:extLst>
               <a:ext uri="{FF2B5EF4-FFF2-40B4-BE49-F238E27FC236}">
-                <a16:creationId xmlns:a16="http://schemas.microsoft.com/office/drawing/2014/main" id="{7A10E5B0-231D-4E8E-AF86-A0252DFB313B}"/>
+                <a16:creationId xmlns:a16="http://schemas.microsoft.com/office/drawing/2014/main" id="{4EB0E45B-CA9C-451D-B084-85ED6D7EDB2B}"/>
               </a:ext>
             </a:extLst>
           </p:cNvPr>
@@ -13471,8 +14804,12 @@
           <a:lstStyle/>
           <a:p>
             <a:r>
+              <a:rPr lang="nb-NO" dirty="0" err="1"/>
+              <a:t>uSE</a:t>
+            </a:r>
+            <a:r>
               <a:rPr lang="nb-NO" dirty="0"/>
-              <a:t>DNT</a:t>
+              <a:t> case</a:t>
             </a:r>
           </a:p>
         </p:txBody>
@@ -13482,7 +14819,7 @@
           <p:cNvPr id="3" name="Plassholder for innhold 2">
             <a:extLst>
               <a:ext uri="{FF2B5EF4-FFF2-40B4-BE49-F238E27FC236}">
-                <a16:creationId xmlns:a16="http://schemas.microsoft.com/office/drawing/2014/main" id="{97516ABD-A58F-488E-B8E7-0A78BFBCE93F}"/>
+                <a16:creationId xmlns:a16="http://schemas.microsoft.com/office/drawing/2014/main" id="{DA271A3E-FDD1-4435-A071-C1A6D50738E9}"/>
               </a:ext>
             </a:extLst>
           </p:cNvPr>
@@ -13493,24 +14830,127 @@
             <p:ph idx="1"/>
           </p:nvPr>
         </p:nvSpPr>
-        <p:spPr/>
+        <p:spPr>
+          <a:xfrm>
+            <a:off x="2231136" y="2638044"/>
+            <a:ext cx="7729728" cy="3762756"/>
+          </a:xfrm>
+        </p:spPr>
         <p:txBody>
-          <a:bodyPr/>
+          <a:bodyPr>
+            <a:normAutofit fontScale="70000" lnSpcReduction="20000"/>
+          </a:bodyPr>
           <a:lstStyle/>
           <a:p>
-            <a:pPr marL="0" indent="0">
-              <a:buNone/>
-            </a:pPr>
+            <a:pPr fontAlgn="base"/>
             <a:r>
               <a:rPr lang="nb-NO" dirty="0"/>
-              <a:t>Hytter til leie/låns. Samtidig som man fronter bruk av natur </a:t>
+              <a:t>Leier legitimeres gjennom profil på FANT</a:t>
+            </a:r>
+          </a:p>
+          <a:p>
+            <a:pPr fontAlgn="base"/>
+            <a:r>
+              <a:rPr lang="nb-NO" dirty="0"/>
+              <a:t>Leier søker opp egnet lokale på systemet, sjekker </a:t>
+            </a:r>
+            <a:r>
+              <a:rPr lang="nb-NO" dirty="0" err="1"/>
+              <a:t>tilgjenglieghet</a:t>
+            </a:r>
+            <a:r>
+              <a:rPr lang="nb-NO" dirty="0"/>
+              <a:t>, fasiliteter, og evt. pris og depositum.</a:t>
+            </a:r>
+          </a:p>
+          <a:p>
+            <a:pPr fontAlgn="base"/>
+            <a:r>
+              <a:rPr lang="nb-NO" dirty="0"/>
+              <a:t>Leier legger inn reservasjon</a:t>
+            </a:r>
+          </a:p>
+          <a:p>
+            <a:pPr fontAlgn="base"/>
+            <a:r>
+              <a:rPr lang="nb-NO" dirty="0"/>
+              <a:t>NOMADE registrerer bookingen, og kalender oppdateres.</a:t>
+            </a:r>
+          </a:p>
+          <a:p>
+            <a:pPr fontAlgn="base"/>
+            <a:r>
+              <a:rPr lang="nb-NO" dirty="0"/>
+              <a:t>Leier har 30 min. før og etter leieperioden til å låse opp og forlate lokalet </a:t>
+            </a:r>
+          </a:p>
+          <a:p>
+            <a:pPr fontAlgn="base"/>
+            <a:r>
+              <a:rPr lang="nb-NO" dirty="0"/>
+              <a:t>ASKELADDEN (eller byggets systemer) dokumenterer tilstand på lokalet 35 min før, og når døren er låst.</a:t>
+            </a:r>
+          </a:p>
+          <a:p>
+            <a:pPr fontAlgn="base"/>
+            <a:r>
+              <a:rPr lang="nb-NO" dirty="0"/>
+              <a:t>Leier kommer til lokalet. Mobilen fungere da som ID og nøkkel. </a:t>
+            </a:r>
+          </a:p>
+          <a:p>
+            <a:pPr fontAlgn="base"/>
+            <a:r>
+              <a:rPr lang="nb-NO" dirty="0"/>
+              <a:t>Leier benytter lokalet</a:t>
+            </a:r>
+          </a:p>
+          <a:p>
+            <a:pPr fontAlgn="base"/>
+            <a:r>
+              <a:rPr lang="nb-NO" dirty="0"/>
+              <a:t>Dersom systemet detekterer ulovlig bruk av lokalet (eks støy, ulovlig bevegelse), vil en alarm utløses. </a:t>
+            </a:r>
+          </a:p>
+          <a:p>
+            <a:pPr fontAlgn="base"/>
+            <a:r>
+              <a:rPr lang="nb-NO" dirty="0"/>
+              <a:t>Etter endt bruk, forlater leier lokalet </a:t>
             </a:r>
             <a:r>
               <a:rPr lang="nb-NO" dirty="0">
                 <a:sym typeface="Wingdings" panose="05000000000000000000" pitchFamily="2" charset="2"/>
               </a:rPr>
-              <a:t> Bytur</a:t>
-            </a:r>
+              <a:t> </a:t>
+            </a:r>
+            <a:r>
+              <a:rPr lang="nb-NO" dirty="0"/>
+              <a:t>Mulighet til å rangerer lokalet i FANT</a:t>
+            </a:r>
+          </a:p>
+          <a:p>
+            <a:pPr fontAlgn="base"/>
+            <a:r>
+              <a:rPr lang="nb-NO" dirty="0"/>
+              <a:t>Systemet dokumenterer tilstanden på lokalet (foto/video) og låser låsen.</a:t>
+            </a:r>
+          </a:p>
+          <a:p>
+            <a:pPr fontAlgn="base"/>
+            <a:r>
+              <a:rPr lang="nb-NO" dirty="0"/>
+              <a:t>Rapport av bruk skrives som utleier får tilgang til gjennom FANT. </a:t>
+            </a:r>
+          </a:p>
+          <a:p>
+            <a:pPr fontAlgn="base"/>
+            <a:r>
+              <a:rPr lang="nb-NO" dirty="0"/>
+              <a:t>Evt. depositum tilbakebetales, reservert beløp utbetales til utleier.</a:t>
+            </a:r>
+          </a:p>
+          <a:p>
             <a:endParaRPr lang="nb-NO" dirty="0"/>
           </a:p>
         </p:txBody>
@@ -13518,7 +14958,7 @@
     </p:spTree>
     <p:extLst>
       <p:ext uri="{BB962C8B-B14F-4D97-AF65-F5344CB8AC3E}">
-        <p14:creationId xmlns:p14="http://schemas.microsoft.com/office/powerpoint/2010/main" val="1049728113"/>
+        <p14:creationId xmlns:p14="http://schemas.microsoft.com/office/powerpoint/2010/main" val="2756739547"/>
       </p:ext>
     </p:extLst>
   </p:cSld>
@@ -14232,7 +15672,7 @@
           <p:cNvPr id="2" name="Tittel 1">
             <a:extLst>
               <a:ext uri="{FF2B5EF4-FFF2-40B4-BE49-F238E27FC236}">
-                <a16:creationId xmlns:a16="http://schemas.microsoft.com/office/drawing/2014/main" id="{C78ED1EE-AB36-48AD-B496-FC32A1A31D24}"/>
+                <a16:creationId xmlns:a16="http://schemas.microsoft.com/office/drawing/2014/main" id="{EEFD7CE7-FFFC-4D83-B3A0-EE0E01CC205C}"/>
               </a:ext>
             </a:extLst>
           </p:cNvPr>
@@ -14250,17 +15690,17 @@
           <a:p>
             <a:r>
               <a:rPr lang="nb-NO" dirty="0"/>
-              <a:t>Oslo kommune</a:t>
+              <a:t>Gode hjelpere</a:t>
             </a:r>
           </a:p>
         </p:txBody>
       </p:sp>
       <p:sp>
         <p:nvSpPr>
-          <p:cNvPr id="3" name="Plassholder for innhold 2">
+          <p:cNvPr id="3" name="Plassholder for tekst 2">
             <a:extLst>
               <a:ext uri="{FF2B5EF4-FFF2-40B4-BE49-F238E27FC236}">
-                <a16:creationId xmlns:a16="http://schemas.microsoft.com/office/drawing/2014/main" id="{C2EEFB49-CE81-48E8-AFC1-77B8ACA2A89A}"/>
+                <a16:creationId xmlns:a16="http://schemas.microsoft.com/office/drawing/2014/main" id="{18FE8D3C-D152-401A-B4AE-D2AB29712382}"/>
               </a:ext>
             </a:extLst>
           </p:cNvPr>
@@ -14268,7 +15708,7 @@
             <a:spLocks noGrp="1"/>
           </p:cNvSpPr>
           <p:nvPr>
-            <p:ph idx="1"/>
+            <p:ph type="body" idx="1"/>
           </p:nvPr>
         </p:nvSpPr>
         <p:spPr/>
@@ -14276,27 +15716,6 @@
           <a:bodyPr/>
           <a:lstStyle/>
           <a:p>
-            <a:pPr marL="0" indent="0">
-              <a:buNone/>
-            </a:pPr>
-            <a:r>
-              <a:rPr lang="nb-NO" dirty="0"/>
-              <a:t>Oslo kommune eier og leier ut en stor bygningsmasse</a:t>
-            </a:r>
-          </a:p>
-          <a:p>
-            <a:pPr marL="0" indent="0">
-              <a:buNone/>
-            </a:pPr>
-            <a:r>
-              <a:rPr lang="nb-NO" dirty="0"/>
-              <a:t>Oslo nøkkelen</a:t>
-            </a:r>
-          </a:p>
-          <a:p>
-            <a:pPr marL="0" indent="0">
-              <a:buNone/>
-            </a:pPr>
             <a:endParaRPr lang="nb-NO" dirty="0"/>
           </a:p>
         </p:txBody>
@@ -14304,7 +15723,7 @@
     </p:spTree>
     <p:extLst>
       <p:ext uri="{BB962C8B-B14F-4D97-AF65-F5344CB8AC3E}">
-        <p14:creationId xmlns:p14="http://schemas.microsoft.com/office/powerpoint/2010/main" val="3203356844"/>
+        <p14:creationId xmlns:p14="http://schemas.microsoft.com/office/powerpoint/2010/main" val="1341121556"/>
       </p:ext>
     </p:extLst>
   </p:cSld>
@@ -14336,7 +15755,7 @@
           <p:cNvPr id="2" name="Tittel 1">
             <a:extLst>
               <a:ext uri="{FF2B5EF4-FFF2-40B4-BE49-F238E27FC236}">
-                <a16:creationId xmlns:a16="http://schemas.microsoft.com/office/drawing/2014/main" id="{E5F03600-ED77-4D1C-9347-5E2D76C4B060}"/>
+                <a16:creationId xmlns:a16="http://schemas.microsoft.com/office/drawing/2014/main" id="{AB668E5A-5AD9-4C09-B018-57C4694457A9}"/>
               </a:ext>
             </a:extLst>
           </p:cNvPr>
@@ -14353,18 +15772,19 @@
           <a:lstStyle/>
           <a:p>
             <a:r>
-              <a:rPr lang="nb-NO" dirty="0"/>
-              <a:t>Delingsøkonomi</a:t>
-            </a:r>
+              <a:rPr lang="nb-NO" dirty="0" err="1"/>
+              <a:t>Entur</a:t>
+            </a:r>
+            <a:endParaRPr lang="nb-NO" dirty="0"/>
           </a:p>
         </p:txBody>
       </p:sp>
       <p:sp>
         <p:nvSpPr>
-          <p:cNvPr id="3" name="Plassholder for tekst 2">
+          <p:cNvPr id="3" name="Plassholder for innhold 2">
             <a:extLst>
               <a:ext uri="{FF2B5EF4-FFF2-40B4-BE49-F238E27FC236}">
-                <a16:creationId xmlns:a16="http://schemas.microsoft.com/office/drawing/2014/main" id="{B6D02213-B988-4F4A-8002-54D6CEF53ED3}"/>
+                <a16:creationId xmlns:a16="http://schemas.microsoft.com/office/drawing/2014/main" id="{ABA101DC-1C42-4F92-B5E5-AF54DA1DD4F2}"/>
               </a:ext>
             </a:extLst>
           </p:cNvPr>
@@ -14372,7 +15792,7 @@
             <a:spLocks noGrp="1"/>
           </p:cNvSpPr>
           <p:nvPr>
-            <p:ph type="body" idx="1"/>
+            <p:ph idx="1"/>
           </p:nvPr>
         </p:nvSpPr>
         <p:spPr/>
@@ -14380,14 +15800,20 @@
           <a:bodyPr/>
           <a:lstStyle/>
           <a:p>
-            <a:endParaRPr lang="nb-NO"/>
+            <a:pPr marL="0" indent="0">
+              <a:buNone/>
+            </a:pPr>
+            <a:r>
+              <a:rPr lang="nb-NO" dirty="0"/>
+              <a:t>Visning av transportmidler og rute for å fremme kollektivtransport til lokaler, herunder bysykkel, bybiler eller til fots</a:t>
+            </a:r>
           </a:p>
         </p:txBody>
       </p:sp>
     </p:spTree>
     <p:extLst>
       <p:ext uri="{BB962C8B-B14F-4D97-AF65-F5344CB8AC3E}">
-        <p14:creationId xmlns:p14="http://schemas.microsoft.com/office/powerpoint/2010/main" val="2826341399"/>
+        <p14:creationId xmlns:p14="http://schemas.microsoft.com/office/powerpoint/2010/main" val="623913316"/>
       </p:ext>
     </p:extLst>
   </p:cSld>
@@ -14419,7 +15845,7 @@
           <p:cNvPr id="2" name="Tittel 1">
             <a:extLst>
               <a:ext uri="{FF2B5EF4-FFF2-40B4-BE49-F238E27FC236}">
-                <a16:creationId xmlns:a16="http://schemas.microsoft.com/office/drawing/2014/main" id="{CDDC7325-15A6-4A2A-AC84-9440D7BF2A42}"/>
+                <a16:creationId xmlns:a16="http://schemas.microsoft.com/office/drawing/2014/main" id="{7A10E5B0-231D-4E8E-AF86-A0252DFB313B}"/>
               </a:ext>
             </a:extLst>
           </p:cNvPr>
@@ -14437,7 +15863,7 @@
           <a:p>
             <a:r>
               <a:rPr lang="nb-NO" dirty="0"/>
-              <a:t>$$$$</a:t>
+              <a:t>DNT</a:t>
             </a:r>
           </a:p>
         </p:txBody>
@@ -14447,7 +15873,7 @@
           <p:cNvPr id="3" name="Plassholder for innhold 2">
             <a:extLst>
               <a:ext uri="{FF2B5EF4-FFF2-40B4-BE49-F238E27FC236}">
-                <a16:creationId xmlns:a16="http://schemas.microsoft.com/office/drawing/2014/main" id="{EAC31E64-E92A-4FA3-8C40-B5B8A8BE7AFF}"/>
+                <a16:creationId xmlns:a16="http://schemas.microsoft.com/office/drawing/2014/main" id="{97516ABD-A58F-488E-B8E7-0A78BFBCE93F}"/>
               </a:ext>
             </a:extLst>
           </p:cNvPr>
@@ -14463,62 +15889,18 @@
           <a:bodyPr/>
           <a:lstStyle/>
           <a:p>
+            <a:pPr marL="0" indent="0">
+              <a:buNone/>
+            </a:pPr>
             <a:r>
               <a:rPr lang="nb-NO" dirty="0"/>
-              <a:t>Utleiere kan utnytte arealer bedre i et 24/7 perspektiv</a:t>
-            </a:r>
-          </a:p>
-          <a:p>
-            <a:pPr lvl="1"/>
-            <a:r>
-              <a:rPr lang="nb-NO" dirty="0"/>
-              <a:t>Flere leietakere gir flere leieinntekter</a:t>
-            </a:r>
-          </a:p>
-          <a:p>
-            <a:pPr lvl="1"/>
-            <a:r>
-              <a:rPr lang="nb-NO" dirty="0"/>
-              <a:t>Flere leietakere </a:t>
-            </a:r>
-            <a:r>
-              <a:rPr lang="nb-NO" dirty="0" err="1"/>
-              <a:t>pga</a:t>
-            </a:r>
-            <a:r>
-              <a:rPr lang="nb-NO" dirty="0"/>
-              <a:t> lavere leieutgifter</a:t>
-            </a:r>
-          </a:p>
-          <a:p>
-            <a:r>
-              <a:rPr lang="nb-NO" dirty="0"/>
-              <a:t>Leietakere kan betale for faktisk behov</a:t>
-            </a:r>
-          </a:p>
-          <a:p>
-            <a:pPr lvl="1"/>
-            <a:r>
-              <a:rPr lang="nb-NO" dirty="0"/>
-              <a:t>Lettere å vokse</a:t>
-            </a:r>
-          </a:p>
-          <a:p>
-            <a:pPr lvl="1"/>
-            <a:r>
-              <a:rPr lang="nb-NO" dirty="0"/>
-              <a:t>Lettere å jobbe</a:t>
-            </a:r>
-          </a:p>
-          <a:p>
-            <a:pPr lvl="1"/>
-            <a:r>
-              <a:rPr lang="nb-NO" dirty="0"/>
-              <a:t>Mulighet for å få nye kontakter, nettverk </a:t>
-            </a:r>
-            <a:r>
-              <a:rPr lang="nb-NO" dirty="0" err="1"/>
-              <a:t>etc</a:t>
+              <a:t>Hytter til leie/låns. Samtidig som man fronter bruk av natur </a:t>
+            </a:r>
+            <a:r>
+              <a:rPr lang="nb-NO" dirty="0">
+                <a:sym typeface="Wingdings" panose="05000000000000000000" pitchFamily="2" charset="2"/>
+              </a:rPr>
+              <a:t> Bytur</a:t>
             </a:r>
             <a:endParaRPr lang="nb-NO" dirty="0"/>
           </a:p>
@@ -14527,7 +15909,7 @@
     </p:spTree>
     <p:extLst>
       <p:ext uri="{BB962C8B-B14F-4D97-AF65-F5344CB8AC3E}">
-        <p14:creationId xmlns:p14="http://schemas.microsoft.com/office/powerpoint/2010/main" val="2411089573"/>
+        <p14:creationId xmlns:p14="http://schemas.microsoft.com/office/powerpoint/2010/main" val="1049728113"/>
       </p:ext>
     </p:extLst>
   </p:cSld>
@@ -14559,6 +15941,333 @@
           <p:cNvPr id="2" name="Tittel 1">
             <a:extLst>
               <a:ext uri="{FF2B5EF4-FFF2-40B4-BE49-F238E27FC236}">
+                <a16:creationId xmlns:a16="http://schemas.microsoft.com/office/drawing/2014/main" id="{C78ED1EE-AB36-48AD-B496-FC32A1A31D24}"/>
+              </a:ext>
+            </a:extLst>
+          </p:cNvPr>
+          <p:cNvSpPr>
+            <a:spLocks noGrp="1"/>
+          </p:cNvSpPr>
+          <p:nvPr>
+            <p:ph type="title"/>
+          </p:nvPr>
+        </p:nvSpPr>
+        <p:spPr/>
+        <p:txBody>
+          <a:bodyPr/>
+          <a:lstStyle/>
+          <a:p>
+            <a:r>
+              <a:rPr lang="nb-NO" dirty="0"/>
+              <a:t>Oslo kommune</a:t>
+            </a:r>
+          </a:p>
+        </p:txBody>
+      </p:sp>
+      <p:sp>
+        <p:nvSpPr>
+          <p:cNvPr id="3" name="Plassholder for innhold 2">
+            <a:extLst>
+              <a:ext uri="{FF2B5EF4-FFF2-40B4-BE49-F238E27FC236}">
+                <a16:creationId xmlns:a16="http://schemas.microsoft.com/office/drawing/2014/main" id="{C2EEFB49-CE81-48E8-AFC1-77B8ACA2A89A}"/>
+              </a:ext>
+            </a:extLst>
+          </p:cNvPr>
+          <p:cNvSpPr>
+            <a:spLocks noGrp="1"/>
+          </p:cNvSpPr>
+          <p:nvPr>
+            <p:ph idx="1"/>
+          </p:nvPr>
+        </p:nvSpPr>
+        <p:spPr/>
+        <p:txBody>
+          <a:bodyPr/>
+          <a:lstStyle/>
+          <a:p>
+            <a:pPr marL="0" indent="0">
+              <a:buNone/>
+            </a:pPr>
+            <a:r>
+              <a:rPr lang="nb-NO" dirty="0"/>
+              <a:t>Oslo kommune eier og leier ut en stor bygningsmasse</a:t>
+            </a:r>
+          </a:p>
+          <a:p>
+            <a:pPr marL="0" indent="0">
+              <a:buNone/>
+            </a:pPr>
+            <a:r>
+              <a:rPr lang="nb-NO" dirty="0"/>
+              <a:t>Oslo nøkkelen</a:t>
+            </a:r>
+          </a:p>
+          <a:p>
+            <a:pPr marL="0" indent="0">
+              <a:buNone/>
+            </a:pPr>
+            <a:endParaRPr lang="nb-NO" dirty="0"/>
+          </a:p>
+        </p:txBody>
+      </p:sp>
+    </p:spTree>
+    <p:extLst>
+      <p:ext uri="{BB962C8B-B14F-4D97-AF65-F5344CB8AC3E}">
+        <p14:creationId xmlns:p14="http://schemas.microsoft.com/office/powerpoint/2010/main" val="3203356844"/>
+      </p:ext>
+    </p:extLst>
+  </p:cSld>
+  <p:clrMapOvr>
+    <a:masterClrMapping/>
+  </p:clrMapOvr>
+</p:sld>
+</file>
+
+<file path=ppt/slides/slide34.xml><?xml version="1.0" encoding="utf-8"?>
+<p:sld xmlns:a="http://schemas.openxmlformats.org/drawingml/2006/main" xmlns:r="http://schemas.openxmlformats.org/officeDocument/2006/relationships" xmlns:p="http://schemas.openxmlformats.org/presentationml/2006/main">
+  <p:cSld>
+    <p:spTree>
+      <p:nvGrpSpPr>
+        <p:cNvPr id="1" name=""/>
+        <p:cNvGrpSpPr/>
+        <p:nvPr/>
+      </p:nvGrpSpPr>
+      <p:grpSpPr>
+        <a:xfrm>
+          <a:off x="0" y="0"/>
+          <a:ext cx="0" cy="0"/>
+          <a:chOff x="0" y="0"/>
+          <a:chExt cx="0" cy="0"/>
+        </a:xfrm>
+      </p:grpSpPr>
+      <p:sp>
+        <p:nvSpPr>
+          <p:cNvPr id="2" name="Tittel 1">
+            <a:extLst>
+              <a:ext uri="{FF2B5EF4-FFF2-40B4-BE49-F238E27FC236}">
+                <a16:creationId xmlns:a16="http://schemas.microsoft.com/office/drawing/2014/main" id="{E5F03600-ED77-4D1C-9347-5E2D76C4B060}"/>
+              </a:ext>
+            </a:extLst>
+          </p:cNvPr>
+          <p:cNvSpPr>
+            <a:spLocks noGrp="1"/>
+          </p:cNvSpPr>
+          <p:nvPr>
+            <p:ph type="title"/>
+          </p:nvPr>
+        </p:nvSpPr>
+        <p:spPr/>
+        <p:txBody>
+          <a:bodyPr/>
+          <a:lstStyle/>
+          <a:p>
+            <a:r>
+              <a:rPr lang="nb-NO" dirty="0"/>
+              <a:t>Delingsøkonomi</a:t>
+            </a:r>
+          </a:p>
+        </p:txBody>
+      </p:sp>
+      <p:sp>
+        <p:nvSpPr>
+          <p:cNvPr id="3" name="Plassholder for tekst 2">
+            <a:extLst>
+              <a:ext uri="{FF2B5EF4-FFF2-40B4-BE49-F238E27FC236}">
+                <a16:creationId xmlns:a16="http://schemas.microsoft.com/office/drawing/2014/main" id="{B6D02213-B988-4F4A-8002-54D6CEF53ED3}"/>
+              </a:ext>
+            </a:extLst>
+          </p:cNvPr>
+          <p:cNvSpPr>
+            <a:spLocks noGrp="1"/>
+          </p:cNvSpPr>
+          <p:nvPr>
+            <p:ph type="body" idx="1"/>
+          </p:nvPr>
+        </p:nvSpPr>
+        <p:spPr/>
+        <p:txBody>
+          <a:bodyPr/>
+          <a:lstStyle/>
+          <a:p>
+            <a:endParaRPr lang="nb-NO"/>
+          </a:p>
+        </p:txBody>
+      </p:sp>
+    </p:spTree>
+    <p:extLst>
+      <p:ext uri="{BB962C8B-B14F-4D97-AF65-F5344CB8AC3E}">
+        <p14:creationId xmlns:p14="http://schemas.microsoft.com/office/powerpoint/2010/main" val="2826341399"/>
+      </p:ext>
+    </p:extLst>
+  </p:cSld>
+  <p:clrMapOvr>
+    <a:masterClrMapping/>
+  </p:clrMapOvr>
+</p:sld>
+</file>
+
+<file path=ppt/slides/slide35.xml><?xml version="1.0" encoding="utf-8"?>
+<p:sld xmlns:a="http://schemas.openxmlformats.org/drawingml/2006/main" xmlns:r="http://schemas.openxmlformats.org/officeDocument/2006/relationships" xmlns:p="http://schemas.openxmlformats.org/presentationml/2006/main">
+  <p:cSld>
+    <p:spTree>
+      <p:nvGrpSpPr>
+        <p:cNvPr id="1" name=""/>
+        <p:cNvGrpSpPr/>
+        <p:nvPr/>
+      </p:nvGrpSpPr>
+      <p:grpSpPr>
+        <a:xfrm>
+          <a:off x="0" y="0"/>
+          <a:ext cx="0" cy="0"/>
+          <a:chOff x="0" y="0"/>
+          <a:chExt cx="0" cy="0"/>
+        </a:xfrm>
+      </p:grpSpPr>
+      <p:sp>
+        <p:nvSpPr>
+          <p:cNvPr id="2" name="Tittel 1">
+            <a:extLst>
+              <a:ext uri="{FF2B5EF4-FFF2-40B4-BE49-F238E27FC236}">
+                <a16:creationId xmlns:a16="http://schemas.microsoft.com/office/drawing/2014/main" id="{CDDC7325-15A6-4A2A-AC84-9440D7BF2A42}"/>
+              </a:ext>
+            </a:extLst>
+          </p:cNvPr>
+          <p:cNvSpPr>
+            <a:spLocks noGrp="1"/>
+          </p:cNvSpPr>
+          <p:nvPr>
+            <p:ph type="title"/>
+          </p:nvPr>
+        </p:nvSpPr>
+        <p:spPr/>
+        <p:txBody>
+          <a:bodyPr/>
+          <a:lstStyle/>
+          <a:p>
+            <a:r>
+              <a:rPr lang="nb-NO" dirty="0"/>
+              <a:t>$$$$</a:t>
+            </a:r>
+          </a:p>
+        </p:txBody>
+      </p:sp>
+      <p:sp>
+        <p:nvSpPr>
+          <p:cNvPr id="3" name="Plassholder for innhold 2">
+            <a:extLst>
+              <a:ext uri="{FF2B5EF4-FFF2-40B4-BE49-F238E27FC236}">
+                <a16:creationId xmlns:a16="http://schemas.microsoft.com/office/drawing/2014/main" id="{EAC31E64-E92A-4FA3-8C40-B5B8A8BE7AFF}"/>
+              </a:ext>
+            </a:extLst>
+          </p:cNvPr>
+          <p:cNvSpPr>
+            <a:spLocks noGrp="1"/>
+          </p:cNvSpPr>
+          <p:nvPr>
+            <p:ph idx="1"/>
+          </p:nvPr>
+        </p:nvSpPr>
+        <p:spPr/>
+        <p:txBody>
+          <a:bodyPr/>
+          <a:lstStyle/>
+          <a:p>
+            <a:r>
+              <a:rPr lang="nb-NO" dirty="0"/>
+              <a:t>Utleiere kan utnytte arealer bedre i et 24/7 perspektiv</a:t>
+            </a:r>
+          </a:p>
+          <a:p>
+            <a:pPr lvl="1"/>
+            <a:r>
+              <a:rPr lang="nb-NO" dirty="0"/>
+              <a:t>Flere leietakere gir flere leieinntekter</a:t>
+            </a:r>
+          </a:p>
+          <a:p>
+            <a:pPr lvl="1"/>
+            <a:r>
+              <a:rPr lang="nb-NO" dirty="0"/>
+              <a:t>Flere leietakere </a:t>
+            </a:r>
+            <a:r>
+              <a:rPr lang="nb-NO" dirty="0" err="1"/>
+              <a:t>pga</a:t>
+            </a:r>
+            <a:r>
+              <a:rPr lang="nb-NO" dirty="0"/>
+              <a:t> lavere leieutgifter</a:t>
+            </a:r>
+          </a:p>
+          <a:p>
+            <a:r>
+              <a:rPr lang="nb-NO" dirty="0"/>
+              <a:t>Leietakere kan betale for faktisk behov</a:t>
+            </a:r>
+          </a:p>
+          <a:p>
+            <a:pPr lvl="1"/>
+            <a:r>
+              <a:rPr lang="nb-NO" dirty="0"/>
+              <a:t>Lettere å vokse</a:t>
+            </a:r>
+          </a:p>
+          <a:p>
+            <a:pPr lvl="1"/>
+            <a:r>
+              <a:rPr lang="nb-NO" dirty="0"/>
+              <a:t>Lettere å jobbe</a:t>
+            </a:r>
+          </a:p>
+          <a:p>
+            <a:pPr lvl="1"/>
+            <a:r>
+              <a:rPr lang="nb-NO" dirty="0"/>
+              <a:t>Mulighet for å få nye kontakter, nettverk </a:t>
+            </a:r>
+            <a:r>
+              <a:rPr lang="nb-NO" dirty="0" err="1"/>
+              <a:t>etc</a:t>
+            </a:r>
+            <a:endParaRPr lang="nb-NO" dirty="0"/>
+          </a:p>
+        </p:txBody>
+      </p:sp>
+    </p:spTree>
+    <p:extLst>
+      <p:ext uri="{BB962C8B-B14F-4D97-AF65-F5344CB8AC3E}">
+        <p14:creationId xmlns:p14="http://schemas.microsoft.com/office/powerpoint/2010/main" val="2411089573"/>
+      </p:ext>
+    </p:extLst>
+  </p:cSld>
+  <p:clrMapOvr>
+    <a:masterClrMapping/>
+  </p:clrMapOvr>
+</p:sld>
+</file>
+
+<file path=ppt/slides/slide36.xml><?xml version="1.0" encoding="utf-8"?>
+<p:sld xmlns:a="http://schemas.openxmlformats.org/drawingml/2006/main" xmlns:r="http://schemas.openxmlformats.org/officeDocument/2006/relationships" xmlns:p="http://schemas.openxmlformats.org/presentationml/2006/main">
+  <p:cSld>
+    <p:spTree>
+      <p:nvGrpSpPr>
+        <p:cNvPr id="1" name=""/>
+        <p:cNvGrpSpPr/>
+        <p:nvPr/>
+      </p:nvGrpSpPr>
+      <p:grpSpPr>
+        <a:xfrm>
+          <a:off x="0" y="0"/>
+          <a:ext cx="0" cy="0"/>
+          <a:chOff x="0" y="0"/>
+          <a:chExt cx="0" cy="0"/>
+        </a:xfrm>
+      </p:grpSpPr>
+      <p:sp>
+        <p:nvSpPr>
+          <p:cNvPr id="2" name="Tittel 1">
+            <a:extLst>
+              <a:ext uri="{FF2B5EF4-FFF2-40B4-BE49-F238E27FC236}">
                 <a16:creationId xmlns:a16="http://schemas.microsoft.com/office/drawing/2014/main" id="{44E6994D-B984-459D-90EC-B9B5EEF37300}"/>
               </a:ext>
             </a:extLst>
@@ -14623,7 +16332,7 @@
 </p:sld>
 </file>
 
-<file path=ppt/slides/slide34.xml><?xml version="1.0" encoding="utf-8"?>
+<file path=ppt/slides/slide37.xml><?xml version="1.0" encoding="utf-8"?>
 <p:sld xmlns:a="http://schemas.openxmlformats.org/drawingml/2006/main" xmlns:r="http://schemas.openxmlformats.org/officeDocument/2006/relationships" xmlns:p="http://schemas.openxmlformats.org/presentationml/2006/main">
   <p:cSld>
     <p:spTree>
@@ -14653,7 +16362,7 @@
 </p:sld>
 </file>
 
-<file path=ppt/slides/slide35.xml><?xml version="1.0" encoding="utf-8"?>
+<file path=ppt/slides/slide38.xml><?xml version="1.0" encoding="utf-8"?>
 <p:sld xmlns:a="http://schemas.openxmlformats.org/drawingml/2006/main" xmlns:r="http://schemas.openxmlformats.org/officeDocument/2006/relationships" xmlns:p="http://schemas.openxmlformats.org/presentationml/2006/main">
   <p:cSld>
     <p:spTree>
@@ -15719,7 +17428,7 @@
 </p:sld>
 </file>
 
-<file path=ppt/slides/slide36.xml><?xml version="1.0" encoding="utf-8"?>
+<file path=ppt/slides/slide39.xml><?xml version="1.0" encoding="utf-8"?>
 <p:sld xmlns:a="http://schemas.openxmlformats.org/drawingml/2006/main" xmlns:r="http://schemas.openxmlformats.org/officeDocument/2006/relationships" xmlns:p="http://schemas.openxmlformats.org/presentationml/2006/main">
   <p:cSld>
     <p:spTree>

--- a/doc/konsept/Fant-.pptx
+++ b/doc/konsept/Fant-.pptx
@@ -5,7 +5,7 @@
     <p:sldMasterId id="2147483708" r:id="rId1"/>
   </p:sldMasterIdLst>
   <p:notesMasterIdLst>
-    <p:notesMasterId r:id="rId41"/>
+    <p:notesMasterId r:id="rId44"/>
   </p:notesMasterIdLst>
   <p:sldIdLst>
     <p:sldId id="283" r:id="rId2"/>
@@ -41,12 +41,15 @@
     <p:sldId id="280" r:id="rId32"/>
     <p:sldId id="281" r:id="rId33"/>
     <p:sldId id="282" r:id="rId34"/>
-    <p:sldId id="276" r:id="rId35"/>
-    <p:sldId id="277" r:id="rId36"/>
-    <p:sldId id="278" r:id="rId37"/>
-    <p:sldId id="275" r:id="rId38"/>
-    <p:sldId id="272" r:id="rId39"/>
-    <p:sldId id="270" r:id="rId40"/>
+    <p:sldId id="297" r:id="rId35"/>
+    <p:sldId id="276" r:id="rId36"/>
+    <p:sldId id="277" r:id="rId37"/>
+    <p:sldId id="278" r:id="rId38"/>
+    <p:sldId id="298" r:id="rId39"/>
+    <p:sldId id="299" r:id="rId40"/>
+    <p:sldId id="275" r:id="rId41"/>
+    <p:sldId id="272" r:id="rId42"/>
+    <p:sldId id="270" r:id="rId43"/>
   </p:sldIdLst>
   <p:sldSz cx="12192000" cy="6858000"/>
   <p:notesSz cx="6858000" cy="9144000"/>
@@ -1018,7 +1021,7 @@
             </a:r>
             <a:r>
               <a:rPr lang="nb-NO" dirty="0"/>
-              <a:t> arbeidsplasser, har hjemmekontor, cafékontor osv. Vi er nomader eller vandrere som likevel kan  ha behov for møterom, ekstra auditorier, en gymsal, klubblokale en salgs. Hva med </a:t>
+              <a:t> arbeidsplasser, har hjemmekontor, cafékontor osv. Vi er nomader eller vandrere som likevel kan  ha behov for møterom, ekstra auditorier, en gymsal, klubblokale den salgs. Hva med </a:t>
             </a:r>
             <a:r>
               <a:rPr lang="nb-NO" dirty="0" err="1"/>
@@ -4998,11 +5001,11 @@
             </a:r>
             <a:r>
               <a:rPr lang="nb-NO" dirty="0"/>
-              <a:t>. Skøyer fungerer dårlig på kodespråk og dermed ble det fant!</a:t>
-            </a:r>
-          </a:p>
-          <a:p>
-            <a:pPr marL="228600" lvl="1" indent="0">
+              <a:t>. </a:t>
+            </a:r>
+          </a:p>
+          <a:p>
+            <a:pPr marL="0" indent="0">
               <a:buNone/>
             </a:pPr>
             <a:r>
@@ -16045,7 +16048,7 @@
           <p:cNvPr id="2" name="Tittel 1">
             <a:extLst>
               <a:ext uri="{FF2B5EF4-FFF2-40B4-BE49-F238E27FC236}">
-                <a16:creationId xmlns:a16="http://schemas.microsoft.com/office/drawing/2014/main" id="{E5F03600-ED77-4D1C-9347-5E2D76C4B060}"/>
+                <a16:creationId xmlns:a16="http://schemas.microsoft.com/office/drawing/2014/main" id="{88D8A06B-84AF-4AB4-AFF3-0718689B1069}"/>
               </a:ext>
             </a:extLst>
           </p:cNvPr>
@@ -16062,18 +16065,19 @@
           <a:lstStyle/>
           <a:p>
             <a:r>
-              <a:rPr lang="nb-NO" dirty="0"/>
-              <a:t>Delingsøkonomi</a:t>
-            </a:r>
+              <a:rPr lang="nb-NO" dirty="0" err="1"/>
+              <a:t>Bitraf</a:t>
+            </a:r>
+            <a:endParaRPr lang="nb-NO" dirty="0"/>
           </a:p>
         </p:txBody>
       </p:sp>
       <p:sp>
         <p:nvSpPr>
-          <p:cNvPr id="3" name="Plassholder for tekst 2">
+          <p:cNvPr id="3" name="Plassholder for innhold 2">
             <a:extLst>
               <a:ext uri="{FF2B5EF4-FFF2-40B4-BE49-F238E27FC236}">
-                <a16:creationId xmlns:a16="http://schemas.microsoft.com/office/drawing/2014/main" id="{B6D02213-B988-4F4A-8002-54D6CEF53ED3}"/>
+                <a16:creationId xmlns:a16="http://schemas.microsoft.com/office/drawing/2014/main" id="{53111FEE-A6A7-4A06-9299-9CF91C294738}"/>
               </a:ext>
             </a:extLst>
           </p:cNvPr>
@@ -16081,7 +16085,7 @@
             <a:spLocks noGrp="1"/>
           </p:cNvSpPr>
           <p:nvPr>
-            <p:ph type="body" idx="1"/>
+            <p:ph idx="1"/>
           </p:nvPr>
         </p:nvSpPr>
         <p:spPr/>
@@ -16089,14 +16093,37 @@
           <a:bodyPr/>
           <a:lstStyle/>
           <a:p>
-            <a:endParaRPr lang="nb-NO"/>
+            <a:pPr marL="0" indent="0">
+              <a:buNone/>
+            </a:pPr>
+            <a:r>
+              <a:rPr lang="nb-NO" dirty="0"/>
+              <a:t>Non-</a:t>
+            </a:r>
+            <a:r>
+              <a:rPr lang="nb-NO" dirty="0" err="1"/>
+              <a:t>profit</a:t>
+            </a:r>
+            <a:r>
+              <a:rPr lang="nb-NO" dirty="0"/>
+              <a:t> organisasjon som leier ut lokaler, verksted, og maskiner til hvem som helst. </a:t>
+            </a:r>
+          </a:p>
+          <a:p>
+            <a:pPr marL="0" indent="0">
+              <a:buNone/>
+            </a:pPr>
+            <a:r>
+              <a:rPr lang="nb-NO" dirty="0"/>
+              <a:t>Sirkler sørger for at det er kun sertifiserte medlemmer som har tatt riktig kurs som får åpne og bruke verktøy som krever en form for kompetanse. </a:t>
+            </a:r>
           </a:p>
         </p:txBody>
       </p:sp>
     </p:spTree>
     <p:extLst>
       <p:ext uri="{BB962C8B-B14F-4D97-AF65-F5344CB8AC3E}">
-        <p14:creationId xmlns:p14="http://schemas.microsoft.com/office/powerpoint/2010/main" val="2826341399"/>
+        <p14:creationId xmlns:p14="http://schemas.microsoft.com/office/powerpoint/2010/main" val="1825793157"/>
       </p:ext>
     </p:extLst>
   </p:cSld>
@@ -16128,7 +16155,7 @@
           <p:cNvPr id="2" name="Tittel 1">
             <a:extLst>
               <a:ext uri="{FF2B5EF4-FFF2-40B4-BE49-F238E27FC236}">
-                <a16:creationId xmlns:a16="http://schemas.microsoft.com/office/drawing/2014/main" id="{CDDC7325-15A6-4A2A-AC84-9440D7BF2A42}"/>
+                <a16:creationId xmlns:a16="http://schemas.microsoft.com/office/drawing/2014/main" id="{E5F03600-ED77-4D1C-9347-5E2D76C4B060}"/>
               </a:ext>
             </a:extLst>
           </p:cNvPr>
@@ -16146,17 +16173,17 @@
           <a:p>
             <a:r>
               <a:rPr lang="nb-NO" dirty="0"/>
-              <a:t>$$$$</a:t>
+              <a:t>Delingsøkonomi</a:t>
             </a:r>
           </a:p>
         </p:txBody>
       </p:sp>
       <p:sp>
         <p:nvSpPr>
-          <p:cNvPr id="3" name="Plassholder for innhold 2">
+          <p:cNvPr id="3" name="Plassholder for tekst 2">
             <a:extLst>
               <a:ext uri="{FF2B5EF4-FFF2-40B4-BE49-F238E27FC236}">
-                <a16:creationId xmlns:a16="http://schemas.microsoft.com/office/drawing/2014/main" id="{EAC31E64-E92A-4FA3-8C40-B5B8A8BE7AFF}"/>
+                <a16:creationId xmlns:a16="http://schemas.microsoft.com/office/drawing/2014/main" id="{B6D02213-B988-4F4A-8002-54D6CEF53ED3}"/>
               </a:ext>
             </a:extLst>
           </p:cNvPr>
@@ -16164,7 +16191,7 @@
             <a:spLocks noGrp="1"/>
           </p:cNvSpPr>
           <p:nvPr>
-            <p:ph idx="1"/>
+            <p:ph type="body" idx="1"/>
           </p:nvPr>
         </p:nvSpPr>
         <p:spPr/>
@@ -16172,71 +16199,14 @@
           <a:bodyPr/>
           <a:lstStyle/>
           <a:p>
-            <a:r>
-              <a:rPr lang="nb-NO" dirty="0"/>
-              <a:t>Utleiere kan utnytte arealer bedre i et 24/7 perspektiv</a:t>
-            </a:r>
-          </a:p>
-          <a:p>
-            <a:pPr lvl="1"/>
-            <a:r>
-              <a:rPr lang="nb-NO" dirty="0"/>
-              <a:t>Flere leietakere gir flere leieinntekter</a:t>
-            </a:r>
-          </a:p>
-          <a:p>
-            <a:pPr lvl="1"/>
-            <a:r>
-              <a:rPr lang="nb-NO" dirty="0"/>
-              <a:t>Flere leietakere </a:t>
-            </a:r>
-            <a:r>
-              <a:rPr lang="nb-NO" dirty="0" err="1"/>
-              <a:t>pga</a:t>
-            </a:r>
-            <a:r>
-              <a:rPr lang="nb-NO" dirty="0"/>
-              <a:t> lavere leieutgifter</a:t>
-            </a:r>
-          </a:p>
-          <a:p>
-            <a:r>
-              <a:rPr lang="nb-NO" dirty="0"/>
-              <a:t>Leietakere kan betale for faktisk behov</a:t>
-            </a:r>
-          </a:p>
-          <a:p>
-            <a:pPr lvl="1"/>
-            <a:r>
-              <a:rPr lang="nb-NO" dirty="0"/>
-              <a:t>Lettere å vokse</a:t>
-            </a:r>
-          </a:p>
-          <a:p>
-            <a:pPr lvl="1"/>
-            <a:r>
-              <a:rPr lang="nb-NO" dirty="0"/>
-              <a:t>Lettere å jobbe</a:t>
-            </a:r>
-          </a:p>
-          <a:p>
-            <a:pPr lvl="1"/>
-            <a:r>
-              <a:rPr lang="nb-NO" dirty="0"/>
-              <a:t>Mulighet for å få nye kontakter, nettverk </a:t>
-            </a:r>
-            <a:r>
-              <a:rPr lang="nb-NO" dirty="0" err="1"/>
-              <a:t>etc</a:t>
-            </a:r>
-            <a:endParaRPr lang="nb-NO" dirty="0"/>
+            <a:endParaRPr lang="nb-NO"/>
           </a:p>
         </p:txBody>
       </p:sp>
     </p:spTree>
     <p:extLst>
       <p:ext uri="{BB962C8B-B14F-4D97-AF65-F5344CB8AC3E}">
-        <p14:creationId xmlns:p14="http://schemas.microsoft.com/office/powerpoint/2010/main" val="2411089573"/>
+        <p14:creationId xmlns:p14="http://schemas.microsoft.com/office/powerpoint/2010/main" val="2826341399"/>
       </p:ext>
     </p:extLst>
   </p:cSld>
@@ -16268,7 +16238,7 @@
           <p:cNvPr id="2" name="Tittel 1">
             <a:extLst>
               <a:ext uri="{FF2B5EF4-FFF2-40B4-BE49-F238E27FC236}">
-                <a16:creationId xmlns:a16="http://schemas.microsoft.com/office/drawing/2014/main" id="{44E6994D-B984-459D-90EC-B9B5EEF37300}"/>
+                <a16:creationId xmlns:a16="http://schemas.microsoft.com/office/drawing/2014/main" id="{CDDC7325-15A6-4A2A-AC84-9440D7BF2A42}"/>
               </a:ext>
             </a:extLst>
           </p:cNvPr>
@@ -16286,7 +16256,7 @@
           <a:p>
             <a:r>
               <a:rPr lang="nb-NO" dirty="0"/>
-              <a:t>Filantropi</a:t>
+              <a:t>$$$$</a:t>
             </a:r>
           </a:p>
         </p:txBody>
@@ -16296,7 +16266,7 @@
           <p:cNvPr id="3" name="Plassholder for innhold 2">
             <a:extLst>
               <a:ext uri="{FF2B5EF4-FFF2-40B4-BE49-F238E27FC236}">
-                <a16:creationId xmlns:a16="http://schemas.microsoft.com/office/drawing/2014/main" id="{11CA14C2-2E1E-47B2-88D6-2359A8E20FBA}"/>
+                <a16:creationId xmlns:a16="http://schemas.microsoft.com/office/drawing/2014/main" id="{EAC31E64-E92A-4FA3-8C40-B5B8A8BE7AFF}"/>
               </a:ext>
             </a:extLst>
           </p:cNvPr>
@@ -16314,15 +16284,69 @@
           <a:p>
             <a:r>
               <a:rPr lang="nb-NO" dirty="0"/>
-              <a:t>Støtte lag, foreninger, frivillige organisasjoner som trenger lokaler</a:t>
-            </a:r>
+              <a:t>Utleiere kan utnytte arealer bedre i et 24/7 perspektiv</a:t>
+            </a:r>
+          </a:p>
+          <a:p>
+            <a:pPr lvl="1"/>
+            <a:r>
+              <a:rPr lang="nb-NO" dirty="0"/>
+              <a:t>Flere leietakere gir flere leieinntekter</a:t>
+            </a:r>
+          </a:p>
+          <a:p>
+            <a:pPr lvl="1"/>
+            <a:r>
+              <a:rPr lang="nb-NO" dirty="0"/>
+              <a:t>Flere leietakere </a:t>
+            </a:r>
+            <a:r>
+              <a:rPr lang="nb-NO" dirty="0" err="1"/>
+              <a:t>pga</a:t>
+            </a:r>
+            <a:r>
+              <a:rPr lang="nb-NO" dirty="0"/>
+              <a:t> lavere leieutgifter</a:t>
+            </a:r>
+          </a:p>
+          <a:p>
+            <a:r>
+              <a:rPr lang="nb-NO" dirty="0"/>
+              <a:t>Leietakere kan betale for faktisk behov</a:t>
+            </a:r>
+          </a:p>
+          <a:p>
+            <a:pPr lvl="1"/>
+            <a:r>
+              <a:rPr lang="nb-NO" dirty="0"/>
+              <a:t>Lettere å vokse</a:t>
+            </a:r>
+          </a:p>
+          <a:p>
+            <a:pPr lvl="1"/>
+            <a:r>
+              <a:rPr lang="nb-NO" dirty="0"/>
+              <a:t>Lokaler etter behov</a:t>
+            </a:r>
+          </a:p>
+          <a:p>
+            <a:pPr lvl="1"/>
+            <a:r>
+              <a:rPr lang="nb-NO" dirty="0"/>
+              <a:t>Mulighet for å få nye kontakter, nettverk </a:t>
+            </a:r>
+            <a:r>
+              <a:rPr lang="nb-NO" dirty="0" err="1"/>
+              <a:t>etc</a:t>
+            </a:r>
+            <a:endParaRPr lang="nb-NO" dirty="0"/>
           </a:p>
         </p:txBody>
       </p:sp>
     </p:spTree>
     <p:extLst>
       <p:ext uri="{BB962C8B-B14F-4D97-AF65-F5344CB8AC3E}">
-        <p14:creationId xmlns:p14="http://schemas.microsoft.com/office/powerpoint/2010/main" val="2876501135"/>
+        <p14:creationId xmlns:p14="http://schemas.microsoft.com/office/powerpoint/2010/main" val="2411089573"/>
       </p:ext>
     </p:extLst>
   </p:cSld>
@@ -16349,10 +16373,77 @@
           <a:chExt cx="0" cy="0"/>
         </a:xfrm>
       </p:grpSpPr>
+      <p:sp>
+        <p:nvSpPr>
+          <p:cNvPr id="2" name="Tittel 1">
+            <a:extLst>
+              <a:ext uri="{FF2B5EF4-FFF2-40B4-BE49-F238E27FC236}">
+                <a16:creationId xmlns:a16="http://schemas.microsoft.com/office/drawing/2014/main" id="{44E6994D-B984-459D-90EC-B9B5EEF37300}"/>
+              </a:ext>
+            </a:extLst>
+          </p:cNvPr>
+          <p:cNvSpPr>
+            <a:spLocks noGrp="1"/>
+          </p:cNvSpPr>
+          <p:nvPr>
+            <p:ph type="title"/>
+          </p:nvPr>
+        </p:nvSpPr>
+        <p:spPr/>
+        <p:txBody>
+          <a:bodyPr/>
+          <a:lstStyle/>
+          <a:p>
+            <a:r>
+              <a:rPr lang="nb-NO" dirty="0"/>
+              <a:t>Omdømme - Utleier</a:t>
+            </a:r>
+          </a:p>
+        </p:txBody>
+      </p:sp>
+      <p:sp>
+        <p:nvSpPr>
+          <p:cNvPr id="3" name="Plassholder for innhold 2">
+            <a:extLst>
+              <a:ext uri="{FF2B5EF4-FFF2-40B4-BE49-F238E27FC236}">
+                <a16:creationId xmlns:a16="http://schemas.microsoft.com/office/drawing/2014/main" id="{11CA14C2-2E1E-47B2-88D6-2359A8E20FBA}"/>
+              </a:ext>
+            </a:extLst>
+          </p:cNvPr>
+          <p:cNvSpPr>
+            <a:spLocks noGrp="1"/>
+          </p:cNvSpPr>
+          <p:nvPr>
+            <p:ph idx="1"/>
+          </p:nvPr>
+        </p:nvSpPr>
+        <p:spPr/>
+        <p:txBody>
+          <a:bodyPr/>
+          <a:lstStyle/>
+          <a:p>
+            <a:r>
+              <a:rPr lang="nb-NO" dirty="0"/>
+              <a:t>Bidra til å skape liv i byen ved å åpne opp og </a:t>
+            </a:r>
+            <a:r>
+              <a:rPr lang="nb-NO" dirty="0" err="1"/>
+              <a:t>tilgjengeligjøre</a:t>
+            </a:r>
+            <a:endParaRPr lang="nb-NO" dirty="0"/>
+          </a:p>
+          <a:p>
+            <a:r>
+              <a:rPr lang="nb-NO" dirty="0"/>
+              <a:t>Støtte lag, foreninger, frivillige organisasjoner som trenger lokaler</a:t>
+            </a:r>
+          </a:p>
+        </p:txBody>
+      </p:sp>
     </p:spTree>
     <p:extLst>
       <p:ext uri="{BB962C8B-B14F-4D97-AF65-F5344CB8AC3E}">
-        <p14:creationId xmlns:p14="http://schemas.microsoft.com/office/powerpoint/2010/main" val="1226549578"/>
+        <p14:creationId xmlns:p14="http://schemas.microsoft.com/office/powerpoint/2010/main" val="2876501135"/>
       </p:ext>
     </p:extLst>
   </p:cSld>
@@ -16379,1046 +16470,63 @@
           <a:chExt cx="0" cy="0"/>
         </a:xfrm>
       </p:grpSpPr>
-      <p:pic>
-        <p:nvPicPr>
-          <p:cNvPr id="3" name="Grafikk 2" descr="Wi-Fi">
+      <p:sp>
+        <p:nvSpPr>
+          <p:cNvPr id="2" name="Tittel 1">
             <a:extLst>
               <a:ext uri="{FF2B5EF4-FFF2-40B4-BE49-F238E27FC236}">
-                <a16:creationId xmlns:a16="http://schemas.microsoft.com/office/drawing/2014/main" id="{D6D908F3-2D19-4B36-A788-BFF1FD6E458A}"/>
+                <a16:creationId xmlns:a16="http://schemas.microsoft.com/office/drawing/2014/main" id="{C20F0ECD-EC4E-4BEE-B351-E73EC3C9CFA5}"/>
               </a:ext>
             </a:extLst>
           </p:cNvPr>
-          <p:cNvPicPr>
-            <a:picLocks noChangeAspect="1"/>
-          </p:cNvPicPr>
-          <p:nvPr/>
-        </p:nvPicPr>
-        <p:blipFill>
-          <a:blip r:embed="rId2">
-            <a:extLst>
-              <a:ext uri="{96DAC541-7B7A-43D3-8B79-37D633B846F1}">
-                <asvg:svgBlip xmlns:asvg="http://schemas.microsoft.com/office/drawing/2016/SVG/main" r:embed="rId3"/>
-              </a:ext>
-            </a:extLst>
-          </a:blip>
-          <a:stretch>
-            <a:fillRect/>
-          </a:stretch>
-        </p:blipFill>
-        <p:spPr>
-          <a:xfrm>
-            <a:off x="3488383" y="941201"/>
-            <a:ext cx="914400" cy="914400"/>
-          </a:xfrm>
-          <a:prstGeom prst="rect">
-            <a:avLst/>
-          </a:prstGeom>
-        </p:spPr>
-      </p:pic>
-      <p:pic>
-        <p:nvPicPr>
-          <p:cNvPr id="5" name="Grafikk 4" descr="Volum">
+          <p:cNvSpPr>
+            <a:spLocks noGrp="1"/>
+          </p:cNvSpPr>
+          <p:nvPr>
+            <p:ph type="title"/>
+          </p:nvPr>
+        </p:nvSpPr>
+        <p:spPr/>
+        <p:txBody>
+          <a:bodyPr/>
+          <a:lstStyle/>
+          <a:p>
+            <a:r>
+              <a:rPr lang="nb-NO" dirty="0"/>
+              <a:t>Leverandør</a:t>
+            </a:r>
+          </a:p>
+        </p:txBody>
+      </p:sp>
+      <p:sp>
+        <p:nvSpPr>
+          <p:cNvPr id="3" name="Plassholder for tekst 2">
             <a:extLst>
               <a:ext uri="{FF2B5EF4-FFF2-40B4-BE49-F238E27FC236}">
-                <a16:creationId xmlns:a16="http://schemas.microsoft.com/office/drawing/2014/main" id="{46C00A3D-EFD4-4E38-A0A4-9134374AF8EB}"/>
+                <a16:creationId xmlns:a16="http://schemas.microsoft.com/office/drawing/2014/main" id="{F3C505B1-BB36-401D-8874-68A1B762DF37}"/>
               </a:ext>
             </a:extLst>
           </p:cNvPr>
-          <p:cNvPicPr>
-            <a:picLocks noChangeAspect="1"/>
-          </p:cNvPicPr>
-          <p:nvPr/>
-        </p:nvPicPr>
-        <p:blipFill>
-          <a:blip r:embed="rId4">
-            <a:extLst>
-              <a:ext uri="{96DAC541-7B7A-43D3-8B79-37D633B846F1}">
-                <asvg:svgBlip xmlns:asvg="http://schemas.microsoft.com/office/drawing/2016/SVG/main" r:embed="rId5"/>
-              </a:ext>
-            </a:extLst>
-          </a:blip>
-          <a:stretch>
-            <a:fillRect/>
-          </a:stretch>
-        </p:blipFill>
-        <p:spPr>
-          <a:xfrm>
-            <a:off x="2869026" y="4179000"/>
-            <a:ext cx="914400" cy="914400"/>
-          </a:xfrm>
-          <a:prstGeom prst="rect">
-            <a:avLst/>
-          </a:prstGeom>
-        </p:spPr>
-      </p:pic>
-      <p:pic>
-        <p:nvPicPr>
-          <p:cNvPr id="7" name="Grafikk 6" descr="Advarsel">
-            <a:extLst>
-              <a:ext uri="{FF2B5EF4-FFF2-40B4-BE49-F238E27FC236}">
-                <a16:creationId xmlns:a16="http://schemas.microsoft.com/office/drawing/2014/main" id="{E57FEFF8-B2A2-4FAD-8A08-CB8E95E73AF9}"/>
-              </a:ext>
-            </a:extLst>
-          </p:cNvPr>
-          <p:cNvPicPr>
-            <a:picLocks noChangeAspect="1"/>
-          </p:cNvPicPr>
-          <p:nvPr/>
-        </p:nvPicPr>
-        <p:blipFill>
-          <a:blip r:embed="rId6">
-            <a:extLst>
-              <a:ext uri="{96DAC541-7B7A-43D3-8B79-37D633B846F1}">
-                <asvg:svgBlip xmlns:asvg="http://schemas.microsoft.com/office/drawing/2016/SVG/main" r:embed="rId7"/>
-              </a:ext>
-            </a:extLst>
-          </a:blip>
-          <a:stretch>
-            <a:fillRect/>
-          </a:stretch>
-        </p:blipFill>
-        <p:spPr>
-          <a:xfrm>
-            <a:off x="1726254" y="3038471"/>
-            <a:ext cx="914400" cy="914400"/>
-          </a:xfrm>
-          <a:prstGeom prst="rect">
-            <a:avLst/>
-          </a:prstGeom>
-        </p:spPr>
-      </p:pic>
-      <p:pic>
-        <p:nvPicPr>
-          <p:cNvPr id="9" name="Grafikk 8" descr="Klokke">
-            <a:extLst>
-              <a:ext uri="{FF2B5EF4-FFF2-40B4-BE49-F238E27FC236}">
-                <a16:creationId xmlns:a16="http://schemas.microsoft.com/office/drawing/2014/main" id="{B499E961-D14F-4737-931C-34D614F3BD7C}"/>
-              </a:ext>
-            </a:extLst>
-          </p:cNvPr>
-          <p:cNvPicPr>
-            <a:picLocks noChangeAspect="1"/>
-          </p:cNvPicPr>
-          <p:nvPr/>
-        </p:nvPicPr>
-        <p:blipFill>
-          <a:blip r:embed="rId8">
-            <a:extLst>
-              <a:ext uri="{96DAC541-7B7A-43D3-8B79-37D633B846F1}">
-                <asvg:svgBlip xmlns:asvg="http://schemas.microsoft.com/office/drawing/2016/SVG/main" r:embed="rId9"/>
-              </a:ext>
-            </a:extLst>
-          </a:blip>
-          <a:stretch>
-            <a:fillRect/>
-          </a:stretch>
-        </p:blipFill>
-        <p:spPr>
-          <a:xfrm>
-            <a:off x="2355526" y="1769574"/>
-            <a:ext cx="914400" cy="914400"/>
-          </a:xfrm>
-          <a:prstGeom prst="rect">
-            <a:avLst/>
-          </a:prstGeom>
-        </p:spPr>
-      </p:pic>
-      <p:pic>
-        <p:nvPicPr>
-          <p:cNvPr id="11" name="Grafikk 10" descr="Bjelle">
-            <a:extLst>
-              <a:ext uri="{FF2B5EF4-FFF2-40B4-BE49-F238E27FC236}">
-                <a16:creationId xmlns:a16="http://schemas.microsoft.com/office/drawing/2014/main" id="{4CF87D3A-5AAA-48B4-A977-6E3E587A2C20}"/>
-              </a:ext>
-            </a:extLst>
-          </p:cNvPr>
-          <p:cNvPicPr>
-            <a:picLocks noChangeAspect="1"/>
-          </p:cNvPicPr>
-          <p:nvPr/>
-        </p:nvPicPr>
-        <p:blipFill>
-          <a:blip r:embed="rId10">
-            <a:extLst>
-              <a:ext uri="{96DAC541-7B7A-43D3-8B79-37D633B846F1}">
-                <asvg:svgBlip xmlns:asvg="http://schemas.microsoft.com/office/drawing/2016/SVG/main" r:embed="rId11"/>
-              </a:ext>
-            </a:extLst>
-          </a:blip>
-          <a:stretch>
-            <a:fillRect/>
-          </a:stretch>
-        </p:blipFill>
-        <p:spPr>
-          <a:xfrm>
-            <a:off x="8799119" y="1343905"/>
-            <a:ext cx="916887" cy="916887"/>
-          </a:xfrm>
-          <a:prstGeom prst="rect">
-            <a:avLst/>
-          </a:prstGeom>
-        </p:spPr>
-      </p:pic>
-      <p:pic>
-        <p:nvPicPr>
-          <p:cNvPr id="13" name="Grafikk 12" descr="Nettsky">
-            <a:extLst>
-              <a:ext uri="{FF2B5EF4-FFF2-40B4-BE49-F238E27FC236}">
-                <a16:creationId xmlns:a16="http://schemas.microsoft.com/office/drawing/2014/main" id="{2B808870-3A4C-47BF-BD90-C189ECB723F0}"/>
-              </a:ext>
-            </a:extLst>
-          </p:cNvPr>
-          <p:cNvPicPr>
-            <a:picLocks noChangeAspect="1"/>
-          </p:cNvPicPr>
-          <p:nvPr/>
-        </p:nvPicPr>
-        <p:blipFill>
-          <a:blip r:embed="rId12">
-            <a:extLst>
-              <a:ext uri="{96DAC541-7B7A-43D3-8B79-37D633B846F1}">
-                <asvg:svgBlip xmlns:asvg="http://schemas.microsoft.com/office/drawing/2016/SVG/main" r:embed="rId13"/>
-              </a:ext>
-            </a:extLst>
-          </a:blip>
-          <a:stretch>
-            <a:fillRect/>
-          </a:stretch>
-        </p:blipFill>
-        <p:spPr>
-          <a:xfrm>
-            <a:off x="4818555" y="1312374"/>
-            <a:ext cx="914400" cy="914400"/>
-          </a:xfrm>
-          <a:prstGeom prst="rect">
-            <a:avLst/>
-          </a:prstGeom>
-        </p:spPr>
-      </p:pic>
-      <p:pic>
-        <p:nvPicPr>
-          <p:cNvPr id="15" name="Grafikk 14" descr="Bluetooth">
-            <a:extLst>
-              <a:ext uri="{FF2B5EF4-FFF2-40B4-BE49-F238E27FC236}">
-                <a16:creationId xmlns:a16="http://schemas.microsoft.com/office/drawing/2014/main" id="{265CF4DC-A199-4675-8069-481136C3E2C4}"/>
-              </a:ext>
-            </a:extLst>
-          </p:cNvPr>
-          <p:cNvPicPr>
-            <a:picLocks noChangeAspect="1"/>
-          </p:cNvPicPr>
-          <p:nvPr/>
-        </p:nvPicPr>
-        <p:blipFill>
-          <a:blip r:embed="rId14">
-            <a:extLst>
-              <a:ext uri="{96DAC541-7B7A-43D3-8B79-37D633B846F1}">
-                <asvg:svgBlip xmlns:asvg="http://schemas.microsoft.com/office/drawing/2016/SVG/main" r:embed="rId15"/>
-              </a:ext>
-            </a:extLst>
-          </a:blip>
-          <a:stretch>
-            <a:fillRect/>
-          </a:stretch>
-        </p:blipFill>
-        <p:spPr>
-          <a:xfrm>
-            <a:off x="3713619" y="2245482"/>
-            <a:ext cx="914400" cy="914400"/>
-          </a:xfrm>
-          <a:prstGeom prst="rect">
-            <a:avLst/>
-          </a:prstGeom>
-        </p:spPr>
-      </p:pic>
-      <p:pic>
-        <p:nvPicPr>
-          <p:cNvPr id="17" name="Grafikk 16" descr="Kompass">
-            <a:extLst>
-              <a:ext uri="{FF2B5EF4-FFF2-40B4-BE49-F238E27FC236}">
-                <a16:creationId xmlns:a16="http://schemas.microsoft.com/office/drawing/2014/main" id="{C269ECD4-D6B6-4C4F-9692-46674C2FDEA0}"/>
-              </a:ext>
-            </a:extLst>
-          </p:cNvPr>
-          <p:cNvPicPr>
-            <a:picLocks noChangeAspect="1"/>
-          </p:cNvPicPr>
-          <p:nvPr/>
-        </p:nvPicPr>
-        <p:blipFill>
-          <a:blip r:embed="rId16">
-            <a:extLst>
-              <a:ext uri="{96DAC541-7B7A-43D3-8B79-37D633B846F1}">
-                <asvg:svgBlip xmlns:asvg="http://schemas.microsoft.com/office/drawing/2016/SVG/main" r:embed="rId17"/>
-              </a:ext>
-            </a:extLst>
-          </a:blip>
-          <a:stretch>
-            <a:fillRect/>
-          </a:stretch>
-        </p:blipFill>
-        <p:spPr>
-          <a:xfrm>
-            <a:off x="4253913" y="4308067"/>
-            <a:ext cx="914400" cy="914400"/>
-          </a:xfrm>
-          <a:prstGeom prst="rect">
-            <a:avLst/>
-          </a:prstGeom>
-        </p:spPr>
-      </p:pic>
-      <p:pic>
-        <p:nvPicPr>
-          <p:cNvPr id="19" name="Grafikk 18" descr="Ulåst">
-            <a:extLst>
-              <a:ext uri="{FF2B5EF4-FFF2-40B4-BE49-F238E27FC236}">
-                <a16:creationId xmlns:a16="http://schemas.microsoft.com/office/drawing/2014/main" id="{F991E882-9BD0-4831-B1F3-2EF18D0C646E}"/>
-              </a:ext>
-            </a:extLst>
-          </p:cNvPr>
-          <p:cNvPicPr>
-            <a:picLocks noChangeAspect="1"/>
-          </p:cNvPicPr>
-          <p:nvPr/>
-        </p:nvPicPr>
-        <p:blipFill>
-          <a:blip r:embed="rId18">
-            <a:extLst>
-              <a:ext uri="{96DAC541-7B7A-43D3-8B79-37D633B846F1}">
-                <asvg:svgBlip xmlns:asvg="http://schemas.microsoft.com/office/drawing/2016/SVG/main" r:embed="rId19"/>
-              </a:ext>
-            </a:extLst>
-          </a:blip>
-          <a:stretch>
-            <a:fillRect/>
-          </a:stretch>
-        </p:blipFill>
-        <p:spPr>
-          <a:xfrm>
-            <a:off x="7332019" y="941201"/>
-            <a:ext cx="914400" cy="914400"/>
-          </a:xfrm>
-          <a:prstGeom prst="rect">
-            <a:avLst/>
-          </a:prstGeom>
-        </p:spPr>
-      </p:pic>
-      <p:pic>
-        <p:nvPicPr>
-          <p:cNvPr id="21" name="Grafikk 20" descr="Låst">
-            <a:extLst>
-              <a:ext uri="{FF2B5EF4-FFF2-40B4-BE49-F238E27FC236}">
-                <a16:creationId xmlns:a16="http://schemas.microsoft.com/office/drawing/2014/main" id="{21D73433-E66A-4453-8297-7F29F4E96FDC}"/>
-              </a:ext>
-            </a:extLst>
-          </p:cNvPr>
-          <p:cNvPicPr>
-            <a:picLocks noChangeAspect="1"/>
-          </p:cNvPicPr>
-          <p:nvPr/>
-        </p:nvPicPr>
-        <p:blipFill>
-          <a:blip r:embed="rId20">
-            <a:extLst>
-              <a:ext uri="{96DAC541-7B7A-43D3-8B79-37D633B846F1}">
-                <asvg:svgBlip xmlns:asvg="http://schemas.microsoft.com/office/drawing/2016/SVG/main" r:embed="rId21"/>
-              </a:ext>
-            </a:extLst>
-          </a:blip>
-          <a:stretch>
-            <a:fillRect/>
-          </a:stretch>
-        </p:blipFill>
-        <p:spPr>
-          <a:xfrm>
-            <a:off x="6459047" y="1673193"/>
-            <a:ext cx="914400" cy="914400"/>
-          </a:xfrm>
-          <a:prstGeom prst="rect">
-            <a:avLst/>
-          </a:prstGeom>
-        </p:spPr>
-      </p:pic>
-      <p:pic>
-        <p:nvPicPr>
-          <p:cNvPr id="23" name="Grafikk 22" descr="Tankeboble">
-            <a:extLst>
-              <a:ext uri="{FF2B5EF4-FFF2-40B4-BE49-F238E27FC236}">
-                <a16:creationId xmlns:a16="http://schemas.microsoft.com/office/drawing/2014/main" id="{59A0C625-3B7B-4A50-B466-783D76886AB9}"/>
-              </a:ext>
-            </a:extLst>
-          </p:cNvPr>
-          <p:cNvPicPr>
-            <a:picLocks noChangeAspect="1"/>
-          </p:cNvPicPr>
-          <p:nvPr/>
-        </p:nvPicPr>
-        <p:blipFill>
-          <a:blip r:embed="rId22">
-            <a:extLst>
-              <a:ext uri="{96DAC541-7B7A-43D3-8B79-37D633B846F1}">
-                <asvg:svgBlip xmlns:asvg="http://schemas.microsoft.com/office/drawing/2016/SVG/main" r:embed="rId23"/>
-              </a:ext>
-            </a:extLst>
-          </a:blip>
-          <a:stretch>
-            <a:fillRect/>
-          </a:stretch>
-        </p:blipFill>
-        <p:spPr>
-          <a:xfrm>
-            <a:off x="5638800" y="2971800"/>
-            <a:ext cx="914400" cy="914400"/>
-          </a:xfrm>
-          <a:prstGeom prst="rect">
-            <a:avLst/>
-          </a:prstGeom>
-        </p:spPr>
-      </p:pic>
-      <p:pic>
-        <p:nvPicPr>
-          <p:cNvPr id="25" name="Grafikk 24" descr="Kamera">
-            <a:extLst>
-              <a:ext uri="{FF2B5EF4-FFF2-40B4-BE49-F238E27FC236}">
-                <a16:creationId xmlns:a16="http://schemas.microsoft.com/office/drawing/2014/main" id="{85F0FEF5-ACE9-4841-AB93-582A666C0C72}"/>
-              </a:ext>
-            </a:extLst>
-          </p:cNvPr>
-          <p:cNvPicPr>
-            <a:picLocks noChangeAspect="1"/>
-          </p:cNvPicPr>
-          <p:nvPr/>
-        </p:nvPicPr>
-        <p:blipFill>
-          <a:blip r:embed="rId24">
-            <a:extLst>
-              <a:ext uri="{96DAC541-7B7A-43D3-8B79-37D633B846F1}">
-                <asvg:svgBlip xmlns:asvg="http://schemas.microsoft.com/office/drawing/2016/SVG/main" r:embed="rId25"/>
-              </a:ext>
-            </a:extLst>
-          </a:blip>
-          <a:stretch>
-            <a:fillRect/>
-          </a:stretch>
-        </p:blipFill>
-        <p:spPr>
-          <a:xfrm>
-            <a:off x="5985233" y="5093400"/>
-            <a:ext cx="914400" cy="914400"/>
-          </a:xfrm>
-          <a:prstGeom prst="rect">
-            <a:avLst/>
-          </a:prstGeom>
-        </p:spPr>
-      </p:pic>
-      <p:pic>
-        <p:nvPicPr>
-          <p:cNvPr id="27" name="Grafikk 26" descr="Webkamera">
-            <a:extLst>
-              <a:ext uri="{FF2B5EF4-FFF2-40B4-BE49-F238E27FC236}">
-                <a16:creationId xmlns:a16="http://schemas.microsoft.com/office/drawing/2014/main" id="{F7986C00-F983-48C9-A936-114471265284}"/>
-              </a:ext>
-            </a:extLst>
-          </p:cNvPr>
-          <p:cNvPicPr>
-            <a:picLocks noChangeAspect="1"/>
-          </p:cNvPicPr>
-          <p:nvPr/>
-        </p:nvPicPr>
-        <p:blipFill>
-          <a:blip r:embed="rId26">
-            <a:extLst>
-              <a:ext uri="{96DAC541-7B7A-43D3-8B79-37D633B846F1}">
-                <asvg:svgBlip xmlns:asvg="http://schemas.microsoft.com/office/drawing/2016/SVG/main" r:embed="rId27"/>
-              </a:ext>
-            </a:extLst>
-          </a:blip>
-          <a:stretch>
-            <a:fillRect/>
-          </a:stretch>
-        </p:blipFill>
-        <p:spPr>
-          <a:xfrm>
-            <a:off x="7751615" y="4636200"/>
-            <a:ext cx="914400" cy="914400"/>
-          </a:xfrm>
-          <a:prstGeom prst="rect">
-            <a:avLst/>
-          </a:prstGeom>
-        </p:spPr>
-      </p:pic>
-      <p:pic>
-        <p:nvPicPr>
-          <p:cNvPr id="29" name="Grafikk 28" descr="Nettbrett">
-            <a:extLst>
-              <a:ext uri="{FF2B5EF4-FFF2-40B4-BE49-F238E27FC236}">
-                <a16:creationId xmlns:a16="http://schemas.microsoft.com/office/drawing/2014/main" id="{02F6657E-08C0-4AB8-8CF5-B6532573C754}"/>
-              </a:ext>
-            </a:extLst>
-          </p:cNvPr>
-          <p:cNvPicPr>
-            <a:picLocks noChangeAspect="1"/>
-          </p:cNvPicPr>
-          <p:nvPr/>
-        </p:nvPicPr>
-        <p:blipFill>
-          <a:blip r:embed="rId28">
-            <a:extLst>
-              <a:ext uri="{96DAC541-7B7A-43D3-8B79-37D633B846F1}">
-                <asvg:svgBlip xmlns:asvg="http://schemas.microsoft.com/office/drawing/2016/SVG/main" r:embed="rId29"/>
-              </a:ext>
-            </a:extLst>
-          </a:blip>
-          <a:stretch>
-            <a:fillRect/>
-          </a:stretch>
-        </p:blipFill>
-        <p:spPr>
-          <a:xfrm>
-            <a:off x="8094174" y="3271800"/>
-            <a:ext cx="914400" cy="914400"/>
-          </a:xfrm>
-          <a:prstGeom prst="rect">
-            <a:avLst/>
-          </a:prstGeom>
-        </p:spPr>
-      </p:pic>
-      <p:pic>
-        <p:nvPicPr>
-          <p:cNvPr id="31" name="Grafikk 30" descr="Smarttelefon">
-            <a:extLst>
-              <a:ext uri="{FF2B5EF4-FFF2-40B4-BE49-F238E27FC236}">
-                <a16:creationId xmlns:a16="http://schemas.microsoft.com/office/drawing/2014/main" id="{519D97BB-C577-443E-9534-8330E51670AB}"/>
-              </a:ext>
-            </a:extLst>
-          </p:cNvPr>
-          <p:cNvPicPr>
-            <a:picLocks noChangeAspect="1"/>
-          </p:cNvPicPr>
-          <p:nvPr/>
-        </p:nvPicPr>
-        <p:blipFill>
-          <a:blip r:embed="rId30">
-            <a:extLst>
-              <a:ext uri="{96DAC541-7B7A-43D3-8B79-37D633B846F1}">
-                <asvg:svgBlip xmlns:asvg="http://schemas.microsoft.com/office/drawing/2016/SVG/main" r:embed="rId31"/>
-              </a:ext>
-            </a:extLst>
-          </a:blip>
-          <a:stretch>
-            <a:fillRect/>
-          </a:stretch>
-        </p:blipFill>
-        <p:spPr>
-          <a:xfrm>
-            <a:off x="9593702" y="4479894"/>
-            <a:ext cx="914400" cy="914400"/>
-          </a:xfrm>
-          <a:prstGeom prst="rect">
-            <a:avLst/>
-          </a:prstGeom>
-        </p:spPr>
-      </p:pic>
-      <p:pic>
-        <p:nvPicPr>
-          <p:cNvPr id="33" name="Grafikk 32" descr="Bærbar datamaskin">
-            <a:extLst>
-              <a:ext uri="{FF2B5EF4-FFF2-40B4-BE49-F238E27FC236}">
-                <a16:creationId xmlns:a16="http://schemas.microsoft.com/office/drawing/2014/main" id="{FB948175-DE0A-4A39-B7C7-03724CF9D19F}"/>
-              </a:ext>
-            </a:extLst>
-          </p:cNvPr>
-          <p:cNvPicPr>
-            <a:picLocks noChangeAspect="1"/>
-          </p:cNvPicPr>
-          <p:nvPr/>
-        </p:nvPicPr>
-        <p:blipFill>
-          <a:blip r:embed="rId32">
-            <a:extLst>
-              <a:ext uri="{96DAC541-7B7A-43D3-8B79-37D633B846F1}">
-                <asvg:svgBlip xmlns:asvg="http://schemas.microsoft.com/office/drawing/2016/SVG/main" r:embed="rId33"/>
-              </a:ext>
-            </a:extLst>
-          </a:blip>
-          <a:stretch>
-            <a:fillRect/>
-          </a:stretch>
-        </p:blipFill>
-        <p:spPr>
-          <a:xfrm>
-            <a:off x="9466228" y="3244560"/>
-            <a:ext cx="914400" cy="914400"/>
-          </a:xfrm>
-          <a:prstGeom prst="rect">
-            <a:avLst/>
-          </a:prstGeom>
-        </p:spPr>
-      </p:pic>
-      <p:pic>
-        <p:nvPicPr>
-          <p:cNvPr id="34" name="Bilde 33">
-            <a:extLst>
-              <a:ext uri="{FF2B5EF4-FFF2-40B4-BE49-F238E27FC236}">
-                <a16:creationId xmlns:a16="http://schemas.microsoft.com/office/drawing/2014/main" id="{8EF520D1-AA29-4B06-A908-393D2A9B2200}"/>
-              </a:ext>
-            </a:extLst>
-          </p:cNvPr>
-          <p:cNvPicPr>
-            <a:picLocks noChangeAspect="1"/>
-          </p:cNvPicPr>
-          <p:nvPr/>
-        </p:nvPicPr>
-        <p:blipFill>
-          <a:blip r:embed="rId34"/>
-          <a:stretch>
-            <a:fillRect/>
-          </a:stretch>
-        </p:blipFill>
-        <p:spPr>
-          <a:xfrm>
-            <a:off x="497501" y="234282"/>
-            <a:ext cx="2069126" cy="1606155"/>
-          </a:xfrm>
-          <a:prstGeom prst="rect">
-            <a:avLst/>
-          </a:prstGeom>
-        </p:spPr>
-      </p:pic>
-      <p:pic>
-        <p:nvPicPr>
-          <p:cNvPr id="36" name="Bilde 35">
-            <a:extLst>
-              <a:ext uri="{FF2B5EF4-FFF2-40B4-BE49-F238E27FC236}">
-                <a16:creationId xmlns:a16="http://schemas.microsoft.com/office/drawing/2014/main" id="{62E4C73E-03F6-4F9C-8994-30F21F5BB07C}"/>
-              </a:ext>
-            </a:extLst>
-          </p:cNvPr>
-          <p:cNvPicPr>
-            <a:picLocks noChangeAspect="1"/>
-          </p:cNvPicPr>
-          <p:nvPr/>
-        </p:nvPicPr>
-        <p:blipFill rotWithShape="1">
-          <a:blip r:embed="rId35">
-            <a:extLst>
-              <a:ext uri="{BEBA8EAE-BF5A-486C-A8C5-ECC9F3942E4B}">
-                <a14:imgProps xmlns:a14="http://schemas.microsoft.com/office/drawing/2010/main">
-                  <a14:imgLayer r:embed="rId36">
-                    <a14:imgEffect>
-                      <a14:backgroundRemoval t="38756" b="76444" l="25711" r="50948">
-                        <a14:foregroundMark x1="35545" y1="70400" x2="35545" y2="70400"/>
-                        <a14:foregroundMark x1="33175" y1="69244" x2="33175" y2="69244"/>
-                        <a14:foregroundMark x1="46090" y1="64533" x2="34597" y2="64000"/>
-                        <a14:foregroundMark x1="34597" y1="64000" x2="30095" y2="62133"/>
-                        <a14:foregroundMark x1="26540" y1="72089" x2="38981" y2="43556"/>
-                        <a14:foregroundMark x1="47986" y1="68978" x2="42062" y2="63200"/>
-                        <a14:foregroundMark x1="42062" y1="63200" x2="36493" y2="43733"/>
-                        <a14:foregroundMark x1="44194" y1="60356" x2="33886" y2="63644"/>
-                        <a14:foregroundMark x1="33886" y1="63644" x2="27488" y2="69244"/>
-                        <a14:foregroundMark x1="27488" y1="69244" x2="25829" y2="72089"/>
-                        <a14:foregroundMark x1="31398" y1="75022" x2="30213" y2="61778"/>
-                        <a14:foregroundMark x1="40995" y1="73867" x2="39336" y2="66133"/>
-                        <a14:foregroundMark x1="39336" y1="66133" x2="39573" y2="65156"/>
-                        <a14:foregroundMark x1="50948" y1="68889" x2="41469" y2="66044"/>
-                        <a14:foregroundMark x1="42536" y1="70311" x2="28199" y2="67911"/>
-                        <a14:foregroundMark x1="33886" y1="38844" x2="41114" y2="53067"/>
-                        <a14:foregroundMark x1="41114" y1="53067" x2="41943" y2="59200"/>
-                        <a14:foregroundMark x1="26896" y1="75200" x2="29621" y2="55733"/>
-                        <a14:foregroundMark x1="27962" y1="75733" x2="45379" y2="61156"/>
-                        <a14:foregroundMark x1="44076" y1="76444" x2="34242" y2="64444"/>
-                        <a14:foregroundMark x1="34242" y1="64444" x2="33057" y2="61956"/>
-                        <a14:foregroundMark x1="41706" y1="43467" x2="38507" y2="40711"/>
-                        <a14:foregroundMark x1="42299" y1="40089" x2="39100" y2="40711"/>
-                        <a14:backgroundMark x1="47986" y1="44178" x2="47986" y2="44178"/>
-                        <a14:backgroundMark x1="47986" y1="44178" x2="47986" y2="44178"/>
-                        <a14:backgroundMark x1="28910" y1="44000" x2="25474" y2="37156"/>
-                        <a14:backgroundMark x1="25474" y1="37156" x2="25474" y2="36711"/>
-                        <a14:backgroundMark x1="51185" y1="45422" x2="44550" y2="45156"/>
-                      </a14:backgroundRemoval>
-                    </a14:imgEffect>
-                  </a14:imgLayer>
-                </a14:imgProps>
-              </a:ext>
-            </a:extLst>
-          </a:blip>
-          <a:srcRect l="23835" t="35555" r="47655" b="20556"/>
-          <a:stretch/>
-        </p:blipFill>
-        <p:spPr>
-          <a:xfrm>
-            <a:off x="1037020" y="4544371"/>
-            <a:ext cx="310310" cy="441791"/>
-          </a:xfrm>
-          <a:prstGeom prst="rect">
-            <a:avLst/>
-          </a:prstGeom>
-        </p:spPr>
-      </p:pic>
-      <p:pic>
-        <p:nvPicPr>
-          <p:cNvPr id="37" name="Grafikk 36" descr="Bygning">
-            <a:extLst>
-              <a:ext uri="{FF2B5EF4-FFF2-40B4-BE49-F238E27FC236}">
-                <a16:creationId xmlns:a16="http://schemas.microsoft.com/office/drawing/2014/main" id="{1A26BDAD-F8A3-463C-BC7F-CF7CB5FB298D}"/>
-              </a:ext>
-            </a:extLst>
-          </p:cNvPr>
-          <p:cNvPicPr>
-            <a:picLocks noChangeAspect="1"/>
-          </p:cNvPicPr>
-          <p:nvPr/>
-        </p:nvPicPr>
-        <p:blipFill>
-          <a:blip r:embed="rId37">
-            <a:extLst>
-              <a:ext uri="{96DAC541-7B7A-43D3-8B79-37D633B846F1}">
-                <asvg:svgBlip xmlns:asvg="http://schemas.microsoft.com/office/drawing/2016/SVG/main" r:embed="rId38"/>
-              </a:ext>
-            </a:extLst>
-          </a:blip>
-          <a:stretch>
-            <a:fillRect/>
-          </a:stretch>
-        </p:blipFill>
-        <p:spPr>
-          <a:xfrm>
-            <a:off x="4299037" y="2089386"/>
-            <a:ext cx="914400" cy="914400"/>
-          </a:xfrm>
-          <a:prstGeom prst="rect">
-            <a:avLst/>
-          </a:prstGeom>
-        </p:spPr>
-      </p:pic>
-      <p:pic>
-        <p:nvPicPr>
-          <p:cNvPr id="38" name="Grafikk 37" descr="Hjem">
-            <a:extLst>
-              <a:ext uri="{FF2B5EF4-FFF2-40B4-BE49-F238E27FC236}">
-                <a16:creationId xmlns:a16="http://schemas.microsoft.com/office/drawing/2014/main" id="{AF8E5EF6-A292-4D83-A032-144780947562}"/>
-              </a:ext>
-            </a:extLst>
-          </p:cNvPr>
-          <p:cNvPicPr>
-            <a:picLocks noChangeAspect="1"/>
-          </p:cNvPicPr>
-          <p:nvPr/>
-        </p:nvPicPr>
-        <p:blipFill>
-          <a:blip r:embed="rId39">
-            <a:extLst>
-              <a:ext uri="{96DAC541-7B7A-43D3-8B79-37D633B846F1}">
-                <asvg:svgBlip xmlns:asvg="http://schemas.microsoft.com/office/drawing/2016/SVG/main" r:embed="rId40"/>
-              </a:ext>
-            </a:extLst>
-          </a:blip>
-          <a:stretch>
-            <a:fillRect/>
-          </a:stretch>
-        </p:blipFill>
-        <p:spPr>
-          <a:xfrm>
-            <a:off x="2819116" y="3003786"/>
-            <a:ext cx="914400" cy="914400"/>
-          </a:xfrm>
-          <a:prstGeom prst="rect">
-            <a:avLst/>
-          </a:prstGeom>
-        </p:spPr>
-      </p:pic>
-      <p:pic>
-        <p:nvPicPr>
-          <p:cNvPr id="39" name="Grafikk 38" descr="Skolebygning">
-            <a:extLst>
-              <a:ext uri="{FF2B5EF4-FFF2-40B4-BE49-F238E27FC236}">
-                <a16:creationId xmlns:a16="http://schemas.microsoft.com/office/drawing/2014/main" id="{62499267-5D53-4CF8-A12F-2CE9347122FF}"/>
-              </a:ext>
-            </a:extLst>
-          </p:cNvPr>
-          <p:cNvPicPr>
-            <a:picLocks noChangeAspect="1"/>
-          </p:cNvPicPr>
-          <p:nvPr/>
-        </p:nvPicPr>
-        <p:blipFill>
-          <a:blip r:embed="rId41">
-            <a:extLst>
-              <a:ext uri="{96DAC541-7B7A-43D3-8B79-37D633B846F1}">
-                <asvg:svgBlip xmlns:asvg="http://schemas.microsoft.com/office/drawing/2016/SVG/main" r:embed="rId42"/>
-              </a:ext>
-            </a:extLst>
-          </a:blip>
-          <a:stretch>
-            <a:fillRect/>
-          </a:stretch>
-        </p:blipFill>
-        <p:spPr>
-          <a:xfrm>
-            <a:off x="7176997" y="3256241"/>
-            <a:ext cx="914400" cy="914400"/>
-          </a:xfrm>
-          <a:prstGeom prst="rect">
-            <a:avLst/>
-          </a:prstGeom>
-        </p:spPr>
-      </p:pic>
-      <p:pic>
-        <p:nvPicPr>
-          <p:cNvPr id="40" name="Grafikk 39" descr="Kamera">
-            <a:extLst>
-              <a:ext uri="{FF2B5EF4-FFF2-40B4-BE49-F238E27FC236}">
-                <a16:creationId xmlns:a16="http://schemas.microsoft.com/office/drawing/2014/main" id="{32E8C6A6-94BA-414E-8DD7-DA64E90AF415}"/>
-              </a:ext>
-            </a:extLst>
-          </p:cNvPr>
-          <p:cNvPicPr>
-            <a:picLocks noChangeAspect="1"/>
-          </p:cNvPicPr>
-          <p:nvPr/>
-        </p:nvPicPr>
-        <p:blipFill>
-          <a:blip r:embed="rId24">
-            <a:extLst>
-              <a:ext uri="{96DAC541-7B7A-43D3-8B79-37D633B846F1}">
-                <asvg:svgBlip xmlns:asvg="http://schemas.microsoft.com/office/drawing/2016/SVG/main" r:embed="rId25"/>
-              </a:ext>
-            </a:extLst>
-          </a:blip>
-          <a:stretch>
-            <a:fillRect/>
-          </a:stretch>
-        </p:blipFill>
-        <p:spPr>
-          <a:xfrm>
-            <a:off x="5574261" y="2286320"/>
-            <a:ext cx="517752" cy="517752"/>
-          </a:xfrm>
-          <a:prstGeom prst="rect">
-            <a:avLst/>
-          </a:prstGeom>
-        </p:spPr>
-      </p:pic>
-      <p:pic>
-        <p:nvPicPr>
-          <p:cNvPr id="41" name="Grafikk 40" descr="Telefonrør">
-            <a:extLst>
-              <a:ext uri="{FF2B5EF4-FFF2-40B4-BE49-F238E27FC236}">
-                <a16:creationId xmlns:a16="http://schemas.microsoft.com/office/drawing/2014/main" id="{67B76A86-D67F-46A9-B45E-69AD04762B66}"/>
-              </a:ext>
-            </a:extLst>
-          </p:cNvPr>
-          <p:cNvPicPr>
-            <a:picLocks noChangeAspect="1"/>
-          </p:cNvPicPr>
-          <p:nvPr/>
-        </p:nvPicPr>
-        <p:blipFill>
-          <a:blip r:embed="rId43">
-            <a:extLst>
-              <a:ext uri="{96DAC541-7B7A-43D3-8B79-37D633B846F1}">
-                <asvg:svgBlip xmlns:asvg="http://schemas.microsoft.com/office/drawing/2016/SVG/main" r:embed="rId44"/>
-              </a:ext>
-            </a:extLst>
-          </a:blip>
-          <a:stretch>
-            <a:fillRect/>
-          </a:stretch>
-        </p:blipFill>
-        <p:spPr>
-          <a:xfrm>
-            <a:off x="7840577" y="2177288"/>
-            <a:ext cx="914400" cy="914400"/>
-          </a:xfrm>
-          <a:prstGeom prst="rect">
-            <a:avLst/>
-          </a:prstGeom>
-        </p:spPr>
-      </p:pic>
-      <p:pic>
-        <p:nvPicPr>
-          <p:cNvPr id="42" name="Grafikk 41" descr="Sol">
-            <a:extLst>
-              <a:ext uri="{FF2B5EF4-FFF2-40B4-BE49-F238E27FC236}">
-                <a16:creationId xmlns:a16="http://schemas.microsoft.com/office/drawing/2014/main" id="{372D2833-205E-45D5-BABE-76DCEFC3744C}"/>
-              </a:ext>
-            </a:extLst>
-          </p:cNvPr>
-          <p:cNvPicPr>
-            <a:picLocks noChangeAspect="1"/>
-          </p:cNvPicPr>
-          <p:nvPr/>
-        </p:nvPicPr>
-        <p:blipFill>
-          <a:blip r:embed="rId45">
-            <a:extLst>
-              <a:ext uri="{96DAC541-7B7A-43D3-8B79-37D633B846F1}">
-                <asvg:svgBlip xmlns:asvg="http://schemas.microsoft.com/office/drawing/2016/SVG/main" r:embed="rId46"/>
-              </a:ext>
-            </a:extLst>
-          </a:blip>
-          <a:stretch>
-            <a:fillRect/>
-          </a:stretch>
-        </p:blipFill>
-        <p:spPr>
-          <a:xfrm>
-            <a:off x="6989602" y="4911226"/>
-            <a:ext cx="518400" cy="518400"/>
-          </a:xfrm>
-          <a:prstGeom prst="rect">
-            <a:avLst/>
-          </a:prstGeom>
-        </p:spPr>
-      </p:pic>
-      <p:pic>
-        <p:nvPicPr>
-          <p:cNvPr id="43" name="Grafikk 42" descr="Måne og stjerner">
-            <a:extLst>
-              <a:ext uri="{FF2B5EF4-FFF2-40B4-BE49-F238E27FC236}">
-                <a16:creationId xmlns:a16="http://schemas.microsoft.com/office/drawing/2014/main" id="{51A38749-1D61-4EED-A1EF-B90F993475AD}"/>
-              </a:ext>
-            </a:extLst>
-          </p:cNvPr>
-          <p:cNvPicPr>
-            <a:picLocks noChangeAspect="1"/>
-          </p:cNvPicPr>
-          <p:nvPr/>
-        </p:nvPicPr>
-        <p:blipFill>
-          <a:blip r:embed="rId47">
-            <a:extLst>
-              <a:ext uri="{96DAC541-7B7A-43D3-8B79-37D633B846F1}">
-                <asvg:svgBlip xmlns:asvg="http://schemas.microsoft.com/office/drawing/2016/SVG/main" r:embed="rId48"/>
-              </a:ext>
-            </a:extLst>
-          </a:blip>
-          <a:stretch>
-            <a:fillRect/>
-          </a:stretch>
-        </p:blipFill>
-        <p:spPr>
-          <a:xfrm>
-            <a:off x="8502577" y="3942517"/>
-            <a:ext cx="914400" cy="914400"/>
-          </a:xfrm>
-          <a:prstGeom prst="rect">
-            <a:avLst/>
-          </a:prstGeom>
-        </p:spPr>
-      </p:pic>
-      <p:pic>
-        <p:nvPicPr>
-          <p:cNvPr id="44" name="Grafikk 43" descr="Måne">
-            <a:extLst>
-              <a:ext uri="{FF2B5EF4-FFF2-40B4-BE49-F238E27FC236}">
-                <a16:creationId xmlns:a16="http://schemas.microsoft.com/office/drawing/2014/main" id="{40427787-4F0F-4836-8815-40E1AF04DDB4}"/>
-              </a:ext>
-            </a:extLst>
-          </p:cNvPr>
-          <p:cNvPicPr>
-            <a:picLocks noChangeAspect="1"/>
-          </p:cNvPicPr>
-          <p:nvPr/>
-        </p:nvPicPr>
-        <p:blipFill>
-          <a:blip r:embed="rId49">
-            <a:extLst>
-              <a:ext uri="{96DAC541-7B7A-43D3-8B79-37D633B846F1}">
-                <asvg:svgBlip xmlns:asvg="http://schemas.microsoft.com/office/drawing/2016/SVG/main" r:embed="rId50"/>
-              </a:ext>
-            </a:extLst>
-          </a:blip>
-          <a:stretch>
-            <a:fillRect/>
-          </a:stretch>
-        </p:blipFill>
-        <p:spPr>
-          <a:xfrm>
-            <a:off x="9952246" y="3211546"/>
-            <a:ext cx="914400" cy="914400"/>
-          </a:xfrm>
-          <a:prstGeom prst="rect">
-            <a:avLst/>
-          </a:prstGeom>
-        </p:spPr>
-      </p:pic>
-      <p:pic>
-        <p:nvPicPr>
-          <p:cNvPr id="45" name="Grafikk 44" descr="Delvis skyet">
-            <a:extLst>
-              <a:ext uri="{FF2B5EF4-FFF2-40B4-BE49-F238E27FC236}">
-                <a16:creationId xmlns:a16="http://schemas.microsoft.com/office/drawing/2014/main" id="{E7A1E95A-53CE-473E-BBE9-36736C69DA6C}"/>
-              </a:ext>
-            </a:extLst>
-          </p:cNvPr>
-          <p:cNvPicPr>
-            <a:picLocks noChangeAspect="1"/>
-          </p:cNvPicPr>
-          <p:nvPr/>
-        </p:nvPicPr>
-        <p:blipFill>
-          <a:blip r:embed="rId51">
-            <a:extLst>
-              <a:ext uri="{96DAC541-7B7A-43D3-8B79-37D633B846F1}">
-                <asvg:svgBlip xmlns:asvg="http://schemas.microsoft.com/office/drawing/2016/SVG/main" r:embed="rId52"/>
-              </a:ext>
-            </a:extLst>
-          </a:blip>
-          <a:stretch>
-            <a:fillRect/>
-          </a:stretch>
-        </p:blipFill>
-        <p:spPr>
-          <a:xfrm>
-            <a:off x="7226615" y="3254456"/>
-            <a:ext cx="914400" cy="914400"/>
-          </a:xfrm>
-          <a:prstGeom prst="rect">
-            <a:avLst/>
-          </a:prstGeom>
-        </p:spPr>
-      </p:pic>
-      <p:pic>
-        <p:nvPicPr>
-          <p:cNvPr id="46" name="Grafikk 45" descr="Gatelys">
-            <a:extLst>
-              <a:ext uri="{FF2B5EF4-FFF2-40B4-BE49-F238E27FC236}">
-                <a16:creationId xmlns:a16="http://schemas.microsoft.com/office/drawing/2014/main" id="{A22AF097-A79D-41D4-980F-3FAE356CCECB}"/>
-              </a:ext>
-            </a:extLst>
-          </p:cNvPr>
-          <p:cNvPicPr>
-            <a:picLocks noChangeAspect="1"/>
-          </p:cNvPicPr>
-          <p:nvPr/>
-        </p:nvPicPr>
-        <p:blipFill>
-          <a:blip r:embed="rId53">
-            <a:extLst>
-              <a:ext uri="{96DAC541-7B7A-43D3-8B79-37D633B846F1}">
-                <asvg:svgBlip xmlns:asvg="http://schemas.microsoft.com/office/drawing/2016/SVG/main" r:embed="rId54"/>
-              </a:ext>
-            </a:extLst>
-          </a:blip>
-          <a:stretch>
-            <a:fillRect/>
-          </a:stretch>
-        </p:blipFill>
-        <p:spPr>
-          <a:xfrm>
-            <a:off x="6553200" y="1026335"/>
-            <a:ext cx="914400" cy="914400"/>
-          </a:xfrm>
-          <a:prstGeom prst="rect">
-            <a:avLst/>
-          </a:prstGeom>
-        </p:spPr>
-      </p:pic>
+          <p:cNvSpPr>
+            <a:spLocks noGrp="1"/>
+          </p:cNvSpPr>
+          <p:nvPr>
+            <p:ph type="body" idx="1"/>
+          </p:nvPr>
+        </p:nvSpPr>
+        <p:spPr/>
+        <p:txBody>
+          <a:bodyPr/>
+          <a:lstStyle/>
+          <a:p>
+            <a:endParaRPr lang="nb-NO"/>
+          </a:p>
+        </p:txBody>
+      </p:sp>
     </p:spTree>
     <p:extLst>
       <p:ext uri="{BB962C8B-B14F-4D97-AF65-F5344CB8AC3E}">
-        <p14:creationId xmlns:p14="http://schemas.microsoft.com/office/powerpoint/2010/main" val="3462617495"/>
+        <p14:creationId xmlns:p14="http://schemas.microsoft.com/office/powerpoint/2010/main" val="3513493449"/>
       </p:ext>
     </p:extLst>
   </p:cSld>
@@ -17445,66 +16553,101 @@
           <a:chExt cx="0" cy="0"/>
         </a:xfrm>
       </p:grpSpPr>
-      <p:pic>
-        <p:nvPicPr>
-          <p:cNvPr id="2" name="Bilde 1">
+      <p:sp>
+        <p:nvSpPr>
+          <p:cNvPr id="2" name="Tittel 1">
             <a:extLst>
               <a:ext uri="{FF2B5EF4-FFF2-40B4-BE49-F238E27FC236}">
-                <a16:creationId xmlns:a16="http://schemas.microsoft.com/office/drawing/2014/main" id="{13D3F61F-0D7A-47CA-9332-7568B3A6E54C}"/>
+                <a16:creationId xmlns:a16="http://schemas.microsoft.com/office/drawing/2014/main" id="{B9C6C758-3934-4AC2-9134-1215B49894F2}"/>
               </a:ext>
             </a:extLst>
           </p:cNvPr>
-          <p:cNvPicPr>
-            <a:picLocks noChangeAspect="1"/>
-          </p:cNvPicPr>
-          <p:nvPr/>
-        </p:nvPicPr>
-        <p:blipFill rotWithShape="1">
-          <a:blip r:embed="rId2">
-            <a:extLst>
-              <a:ext uri="{BEBA8EAE-BF5A-486C-A8C5-ECC9F3942E4B}">
-                <a14:imgProps xmlns:a14="http://schemas.microsoft.com/office/drawing/2010/main">
-                  <a14:imgLayer r:embed="rId3">
-                    <a14:imgEffect>
-                      <a14:backgroundRemoval t="9921" b="97024" l="10000" r="90000">
-                        <a14:foregroundMark x1="59706" y1="86111" x2="59706" y2="86111"/>
-                        <a14:foregroundMark x1="71176" y1="94742" x2="62255" y2="91766"/>
-                        <a14:foregroundMark x1="62255" y1="91766" x2="52157" y2="84623"/>
-                        <a14:foregroundMark x1="55882" y1="97024" x2="66863" y2="84425"/>
-                        <a14:foregroundMark x1="66863" y1="84425" x2="68627" y2="78373"/>
-                        <a14:foregroundMark x1="41863" y1="47421" x2="36373" y2="39881"/>
-                        <a14:foregroundMark x1="36373" y1="39881" x2="32255" y2="28968"/>
-                        <a14:foregroundMark x1="27255" y1="40972" x2="47549" y2="34325"/>
-                        <a14:foregroundMark x1="47549" y1="36111" x2="41176" y2="33333"/>
-                        <a14:foregroundMark x1="41176" y1="33333" x2="35784" y2="28671"/>
-                        <a14:foregroundMark x1="35784" y1="28671" x2="34804" y2="26488"/>
-                        <a14:foregroundMark x1="42549" y1="27381" x2="36275" y2="28770"/>
-                        <a14:foregroundMark x1="65392" y1="89980" x2="59412" y2="82440"/>
-                        <a14:backgroundMark x1="28725" y1="76885" x2="28725" y2="76885"/>
-                      </a14:backgroundRemoval>
-                    </a14:imgEffect>
-                  </a14:imgLayer>
-                </a14:imgProps>
-              </a:ext>
-            </a:extLst>
-          </a:blip>
-          <a:srcRect l="48163" t="72888" r="22263" b="-6221"/>
-          <a:stretch/>
-        </p:blipFill>
-        <p:spPr>
-          <a:xfrm>
-            <a:off x="5932913" y="4572000"/>
-            <a:ext cx="2052321" cy="2286000"/>
-          </a:xfrm>
-          <a:prstGeom prst="rect">
-            <a:avLst/>
-          </a:prstGeom>
-        </p:spPr>
-      </p:pic>
+          <p:cNvSpPr>
+            <a:spLocks noGrp="1"/>
+          </p:cNvSpPr>
+          <p:nvPr>
+            <p:ph type="title"/>
+          </p:nvPr>
+        </p:nvSpPr>
+        <p:spPr/>
+        <p:txBody>
+          <a:bodyPr/>
+          <a:lstStyle/>
+          <a:p>
+            <a:r>
+              <a:rPr lang="nb-NO" dirty="0"/>
+              <a:t>Fant | Askeladden | Nomade</a:t>
+            </a:r>
+          </a:p>
+        </p:txBody>
+      </p:sp>
+      <p:sp>
+        <p:nvSpPr>
+          <p:cNvPr id="3" name="Plassholder for innhold 2">
+            <a:extLst>
+              <a:ext uri="{FF2B5EF4-FFF2-40B4-BE49-F238E27FC236}">
+                <a16:creationId xmlns:a16="http://schemas.microsoft.com/office/drawing/2014/main" id="{0E79891D-F031-43BF-85A1-CD23659DEE21}"/>
+              </a:ext>
+            </a:extLst>
+          </p:cNvPr>
+          <p:cNvSpPr>
+            <a:spLocks noGrp="1"/>
+          </p:cNvSpPr>
+          <p:nvPr>
+            <p:ph idx="1"/>
+          </p:nvPr>
+        </p:nvSpPr>
+        <p:spPr/>
+        <p:txBody>
+          <a:bodyPr/>
+          <a:lstStyle/>
+          <a:p>
+            <a:r>
+              <a:rPr lang="nb-NO" dirty="0"/>
+              <a:t>Askeladden-</a:t>
+            </a:r>
+            <a:r>
+              <a:rPr lang="nb-NO" dirty="0" err="1"/>
+              <a:t>kits</a:t>
+            </a:r>
+            <a:r>
+              <a:rPr lang="nb-NO" dirty="0"/>
+              <a:t> kan leies eller kjøpes.</a:t>
+            </a:r>
+          </a:p>
+          <a:p>
+            <a:r>
+              <a:rPr lang="nb-NO" dirty="0"/>
+              <a:t>Kundeservice som håndtere henvendelser</a:t>
+            </a:r>
+          </a:p>
+          <a:p>
+            <a:r>
+              <a:rPr lang="nb-NO" dirty="0"/>
+              <a:t>Askeladden-depot strategisk plassert i byer. </a:t>
+            </a:r>
+          </a:p>
+          <a:p>
+            <a:r>
+              <a:rPr lang="nb-NO" dirty="0"/>
+              <a:t>Tjenesten er gratis?</a:t>
+            </a:r>
+          </a:p>
+          <a:p>
+            <a:r>
+              <a:rPr lang="nb-NO" dirty="0"/>
+              <a:t>Ved betalt leie går 5% til Fant?</a:t>
+            </a:r>
+          </a:p>
+          <a:p>
+            <a:endParaRPr lang="nb-NO" dirty="0"/>
+          </a:p>
+        </p:txBody>
+      </p:sp>
     </p:spTree>
     <p:extLst>
       <p:ext uri="{BB962C8B-B14F-4D97-AF65-F5344CB8AC3E}">
-        <p14:creationId xmlns:p14="http://schemas.microsoft.com/office/powerpoint/2010/main" val="1272934744"/>
+        <p14:creationId xmlns:p14="http://schemas.microsoft.com/office/powerpoint/2010/main" val="2828725645"/>
       </p:ext>
     </p:extLst>
   </p:cSld>
@@ -18453,6 +17596,41 @@
           </a:prstGeom>
         </p:spPr>
       </p:pic>
+      <p:sp>
+        <p:nvSpPr>
+          <p:cNvPr id="39" name="Rektangel 38">
+            <a:extLst>
+              <a:ext uri="{FF2B5EF4-FFF2-40B4-BE49-F238E27FC236}">
+                <a16:creationId xmlns:a16="http://schemas.microsoft.com/office/drawing/2014/main" id="{19CB9E25-82D4-4AF1-A526-84E10B5AB78F}"/>
+              </a:ext>
+            </a:extLst>
+          </p:cNvPr>
+          <p:cNvSpPr/>
+          <p:nvPr/>
+        </p:nvSpPr>
+        <p:spPr>
+          <a:xfrm>
+            <a:off x="3482265" y="5594436"/>
+            <a:ext cx="5227469" cy="830997"/>
+          </a:xfrm>
+          <a:prstGeom prst="rect">
+            <a:avLst/>
+          </a:prstGeom>
+        </p:spPr>
+        <p:txBody>
+          <a:bodyPr wrap="square">
+            <a:spAutoFit/>
+          </a:bodyPr>
+          <a:lstStyle/>
+          <a:p>
+            <a:pPr algn="ctr"/>
+            <a:r>
+              <a:rPr lang="nb-NO" sz="4800" dirty="0"/>
+              <a:t>Vi åpner byen din!</a:t>
+            </a:r>
+          </a:p>
+        </p:txBody>
+      </p:sp>
     </p:spTree>
     <p:extLst>
       <p:ext uri="{BB962C8B-B14F-4D97-AF65-F5344CB8AC3E}">
@@ -18665,6 +17843,77 @@
                             </p:childTnLst>
                           </p:cTn>
                         </p:par>
+                        <p:par>
+                          <p:cTn id="18" fill="hold">
+                            <p:stCondLst>
+                              <p:cond delay="2500"/>
+                            </p:stCondLst>
+                            <p:childTnLst>
+                              <p:par>
+                                <p:cTn id="19" presetID="1" presetClass="entr" presetSubtype="0" fill="hold" grpId="0" nodeType="afterEffect">
+                                  <p:stCondLst>
+                                    <p:cond delay="0"/>
+                                  </p:stCondLst>
+                                  <p:childTnLst>
+                                    <p:set>
+                                      <p:cBhvr>
+                                        <p:cTn id="20" dur="1" fill="hold">
+                                          <p:stCondLst>
+                                            <p:cond delay="0"/>
+                                          </p:stCondLst>
+                                        </p:cTn>
+                                        <p:tgtEl>
+                                          <p:spTgt spid="39"/>
+                                        </p:tgtEl>
+                                        <p:attrNameLst>
+                                          <p:attrName>style.visibility</p:attrName>
+                                        </p:attrNameLst>
+                                      </p:cBhvr>
+                                      <p:to>
+                                        <p:strVal val="visible"/>
+                                      </p:to>
+                                    </p:set>
+                                  </p:childTnLst>
+                                </p:cTn>
+                              </p:par>
+                            </p:childTnLst>
+                          </p:cTn>
+                        </p:par>
+                        <p:par>
+                          <p:cTn id="21" fill="hold">
+                            <p:stCondLst>
+                              <p:cond delay="2500"/>
+                            </p:stCondLst>
+                            <p:childTnLst>
+                              <p:par>
+                                <p:cTn id="22" presetID="26" presetClass="emph" presetSubtype="0" fill="hold" grpId="1" nodeType="afterEffect">
+                                  <p:stCondLst>
+                                    <p:cond delay="0"/>
+                                  </p:stCondLst>
+                                  <p:childTnLst>
+                                    <p:animEffect transition="out" filter="fade">
+                                      <p:cBhvr>
+                                        <p:cTn id="23" dur="500" tmFilter="0, 0; .2, .5; .8, .5; 1, 0"/>
+                                        <p:tgtEl>
+                                          <p:spTgt spid="39"/>
+                                        </p:tgtEl>
+                                      </p:cBhvr>
+                                    </p:animEffect>
+                                    <p:animScale>
+                                      <p:cBhvr>
+                                        <p:cTn id="24" dur="250" autoRev="1" fill="hold"/>
+                                        <p:tgtEl>
+                                          <p:spTgt spid="39"/>
+                                        </p:tgtEl>
+                                      </p:cBhvr>
+                                      <p:by x="105000" y="105000"/>
+                                    </p:animScale>
+                                  </p:childTnLst>
+                                </p:cTn>
+                              </p:par>
+                            </p:childTnLst>
+                          </p:cTn>
+                        </p:par>
                       </p:childTnLst>
                     </p:cTn>
                   </p:par>
@@ -18689,7 +17938,1193 @@
         </p:cTn>
       </p:par>
     </p:tnLst>
+    <p:bldLst>
+      <p:bldP spid="39" grpId="0"/>
+      <p:bldP spid="39" grpId="1"/>
+    </p:bldLst>
   </p:timing>
+</p:sld>
+</file>
+
+<file path=ppt/slides/slide40.xml><?xml version="1.0" encoding="utf-8"?>
+<p:sld xmlns:a="http://schemas.openxmlformats.org/drawingml/2006/main" xmlns:r="http://schemas.openxmlformats.org/officeDocument/2006/relationships" xmlns:p="http://schemas.openxmlformats.org/presentationml/2006/main">
+  <p:cSld>
+    <p:spTree>
+      <p:nvGrpSpPr>
+        <p:cNvPr id="1" name=""/>
+        <p:cNvGrpSpPr/>
+        <p:nvPr/>
+      </p:nvGrpSpPr>
+      <p:grpSpPr>
+        <a:xfrm>
+          <a:off x="0" y="0"/>
+          <a:ext cx="0" cy="0"/>
+          <a:chOff x="0" y="0"/>
+          <a:chExt cx="0" cy="0"/>
+        </a:xfrm>
+      </p:grpSpPr>
+    </p:spTree>
+    <p:extLst>
+      <p:ext uri="{BB962C8B-B14F-4D97-AF65-F5344CB8AC3E}">
+        <p14:creationId xmlns:p14="http://schemas.microsoft.com/office/powerpoint/2010/main" val="1226549578"/>
+      </p:ext>
+    </p:extLst>
+  </p:cSld>
+  <p:clrMapOvr>
+    <a:masterClrMapping/>
+  </p:clrMapOvr>
+</p:sld>
+</file>
+
+<file path=ppt/slides/slide41.xml><?xml version="1.0" encoding="utf-8"?>
+<p:sld xmlns:a="http://schemas.openxmlformats.org/drawingml/2006/main" xmlns:r="http://schemas.openxmlformats.org/officeDocument/2006/relationships" xmlns:p="http://schemas.openxmlformats.org/presentationml/2006/main">
+  <p:cSld>
+    <p:spTree>
+      <p:nvGrpSpPr>
+        <p:cNvPr id="1" name=""/>
+        <p:cNvGrpSpPr/>
+        <p:nvPr/>
+      </p:nvGrpSpPr>
+      <p:grpSpPr>
+        <a:xfrm>
+          <a:off x="0" y="0"/>
+          <a:ext cx="0" cy="0"/>
+          <a:chOff x="0" y="0"/>
+          <a:chExt cx="0" cy="0"/>
+        </a:xfrm>
+      </p:grpSpPr>
+      <p:pic>
+        <p:nvPicPr>
+          <p:cNvPr id="3" name="Grafikk 2" descr="Wi-Fi">
+            <a:extLst>
+              <a:ext uri="{FF2B5EF4-FFF2-40B4-BE49-F238E27FC236}">
+                <a16:creationId xmlns:a16="http://schemas.microsoft.com/office/drawing/2014/main" id="{D6D908F3-2D19-4B36-A788-BFF1FD6E458A}"/>
+              </a:ext>
+            </a:extLst>
+          </p:cNvPr>
+          <p:cNvPicPr>
+            <a:picLocks noChangeAspect="1"/>
+          </p:cNvPicPr>
+          <p:nvPr/>
+        </p:nvPicPr>
+        <p:blipFill>
+          <a:blip r:embed="rId2">
+            <a:extLst>
+              <a:ext uri="{96DAC541-7B7A-43D3-8B79-37D633B846F1}">
+                <asvg:svgBlip xmlns:asvg="http://schemas.microsoft.com/office/drawing/2016/SVG/main" r:embed="rId3"/>
+              </a:ext>
+            </a:extLst>
+          </a:blip>
+          <a:stretch>
+            <a:fillRect/>
+          </a:stretch>
+        </p:blipFill>
+        <p:spPr>
+          <a:xfrm>
+            <a:off x="3488383" y="941201"/>
+            <a:ext cx="914400" cy="914400"/>
+          </a:xfrm>
+          <a:prstGeom prst="rect">
+            <a:avLst/>
+          </a:prstGeom>
+        </p:spPr>
+      </p:pic>
+      <p:pic>
+        <p:nvPicPr>
+          <p:cNvPr id="5" name="Grafikk 4" descr="Volum">
+            <a:extLst>
+              <a:ext uri="{FF2B5EF4-FFF2-40B4-BE49-F238E27FC236}">
+                <a16:creationId xmlns:a16="http://schemas.microsoft.com/office/drawing/2014/main" id="{46C00A3D-EFD4-4E38-A0A4-9134374AF8EB}"/>
+              </a:ext>
+            </a:extLst>
+          </p:cNvPr>
+          <p:cNvPicPr>
+            <a:picLocks noChangeAspect="1"/>
+          </p:cNvPicPr>
+          <p:nvPr/>
+        </p:nvPicPr>
+        <p:blipFill>
+          <a:blip r:embed="rId4">
+            <a:extLst>
+              <a:ext uri="{96DAC541-7B7A-43D3-8B79-37D633B846F1}">
+                <asvg:svgBlip xmlns:asvg="http://schemas.microsoft.com/office/drawing/2016/SVG/main" r:embed="rId5"/>
+              </a:ext>
+            </a:extLst>
+          </a:blip>
+          <a:stretch>
+            <a:fillRect/>
+          </a:stretch>
+        </p:blipFill>
+        <p:spPr>
+          <a:xfrm>
+            <a:off x="2869026" y="4179000"/>
+            <a:ext cx="914400" cy="914400"/>
+          </a:xfrm>
+          <a:prstGeom prst="rect">
+            <a:avLst/>
+          </a:prstGeom>
+        </p:spPr>
+      </p:pic>
+      <p:pic>
+        <p:nvPicPr>
+          <p:cNvPr id="7" name="Grafikk 6" descr="Advarsel">
+            <a:extLst>
+              <a:ext uri="{FF2B5EF4-FFF2-40B4-BE49-F238E27FC236}">
+                <a16:creationId xmlns:a16="http://schemas.microsoft.com/office/drawing/2014/main" id="{E57FEFF8-B2A2-4FAD-8A08-CB8E95E73AF9}"/>
+              </a:ext>
+            </a:extLst>
+          </p:cNvPr>
+          <p:cNvPicPr>
+            <a:picLocks noChangeAspect="1"/>
+          </p:cNvPicPr>
+          <p:nvPr/>
+        </p:nvPicPr>
+        <p:blipFill>
+          <a:blip r:embed="rId6">
+            <a:extLst>
+              <a:ext uri="{96DAC541-7B7A-43D3-8B79-37D633B846F1}">
+                <asvg:svgBlip xmlns:asvg="http://schemas.microsoft.com/office/drawing/2016/SVG/main" r:embed="rId7"/>
+              </a:ext>
+            </a:extLst>
+          </a:blip>
+          <a:stretch>
+            <a:fillRect/>
+          </a:stretch>
+        </p:blipFill>
+        <p:spPr>
+          <a:xfrm>
+            <a:off x="1726254" y="3038471"/>
+            <a:ext cx="914400" cy="914400"/>
+          </a:xfrm>
+          <a:prstGeom prst="rect">
+            <a:avLst/>
+          </a:prstGeom>
+        </p:spPr>
+      </p:pic>
+      <p:pic>
+        <p:nvPicPr>
+          <p:cNvPr id="9" name="Grafikk 8" descr="Klokke">
+            <a:extLst>
+              <a:ext uri="{FF2B5EF4-FFF2-40B4-BE49-F238E27FC236}">
+                <a16:creationId xmlns:a16="http://schemas.microsoft.com/office/drawing/2014/main" id="{B499E961-D14F-4737-931C-34D614F3BD7C}"/>
+              </a:ext>
+            </a:extLst>
+          </p:cNvPr>
+          <p:cNvPicPr>
+            <a:picLocks noChangeAspect="1"/>
+          </p:cNvPicPr>
+          <p:nvPr/>
+        </p:nvPicPr>
+        <p:blipFill>
+          <a:blip r:embed="rId8">
+            <a:extLst>
+              <a:ext uri="{96DAC541-7B7A-43D3-8B79-37D633B846F1}">
+                <asvg:svgBlip xmlns:asvg="http://schemas.microsoft.com/office/drawing/2016/SVG/main" r:embed="rId9"/>
+              </a:ext>
+            </a:extLst>
+          </a:blip>
+          <a:stretch>
+            <a:fillRect/>
+          </a:stretch>
+        </p:blipFill>
+        <p:spPr>
+          <a:xfrm>
+            <a:off x="2355526" y="1769574"/>
+            <a:ext cx="914400" cy="914400"/>
+          </a:xfrm>
+          <a:prstGeom prst="rect">
+            <a:avLst/>
+          </a:prstGeom>
+        </p:spPr>
+      </p:pic>
+      <p:pic>
+        <p:nvPicPr>
+          <p:cNvPr id="11" name="Grafikk 10" descr="Bjelle">
+            <a:extLst>
+              <a:ext uri="{FF2B5EF4-FFF2-40B4-BE49-F238E27FC236}">
+                <a16:creationId xmlns:a16="http://schemas.microsoft.com/office/drawing/2014/main" id="{4CF87D3A-5AAA-48B4-A977-6E3E587A2C20}"/>
+              </a:ext>
+            </a:extLst>
+          </p:cNvPr>
+          <p:cNvPicPr>
+            <a:picLocks noChangeAspect="1"/>
+          </p:cNvPicPr>
+          <p:nvPr/>
+        </p:nvPicPr>
+        <p:blipFill>
+          <a:blip r:embed="rId10">
+            <a:extLst>
+              <a:ext uri="{96DAC541-7B7A-43D3-8B79-37D633B846F1}">
+                <asvg:svgBlip xmlns:asvg="http://schemas.microsoft.com/office/drawing/2016/SVG/main" r:embed="rId11"/>
+              </a:ext>
+            </a:extLst>
+          </a:blip>
+          <a:stretch>
+            <a:fillRect/>
+          </a:stretch>
+        </p:blipFill>
+        <p:spPr>
+          <a:xfrm>
+            <a:off x="8799119" y="1343905"/>
+            <a:ext cx="916887" cy="916887"/>
+          </a:xfrm>
+          <a:prstGeom prst="rect">
+            <a:avLst/>
+          </a:prstGeom>
+        </p:spPr>
+      </p:pic>
+      <p:pic>
+        <p:nvPicPr>
+          <p:cNvPr id="13" name="Grafikk 12" descr="Nettsky">
+            <a:extLst>
+              <a:ext uri="{FF2B5EF4-FFF2-40B4-BE49-F238E27FC236}">
+                <a16:creationId xmlns:a16="http://schemas.microsoft.com/office/drawing/2014/main" id="{2B808870-3A4C-47BF-BD90-C189ECB723F0}"/>
+              </a:ext>
+            </a:extLst>
+          </p:cNvPr>
+          <p:cNvPicPr>
+            <a:picLocks noChangeAspect="1"/>
+          </p:cNvPicPr>
+          <p:nvPr/>
+        </p:nvPicPr>
+        <p:blipFill>
+          <a:blip r:embed="rId12">
+            <a:extLst>
+              <a:ext uri="{96DAC541-7B7A-43D3-8B79-37D633B846F1}">
+                <asvg:svgBlip xmlns:asvg="http://schemas.microsoft.com/office/drawing/2016/SVG/main" r:embed="rId13"/>
+              </a:ext>
+            </a:extLst>
+          </a:blip>
+          <a:stretch>
+            <a:fillRect/>
+          </a:stretch>
+        </p:blipFill>
+        <p:spPr>
+          <a:xfrm>
+            <a:off x="4818555" y="1312374"/>
+            <a:ext cx="914400" cy="914400"/>
+          </a:xfrm>
+          <a:prstGeom prst="rect">
+            <a:avLst/>
+          </a:prstGeom>
+        </p:spPr>
+      </p:pic>
+      <p:pic>
+        <p:nvPicPr>
+          <p:cNvPr id="15" name="Grafikk 14" descr="Bluetooth">
+            <a:extLst>
+              <a:ext uri="{FF2B5EF4-FFF2-40B4-BE49-F238E27FC236}">
+                <a16:creationId xmlns:a16="http://schemas.microsoft.com/office/drawing/2014/main" id="{265CF4DC-A199-4675-8069-481136C3E2C4}"/>
+              </a:ext>
+            </a:extLst>
+          </p:cNvPr>
+          <p:cNvPicPr>
+            <a:picLocks noChangeAspect="1"/>
+          </p:cNvPicPr>
+          <p:nvPr/>
+        </p:nvPicPr>
+        <p:blipFill>
+          <a:blip r:embed="rId14">
+            <a:extLst>
+              <a:ext uri="{96DAC541-7B7A-43D3-8B79-37D633B846F1}">
+                <asvg:svgBlip xmlns:asvg="http://schemas.microsoft.com/office/drawing/2016/SVG/main" r:embed="rId15"/>
+              </a:ext>
+            </a:extLst>
+          </a:blip>
+          <a:stretch>
+            <a:fillRect/>
+          </a:stretch>
+        </p:blipFill>
+        <p:spPr>
+          <a:xfrm>
+            <a:off x="3713619" y="2245482"/>
+            <a:ext cx="914400" cy="914400"/>
+          </a:xfrm>
+          <a:prstGeom prst="rect">
+            <a:avLst/>
+          </a:prstGeom>
+        </p:spPr>
+      </p:pic>
+      <p:pic>
+        <p:nvPicPr>
+          <p:cNvPr id="17" name="Grafikk 16" descr="Kompass">
+            <a:extLst>
+              <a:ext uri="{FF2B5EF4-FFF2-40B4-BE49-F238E27FC236}">
+                <a16:creationId xmlns:a16="http://schemas.microsoft.com/office/drawing/2014/main" id="{C269ECD4-D6B6-4C4F-9692-46674C2FDEA0}"/>
+              </a:ext>
+            </a:extLst>
+          </p:cNvPr>
+          <p:cNvPicPr>
+            <a:picLocks noChangeAspect="1"/>
+          </p:cNvPicPr>
+          <p:nvPr/>
+        </p:nvPicPr>
+        <p:blipFill>
+          <a:blip r:embed="rId16">
+            <a:extLst>
+              <a:ext uri="{96DAC541-7B7A-43D3-8B79-37D633B846F1}">
+                <asvg:svgBlip xmlns:asvg="http://schemas.microsoft.com/office/drawing/2016/SVG/main" r:embed="rId17"/>
+              </a:ext>
+            </a:extLst>
+          </a:blip>
+          <a:stretch>
+            <a:fillRect/>
+          </a:stretch>
+        </p:blipFill>
+        <p:spPr>
+          <a:xfrm>
+            <a:off x="4253913" y="4308067"/>
+            <a:ext cx="914400" cy="914400"/>
+          </a:xfrm>
+          <a:prstGeom prst="rect">
+            <a:avLst/>
+          </a:prstGeom>
+        </p:spPr>
+      </p:pic>
+      <p:pic>
+        <p:nvPicPr>
+          <p:cNvPr id="19" name="Grafikk 18" descr="Ulåst">
+            <a:extLst>
+              <a:ext uri="{FF2B5EF4-FFF2-40B4-BE49-F238E27FC236}">
+                <a16:creationId xmlns:a16="http://schemas.microsoft.com/office/drawing/2014/main" id="{F991E882-9BD0-4831-B1F3-2EF18D0C646E}"/>
+              </a:ext>
+            </a:extLst>
+          </p:cNvPr>
+          <p:cNvPicPr>
+            <a:picLocks noChangeAspect="1"/>
+          </p:cNvPicPr>
+          <p:nvPr/>
+        </p:nvPicPr>
+        <p:blipFill>
+          <a:blip r:embed="rId18">
+            <a:extLst>
+              <a:ext uri="{96DAC541-7B7A-43D3-8B79-37D633B846F1}">
+                <asvg:svgBlip xmlns:asvg="http://schemas.microsoft.com/office/drawing/2016/SVG/main" r:embed="rId19"/>
+              </a:ext>
+            </a:extLst>
+          </a:blip>
+          <a:stretch>
+            <a:fillRect/>
+          </a:stretch>
+        </p:blipFill>
+        <p:spPr>
+          <a:xfrm>
+            <a:off x="7332019" y="941201"/>
+            <a:ext cx="914400" cy="914400"/>
+          </a:xfrm>
+          <a:prstGeom prst="rect">
+            <a:avLst/>
+          </a:prstGeom>
+        </p:spPr>
+      </p:pic>
+      <p:pic>
+        <p:nvPicPr>
+          <p:cNvPr id="21" name="Grafikk 20" descr="Låst">
+            <a:extLst>
+              <a:ext uri="{FF2B5EF4-FFF2-40B4-BE49-F238E27FC236}">
+                <a16:creationId xmlns:a16="http://schemas.microsoft.com/office/drawing/2014/main" id="{21D73433-E66A-4453-8297-7F29F4E96FDC}"/>
+              </a:ext>
+            </a:extLst>
+          </p:cNvPr>
+          <p:cNvPicPr>
+            <a:picLocks noChangeAspect="1"/>
+          </p:cNvPicPr>
+          <p:nvPr/>
+        </p:nvPicPr>
+        <p:blipFill>
+          <a:blip r:embed="rId20">
+            <a:extLst>
+              <a:ext uri="{96DAC541-7B7A-43D3-8B79-37D633B846F1}">
+                <asvg:svgBlip xmlns:asvg="http://schemas.microsoft.com/office/drawing/2016/SVG/main" r:embed="rId21"/>
+              </a:ext>
+            </a:extLst>
+          </a:blip>
+          <a:stretch>
+            <a:fillRect/>
+          </a:stretch>
+        </p:blipFill>
+        <p:spPr>
+          <a:xfrm>
+            <a:off x="6459047" y="1673193"/>
+            <a:ext cx="914400" cy="914400"/>
+          </a:xfrm>
+          <a:prstGeom prst="rect">
+            <a:avLst/>
+          </a:prstGeom>
+        </p:spPr>
+      </p:pic>
+      <p:pic>
+        <p:nvPicPr>
+          <p:cNvPr id="23" name="Grafikk 22" descr="Tankeboble">
+            <a:extLst>
+              <a:ext uri="{FF2B5EF4-FFF2-40B4-BE49-F238E27FC236}">
+                <a16:creationId xmlns:a16="http://schemas.microsoft.com/office/drawing/2014/main" id="{59A0C625-3B7B-4A50-B466-783D76886AB9}"/>
+              </a:ext>
+            </a:extLst>
+          </p:cNvPr>
+          <p:cNvPicPr>
+            <a:picLocks noChangeAspect="1"/>
+          </p:cNvPicPr>
+          <p:nvPr/>
+        </p:nvPicPr>
+        <p:blipFill>
+          <a:blip r:embed="rId22">
+            <a:extLst>
+              <a:ext uri="{96DAC541-7B7A-43D3-8B79-37D633B846F1}">
+                <asvg:svgBlip xmlns:asvg="http://schemas.microsoft.com/office/drawing/2016/SVG/main" r:embed="rId23"/>
+              </a:ext>
+            </a:extLst>
+          </a:blip>
+          <a:stretch>
+            <a:fillRect/>
+          </a:stretch>
+        </p:blipFill>
+        <p:spPr>
+          <a:xfrm>
+            <a:off x="5638800" y="2971800"/>
+            <a:ext cx="914400" cy="914400"/>
+          </a:xfrm>
+          <a:prstGeom prst="rect">
+            <a:avLst/>
+          </a:prstGeom>
+        </p:spPr>
+      </p:pic>
+      <p:pic>
+        <p:nvPicPr>
+          <p:cNvPr id="25" name="Grafikk 24" descr="Kamera">
+            <a:extLst>
+              <a:ext uri="{FF2B5EF4-FFF2-40B4-BE49-F238E27FC236}">
+                <a16:creationId xmlns:a16="http://schemas.microsoft.com/office/drawing/2014/main" id="{85F0FEF5-ACE9-4841-AB93-582A666C0C72}"/>
+              </a:ext>
+            </a:extLst>
+          </p:cNvPr>
+          <p:cNvPicPr>
+            <a:picLocks noChangeAspect="1"/>
+          </p:cNvPicPr>
+          <p:nvPr/>
+        </p:nvPicPr>
+        <p:blipFill>
+          <a:blip r:embed="rId24">
+            <a:extLst>
+              <a:ext uri="{96DAC541-7B7A-43D3-8B79-37D633B846F1}">
+                <asvg:svgBlip xmlns:asvg="http://schemas.microsoft.com/office/drawing/2016/SVG/main" r:embed="rId25"/>
+              </a:ext>
+            </a:extLst>
+          </a:blip>
+          <a:stretch>
+            <a:fillRect/>
+          </a:stretch>
+        </p:blipFill>
+        <p:spPr>
+          <a:xfrm>
+            <a:off x="5985233" y="5093400"/>
+            <a:ext cx="914400" cy="914400"/>
+          </a:xfrm>
+          <a:prstGeom prst="rect">
+            <a:avLst/>
+          </a:prstGeom>
+        </p:spPr>
+      </p:pic>
+      <p:pic>
+        <p:nvPicPr>
+          <p:cNvPr id="27" name="Grafikk 26" descr="Webkamera">
+            <a:extLst>
+              <a:ext uri="{FF2B5EF4-FFF2-40B4-BE49-F238E27FC236}">
+                <a16:creationId xmlns:a16="http://schemas.microsoft.com/office/drawing/2014/main" id="{F7986C00-F983-48C9-A936-114471265284}"/>
+              </a:ext>
+            </a:extLst>
+          </p:cNvPr>
+          <p:cNvPicPr>
+            <a:picLocks noChangeAspect="1"/>
+          </p:cNvPicPr>
+          <p:nvPr/>
+        </p:nvPicPr>
+        <p:blipFill>
+          <a:blip r:embed="rId26">
+            <a:extLst>
+              <a:ext uri="{96DAC541-7B7A-43D3-8B79-37D633B846F1}">
+                <asvg:svgBlip xmlns:asvg="http://schemas.microsoft.com/office/drawing/2016/SVG/main" r:embed="rId27"/>
+              </a:ext>
+            </a:extLst>
+          </a:blip>
+          <a:stretch>
+            <a:fillRect/>
+          </a:stretch>
+        </p:blipFill>
+        <p:spPr>
+          <a:xfrm>
+            <a:off x="7751615" y="4636200"/>
+            <a:ext cx="914400" cy="914400"/>
+          </a:xfrm>
+          <a:prstGeom prst="rect">
+            <a:avLst/>
+          </a:prstGeom>
+        </p:spPr>
+      </p:pic>
+      <p:pic>
+        <p:nvPicPr>
+          <p:cNvPr id="29" name="Grafikk 28" descr="Nettbrett">
+            <a:extLst>
+              <a:ext uri="{FF2B5EF4-FFF2-40B4-BE49-F238E27FC236}">
+                <a16:creationId xmlns:a16="http://schemas.microsoft.com/office/drawing/2014/main" id="{02F6657E-08C0-4AB8-8CF5-B6532573C754}"/>
+              </a:ext>
+            </a:extLst>
+          </p:cNvPr>
+          <p:cNvPicPr>
+            <a:picLocks noChangeAspect="1"/>
+          </p:cNvPicPr>
+          <p:nvPr/>
+        </p:nvPicPr>
+        <p:blipFill>
+          <a:blip r:embed="rId28">
+            <a:extLst>
+              <a:ext uri="{96DAC541-7B7A-43D3-8B79-37D633B846F1}">
+                <asvg:svgBlip xmlns:asvg="http://schemas.microsoft.com/office/drawing/2016/SVG/main" r:embed="rId29"/>
+              </a:ext>
+            </a:extLst>
+          </a:blip>
+          <a:stretch>
+            <a:fillRect/>
+          </a:stretch>
+        </p:blipFill>
+        <p:spPr>
+          <a:xfrm>
+            <a:off x="8094174" y="3271800"/>
+            <a:ext cx="914400" cy="914400"/>
+          </a:xfrm>
+          <a:prstGeom prst="rect">
+            <a:avLst/>
+          </a:prstGeom>
+        </p:spPr>
+      </p:pic>
+      <p:pic>
+        <p:nvPicPr>
+          <p:cNvPr id="31" name="Grafikk 30" descr="Smarttelefon">
+            <a:extLst>
+              <a:ext uri="{FF2B5EF4-FFF2-40B4-BE49-F238E27FC236}">
+                <a16:creationId xmlns:a16="http://schemas.microsoft.com/office/drawing/2014/main" id="{519D97BB-C577-443E-9534-8330E51670AB}"/>
+              </a:ext>
+            </a:extLst>
+          </p:cNvPr>
+          <p:cNvPicPr>
+            <a:picLocks noChangeAspect="1"/>
+          </p:cNvPicPr>
+          <p:nvPr/>
+        </p:nvPicPr>
+        <p:blipFill>
+          <a:blip r:embed="rId30">
+            <a:extLst>
+              <a:ext uri="{96DAC541-7B7A-43D3-8B79-37D633B846F1}">
+                <asvg:svgBlip xmlns:asvg="http://schemas.microsoft.com/office/drawing/2016/SVG/main" r:embed="rId31"/>
+              </a:ext>
+            </a:extLst>
+          </a:blip>
+          <a:stretch>
+            <a:fillRect/>
+          </a:stretch>
+        </p:blipFill>
+        <p:spPr>
+          <a:xfrm>
+            <a:off x="9593702" y="4479894"/>
+            <a:ext cx="914400" cy="914400"/>
+          </a:xfrm>
+          <a:prstGeom prst="rect">
+            <a:avLst/>
+          </a:prstGeom>
+        </p:spPr>
+      </p:pic>
+      <p:pic>
+        <p:nvPicPr>
+          <p:cNvPr id="33" name="Grafikk 32" descr="Bærbar datamaskin">
+            <a:extLst>
+              <a:ext uri="{FF2B5EF4-FFF2-40B4-BE49-F238E27FC236}">
+                <a16:creationId xmlns:a16="http://schemas.microsoft.com/office/drawing/2014/main" id="{FB948175-DE0A-4A39-B7C7-03724CF9D19F}"/>
+              </a:ext>
+            </a:extLst>
+          </p:cNvPr>
+          <p:cNvPicPr>
+            <a:picLocks noChangeAspect="1"/>
+          </p:cNvPicPr>
+          <p:nvPr/>
+        </p:nvPicPr>
+        <p:blipFill>
+          <a:blip r:embed="rId32">
+            <a:extLst>
+              <a:ext uri="{96DAC541-7B7A-43D3-8B79-37D633B846F1}">
+                <asvg:svgBlip xmlns:asvg="http://schemas.microsoft.com/office/drawing/2016/SVG/main" r:embed="rId33"/>
+              </a:ext>
+            </a:extLst>
+          </a:blip>
+          <a:stretch>
+            <a:fillRect/>
+          </a:stretch>
+        </p:blipFill>
+        <p:spPr>
+          <a:xfrm>
+            <a:off x="9466228" y="3244560"/>
+            <a:ext cx="914400" cy="914400"/>
+          </a:xfrm>
+          <a:prstGeom prst="rect">
+            <a:avLst/>
+          </a:prstGeom>
+        </p:spPr>
+      </p:pic>
+      <p:pic>
+        <p:nvPicPr>
+          <p:cNvPr id="34" name="Bilde 33">
+            <a:extLst>
+              <a:ext uri="{FF2B5EF4-FFF2-40B4-BE49-F238E27FC236}">
+                <a16:creationId xmlns:a16="http://schemas.microsoft.com/office/drawing/2014/main" id="{8EF520D1-AA29-4B06-A908-393D2A9B2200}"/>
+              </a:ext>
+            </a:extLst>
+          </p:cNvPr>
+          <p:cNvPicPr>
+            <a:picLocks noChangeAspect="1"/>
+          </p:cNvPicPr>
+          <p:nvPr/>
+        </p:nvPicPr>
+        <p:blipFill>
+          <a:blip r:embed="rId34"/>
+          <a:stretch>
+            <a:fillRect/>
+          </a:stretch>
+        </p:blipFill>
+        <p:spPr>
+          <a:xfrm>
+            <a:off x="497501" y="234282"/>
+            <a:ext cx="2069126" cy="1606155"/>
+          </a:xfrm>
+          <a:prstGeom prst="rect">
+            <a:avLst/>
+          </a:prstGeom>
+        </p:spPr>
+      </p:pic>
+      <p:pic>
+        <p:nvPicPr>
+          <p:cNvPr id="36" name="Bilde 35">
+            <a:extLst>
+              <a:ext uri="{FF2B5EF4-FFF2-40B4-BE49-F238E27FC236}">
+                <a16:creationId xmlns:a16="http://schemas.microsoft.com/office/drawing/2014/main" id="{62E4C73E-03F6-4F9C-8994-30F21F5BB07C}"/>
+              </a:ext>
+            </a:extLst>
+          </p:cNvPr>
+          <p:cNvPicPr>
+            <a:picLocks noChangeAspect="1"/>
+          </p:cNvPicPr>
+          <p:nvPr/>
+        </p:nvPicPr>
+        <p:blipFill rotWithShape="1">
+          <a:blip r:embed="rId35">
+            <a:extLst>
+              <a:ext uri="{BEBA8EAE-BF5A-486C-A8C5-ECC9F3942E4B}">
+                <a14:imgProps xmlns:a14="http://schemas.microsoft.com/office/drawing/2010/main">
+                  <a14:imgLayer r:embed="rId36">
+                    <a14:imgEffect>
+                      <a14:backgroundRemoval t="38756" b="76444" l="25711" r="50948">
+                        <a14:foregroundMark x1="35545" y1="70400" x2="35545" y2="70400"/>
+                        <a14:foregroundMark x1="33175" y1="69244" x2="33175" y2="69244"/>
+                        <a14:foregroundMark x1="46090" y1="64533" x2="34597" y2="64000"/>
+                        <a14:foregroundMark x1="34597" y1="64000" x2="30095" y2="62133"/>
+                        <a14:foregroundMark x1="26540" y1="72089" x2="38981" y2="43556"/>
+                        <a14:foregroundMark x1="47986" y1="68978" x2="42062" y2="63200"/>
+                        <a14:foregroundMark x1="42062" y1="63200" x2="36493" y2="43733"/>
+                        <a14:foregroundMark x1="44194" y1="60356" x2="33886" y2="63644"/>
+                        <a14:foregroundMark x1="33886" y1="63644" x2="27488" y2="69244"/>
+                        <a14:foregroundMark x1="27488" y1="69244" x2="25829" y2="72089"/>
+                        <a14:foregroundMark x1="31398" y1="75022" x2="30213" y2="61778"/>
+                        <a14:foregroundMark x1="40995" y1="73867" x2="39336" y2="66133"/>
+                        <a14:foregroundMark x1="39336" y1="66133" x2="39573" y2="65156"/>
+                        <a14:foregroundMark x1="50948" y1="68889" x2="41469" y2="66044"/>
+                        <a14:foregroundMark x1="42536" y1="70311" x2="28199" y2="67911"/>
+                        <a14:foregroundMark x1="33886" y1="38844" x2="41114" y2="53067"/>
+                        <a14:foregroundMark x1="41114" y1="53067" x2="41943" y2="59200"/>
+                        <a14:foregroundMark x1="26896" y1="75200" x2="29621" y2="55733"/>
+                        <a14:foregroundMark x1="27962" y1="75733" x2="45379" y2="61156"/>
+                        <a14:foregroundMark x1="44076" y1="76444" x2="34242" y2="64444"/>
+                        <a14:foregroundMark x1="34242" y1="64444" x2="33057" y2="61956"/>
+                        <a14:foregroundMark x1="41706" y1="43467" x2="38507" y2="40711"/>
+                        <a14:foregroundMark x1="42299" y1="40089" x2="39100" y2="40711"/>
+                        <a14:backgroundMark x1="47986" y1="44178" x2="47986" y2="44178"/>
+                        <a14:backgroundMark x1="47986" y1="44178" x2="47986" y2="44178"/>
+                        <a14:backgroundMark x1="28910" y1="44000" x2="25474" y2="37156"/>
+                        <a14:backgroundMark x1="25474" y1="37156" x2="25474" y2="36711"/>
+                        <a14:backgroundMark x1="51185" y1="45422" x2="44550" y2="45156"/>
+                      </a14:backgroundRemoval>
+                    </a14:imgEffect>
+                  </a14:imgLayer>
+                </a14:imgProps>
+              </a:ext>
+            </a:extLst>
+          </a:blip>
+          <a:srcRect l="23835" t="35555" r="47655" b="20556"/>
+          <a:stretch/>
+        </p:blipFill>
+        <p:spPr>
+          <a:xfrm>
+            <a:off x="1037020" y="4544371"/>
+            <a:ext cx="310310" cy="441791"/>
+          </a:xfrm>
+          <a:prstGeom prst="rect">
+            <a:avLst/>
+          </a:prstGeom>
+        </p:spPr>
+      </p:pic>
+      <p:pic>
+        <p:nvPicPr>
+          <p:cNvPr id="37" name="Grafikk 36" descr="Bygning">
+            <a:extLst>
+              <a:ext uri="{FF2B5EF4-FFF2-40B4-BE49-F238E27FC236}">
+                <a16:creationId xmlns:a16="http://schemas.microsoft.com/office/drawing/2014/main" id="{1A26BDAD-F8A3-463C-BC7F-CF7CB5FB298D}"/>
+              </a:ext>
+            </a:extLst>
+          </p:cNvPr>
+          <p:cNvPicPr>
+            <a:picLocks noChangeAspect="1"/>
+          </p:cNvPicPr>
+          <p:nvPr/>
+        </p:nvPicPr>
+        <p:blipFill>
+          <a:blip r:embed="rId37">
+            <a:extLst>
+              <a:ext uri="{96DAC541-7B7A-43D3-8B79-37D633B846F1}">
+                <asvg:svgBlip xmlns:asvg="http://schemas.microsoft.com/office/drawing/2016/SVG/main" r:embed="rId38"/>
+              </a:ext>
+            </a:extLst>
+          </a:blip>
+          <a:stretch>
+            <a:fillRect/>
+          </a:stretch>
+        </p:blipFill>
+        <p:spPr>
+          <a:xfrm>
+            <a:off x="4299037" y="2089386"/>
+            <a:ext cx="914400" cy="914400"/>
+          </a:xfrm>
+          <a:prstGeom prst="rect">
+            <a:avLst/>
+          </a:prstGeom>
+        </p:spPr>
+      </p:pic>
+      <p:pic>
+        <p:nvPicPr>
+          <p:cNvPr id="38" name="Grafikk 37" descr="Hjem">
+            <a:extLst>
+              <a:ext uri="{FF2B5EF4-FFF2-40B4-BE49-F238E27FC236}">
+                <a16:creationId xmlns:a16="http://schemas.microsoft.com/office/drawing/2014/main" id="{AF8E5EF6-A292-4D83-A032-144780947562}"/>
+              </a:ext>
+            </a:extLst>
+          </p:cNvPr>
+          <p:cNvPicPr>
+            <a:picLocks noChangeAspect="1"/>
+          </p:cNvPicPr>
+          <p:nvPr/>
+        </p:nvPicPr>
+        <p:blipFill>
+          <a:blip r:embed="rId39">
+            <a:extLst>
+              <a:ext uri="{96DAC541-7B7A-43D3-8B79-37D633B846F1}">
+                <asvg:svgBlip xmlns:asvg="http://schemas.microsoft.com/office/drawing/2016/SVG/main" r:embed="rId40"/>
+              </a:ext>
+            </a:extLst>
+          </a:blip>
+          <a:stretch>
+            <a:fillRect/>
+          </a:stretch>
+        </p:blipFill>
+        <p:spPr>
+          <a:xfrm>
+            <a:off x="2819116" y="3003786"/>
+            <a:ext cx="914400" cy="914400"/>
+          </a:xfrm>
+          <a:prstGeom prst="rect">
+            <a:avLst/>
+          </a:prstGeom>
+        </p:spPr>
+      </p:pic>
+      <p:pic>
+        <p:nvPicPr>
+          <p:cNvPr id="39" name="Grafikk 38" descr="Skolebygning">
+            <a:extLst>
+              <a:ext uri="{FF2B5EF4-FFF2-40B4-BE49-F238E27FC236}">
+                <a16:creationId xmlns:a16="http://schemas.microsoft.com/office/drawing/2014/main" id="{62499267-5D53-4CF8-A12F-2CE9347122FF}"/>
+              </a:ext>
+            </a:extLst>
+          </p:cNvPr>
+          <p:cNvPicPr>
+            <a:picLocks noChangeAspect="1"/>
+          </p:cNvPicPr>
+          <p:nvPr/>
+        </p:nvPicPr>
+        <p:blipFill>
+          <a:blip r:embed="rId41">
+            <a:extLst>
+              <a:ext uri="{96DAC541-7B7A-43D3-8B79-37D633B846F1}">
+                <asvg:svgBlip xmlns:asvg="http://schemas.microsoft.com/office/drawing/2016/SVG/main" r:embed="rId42"/>
+              </a:ext>
+            </a:extLst>
+          </a:blip>
+          <a:stretch>
+            <a:fillRect/>
+          </a:stretch>
+        </p:blipFill>
+        <p:spPr>
+          <a:xfrm>
+            <a:off x="7176997" y="3256241"/>
+            <a:ext cx="914400" cy="914400"/>
+          </a:xfrm>
+          <a:prstGeom prst="rect">
+            <a:avLst/>
+          </a:prstGeom>
+        </p:spPr>
+      </p:pic>
+      <p:pic>
+        <p:nvPicPr>
+          <p:cNvPr id="40" name="Grafikk 39" descr="Kamera">
+            <a:extLst>
+              <a:ext uri="{FF2B5EF4-FFF2-40B4-BE49-F238E27FC236}">
+                <a16:creationId xmlns:a16="http://schemas.microsoft.com/office/drawing/2014/main" id="{32E8C6A6-94BA-414E-8DD7-DA64E90AF415}"/>
+              </a:ext>
+            </a:extLst>
+          </p:cNvPr>
+          <p:cNvPicPr>
+            <a:picLocks noChangeAspect="1"/>
+          </p:cNvPicPr>
+          <p:nvPr/>
+        </p:nvPicPr>
+        <p:blipFill>
+          <a:blip r:embed="rId24">
+            <a:extLst>
+              <a:ext uri="{96DAC541-7B7A-43D3-8B79-37D633B846F1}">
+                <asvg:svgBlip xmlns:asvg="http://schemas.microsoft.com/office/drawing/2016/SVG/main" r:embed="rId25"/>
+              </a:ext>
+            </a:extLst>
+          </a:blip>
+          <a:stretch>
+            <a:fillRect/>
+          </a:stretch>
+        </p:blipFill>
+        <p:spPr>
+          <a:xfrm>
+            <a:off x="5574261" y="2286320"/>
+            <a:ext cx="517752" cy="517752"/>
+          </a:xfrm>
+          <a:prstGeom prst="rect">
+            <a:avLst/>
+          </a:prstGeom>
+        </p:spPr>
+      </p:pic>
+      <p:pic>
+        <p:nvPicPr>
+          <p:cNvPr id="41" name="Grafikk 40" descr="Telefonrør">
+            <a:extLst>
+              <a:ext uri="{FF2B5EF4-FFF2-40B4-BE49-F238E27FC236}">
+                <a16:creationId xmlns:a16="http://schemas.microsoft.com/office/drawing/2014/main" id="{67B76A86-D67F-46A9-B45E-69AD04762B66}"/>
+              </a:ext>
+            </a:extLst>
+          </p:cNvPr>
+          <p:cNvPicPr>
+            <a:picLocks noChangeAspect="1"/>
+          </p:cNvPicPr>
+          <p:nvPr/>
+        </p:nvPicPr>
+        <p:blipFill>
+          <a:blip r:embed="rId43">
+            <a:extLst>
+              <a:ext uri="{96DAC541-7B7A-43D3-8B79-37D633B846F1}">
+                <asvg:svgBlip xmlns:asvg="http://schemas.microsoft.com/office/drawing/2016/SVG/main" r:embed="rId44"/>
+              </a:ext>
+            </a:extLst>
+          </a:blip>
+          <a:stretch>
+            <a:fillRect/>
+          </a:stretch>
+        </p:blipFill>
+        <p:spPr>
+          <a:xfrm>
+            <a:off x="7840577" y="2177288"/>
+            <a:ext cx="914400" cy="914400"/>
+          </a:xfrm>
+          <a:prstGeom prst="rect">
+            <a:avLst/>
+          </a:prstGeom>
+        </p:spPr>
+      </p:pic>
+      <p:pic>
+        <p:nvPicPr>
+          <p:cNvPr id="42" name="Grafikk 41" descr="Sol">
+            <a:extLst>
+              <a:ext uri="{FF2B5EF4-FFF2-40B4-BE49-F238E27FC236}">
+                <a16:creationId xmlns:a16="http://schemas.microsoft.com/office/drawing/2014/main" id="{372D2833-205E-45D5-BABE-76DCEFC3744C}"/>
+              </a:ext>
+            </a:extLst>
+          </p:cNvPr>
+          <p:cNvPicPr>
+            <a:picLocks noChangeAspect="1"/>
+          </p:cNvPicPr>
+          <p:nvPr/>
+        </p:nvPicPr>
+        <p:blipFill>
+          <a:blip r:embed="rId45">
+            <a:extLst>
+              <a:ext uri="{96DAC541-7B7A-43D3-8B79-37D633B846F1}">
+                <asvg:svgBlip xmlns:asvg="http://schemas.microsoft.com/office/drawing/2016/SVG/main" r:embed="rId46"/>
+              </a:ext>
+            </a:extLst>
+          </a:blip>
+          <a:stretch>
+            <a:fillRect/>
+          </a:stretch>
+        </p:blipFill>
+        <p:spPr>
+          <a:xfrm>
+            <a:off x="6989602" y="4911226"/>
+            <a:ext cx="518400" cy="518400"/>
+          </a:xfrm>
+          <a:prstGeom prst="rect">
+            <a:avLst/>
+          </a:prstGeom>
+        </p:spPr>
+      </p:pic>
+      <p:pic>
+        <p:nvPicPr>
+          <p:cNvPr id="43" name="Grafikk 42" descr="Måne og stjerner">
+            <a:extLst>
+              <a:ext uri="{FF2B5EF4-FFF2-40B4-BE49-F238E27FC236}">
+                <a16:creationId xmlns:a16="http://schemas.microsoft.com/office/drawing/2014/main" id="{51A38749-1D61-4EED-A1EF-B90F993475AD}"/>
+              </a:ext>
+            </a:extLst>
+          </p:cNvPr>
+          <p:cNvPicPr>
+            <a:picLocks noChangeAspect="1"/>
+          </p:cNvPicPr>
+          <p:nvPr/>
+        </p:nvPicPr>
+        <p:blipFill>
+          <a:blip r:embed="rId47">
+            <a:extLst>
+              <a:ext uri="{96DAC541-7B7A-43D3-8B79-37D633B846F1}">
+                <asvg:svgBlip xmlns:asvg="http://schemas.microsoft.com/office/drawing/2016/SVG/main" r:embed="rId48"/>
+              </a:ext>
+            </a:extLst>
+          </a:blip>
+          <a:stretch>
+            <a:fillRect/>
+          </a:stretch>
+        </p:blipFill>
+        <p:spPr>
+          <a:xfrm>
+            <a:off x="8502577" y="3942517"/>
+            <a:ext cx="914400" cy="914400"/>
+          </a:xfrm>
+          <a:prstGeom prst="rect">
+            <a:avLst/>
+          </a:prstGeom>
+        </p:spPr>
+      </p:pic>
+      <p:pic>
+        <p:nvPicPr>
+          <p:cNvPr id="44" name="Grafikk 43" descr="Måne">
+            <a:extLst>
+              <a:ext uri="{FF2B5EF4-FFF2-40B4-BE49-F238E27FC236}">
+                <a16:creationId xmlns:a16="http://schemas.microsoft.com/office/drawing/2014/main" id="{40427787-4F0F-4836-8815-40E1AF04DDB4}"/>
+              </a:ext>
+            </a:extLst>
+          </p:cNvPr>
+          <p:cNvPicPr>
+            <a:picLocks noChangeAspect="1"/>
+          </p:cNvPicPr>
+          <p:nvPr/>
+        </p:nvPicPr>
+        <p:blipFill>
+          <a:blip r:embed="rId49">
+            <a:extLst>
+              <a:ext uri="{96DAC541-7B7A-43D3-8B79-37D633B846F1}">
+                <asvg:svgBlip xmlns:asvg="http://schemas.microsoft.com/office/drawing/2016/SVG/main" r:embed="rId50"/>
+              </a:ext>
+            </a:extLst>
+          </a:blip>
+          <a:stretch>
+            <a:fillRect/>
+          </a:stretch>
+        </p:blipFill>
+        <p:spPr>
+          <a:xfrm>
+            <a:off x="9952246" y="3211546"/>
+            <a:ext cx="914400" cy="914400"/>
+          </a:xfrm>
+          <a:prstGeom prst="rect">
+            <a:avLst/>
+          </a:prstGeom>
+        </p:spPr>
+      </p:pic>
+      <p:pic>
+        <p:nvPicPr>
+          <p:cNvPr id="45" name="Grafikk 44" descr="Delvis skyet">
+            <a:extLst>
+              <a:ext uri="{FF2B5EF4-FFF2-40B4-BE49-F238E27FC236}">
+                <a16:creationId xmlns:a16="http://schemas.microsoft.com/office/drawing/2014/main" id="{E7A1E95A-53CE-473E-BBE9-36736C69DA6C}"/>
+              </a:ext>
+            </a:extLst>
+          </p:cNvPr>
+          <p:cNvPicPr>
+            <a:picLocks noChangeAspect="1"/>
+          </p:cNvPicPr>
+          <p:nvPr/>
+        </p:nvPicPr>
+        <p:blipFill>
+          <a:blip r:embed="rId51">
+            <a:extLst>
+              <a:ext uri="{96DAC541-7B7A-43D3-8B79-37D633B846F1}">
+                <asvg:svgBlip xmlns:asvg="http://schemas.microsoft.com/office/drawing/2016/SVG/main" r:embed="rId52"/>
+              </a:ext>
+            </a:extLst>
+          </a:blip>
+          <a:stretch>
+            <a:fillRect/>
+          </a:stretch>
+        </p:blipFill>
+        <p:spPr>
+          <a:xfrm>
+            <a:off x="7226615" y="3254456"/>
+            <a:ext cx="914400" cy="914400"/>
+          </a:xfrm>
+          <a:prstGeom prst="rect">
+            <a:avLst/>
+          </a:prstGeom>
+        </p:spPr>
+      </p:pic>
+      <p:pic>
+        <p:nvPicPr>
+          <p:cNvPr id="46" name="Grafikk 45" descr="Gatelys">
+            <a:extLst>
+              <a:ext uri="{FF2B5EF4-FFF2-40B4-BE49-F238E27FC236}">
+                <a16:creationId xmlns:a16="http://schemas.microsoft.com/office/drawing/2014/main" id="{A22AF097-A79D-41D4-980F-3FAE356CCECB}"/>
+              </a:ext>
+            </a:extLst>
+          </p:cNvPr>
+          <p:cNvPicPr>
+            <a:picLocks noChangeAspect="1"/>
+          </p:cNvPicPr>
+          <p:nvPr/>
+        </p:nvPicPr>
+        <p:blipFill>
+          <a:blip r:embed="rId53">
+            <a:extLst>
+              <a:ext uri="{96DAC541-7B7A-43D3-8B79-37D633B846F1}">
+                <asvg:svgBlip xmlns:asvg="http://schemas.microsoft.com/office/drawing/2016/SVG/main" r:embed="rId54"/>
+              </a:ext>
+            </a:extLst>
+          </a:blip>
+          <a:stretch>
+            <a:fillRect/>
+          </a:stretch>
+        </p:blipFill>
+        <p:spPr>
+          <a:xfrm>
+            <a:off x="6553200" y="1026335"/>
+            <a:ext cx="914400" cy="914400"/>
+          </a:xfrm>
+          <a:prstGeom prst="rect">
+            <a:avLst/>
+          </a:prstGeom>
+        </p:spPr>
+      </p:pic>
+    </p:spTree>
+    <p:extLst>
+      <p:ext uri="{BB962C8B-B14F-4D97-AF65-F5344CB8AC3E}">
+        <p14:creationId xmlns:p14="http://schemas.microsoft.com/office/powerpoint/2010/main" val="3462617495"/>
+      </p:ext>
+    </p:extLst>
+  </p:cSld>
+  <p:clrMapOvr>
+    <a:masterClrMapping/>
+  </p:clrMapOvr>
+</p:sld>
+</file>
+
+<file path=ppt/slides/slide42.xml><?xml version="1.0" encoding="utf-8"?>
+<p:sld xmlns:a="http://schemas.openxmlformats.org/drawingml/2006/main" xmlns:r="http://schemas.openxmlformats.org/officeDocument/2006/relationships" xmlns:p="http://schemas.openxmlformats.org/presentationml/2006/main">
+  <p:cSld>
+    <p:spTree>
+      <p:nvGrpSpPr>
+        <p:cNvPr id="1" name=""/>
+        <p:cNvGrpSpPr/>
+        <p:nvPr/>
+      </p:nvGrpSpPr>
+      <p:grpSpPr>
+        <a:xfrm>
+          <a:off x="0" y="0"/>
+          <a:ext cx="0" cy="0"/>
+          <a:chOff x="0" y="0"/>
+          <a:chExt cx="0" cy="0"/>
+        </a:xfrm>
+      </p:grpSpPr>
+      <p:pic>
+        <p:nvPicPr>
+          <p:cNvPr id="2" name="Bilde 1">
+            <a:extLst>
+              <a:ext uri="{FF2B5EF4-FFF2-40B4-BE49-F238E27FC236}">
+                <a16:creationId xmlns:a16="http://schemas.microsoft.com/office/drawing/2014/main" id="{13D3F61F-0D7A-47CA-9332-7568B3A6E54C}"/>
+              </a:ext>
+            </a:extLst>
+          </p:cNvPr>
+          <p:cNvPicPr>
+            <a:picLocks noChangeAspect="1"/>
+          </p:cNvPicPr>
+          <p:nvPr/>
+        </p:nvPicPr>
+        <p:blipFill rotWithShape="1">
+          <a:blip r:embed="rId2">
+            <a:extLst>
+              <a:ext uri="{BEBA8EAE-BF5A-486C-A8C5-ECC9F3942E4B}">
+                <a14:imgProps xmlns:a14="http://schemas.microsoft.com/office/drawing/2010/main">
+                  <a14:imgLayer r:embed="rId3">
+                    <a14:imgEffect>
+                      <a14:backgroundRemoval t="9921" b="97024" l="10000" r="90000">
+                        <a14:foregroundMark x1="59706" y1="86111" x2="59706" y2="86111"/>
+                        <a14:foregroundMark x1="71176" y1="94742" x2="62255" y2="91766"/>
+                        <a14:foregroundMark x1="62255" y1="91766" x2="52157" y2="84623"/>
+                        <a14:foregroundMark x1="55882" y1="97024" x2="66863" y2="84425"/>
+                        <a14:foregroundMark x1="66863" y1="84425" x2="68627" y2="78373"/>
+                        <a14:foregroundMark x1="41863" y1="47421" x2="36373" y2="39881"/>
+                        <a14:foregroundMark x1="36373" y1="39881" x2="32255" y2="28968"/>
+                        <a14:foregroundMark x1="27255" y1="40972" x2="47549" y2="34325"/>
+                        <a14:foregroundMark x1="47549" y1="36111" x2="41176" y2="33333"/>
+                        <a14:foregroundMark x1="41176" y1="33333" x2="35784" y2="28671"/>
+                        <a14:foregroundMark x1="35784" y1="28671" x2="34804" y2="26488"/>
+                        <a14:foregroundMark x1="42549" y1="27381" x2="36275" y2="28770"/>
+                        <a14:foregroundMark x1="65392" y1="89980" x2="59412" y2="82440"/>
+                        <a14:backgroundMark x1="28725" y1="76885" x2="28725" y2="76885"/>
+                      </a14:backgroundRemoval>
+                    </a14:imgEffect>
+                  </a14:imgLayer>
+                </a14:imgProps>
+              </a:ext>
+            </a:extLst>
+          </a:blip>
+          <a:srcRect l="48163" t="72888" r="22263" b="-6221"/>
+          <a:stretch/>
+        </p:blipFill>
+        <p:spPr>
+          <a:xfrm>
+            <a:off x="5932913" y="4572000"/>
+            <a:ext cx="2052321" cy="2286000"/>
+          </a:xfrm>
+          <a:prstGeom prst="rect">
+            <a:avLst/>
+          </a:prstGeom>
+        </p:spPr>
+      </p:pic>
+    </p:spTree>
+    <p:extLst>
+      <p:ext uri="{BB962C8B-B14F-4D97-AF65-F5344CB8AC3E}">
+        <p14:creationId xmlns:p14="http://schemas.microsoft.com/office/powerpoint/2010/main" val="1272934744"/>
+      </p:ext>
+    </p:extLst>
+  </p:cSld>
+  <p:clrMapOvr>
+    <a:masterClrMapping/>
+  </p:clrMapOvr>
 </p:sld>
 </file>
 
@@ -20958,13 +21393,27 @@
           <a:p>
             <a:r>
               <a:rPr lang="nb-NO" dirty="0"/>
-              <a:t>Ved å skape trygghet og tillit ved utleie ved bruk av byggets systemer</a:t>
-            </a:r>
-          </a:p>
-          <a:p>
+              <a:t>Ved å skape trygghet og tillit for utleier og leietaker</a:t>
+            </a:r>
+          </a:p>
+          <a:p>
+            <a:pPr marL="571500" lvl="1" indent="-342900">
+              <a:buFont typeface="+mj-lt"/>
+              <a:buAutoNum type="alphaUcPeriod"/>
+            </a:pPr>
             <a:r>
               <a:rPr lang="nb-NO" dirty="0"/>
-              <a:t>Ved å bygge en dings som gjør at også bygg uten smarte systemer kan leies ut like trygt som moderne lokaler</a:t>
+              <a:t>ved å koble seg til husets systemer (sensorer, kamera, lås), eller </a:t>
+            </a:r>
+          </a:p>
+          <a:p>
+            <a:pPr marL="571500" lvl="1" indent="-342900">
+              <a:buFont typeface="+mj-lt"/>
+              <a:buAutoNum type="alphaUcPeriod"/>
+            </a:pPr>
+            <a:r>
+              <a:rPr lang="nb-NO" dirty="0"/>
+              <a:t>ved å bruke en dings som gjør at også bygg uten smarte systemer kan leies ut like trygt som smarte lokaler</a:t>
             </a:r>
           </a:p>
           <a:p>
@@ -21266,8 +21715,8 @@
         </p:nvSpPr>
         <p:spPr>
           <a:xfrm>
-            <a:off x="4048611" y="5263756"/>
-            <a:ext cx="4094778" cy="646331"/>
+            <a:off x="3482265" y="5324716"/>
+            <a:ext cx="5227469" cy="830997"/>
           </a:xfrm>
           <a:prstGeom prst="rect">
             <a:avLst/>
@@ -21281,7 +21730,7 @@
           <a:p>
             <a:pPr algn="ctr"/>
             <a:r>
-              <a:rPr lang="nb-NO" sz="3600" dirty="0"/>
+              <a:rPr lang="nb-NO" sz="4800" dirty="0"/>
               <a:t>Vi åpner byen din!</a:t>
             </a:r>
           </a:p>
